--- a/ВКРБ_Сорока Александр_Презентация.pptx
+++ b/ВКРБ_Сорока Александр_Презентация.pptx
@@ -5,13 +5,19 @@
     <p:sldMasterId id="2147483672" r:id="rId1"/>
   </p:sldMasterIdLst>
   <p:notesMasterIdLst>
-    <p:notesMasterId r:id="rId6"/>
+    <p:notesMasterId r:id="rId12"/>
   </p:notesMasterIdLst>
   <p:sldIdLst>
     <p:sldId id="256" r:id="rId2"/>
     <p:sldId id="258" r:id="rId3"/>
     <p:sldId id="259" r:id="rId4"/>
-    <p:sldId id="267" r:id="rId5"/>
+    <p:sldId id="268" r:id="rId5"/>
+    <p:sldId id="270" r:id="rId6"/>
+    <p:sldId id="271" r:id="rId7"/>
+    <p:sldId id="273" r:id="rId8"/>
+    <p:sldId id="272" r:id="rId9"/>
+    <p:sldId id="274" r:id="rId10"/>
+    <p:sldId id="267" r:id="rId11"/>
   </p:sldIdLst>
   <p:sldSz cx="12192000" cy="6858000"/>
   <p:notesSz cx="6858000" cy="9144000"/>
@@ -559,6 +565,342 @@
     <p:extLst>
       <p:ext uri="{BB962C8B-B14F-4D97-AF65-F5344CB8AC3E}">
         <p14:creationId xmlns:p14="http://schemas.microsoft.com/office/powerpoint/2010/main" val="422915947"/>
+      </p:ext>
+    </p:extLst>
+  </p:cSld>
+  <p:clrMapOvr>
+    <a:masterClrMapping/>
+  </p:clrMapOvr>
+</p:notes>
+</file>
+
+<file path=ppt/notesSlides/notesSlide2.xml><?xml version="1.0" encoding="utf-8"?>
+<p:notes xmlns:a="http://schemas.openxmlformats.org/drawingml/2006/main" xmlns:r="http://schemas.openxmlformats.org/officeDocument/2006/relationships" xmlns:p="http://schemas.openxmlformats.org/presentationml/2006/main">
+  <p:cSld>
+    <p:spTree>
+      <p:nvGrpSpPr>
+        <p:cNvPr id="1" name=""/>
+        <p:cNvGrpSpPr/>
+        <p:nvPr/>
+      </p:nvGrpSpPr>
+      <p:grpSpPr>
+        <a:xfrm>
+          <a:off x="0" y="0"/>
+          <a:ext cx="0" cy="0"/>
+          <a:chOff x="0" y="0"/>
+          <a:chExt cx="0" cy="0"/>
+        </a:xfrm>
+      </p:grpSpPr>
+      <p:sp>
+        <p:nvSpPr>
+          <p:cNvPr id="2" name="Образ слайда 1"/>
+          <p:cNvSpPr>
+            <a:spLocks noGrp="1" noRot="1" noChangeAspect="1"/>
+          </p:cNvSpPr>
+          <p:nvPr>
+            <p:ph type="sldImg"/>
+          </p:nvPr>
+        </p:nvSpPr>
+        <p:spPr/>
+      </p:sp>
+      <p:sp>
+        <p:nvSpPr>
+          <p:cNvPr id="3" name="Заметки 2"/>
+          <p:cNvSpPr>
+            <a:spLocks noGrp="1"/>
+          </p:cNvSpPr>
+          <p:nvPr>
+            <p:ph type="body" idx="1"/>
+          </p:nvPr>
+        </p:nvSpPr>
+        <p:spPr/>
+        <p:txBody>
+          <a:bodyPr/>
+          <a:lstStyle/>
+          <a:p>
+            <a:endParaRPr lang="ru-RU" dirty="0"/>
+          </a:p>
+        </p:txBody>
+      </p:sp>
+      <p:sp>
+        <p:nvSpPr>
+          <p:cNvPr id="4" name="Номер слайда 3"/>
+          <p:cNvSpPr>
+            <a:spLocks noGrp="1"/>
+          </p:cNvSpPr>
+          <p:nvPr>
+            <p:ph type="sldNum" sz="quarter" idx="10"/>
+          </p:nvPr>
+        </p:nvSpPr>
+        <p:spPr/>
+        <p:txBody>
+          <a:bodyPr/>
+          <a:lstStyle/>
+          <a:p>
+            <a:fld id="{0048289E-2F4B-4BDB-9E3D-307BE649A8BF}" type="slidenum">
+              <a:rPr lang="ru-RU" smtClean="0"/>
+              <a:t>6</a:t>
+            </a:fld>
+            <a:endParaRPr lang="ru-RU"/>
+          </a:p>
+        </p:txBody>
+      </p:sp>
+    </p:spTree>
+    <p:extLst>
+      <p:ext uri="{BB962C8B-B14F-4D97-AF65-F5344CB8AC3E}">
+        <p14:creationId xmlns:p14="http://schemas.microsoft.com/office/powerpoint/2010/main" val="76438543"/>
+      </p:ext>
+    </p:extLst>
+  </p:cSld>
+  <p:clrMapOvr>
+    <a:masterClrMapping/>
+  </p:clrMapOvr>
+</p:notes>
+</file>
+
+<file path=ppt/notesSlides/notesSlide3.xml><?xml version="1.0" encoding="utf-8"?>
+<p:notes xmlns:a="http://schemas.openxmlformats.org/drawingml/2006/main" xmlns:r="http://schemas.openxmlformats.org/officeDocument/2006/relationships" xmlns:p="http://schemas.openxmlformats.org/presentationml/2006/main">
+  <p:cSld>
+    <p:spTree>
+      <p:nvGrpSpPr>
+        <p:cNvPr id="1" name=""/>
+        <p:cNvGrpSpPr/>
+        <p:nvPr/>
+      </p:nvGrpSpPr>
+      <p:grpSpPr>
+        <a:xfrm>
+          <a:off x="0" y="0"/>
+          <a:ext cx="0" cy="0"/>
+          <a:chOff x="0" y="0"/>
+          <a:chExt cx="0" cy="0"/>
+        </a:xfrm>
+      </p:grpSpPr>
+      <p:sp>
+        <p:nvSpPr>
+          <p:cNvPr id="2" name="Образ слайда 1"/>
+          <p:cNvSpPr>
+            <a:spLocks noGrp="1" noRot="1" noChangeAspect="1"/>
+          </p:cNvSpPr>
+          <p:nvPr>
+            <p:ph type="sldImg"/>
+          </p:nvPr>
+        </p:nvSpPr>
+        <p:spPr/>
+      </p:sp>
+      <p:sp>
+        <p:nvSpPr>
+          <p:cNvPr id="3" name="Заметки 2"/>
+          <p:cNvSpPr>
+            <a:spLocks noGrp="1"/>
+          </p:cNvSpPr>
+          <p:nvPr>
+            <p:ph type="body" idx="1"/>
+          </p:nvPr>
+        </p:nvSpPr>
+        <p:spPr/>
+        <p:txBody>
+          <a:bodyPr/>
+          <a:lstStyle/>
+          <a:p>
+            <a:endParaRPr lang="ru-RU" dirty="0"/>
+          </a:p>
+        </p:txBody>
+      </p:sp>
+      <p:sp>
+        <p:nvSpPr>
+          <p:cNvPr id="4" name="Номер слайда 3"/>
+          <p:cNvSpPr>
+            <a:spLocks noGrp="1"/>
+          </p:cNvSpPr>
+          <p:nvPr>
+            <p:ph type="sldNum" sz="quarter" idx="10"/>
+          </p:nvPr>
+        </p:nvSpPr>
+        <p:spPr/>
+        <p:txBody>
+          <a:bodyPr/>
+          <a:lstStyle/>
+          <a:p>
+            <a:fld id="{0048289E-2F4B-4BDB-9E3D-307BE649A8BF}" type="slidenum">
+              <a:rPr lang="ru-RU" smtClean="0"/>
+              <a:t>7</a:t>
+            </a:fld>
+            <a:endParaRPr lang="ru-RU"/>
+          </a:p>
+        </p:txBody>
+      </p:sp>
+    </p:spTree>
+    <p:extLst>
+      <p:ext uri="{BB962C8B-B14F-4D97-AF65-F5344CB8AC3E}">
+        <p14:creationId xmlns:p14="http://schemas.microsoft.com/office/powerpoint/2010/main" val="1395179876"/>
+      </p:ext>
+    </p:extLst>
+  </p:cSld>
+  <p:clrMapOvr>
+    <a:masterClrMapping/>
+  </p:clrMapOvr>
+</p:notes>
+</file>
+
+<file path=ppt/notesSlides/notesSlide4.xml><?xml version="1.0" encoding="utf-8"?>
+<p:notes xmlns:a="http://schemas.openxmlformats.org/drawingml/2006/main" xmlns:r="http://schemas.openxmlformats.org/officeDocument/2006/relationships" xmlns:p="http://schemas.openxmlformats.org/presentationml/2006/main">
+  <p:cSld>
+    <p:spTree>
+      <p:nvGrpSpPr>
+        <p:cNvPr id="1" name=""/>
+        <p:cNvGrpSpPr/>
+        <p:nvPr/>
+      </p:nvGrpSpPr>
+      <p:grpSpPr>
+        <a:xfrm>
+          <a:off x="0" y="0"/>
+          <a:ext cx="0" cy="0"/>
+          <a:chOff x="0" y="0"/>
+          <a:chExt cx="0" cy="0"/>
+        </a:xfrm>
+      </p:grpSpPr>
+      <p:sp>
+        <p:nvSpPr>
+          <p:cNvPr id="2" name="Образ слайда 1"/>
+          <p:cNvSpPr>
+            <a:spLocks noGrp="1" noRot="1" noChangeAspect="1"/>
+          </p:cNvSpPr>
+          <p:nvPr>
+            <p:ph type="sldImg"/>
+          </p:nvPr>
+        </p:nvSpPr>
+        <p:spPr/>
+      </p:sp>
+      <p:sp>
+        <p:nvSpPr>
+          <p:cNvPr id="3" name="Заметки 2"/>
+          <p:cNvSpPr>
+            <a:spLocks noGrp="1"/>
+          </p:cNvSpPr>
+          <p:nvPr>
+            <p:ph type="body" idx="1"/>
+          </p:nvPr>
+        </p:nvSpPr>
+        <p:spPr/>
+        <p:txBody>
+          <a:bodyPr/>
+          <a:lstStyle/>
+          <a:p>
+            <a:endParaRPr lang="ru-RU" dirty="0"/>
+          </a:p>
+        </p:txBody>
+      </p:sp>
+      <p:sp>
+        <p:nvSpPr>
+          <p:cNvPr id="4" name="Номер слайда 3"/>
+          <p:cNvSpPr>
+            <a:spLocks noGrp="1"/>
+          </p:cNvSpPr>
+          <p:nvPr>
+            <p:ph type="sldNum" sz="quarter" idx="10"/>
+          </p:nvPr>
+        </p:nvSpPr>
+        <p:spPr/>
+        <p:txBody>
+          <a:bodyPr/>
+          <a:lstStyle/>
+          <a:p>
+            <a:fld id="{0048289E-2F4B-4BDB-9E3D-307BE649A8BF}" type="slidenum">
+              <a:rPr lang="ru-RU" smtClean="0"/>
+              <a:t>8</a:t>
+            </a:fld>
+            <a:endParaRPr lang="ru-RU"/>
+          </a:p>
+        </p:txBody>
+      </p:sp>
+    </p:spTree>
+    <p:extLst>
+      <p:ext uri="{BB962C8B-B14F-4D97-AF65-F5344CB8AC3E}">
+        <p14:creationId xmlns:p14="http://schemas.microsoft.com/office/powerpoint/2010/main" val="3672613696"/>
+      </p:ext>
+    </p:extLst>
+  </p:cSld>
+  <p:clrMapOvr>
+    <a:masterClrMapping/>
+  </p:clrMapOvr>
+</p:notes>
+</file>
+
+<file path=ppt/notesSlides/notesSlide5.xml><?xml version="1.0" encoding="utf-8"?>
+<p:notes xmlns:a="http://schemas.openxmlformats.org/drawingml/2006/main" xmlns:r="http://schemas.openxmlformats.org/officeDocument/2006/relationships" xmlns:p="http://schemas.openxmlformats.org/presentationml/2006/main">
+  <p:cSld>
+    <p:spTree>
+      <p:nvGrpSpPr>
+        <p:cNvPr id="1" name=""/>
+        <p:cNvGrpSpPr/>
+        <p:nvPr/>
+      </p:nvGrpSpPr>
+      <p:grpSpPr>
+        <a:xfrm>
+          <a:off x="0" y="0"/>
+          <a:ext cx="0" cy="0"/>
+          <a:chOff x="0" y="0"/>
+          <a:chExt cx="0" cy="0"/>
+        </a:xfrm>
+      </p:grpSpPr>
+      <p:sp>
+        <p:nvSpPr>
+          <p:cNvPr id="2" name="Образ слайда 1"/>
+          <p:cNvSpPr>
+            <a:spLocks noGrp="1" noRot="1" noChangeAspect="1"/>
+          </p:cNvSpPr>
+          <p:nvPr>
+            <p:ph type="sldImg"/>
+          </p:nvPr>
+        </p:nvSpPr>
+        <p:spPr/>
+      </p:sp>
+      <p:sp>
+        <p:nvSpPr>
+          <p:cNvPr id="3" name="Заметки 2"/>
+          <p:cNvSpPr>
+            <a:spLocks noGrp="1"/>
+          </p:cNvSpPr>
+          <p:nvPr>
+            <p:ph type="body" idx="1"/>
+          </p:nvPr>
+        </p:nvSpPr>
+        <p:spPr/>
+        <p:txBody>
+          <a:bodyPr/>
+          <a:lstStyle/>
+          <a:p>
+            <a:endParaRPr lang="ru-RU" dirty="0"/>
+          </a:p>
+        </p:txBody>
+      </p:sp>
+      <p:sp>
+        <p:nvSpPr>
+          <p:cNvPr id="4" name="Номер слайда 3"/>
+          <p:cNvSpPr>
+            <a:spLocks noGrp="1"/>
+          </p:cNvSpPr>
+          <p:nvPr>
+            <p:ph type="sldNum" sz="quarter" idx="10"/>
+          </p:nvPr>
+        </p:nvSpPr>
+        <p:spPr/>
+        <p:txBody>
+          <a:bodyPr/>
+          <a:lstStyle/>
+          <a:p>
+            <a:fld id="{0048289E-2F4B-4BDB-9E3D-307BE649A8BF}" type="slidenum">
+              <a:rPr lang="ru-RU" smtClean="0"/>
+              <a:t>9</a:t>
+            </a:fld>
+            <a:endParaRPr lang="ru-RU"/>
+          </a:p>
+        </p:txBody>
+      </p:sp>
+    </p:spTree>
+    <p:extLst>
+      <p:ext uri="{BB962C8B-B14F-4D97-AF65-F5344CB8AC3E}">
+        <p14:creationId xmlns:p14="http://schemas.microsoft.com/office/powerpoint/2010/main" val="2053489812"/>
       </p:ext>
     </p:extLst>
   </p:cSld>
@@ -3468,8 +3810,8 @@
         </p:nvSpPr>
         <p:spPr>
           <a:xfrm>
-            <a:off x="6606758" y="2517593"/>
-            <a:ext cx="3831772" cy="1938992"/>
+            <a:off x="6606758" y="2825369"/>
+            <a:ext cx="3831772" cy="1323439"/>
           </a:xfrm>
           <a:prstGeom prst="rect">
             <a:avLst/>
@@ -3490,7 +3832,7 @@
                 </a:solidFill>
                 <a:latin typeface="Elektra Text Pro" panose="02000503030000020004" pitchFamily="50" charset="-52"/>
               </a:rPr>
-              <a:t>Выпускная квалификационная работа бакалавра</a:t>
+              <a:t>Применение </a:t>
             </a:r>
             <a:r>
               <a:rPr lang="ru-RU" sz="2000" dirty="0">
@@ -3499,7 +3841,7 @@
                 </a:solidFill>
                 <a:latin typeface="Elektra Text Pro" panose="02000503030000020004" pitchFamily="50" charset="-52"/>
               </a:rPr>
-              <a:t>. Применение алгоритмов машинного обучения для задач</a:t>
+              <a:t>алгоритмов машинного обучения для задач</a:t>
             </a:r>
           </a:p>
           <a:p>
@@ -3513,12 +3855,6 @@
               </a:rPr>
               <a:t>захвата движения человека на видеоизображении</a:t>
             </a:r>
-            <a:endParaRPr lang="ru-RU" sz="2000" dirty="0">
-              <a:solidFill>
-                <a:schemeClr val="bg1"/>
-              </a:solidFill>
-              <a:latin typeface="Elektra Text Pro" panose="02000503030000020004" pitchFamily="50" charset="-52"/>
-            </a:endParaRPr>
           </a:p>
         </p:txBody>
       </p:sp>
@@ -3660,325 +3996,7 @@
 </p:sld>
 </file>
 
-<file path=ppt/slides/slide2.xml><?xml version="1.0" encoding="utf-8"?>
-<p:sld xmlns:a="http://schemas.openxmlformats.org/drawingml/2006/main" xmlns:r="http://schemas.openxmlformats.org/officeDocument/2006/relationships" xmlns:p="http://schemas.openxmlformats.org/presentationml/2006/main">
-  <p:cSld>
-    <p:bg>
-      <p:bgPr>
-        <a:blipFill dpi="0" rotWithShape="1">
-          <a:blip r:embed="rId3">
-            <a:lum/>
-          </a:blip>
-          <a:srcRect/>
-          <a:stretch>
-            <a:fillRect/>
-          </a:stretch>
-        </a:blipFill>
-        <a:effectLst/>
-      </p:bgPr>
-    </p:bg>
-    <p:spTree>
-      <p:nvGrpSpPr>
-        <p:cNvPr id="1" name=""/>
-        <p:cNvGrpSpPr/>
-        <p:nvPr/>
-      </p:nvGrpSpPr>
-      <p:grpSpPr>
-        <a:xfrm>
-          <a:off x="0" y="0"/>
-          <a:ext cx="0" cy="0"/>
-          <a:chOff x="0" y="0"/>
-          <a:chExt cx="0" cy="0"/>
-        </a:xfrm>
-      </p:grpSpPr>
-      <p:sp>
-        <p:nvSpPr>
-          <p:cNvPr id="4" name="TextBox 3"/>
-          <p:cNvSpPr txBox="1"/>
-          <p:nvPr/>
-        </p:nvSpPr>
-        <p:spPr>
-          <a:xfrm>
-            <a:off x="1907179" y="1514908"/>
-            <a:ext cx="8411390" cy="646331"/>
-          </a:xfrm>
-          <a:prstGeom prst="rect">
-            <a:avLst/>
-          </a:prstGeom>
-          <a:noFill/>
-        </p:spPr>
-        <p:txBody>
-          <a:bodyPr wrap="square" rtlCol="0">
-            <a:spAutoFit/>
-          </a:bodyPr>
-          <a:lstStyle/>
-          <a:p>
-            <a:r>
-              <a:rPr lang="ru-RU" dirty="0"/>
-              <a:t>Фирменный шрифт внедрен в файл презентации для отображения на компьютерах, на которых данный шрифт отсутствует. </a:t>
-            </a:r>
-          </a:p>
-        </p:txBody>
-      </p:sp>
-      <p:sp>
-        <p:nvSpPr>
-          <p:cNvPr id="7" name="TextBox 6"/>
-          <p:cNvSpPr txBox="1"/>
-          <p:nvPr/>
-        </p:nvSpPr>
-        <p:spPr>
-          <a:xfrm>
-            <a:off x="2351321" y="301539"/>
-            <a:ext cx="7898675" cy="369332"/>
-          </a:xfrm>
-          <a:prstGeom prst="rect">
-            <a:avLst/>
-          </a:prstGeom>
-          <a:noFill/>
-        </p:spPr>
-        <p:txBody>
-          <a:bodyPr wrap="square" rtlCol="0" anchor="ctr" anchorCtr="1">
-            <a:spAutoFit/>
-          </a:bodyPr>
-          <a:lstStyle/>
-          <a:p>
-            <a:pPr algn="ctr"/>
-            <a:r>
-              <a:rPr lang="ru-RU" dirty="0" smtClean="0">
-                <a:solidFill>
-                  <a:schemeClr val="bg1"/>
-                </a:solidFill>
-                <a:latin typeface="Elektra Text Pro" panose="02000503030000020004" pitchFamily="50" charset="-52"/>
-              </a:rPr>
-              <a:t>Цели и задачи</a:t>
-            </a:r>
-            <a:endParaRPr lang="ru-RU" dirty="0">
-              <a:solidFill>
-                <a:schemeClr val="bg1"/>
-              </a:solidFill>
-              <a:latin typeface="Elektra Text Pro" panose="02000503030000020004" pitchFamily="50" charset="-52"/>
-            </a:endParaRPr>
-          </a:p>
-        </p:txBody>
-      </p:sp>
-      <p:sp>
-        <p:nvSpPr>
-          <p:cNvPr id="8" name="TextBox 7"/>
-          <p:cNvSpPr txBox="1"/>
-          <p:nvPr/>
-        </p:nvSpPr>
-        <p:spPr>
-          <a:xfrm>
-            <a:off x="11105759" y="6341149"/>
-            <a:ext cx="469107" cy="369332"/>
-          </a:xfrm>
-          <a:prstGeom prst="rect">
-            <a:avLst/>
-          </a:prstGeom>
-          <a:noFill/>
-        </p:spPr>
-        <p:txBody>
-          <a:bodyPr wrap="square" rtlCol="0">
-            <a:spAutoFit/>
-          </a:bodyPr>
-          <a:lstStyle/>
-          <a:p>
-            <a:pPr algn="ctr"/>
-            <a:fld id="{9E79BFED-6ECD-4563-B483-CEA192FFFCCF}" type="slidenum">
-              <a:rPr lang="ru-RU">
-                <a:solidFill>
-                  <a:schemeClr val="bg1"/>
-                </a:solidFill>
-                <a:latin typeface="Elektra Medium Pro" panose="02000803000000020004" pitchFamily="50" charset="-52"/>
-              </a:rPr>
-              <a:t>2</a:t>
-            </a:fld>
-            <a:endParaRPr lang="ru-RU" dirty="0">
-              <a:solidFill>
-                <a:schemeClr val="bg1"/>
-              </a:solidFill>
-              <a:latin typeface="Elektra Medium Pro" panose="02000803000000020004" pitchFamily="50" charset="-52"/>
-            </a:endParaRPr>
-          </a:p>
-        </p:txBody>
-      </p:sp>
-    </p:spTree>
-    <p:extLst>
-      <p:ext uri="{BB962C8B-B14F-4D97-AF65-F5344CB8AC3E}">
-        <p14:creationId xmlns:p14="http://schemas.microsoft.com/office/powerpoint/2010/main" val="1806022529"/>
-      </p:ext>
-    </p:extLst>
-  </p:cSld>
-  <p:clrMapOvr>
-    <a:masterClrMapping/>
-  </p:clrMapOvr>
-  <p:timing>
-    <p:tnLst>
-      <p:par>
-        <p:cTn id="1" dur="indefinite" restart="never" nodeType="tmRoot"/>
-      </p:par>
-    </p:tnLst>
-  </p:timing>
-</p:sld>
-</file>
-
-<file path=ppt/slides/slide3.xml><?xml version="1.0" encoding="utf-8"?>
-<p:sld xmlns:a="http://schemas.openxmlformats.org/drawingml/2006/main" xmlns:r="http://schemas.openxmlformats.org/officeDocument/2006/relationships" xmlns:p="http://schemas.openxmlformats.org/presentationml/2006/main">
-  <p:cSld>
-    <p:bg>
-      <p:bgPr>
-        <a:blipFill dpi="0" rotWithShape="1">
-          <a:blip r:embed="rId2">
-            <a:lum/>
-          </a:blip>
-          <a:srcRect/>
-          <a:stretch>
-            <a:fillRect/>
-          </a:stretch>
-        </a:blipFill>
-        <a:effectLst/>
-      </p:bgPr>
-    </p:bg>
-    <p:spTree>
-      <p:nvGrpSpPr>
-        <p:cNvPr id="1" name=""/>
-        <p:cNvGrpSpPr/>
-        <p:nvPr/>
-      </p:nvGrpSpPr>
-      <p:grpSpPr>
-        <a:xfrm>
-          <a:off x="0" y="0"/>
-          <a:ext cx="0" cy="0"/>
-          <a:chOff x="0" y="0"/>
-          <a:chExt cx="0" cy="0"/>
-        </a:xfrm>
-      </p:grpSpPr>
-      <p:sp>
-        <p:nvSpPr>
-          <p:cNvPr id="3" name="TextBox 2"/>
-          <p:cNvSpPr txBox="1"/>
-          <p:nvPr/>
-        </p:nvSpPr>
-        <p:spPr>
-          <a:xfrm>
-            <a:off x="2351321" y="301532"/>
-            <a:ext cx="7898675" cy="369332"/>
-          </a:xfrm>
-          <a:prstGeom prst="rect">
-            <a:avLst/>
-          </a:prstGeom>
-          <a:noFill/>
-        </p:spPr>
-        <p:txBody>
-          <a:bodyPr wrap="square" rtlCol="0" anchor="ctr" anchorCtr="1">
-            <a:spAutoFit/>
-          </a:bodyPr>
-          <a:lstStyle/>
-          <a:p>
-            <a:pPr algn="ctr"/>
-            <a:r>
-              <a:rPr lang="ru-RU" dirty="0">
-                <a:solidFill>
-                  <a:schemeClr val="bg1"/>
-                </a:solidFill>
-                <a:latin typeface="Elektra Text Pro" panose="02000503030000020004" pitchFamily="50" charset="-52"/>
-              </a:rPr>
-              <a:t>НАЗВАНИЕ СЛАЙДА В 1 СТРОКУ. ПРОПИСНЫЕ БУКВЫ, ШРИФТ 18 П</a:t>
-            </a:r>
-          </a:p>
-        </p:txBody>
-      </p:sp>
-      <p:sp>
-        <p:nvSpPr>
-          <p:cNvPr id="4" name="TextBox 3"/>
-          <p:cNvSpPr txBox="1"/>
-          <p:nvPr/>
-        </p:nvSpPr>
-        <p:spPr>
-          <a:xfrm>
-            <a:off x="11109953" y="6324371"/>
-            <a:ext cx="469107" cy="369332"/>
-          </a:xfrm>
-          <a:prstGeom prst="rect">
-            <a:avLst/>
-          </a:prstGeom>
-          <a:noFill/>
-        </p:spPr>
-        <p:txBody>
-          <a:bodyPr wrap="square" rtlCol="0">
-            <a:spAutoFit/>
-          </a:bodyPr>
-          <a:lstStyle/>
-          <a:p>
-            <a:pPr algn="ctr"/>
-            <a:fld id="{4CB11690-5800-4A0D-8C28-71894E2CF362}" type="slidenum">
-              <a:rPr lang="ru-RU">
-                <a:solidFill>
-                  <a:schemeClr val="bg1"/>
-                </a:solidFill>
-                <a:latin typeface="Elektra Medium Pro" panose="02000803000000020004" pitchFamily="50" charset="-52"/>
-              </a:rPr>
-              <a:t>3</a:t>
-            </a:fld>
-            <a:endParaRPr lang="ru-RU" dirty="0">
-              <a:solidFill>
-                <a:schemeClr val="bg1"/>
-              </a:solidFill>
-              <a:latin typeface="Elektra Medium Pro" panose="02000803000000020004" pitchFamily="50" charset="-52"/>
-            </a:endParaRPr>
-          </a:p>
-        </p:txBody>
-      </p:sp>
-      <p:sp>
-        <p:nvSpPr>
-          <p:cNvPr id="5" name="TextBox 4"/>
-          <p:cNvSpPr txBox="1"/>
-          <p:nvPr/>
-        </p:nvSpPr>
-        <p:spPr>
-          <a:xfrm>
-            <a:off x="1907179" y="1514908"/>
-            <a:ext cx="8411390" cy="646331"/>
-          </a:xfrm>
-          <a:prstGeom prst="rect">
-            <a:avLst/>
-          </a:prstGeom>
-          <a:noFill/>
-        </p:spPr>
-        <p:txBody>
-          <a:bodyPr wrap="square" rtlCol="0">
-            <a:spAutoFit/>
-          </a:bodyPr>
-          <a:lstStyle/>
-          <a:p>
-            <a:r>
-              <a:rPr lang="ru-RU" dirty="0"/>
-              <a:t>Фирменный шрифт внедрен в файл презентации для отображения на компьютерах, на которых данный шрифт отсутствует. </a:t>
-            </a:r>
-          </a:p>
-        </p:txBody>
-      </p:sp>
-    </p:spTree>
-    <p:extLst>
-      <p:ext uri="{BB962C8B-B14F-4D97-AF65-F5344CB8AC3E}">
-        <p14:creationId xmlns:p14="http://schemas.microsoft.com/office/powerpoint/2010/main" val="1878654547"/>
-      </p:ext>
-    </p:extLst>
-  </p:cSld>
-  <p:clrMapOvr>
-    <a:masterClrMapping/>
-  </p:clrMapOvr>
-  <p:timing>
-    <p:tnLst>
-      <p:par>
-        <p:cTn id="1" dur="indefinite" restart="never" nodeType="tmRoot"/>
-      </p:par>
-    </p:tnLst>
-  </p:timing>
-</p:sld>
-</file>
-
-<file path=ppt/slides/slide4.xml><?xml version="1.0" encoding="utf-8"?>
+<file path=ppt/slides/slide10.xml><?xml version="1.0" encoding="utf-8"?>
 <p:sld xmlns:a="http://schemas.openxmlformats.org/drawingml/2006/main" xmlns:r="http://schemas.openxmlformats.org/officeDocument/2006/relationships" xmlns:p="http://schemas.openxmlformats.org/presentationml/2006/main">
   <p:cSld>
     <p:bg>
@@ -4080,16 +4098,67 @@
           </a:p>
         </p:txBody>
       </p:sp>
-      <p:sp>
-        <p:nvSpPr>
-          <p:cNvPr id="6" name="TextBox 5"/>
+    </p:spTree>
+    <p:extLst>
+      <p:ext uri="{BB962C8B-B14F-4D97-AF65-F5344CB8AC3E}">
+        <p14:creationId xmlns:p14="http://schemas.microsoft.com/office/powerpoint/2010/main" val="451246388"/>
+      </p:ext>
+    </p:extLst>
+  </p:cSld>
+  <p:clrMapOvr>
+    <a:masterClrMapping/>
+  </p:clrMapOvr>
+  <p:timing>
+    <p:tnLst>
+      <p:par>
+        <p:cTn id="1" dur="indefinite" restart="never" nodeType="tmRoot"/>
+      </p:par>
+    </p:tnLst>
+  </p:timing>
+</p:sld>
+</file>
+
+<file path=ppt/slides/slide2.xml><?xml version="1.0" encoding="utf-8"?>
+<p:sld xmlns:a="http://schemas.openxmlformats.org/drawingml/2006/main" xmlns:r="http://schemas.openxmlformats.org/officeDocument/2006/relationships" xmlns:p="http://schemas.openxmlformats.org/presentationml/2006/main">
+  <p:cSld>
+    <p:bg>
+      <p:bgPr>
+        <a:blipFill dpi="0" rotWithShape="1">
+          <a:blip r:embed="rId3">
+            <a:lum/>
+          </a:blip>
+          <a:srcRect/>
+          <a:stretch>
+            <a:fillRect/>
+          </a:stretch>
+        </a:blipFill>
+        <a:effectLst/>
+      </p:bgPr>
+    </p:bg>
+    <p:spTree>
+      <p:nvGrpSpPr>
+        <p:cNvPr id="1" name=""/>
+        <p:cNvGrpSpPr/>
+        <p:nvPr/>
+      </p:nvGrpSpPr>
+      <p:grpSpPr>
+        <a:xfrm>
+          <a:off x="0" y="0"/>
+          <a:ext cx="0" cy="0"/>
+          <a:chOff x="0" y="0"/>
+          <a:chExt cx="0" cy="0"/>
+        </a:xfrm>
+      </p:grpSpPr>
+      <p:sp>
+        <p:nvSpPr>
+          <p:cNvPr id="4" name="TextBox 3"/>
           <p:cNvSpPr txBox="1"/>
           <p:nvPr/>
         </p:nvSpPr>
         <p:spPr>
           <a:xfrm>
-            <a:off x="6620477" y="4455876"/>
-            <a:ext cx="3846286" cy="954107"/>
+            <a:off x="1002861" y="900644"/>
+            <a:ext cx="10595594" cy="5355312"/>
           </a:xfrm>
           <a:prstGeom prst="rect">
             <a:avLst/>
@@ -4097,6 +4166,151 @@
           <a:noFill/>
         </p:spPr>
         <p:txBody>
+          <a:bodyPr wrap="square" rtlCol="0">
+            <a:spAutoFit/>
+          </a:bodyPr>
+          <a:lstStyle/>
+          <a:p>
+            <a:r>
+              <a:rPr lang="ru-RU" dirty="0"/>
+              <a:t>Цель данной работы — исследовать применимость модели машинного обучения, способную с высокой точностью определять ключевые точки человеческого тела на изображениях и видео. </a:t>
+            </a:r>
+            <a:endParaRPr lang="en-US" dirty="0" smtClean="0"/>
+          </a:p>
+          <a:p>
+            <a:endParaRPr lang="en-US" dirty="0"/>
+          </a:p>
+          <a:p>
+            <a:r>
+              <a:rPr lang="ru-RU" dirty="0" smtClean="0"/>
+              <a:t>Задачи, подлежащие решению в работе:</a:t>
+            </a:r>
+          </a:p>
+          <a:p>
+            <a:pPr marL="285750" indent="-285750">
+              <a:buFont typeface="Wingdings" panose="05000000000000000000" pitchFamily="2" charset="2"/>
+              <a:buChar char="§"/>
+            </a:pPr>
+            <a:endParaRPr lang="ru-RU" dirty="0" smtClean="0"/>
+          </a:p>
+          <a:p>
+            <a:pPr marL="285750" indent="-285750">
+              <a:buFont typeface="Wingdings" panose="05000000000000000000" pitchFamily="2" charset="2"/>
+              <a:buChar char="§"/>
+            </a:pPr>
+            <a:r>
+              <a:rPr lang="ru-RU" dirty="0" smtClean="0"/>
+              <a:t>проведение аналитического обзора научной литературы по тематике решения задачи захвата движений, включая описание методов с маркерами и без маркеров;</a:t>
+            </a:r>
+          </a:p>
+          <a:p>
+            <a:pPr marL="285750" indent="-285750">
+              <a:buFont typeface="Wingdings" panose="05000000000000000000" pitchFamily="2" charset="2"/>
+              <a:buChar char="§"/>
+            </a:pPr>
+            <a:endParaRPr lang="ru-RU" dirty="0" smtClean="0"/>
+          </a:p>
+          <a:p>
+            <a:pPr marL="285750" indent="-285750">
+              <a:buFont typeface="Wingdings" panose="05000000000000000000" pitchFamily="2" charset="2"/>
+              <a:buChar char="§"/>
+            </a:pPr>
+            <a:r>
+              <a:rPr lang="ru-RU" dirty="0" smtClean="0"/>
+              <a:t>исследование алгоритмов машинного обучения и их сравнительный анализ для применения в задачах захвата движения;</a:t>
+            </a:r>
+          </a:p>
+          <a:p>
+            <a:pPr marL="285750" indent="-285750">
+              <a:buFont typeface="Wingdings" panose="05000000000000000000" pitchFamily="2" charset="2"/>
+              <a:buChar char="§"/>
+            </a:pPr>
+            <a:endParaRPr lang="ru-RU" dirty="0" smtClean="0"/>
+          </a:p>
+          <a:p>
+            <a:pPr marL="285750" indent="-285750">
+              <a:buFont typeface="Wingdings" panose="05000000000000000000" pitchFamily="2" charset="2"/>
+              <a:buChar char="§"/>
+            </a:pPr>
+            <a:r>
+              <a:rPr lang="ru-RU" dirty="0" smtClean="0"/>
+              <a:t>реализация </a:t>
+            </a:r>
+            <a:r>
+              <a:rPr lang="ru-RU" dirty="0"/>
+              <a:t>алгоритма для определения двумерных ключевых точек на основе выбранных архитектур моделей, оптимизаторов и методов </a:t>
+            </a:r>
+            <a:r>
+              <a:rPr lang="ru-RU" dirty="0" smtClean="0"/>
+              <a:t>обучения</a:t>
+            </a:r>
+          </a:p>
+          <a:p>
+            <a:pPr marL="285750" indent="-285750">
+              <a:buFont typeface="Wingdings" panose="05000000000000000000" pitchFamily="2" charset="2"/>
+              <a:buChar char="§"/>
+            </a:pPr>
+            <a:endParaRPr lang="ru-RU" dirty="0" smtClean="0"/>
+          </a:p>
+          <a:p>
+            <a:pPr marL="285750" indent="-285750">
+              <a:buFont typeface="Wingdings" panose="05000000000000000000" pitchFamily="2" charset="2"/>
+              <a:buChar char="§"/>
+            </a:pPr>
+            <a:r>
+              <a:rPr lang="ru-RU" dirty="0" smtClean="0"/>
+              <a:t>проведение </a:t>
+            </a:r>
+            <a:r>
+              <a:rPr lang="ru-RU" dirty="0"/>
+              <a:t>аналитического обзора научной литературы по применению методов преобразования двумерных ключевых точек в трёхмерные </a:t>
+            </a:r>
+            <a:r>
+              <a:rPr lang="ru-RU" dirty="0" smtClean="0"/>
+              <a:t>координаты</a:t>
+            </a:r>
+          </a:p>
+          <a:p>
+            <a:pPr marL="285750" indent="-285750">
+              <a:buFont typeface="Wingdings" panose="05000000000000000000" pitchFamily="2" charset="2"/>
+              <a:buChar char="§"/>
+            </a:pPr>
+            <a:endParaRPr lang="ru-RU" dirty="0" smtClean="0"/>
+          </a:p>
+          <a:p>
+            <a:pPr marL="285750" indent="-285750">
+              <a:buFont typeface="Wingdings" panose="05000000000000000000" pitchFamily="2" charset="2"/>
+              <a:buChar char="§"/>
+            </a:pPr>
+            <a:r>
+              <a:rPr lang="ru-RU" dirty="0" smtClean="0"/>
+              <a:t>проведение </a:t>
+            </a:r>
+            <a:r>
+              <a:rPr lang="ru-RU" dirty="0"/>
+              <a:t>экспериментов и анализ полученных результатов для моде-лей с различными архитектурами, оценка точности и полноты моделей на основе ключевых метрик</a:t>
+            </a:r>
+            <a:endParaRPr lang="ru-RU" dirty="0"/>
+          </a:p>
+        </p:txBody>
+      </p:sp>
+      <p:sp>
+        <p:nvSpPr>
+          <p:cNvPr id="7" name="TextBox 6"/>
+          <p:cNvSpPr txBox="1"/>
+          <p:nvPr/>
+        </p:nvSpPr>
+        <p:spPr>
+          <a:xfrm>
+            <a:off x="2351321" y="301539"/>
+            <a:ext cx="7898675" cy="369332"/>
+          </a:xfrm>
+          <a:prstGeom prst="rect">
+            <a:avLst/>
+          </a:prstGeom>
+          <a:noFill/>
+        </p:spPr>
+        <p:txBody>
           <a:bodyPr wrap="square" rtlCol="0" anchor="ctr" anchorCtr="1">
             <a:spAutoFit/>
           </a:bodyPr>
@@ -4104,51 +4318,635 @@
           <a:p>
             <a:pPr algn="ctr"/>
             <a:r>
-              <a:rPr lang="ru-RU" sz="1400" dirty="0">
+              <a:rPr lang="ru-RU" dirty="0" smtClean="0">
                 <a:solidFill>
                   <a:schemeClr val="bg1"/>
                 </a:solidFill>
                 <a:latin typeface="Elektra Text Pro" panose="02000503030000020004" pitchFamily="50" charset="-52"/>
               </a:rPr>
-              <a:t>По желанию – личные контактные</a:t>
-            </a:r>
-          </a:p>
+              <a:t>Цели и задачи</a:t>
+            </a:r>
+            <a:endParaRPr lang="ru-RU" dirty="0">
+              <a:solidFill>
+                <a:schemeClr val="bg1"/>
+              </a:solidFill>
+              <a:latin typeface="Elektra Text Pro" panose="02000503030000020004" pitchFamily="50" charset="-52"/>
+            </a:endParaRPr>
+          </a:p>
+        </p:txBody>
+      </p:sp>
+      <p:sp>
+        <p:nvSpPr>
+          <p:cNvPr id="8" name="TextBox 7"/>
+          <p:cNvSpPr txBox="1"/>
+          <p:nvPr/>
+        </p:nvSpPr>
+        <p:spPr>
+          <a:xfrm>
+            <a:off x="11105759" y="6341149"/>
+            <a:ext cx="469107" cy="369332"/>
+          </a:xfrm>
+          <a:prstGeom prst="rect">
+            <a:avLst/>
+          </a:prstGeom>
+          <a:noFill/>
+        </p:spPr>
+        <p:txBody>
+          <a:bodyPr wrap="square" rtlCol="0">
+            <a:spAutoFit/>
+          </a:bodyPr>
+          <a:lstStyle/>
           <a:p>
             <a:pPr algn="ctr"/>
-            <a:r>
-              <a:rPr lang="ru-RU" sz="1400" dirty="0">
+            <a:fld id="{9E79BFED-6ECD-4563-B483-CEA192FFFCCF}" type="slidenum">
+              <a:rPr lang="ru-RU">
+                <a:solidFill>
+                  <a:schemeClr val="bg1"/>
+                </a:solidFill>
+                <a:latin typeface="Elektra Medium Pro" panose="02000803000000020004" pitchFamily="50" charset="-52"/>
+              </a:rPr>
+              <a:t>2</a:t>
+            </a:fld>
+            <a:endParaRPr lang="ru-RU" dirty="0">
+              <a:solidFill>
+                <a:schemeClr val="bg1"/>
+              </a:solidFill>
+              <a:latin typeface="Elektra Medium Pro" panose="02000803000000020004" pitchFamily="50" charset="-52"/>
+            </a:endParaRPr>
+          </a:p>
+        </p:txBody>
+      </p:sp>
+    </p:spTree>
+    <p:extLst>
+      <p:ext uri="{BB962C8B-B14F-4D97-AF65-F5344CB8AC3E}">
+        <p14:creationId xmlns:p14="http://schemas.microsoft.com/office/powerpoint/2010/main" val="1806022529"/>
+      </p:ext>
+    </p:extLst>
+  </p:cSld>
+  <p:clrMapOvr>
+    <a:masterClrMapping/>
+  </p:clrMapOvr>
+  <p:timing>
+    <p:tnLst>
+      <p:par>
+        <p:cTn id="1" dur="indefinite" restart="never" nodeType="tmRoot"/>
+      </p:par>
+    </p:tnLst>
+  </p:timing>
+</p:sld>
+</file>
+
+<file path=ppt/slides/slide3.xml><?xml version="1.0" encoding="utf-8"?>
+<p:sld xmlns:a="http://schemas.openxmlformats.org/drawingml/2006/main" xmlns:r="http://schemas.openxmlformats.org/officeDocument/2006/relationships" xmlns:p="http://schemas.openxmlformats.org/presentationml/2006/main">
+  <p:cSld>
+    <p:bg>
+      <p:bgPr>
+        <a:blipFill dpi="0" rotWithShape="1">
+          <a:blip r:embed="rId2">
+            <a:lum/>
+          </a:blip>
+          <a:srcRect/>
+          <a:stretch>
+            <a:fillRect/>
+          </a:stretch>
+        </a:blipFill>
+        <a:effectLst/>
+      </p:bgPr>
+    </p:bg>
+    <p:spTree>
+      <p:nvGrpSpPr>
+        <p:cNvPr id="1" name=""/>
+        <p:cNvGrpSpPr/>
+        <p:nvPr/>
+      </p:nvGrpSpPr>
+      <p:grpSpPr>
+        <a:xfrm>
+          <a:off x="0" y="0"/>
+          <a:ext cx="0" cy="0"/>
+          <a:chOff x="0" y="0"/>
+          <a:chExt cx="0" cy="0"/>
+        </a:xfrm>
+      </p:grpSpPr>
+      <p:sp>
+        <p:nvSpPr>
+          <p:cNvPr id="3" name="TextBox 2"/>
+          <p:cNvSpPr txBox="1"/>
+          <p:nvPr/>
+        </p:nvSpPr>
+        <p:spPr>
+          <a:xfrm>
+            <a:off x="2351321" y="301532"/>
+            <a:ext cx="7898675" cy="369332"/>
+          </a:xfrm>
+          <a:prstGeom prst="rect">
+            <a:avLst/>
+          </a:prstGeom>
+          <a:noFill/>
+        </p:spPr>
+        <p:txBody>
+          <a:bodyPr wrap="square" rtlCol="0" anchor="ctr" anchorCtr="1">
+            <a:spAutoFit/>
+          </a:bodyPr>
+          <a:lstStyle/>
+          <a:p>
+            <a:pPr algn="ctr"/>
+            <a:r>
+              <a:rPr lang="ru-RU" dirty="0" smtClean="0">
                 <a:solidFill>
                   <a:schemeClr val="bg1"/>
                 </a:solidFill>
                 <a:latin typeface="Elektra Text Pro" panose="02000503030000020004" pitchFamily="50" charset="-52"/>
               </a:rPr>
-              <a:t>данные автора,</a:t>
-            </a:r>
-          </a:p>
+              <a:t>Общие понятия и математическая постановка задачи</a:t>
+            </a:r>
+            <a:endParaRPr lang="ru-RU" dirty="0">
+              <a:solidFill>
+                <a:schemeClr val="bg1"/>
+              </a:solidFill>
+              <a:latin typeface="Elektra Text Pro" panose="02000503030000020004" pitchFamily="50" charset="-52"/>
+            </a:endParaRPr>
+          </a:p>
+        </p:txBody>
+      </p:sp>
+      <p:sp>
+        <p:nvSpPr>
+          <p:cNvPr id="4" name="TextBox 3"/>
+          <p:cNvSpPr txBox="1"/>
+          <p:nvPr/>
+        </p:nvSpPr>
+        <p:spPr>
+          <a:xfrm>
+            <a:off x="11109953" y="6324371"/>
+            <a:ext cx="469107" cy="369332"/>
+          </a:xfrm>
+          <a:prstGeom prst="rect">
+            <a:avLst/>
+          </a:prstGeom>
+          <a:noFill/>
+        </p:spPr>
+        <p:txBody>
+          <a:bodyPr wrap="square" rtlCol="0">
+            <a:spAutoFit/>
+          </a:bodyPr>
+          <a:lstStyle/>
           <a:p>
             <a:pPr algn="ctr"/>
-            <a:r>
-              <a:rPr lang="ru-RU" sz="1400" dirty="0">
+            <a:fld id="{4CB11690-5800-4A0D-8C28-71894E2CF362}" type="slidenum">
+              <a:rPr lang="ru-RU">
+                <a:solidFill>
+                  <a:schemeClr val="bg1"/>
+                </a:solidFill>
+                <a:latin typeface="Elektra Medium Pro" panose="02000803000000020004" pitchFamily="50" charset="-52"/>
+              </a:rPr>
+              <a:t>3</a:t>
+            </a:fld>
+            <a:endParaRPr lang="ru-RU" dirty="0">
+              <a:solidFill>
+                <a:schemeClr val="bg1"/>
+              </a:solidFill>
+              <a:latin typeface="Elektra Medium Pro" panose="02000803000000020004" pitchFamily="50" charset="-52"/>
+            </a:endParaRPr>
+          </a:p>
+        </p:txBody>
+      </p:sp>
+      <p:sp>
+        <p:nvSpPr>
+          <p:cNvPr id="5" name="TextBox 4"/>
+          <p:cNvSpPr txBox="1"/>
+          <p:nvPr/>
+        </p:nvSpPr>
+        <p:spPr>
+          <a:xfrm>
+            <a:off x="926663" y="5237825"/>
+            <a:ext cx="5434877" cy="307777"/>
+          </a:xfrm>
+          <a:prstGeom prst="rect">
+            <a:avLst/>
+          </a:prstGeom>
+          <a:noFill/>
+        </p:spPr>
+        <p:txBody>
+          <a:bodyPr wrap="square" rtlCol="0">
+            <a:spAutoFit/>
+          </a:bodyPr>
+          <a:lstStyle/>
+          <a:p>
+            <a:pPr algn="ctr"/>
+            <a:r>
+              <a:rPr lang="ru-RU" sz="1400" dirty="0" smtClean="0"/>
+              <a:t>Рисунок 1 – Технология </a:t>
+            </a:r>
+            <a:r>
+              <a:rPr lang="en-US" sz="1400" dirty="0" smtClean="0"/>
+              <a:t>Motion Capture (</a:t>
+            </a:r>
+            <a:r>
+              <a:rPr lang="ru-RU" sz="1400" dirty="0" smtClean="0"/>
+              <a:t>маркерная</a:t>
+            </a:r>
+            <a:r>
+              <a:rPr lang="en-US" sz="1400" dirty="0" smtClean="0"/>
+              <a:t>)</a:t>
+            </a:r>
+            <a:endParaRPr lang="ru-RU" sz="1400" dirty="0"/>
+          </a:p>
+        </p:txBody>
+      </p:sp>
+      <p:pic>
+        <p:nvPicPr>
+          <p:cNvPr id="8" name="Рисунок 7" descr="https://i0.wp.com/axisxr.gg/wp-content/uploads/2024/01/what-is-motion-capture52.webp?fit=1920%2C1280&amp;ssl=1"/>
+          <p:cNvPicPr/>
+          <p:nvPr/>
+        </p:nvPicPr>
+        <p:blipFill>
+          <a:blip r:embed="rId3" cstate="print">
+            <a:extLst>
+              <a:ext uri="{28A0092B-C50C-407E-A947-70E740481C1C}">
+                <a14:useLocalDpi xmlns:a14="http://schemas.microsoft.com/office/drawing/2010/main" val="0"/>
+              </a:ext>
+            </a:extLst>
+          </a:blip>
+          <a:srcRect/>
+          <a:stretch>
+            <a:fillRect/>
+          </a:stretch>
+        </p:blipFill>
+        <p:spPr bwMode="auto">
+          <a:xfrm>
+            <a:off x="929266" y="1615736"/>
+            <a:ext cx="5434877" cy="3622089"/>
+          </a:xfrm>
+          <a:prstGeom prst="rect">
+            <a:avLst/>
+          </a:prstGeom>
+          <a:noFill/>
+          <a:ln>
+            <a:solidFill>
+              <a:schemeClr val="tx1"/>
+            </a:solidFill>
+          </a:ln>
+        </p:spPr>
+      </p:pic>
+      <mc:AlternateContent xmlns:mc="http://schemas.openxmlformats.org/markup-compatibility/2006">
+        <mc:Choice xmlns:a14="http://schemas.microsoft.com/office/drawing/2010/main" Requires="a14">
+          <p:sp>
+            <p:nvSpPr>
+              <p:cNvPr id="10" name="TextBox 9"/>
+              <p:cNvSpPr txBox="1"/>
+              <p:nvPr/>
+            </p:nvSpPr>
+            <p:spPr>
+              <a:xfrm>
+                <a:off x="6514801" y="1995619"/>
+                <a:ext cx="5064260" cy="2862322"/>
+              </a:xfrm>
+              <a:prstGeom prst="rect">
+                <a:avLst/>
+              </a:prstGeom>
+              <a:noFill/>
+            </p:spPr>
+            <p:txBody>
+              <a:bodyPr wrap="square" rtlCol="0">
+                <a:spAutoFit/>
+              </a:bodyPr>
+              <a:lstStyle/>
+              <a:p>
+                <a:r>
+                  <a:rPr lang="ru-RU" dirty="0"/>
+                  <a:t>Пусть </a:t>
+                </a:r>
+                <a14:m>
+                  <m:oMath xmlns:m="http://schemas.openxmlformats.org/officeDocument/2006/math">
+                    <m:r>
+                      <a:rPr lang="ru-RU" i="1"/>
+                      <m:t>𝐼</m:t>
+                    </m:r>
+                  </m:oMath>
+                </a14:m>
+                <a:r>
+                  <a:rPr lang="ru-RU" dirty="0"/>
+                  <a:t> обозначает кадр из видеопотока, а </a:t>
+                </a:r>
+                <a14:m>
+                  <m:oMath xmlns:m="http://schemas.openxmlformats.org/officeDocument/2006/math">
+                    <m:r>
+                      <a:rPr lang="ru-RU" i="1"/>
+                      <m:t>𝑃</m:t>
+                    </m:r>
+                    <m:r>
+                      <a:rPr lang="ru-RU" i="1"/>
+                      <m:t>=</m:t>
+                    </m:r>
+                    <m:d>
+                      <m:dPr>
+                        <m:ctrlPr>
+                          <a:rPr lang="ru-RU" i="1"/>
+                        </m:ctrlPr>
+                      </m:dPr>
+                      <m:e>
+                        <m:sSub>
+                          <m:sSubPr>
+                            <m:ctrlPr>
+                              <a:rPr lang="ru-RU" i="1"/>
+                            </m:ctrlPr>
+                          </m:sSubPr>
+                          <m:e>
+                            <m:r>
+                              <a:rPr lang="ru-RU" i="1"/>
+                              <m:t>𝑝</m:t>
+                            </m:r>
+                          </m:e>
+                          <m:sub>
+                            <m:r>
+                              <a:rPr lang="ru-RU" i="1"/>
+                              <m:t>1</m:t>
+                            </m:r>
+                          </m:sub>
+                        </m:sSub>
+                        <m:r>
+                          <a:rPr lang="ru-RU" i="1"/>
+                          <m:t>,</m:t>
+                        </m:r>
+                        <m:sSub>
+                          <m:sSubPr>
+                            <m:ctrlPr>
+                              <a:rPr lang="ru-RU" i="1"/>
+                            </m:ctrlPr>
+                          </m:sSubPr>
+                          <m:e>
+                            <m:r>
+                              <a:rPr lang="ru-RU" i="1"/>
+                              <m:t>𝑝</m:t>
+                            </m:r>
+                          </m:e>
+                          <m:sub>
+                            <m:r>
+                              <a:rPr lang="ru-RU" i="1"/>
+                              <m:t>2</m:t>
+                            </m:r>
+                          </m:sub>
+                        </m:sSub>
+                        <m:r>
+                          <a:rPr lang="ru-RU" i="1"/>
+                          <m:t>,…,</m:t>
+                        </m:r>
+                        <m:sSub>
+                          <m:sSubPr>
+                            <m:ctrlPr>
+                              <a:rPr lang="ru-RU" i="1"/>
+                            </m:ctrlPr>
+                          </m:sSubPr>
+                          <m:e>
+                            <m:r>
+                              <a:rPr lang="ru-RU" i="1"/>
+                              <m:t>𝑝</m:t>
+                            </m:r>
+                          </m:e>
+                          <m:sub>
+                            <m:r>
+                              <a:rPr lang="ru-RU" i="1"/>
+                              <m:t>𝑛</m:t>
+                            </m:r>
+                          </m:sub>
+                        </m:sSub>
+                      </m:e>
+                    </m:d>
+                  </m:oMath>
+                </a14:m>
+                <a:r>
+                  <a:rPr lang="ru-RU" dirty="0"/>
+                  <a:t> – набор ключевых точек, которые необходимо определить. Каждая точка </a:t>
+                </a:r>
+                <a14:m>
+                  <m:oMath xmlns:m="http://schemas.openxmlformats.org/officeDocument/2006/math">
+                    <m:sSub>
+                      <m:sSubPr>
+                        <m:ctrlPr>
+                          <a:rPr lang="ru-RU" i="1"/>
+                        </m:ctrlPr>
+                      </m:sSubPr>
+                      <m:e>
+                        <m:r>
+                          <a:rPr lang="ru-RU" i="1"/>
+                          <m:t>𝑝</m:t>
+                        </m:r>
+                      </m:e>
+                      <m:sub>
+                        <m:r>
+                          <a:rPr lang="ru-RU" i="1"/>
+                          <m:t>𝑖</m:t>
+                        </m:r>
+                      </m:sub>
+                    </m:sSub>
+                  </m:oMath>
+                </a14:m>
+                <a:r>
+                  <a:rPr lang="ru-RU" dirty="0"/>
+                  <a:t> описывается своими координатами на изображении </a:t>
+                </a:r>
+                <a14:m>
+                  <m:oMath xmlns:m="http://schemas.openxmlformats.org/officeDocument/2006/math">
+                    <m:d>
+                      <m:dPr>
+                        <m:ctrlPr>
+                          <a:rPr lang="ru-RU" i="1"/>
+                        </m:ctrlPr>
+                      </m:dPr>
+                      <m:e>
+                        <m:sSub>
+                          <m:sSubPr>
+                            <m:ctrlPr>
+                              <a:rPr lang="ru-RU" i="1"/>
+                            </m:ctrlPr>
+                          </m:sSubPr>
+                          <m:e>
+                            <m:r>
+                              <a:rPr lang="ru-RU" i="1"/>
+                              <m:t>𝑥</m:t>
+                            </m:r>
+                          </m:e>
+                          <m:sub>
+                            <m:r>
+                              <a:rPr lang="ru-RU" i="1"/>
+                              <m:t>𝑖</m:t>
+                            </m:r>
+                          </m:sub>
+                        </m:sSub>
+                        <m:r>
+                          <a:rPr lang="ru-RU" i="1"/>
+                          <m:t>,</m:t>
+                        </m:r>
+                        <m:sSub>
+                          <m:sSubPr>
+                            <m:ctrlPr>
+                              <a:rPr lang="ru-RU" i="1"/>
+                            </m:ctrlPr>
+                          </m:sSubPr>
+                          <m:e>
+                            <m:r>
+                              <a:rPr lang="ru-RU" i="1"/>
+                              <m:t>𝑦</m:t>
+                            </m:r>
+                          </m:e>
+                          <m:sub>
+                            <m:r>
+                              <a:rPr lang="ru-RU" i="1"/>
+                              <m:t>𝑖</m:t>
+                            </m:r>
+                          </m:sub>
+                        </m:sSub>
+                      </m:e>
+                    </m:d>
+                  </m:oMath>
+                </a14:m>
+                <a:r>
+                  <a:rPr lang="ru-RU" dirty="0"/>
+                  <a:t>. Задача алгоритма машинного обучения – </a:t>
+                </a:r>
+                <a:r>
+                  <a:rPr lang="ru-RU" dirty="0" smtClean="0"/>
+                  <a:t>максимизировать </a:t>
+                </a:r>
+                <a:r>
+                  <a:rPr lang="ru-RU" dirty="0"/>
+                  <a:t>вероятность правильного определения этих координат, основываясь на обучающем наборе данных, содержащем аннотированные изображения.</a:t>
+                </a:r>
+              </a:p>
+            </p:txBody>
+          </p:sp>
+        </mc:Choice>
+        <mc:Fallback>
+          <p:sp>
+            <p:nvSpPr>
+              <p:cNvPr id="10" name="TextBox 9"/>
+              <p:cNvSpPr txBox="1">
+                <a:spLocks noRot="1" noChangeAspect="1" noMove="1" noResize="1" noEditPoints="1" noAdjustHandles="1" noChangeArrowheads="1" noChangeShapeType="1" noTextEdit="1"/>
+              </p:cNvSpPr>
+              <p:nvPr/>
+            </p:nvSpPr>
+            <p:spPr>
+              <a:xfrm>
+                <a:off x="6514801" y="1995619"/>
+                <a:ext cx="5064260" cy="2862322"/>
+              </a:xfrm>
+              <a:prstGeom prst="rect">
+                <a:avLst/>
+              </a:prstGeom>
+              <a:blipFill>
+                <a:blip r:embed="rId4"/>
+                <a:stretch>
+                  <a:fillRect l="-1084" t="-1064" b="-2340"/>
+                </a:stretch>
+              </a:blipFill>
+            </p:spPr>
+            <p:txBody>
+              <a:bodyPr/>
+              <a:lstStyle/>
+              <a:p>
+                <a:r>
+                  <a:rPr lang="ru-RU">
+                    <a:noFill/>
+                  </a:rPr>
+                  <a:t> </a:t>
+                </a:r>
+              </a:p>
+            </p:txBody>
+          </p:sp>
+        </mc:Fallback>
+      </mc:AlternateContent>
+    </p:spTree>
+    <p:extLst>
+      <p:ext uri="{BB962C8B-B14F-4D97-AF65-F5344CB8AC3E}">
+        <p14:creationId xmlns:p14="http://schemas.microsoft.com/office/powerpoint/2010/main" val="1878654547"/>
+      </p:ext>
+    </p:extLst>
+  </p:cSld>
+  <p:clrMapOvr>
+    <a:masterClrMapping/>
+  </p:clrMapOvr>
+  <p:timing>
+    <p:tnLst>
+      <p:par>
+        <p:cTn id="1" dur="indefinite" restart="never" nodeType="tmRoot"/>
+      </p:par>
+    </p:tnLst>
+  </p:timing>
+</p:sld>
+</file>
+
+<file path=ppt/slides/slide4.xml><?xml version="1.0" encoding="utf-8"?>
+<p:sld xmlns:a="http://schemas.openxmlformats.org/drawingml/2006/main" xmlns:r="http://schemas.openxmlformats.org/officeDocument/2006/relationships" xmlns:p="http://schemas.openxmlformats.org/presentationml/2006/main">
+  <p:cSld>
+    <p:bg>
+      <p:bgPr>
+        <a:blipFill dpi="0" rotWithShape="1">
+          <a:blip r:embed="rId2">
+            <a:lum/>
+          </a:blip>
+          <a:srcRect/>
+          <a:stretch>
+            <a:fillRect/>
+          </a:stretch>
+        </a:blipFill>
+        <a:effectLst/>
+      </p:bgPr>
+    </p:bg>
+    <p:spTree>
+      <p:nvGrpSpPr>
+        <p:cNvPr id="1" name=""/>
+        <p:cNvGrpSpPr/>
+        <p:nvPr/>
+      </p:nvGrpSpPr>
+      <p:grpSpPr>
+        <a:xfrm>
+          <a:off x="0" y="0"/>
+          <a:ext cx="0" cy="0"/>
+          <a:chOff x="0" y="0"/>
+          <a:chExt cx="0" cy="0"/>
+        </a:xfrm>
+      </p:grpSpPr>
+      <p:sp>
+        <p:nvSpPr>
+          <p:cNvPr id="3" name="TextBox 2"/>
+          <p:cNvSpPr txBox="1"/>
+          <p:nvPr/>
+        </p:nvSpPr>
+        <p:spPr>
+          <a:xfrm>
+            <a:off x="2351321" y="301532"/>
+            <a:ext cx="7898675" cy="369332"/>
+          </a:xfrm>
+          <a:prstGeom prst="rect">
+            <a:avLst/>
+          </a:prstGeom>
+          <a:noFill/>
+        </p:spPr>
+        <p:txBody>
+          <a:bodyPr wrap="square" rtlCol="0" anchor="ctr" anchorCtr="1">
+            <a:spAutoFit/>
+          </a:bodyPr>
+          <a:lstStyle/>
+          <a:p>
+            <a:pPr algn="ctr"/>
+            <a:r>
+              <a:rPr lang="ru-RU" dirty="0">
                 <a:solidFill>
                   <a:schemeClr val="bg1"/>
                 </a:solidFill>
                 <a:latin typeface="Elektra Text Pro" panose="02000503030000020004" pitchFamily="50" charset="-52"/>
               </a:rPr>
-              <a:t>телефон,</a:t>
-            </a:r>
-          </a:p>
-          <a:p>
-            <a:pPr algn="ctr"/>
-            <a:r>
-              <a:rPr lang="en-US" sz="1400" dirty="0">
+              <a:t>Алгоритмы машинного обучения для задач захвата </a:t>
+            </a:r>
+            <a:r>
+              <a:rPr lang="ru-RU" dirty="0" smtClean="0">
                 <a:solidFill>
                   <a:schemeClr val="bg1"/>
                 </a:solidFill>
                 <a:latin typeface="Elektra Text Pro" panose="02000503030000020004" pitchFamily="50" charset="-52"/>
               </a:rPr>
-              <a:t>e-mail</a:t>
-            </a:r>
-            <a:endParaRPr lang="ru-RU" sz="1400" dirty="0">
+              <a:t>движения</a:t>
+            </a:r>
+            <a:endParaRPr lang="ru-RU" dirty="0">
               <a:solidFill>
                 <a:schemeClr val="bg1"/>
               </a:solidFill>
@@ -4157,10 +4955,5296 @@
           </a:p>
         </p:txBody>
       </p:sp>
+      <p:sp>
+        <p:nvSpPr>
+          <p:cNvPr id="4" name="TextBox 3"/>
+          <p:cNvSpPr txBox="1"/>
+          <p:nvPr/>
+        </p:nvSpPr>
+        <p:spPr>
+          <a:xfrm>
+            <a:off x="11109953" y="6324371"/>
+            <a:ext cx="469107" cy="369332"/>
+          </a:xfrm>
+          <a:prstGeom prst="rect">
+            <a:avLst/>
+          </a:prstGeom>
+          <a:noFill/>
+        </p:spPr>
+        <p:txBody>
+          <a:bodyPr wrap="square" rtlCol="0">
+            <a:spAutoFit/>
+          </a:bodyPr>
+          <a:lstStyle/>
+          <a:p>
+            <a:pPr algn="ctr"/>
+            <a:fld id="{4CB11690-5800-4A0D-8C28-71894E2CF362}" type="slidenum">
+              <a:rPr lang="ru-RU">
+                <a:solidFill>
+                  <a:schemeClr val="bg1"/>
+                </a:solidFill>
+                <a:latin typeface="Elektra Medium Pro" panose="02000803000000020004" pitchFamily="50" charset="-52"/>
+              </a:rPr>
+              <a:t>4</a:t>
+            </a:fld>
+            <a:endParaRPr lang="ru-RU" dirty="0">
+              <a:solidFill>
+                <a:schemeClr val="bg1"/>
+              </a:solidFill>
+              <a:latin typeface="Elektra Medium Pro" panose="02000803000000020004" pitchFamily="50" charset="-52"/>
+            </a:endParaRPr>
+          </a:p>
+        </p:txBody>
+      </p:sp>
+      <p:sp>
+        <p:nvSpPr>
+          <p:cNvPr id="5" name="TextBox 4"/>
+          <p:cNvSpPr txBox="1"/>
+          <p:nvPr/>
+        </p:nvSpPr>
+        <p:spPr>
+          <a:xfrm>
+            <a:off x="1501142" y="4908749"/>
+            <a:ext cx="3925705" cy="307777"/>
+          </a:xfrm>
+          <a:prstGeom prst="rect">
+            <a:avLst/>
+          </a:prstGeom>
+          <a:noFill/>
+        </p:spPr>
+        <p:txBody>
+          <a:bodyPr wrap="square" rtlCol="0">
+            <a:spAutoFit/>
+          </a:bodyPr>
+          <a:lstStyle/>
+          <a:p>
+            <a:pPr algn="ctr"/>
+            <a:r>
+              <a:rPr lang="ru-RU" sz="1400" dirty="0" smtClean="0"/>
+              <a:t>Рисунок 2 – Пример</a:t>
+            </a:r>
+            <a:r>
+              <a:rPr lang="en-US" sz="1400" dirty="0" smtClean="0"/>
+              <a:t> </a:t>
+            </a:r>
+            <a:r>
+              <a:rPr lang="ru-RU" sz="1400" dirty="0" smtClean="0"/>
+              <a:t>архитектуры </a:t>
+            </a:r>
+            <a:r>
+              <a:rPr lang="en-US" sz="1400" dirty="0" smtClean="0"/>
+              <a:t>CNN</a:t>
+            </a:r>
+            <a:endParaRPr lang="ru-RU" sz="1400" dirty="0"/>
+          </a:p>
+        </p:txBody>
+      </p:sp>
+      <p:pic>
+        <p:nvPicPr>
+          <p:cNvPr id="7" name="Рисунок 6" descr="C:\Users\lican\Downloads\a-cnn-sequence-to-classify-handwritten-digits.jpg"/>
+          <p:cNvPicPr/>
+          <p:nvPr/>
+        </p:nvPicPr>
+        <p:blipFill>
+          <a:blip r:embed="rId3" cstate="print">
+            <a:extLst>
+              <a:ext uri="{28A0092B-C50C-407E-A947-70E740481C1C}">
+                <a14:useLocalDpi xmlns:a14="http://schemas.microsoft.com/office/drawing/2010/main" val="0"/>
+              </a:ext>
+            </a:extLst>
+          </a:blip>
+          <a:srcRect/>
+          <a:stretch>
+            <a:fillRect/>
+          </a:stretch>
+        </p:blipFill>
+        <p:spPr bwMode="auto">
+          <a:xfrm>
+            <a:off x="743949" y="1995619"/>
+            <a:ext cx="5440093" cy="2913131"/>
+          </a:xfrm>
+          <a:prstGeom prst="rect">
+            <a:avLst/>
+          </a:prstGeom>
+          <a:noFill/>
+          <a:ln>
+            <a:solidFill>
+              <a:schemeClr val="tx1"/>
+            </a:solidFill>
+          </a:ln>
+        </p:spPr>
+      </p:pic>
+      <mc:AlternateContent xmlns:mc="http://schemas.openxmlformats.org/markup-compatibility/2006">
+        <mc:Choice xmlns:a14="http://schemas.microsoft.com/office/drawing/2010/main" Requires="a14">
+          <p:graphicFrame>
+            <p:nvGraphicFramePr>
+              <p:cNvPr id="2" name="Таблица 1"/>
+              <p:cNvGraphicFramePr>
+                <a:graphicFrameLocks noGrp="1"/>
+              </p:cNvGraphicFramePr>
+              <p:nvPr>
+                <p:extLst>
+                  <p:ext uri="{D42A27DB-BD31-4B8C-83A1-F6EECF244321}">
+                    <p14:modId xmlns:p14="http://schemas.microsoft.com/office/powerpoint/2010/main" val="199345353"/>
+                  </p:ext>
+                </p:extLst>
+              </p:nvPr>
+            </p:nvGraphicFramePr>
+            <p:xfrm>
+              <a:off x="6551721" y="1995620"/>
+              <a:ext cx="5131292" cy="2913129"/>
+            </p:xfrm>
+            <a:graphic>
+              <a:graphicData uri="http://schemas.openxmlformats.org/drawingml/2006/table">
+                <a:tbl>
+                  <a:tblPr firstRow="1" firstCol="1" bandRow="1">
+                    <a:tableStyleId>{5C22544A-7EE6-4342-B048-85BDC9FD1C3A}</a:tableStyleId>
+                  </a:tblPr>
+                  <a:tblGrid>
+                    <a:gridCol w="1214470">
+                      <a:extLst>
+                        <a:ext uri="{9D8B030D-6E8A-4147-A177-3AD203B41FA5}">
+                          <a16:colId xmlns:a16="http://schemas.microsoft.com/office/drawing/2014/main" val="2697084214"/>
+                        </a:ext>
+                      </a:extLst>
+                    </a:gridCol>
+                    <a:gridCol w="496304">
+                      <a:extLst>
+                        <a:ext uri="{9D8B030D-6E8A-4147-A177-3AD203B41FA5}">
+                          <a16:colId xmlns:a16="http://schemas.microsoft.com/office/drawing/2014/main" val="2508390403"/>
+                        </a:ext>
+                      </a:extLst>
+                    </a:gridCol>
+                    <a:gridCol w="854873">
+                      <a:extLst>
+                        <a:ext uri="{9D8B030D-6E8A-4147-A177-3AD203B41FA5}">
+                          <a16:colId xmlns:a16="http://schemas.microsoft.com/office/drawing/2014/main" val="676965690"/>
+                        </a:ext>
+                      </a:extLst>
+                    </a:gridCol>
+                    <a:gridCol w="854873">
+                      <a:extLst>
+                        <a:ext uri="{9D8B030D-6E8A-4147-A177-3AD203B41FA5}">
+                          <a16:colId xmlns:a16="http://schemas.microsoft.com/office/drawing/2014/main" val="1032297277"/>
+                        </a:ext>
+                      </a:extLst>
+                    </a:gridCol>
+                    <a:gridCol w="855899">
+                      <a:extLst>
+                        <a:ext uri="{9D8B030D-6E8A-4147-A177-3AD203B41FA5}">
+                          <a16:colId xmlns:a16="http://schemas.microsoft.com/office/drawing/2014/main" val="277722746"/>
+                        </a:ext>
+                      </a:extLst>
+                    </a:gridCol>
+                    <a:gridCol w="854873">
+                      <a:extLst>
+                        <a:ext uri="{9D8B030D-6E8A-4147-A177-3AD203B41FA5}">
+                          <a16:colId xmlns:a16="http://schemas.microsoft.com/office/drawing/2014/main" val="13658707"/>
+                        </a:ext>
+                      </a:extLst>
+                    </a:gridCol>
+                  </a:tblGrid>
+                  <a:tr h="424547">
+                    <a:tc>
+                      <a:txBody>
+                        <a:bodyPr/>
+                        <a:lstStyle/>
+                        <a:p>
+                          <a:pPr algn="ctr">
+                            <a:spcAft>
+                              <a:spcPts val="0"/>
+                            </a:spcAft>
+                          </a:pPr>
+                          <a:r>
+                            <a:rPr lang="en-US" sz="1200" dirty="0">
+                              <a:effectLst/>
+                            </a:rPr>
+                            <a:t>Backbone</a:t>
+                          </a:r>
+                          <a:endParaRPr lang="ru-RU" sz="1200" dirty="0">
+                            <a:effectLst/>
+                            <a:latin typeface="Times New Roman" panose="02020603050405020304" pitchFamily="18" charset="0"/>
+                            <a:ea typeface="Times New Roman" panose="02020603050405020304" pitchFamily="18" charset="0"/>
+                          </a:endParaRPr>
+                        </a:p>
+                      </a:txBody>
+                      <a:tcPr marL="68580" marR="68580" marT="0" marB="0" anchor="ctr"/>
+                    </a:tc>
+                    <a:tc>
+                      <a:txBody>
+                        <a:bodyPr/>
+                        <a:lstStyle/>
+                        <a:p>
+                          <a:pPr algn="ctr">
+                            <a:spcAft>
+                              <a:spcPts val="0"/>
+                            </a:spcAft>
+                          </a:pPr>
+                          <a14:m>
+                            <m:oMathPara xmlns:m="http://schemas.openxmlformats.org/officeDocument/2006/math">
+                              <m:oMathParaPr>
+                                <m:jc m:val="centerGroup"/>
+                              </m:oMathParaPr>
+                              <m:oMath xmlns:m="http://schemas.openxmlformats.org/officeDocument/2006/math">
+                                <m:r>
+                                  <a:rPr lang="en-US" sz="1200">
+                                    <a:effectLst/>
+                                  </a:rPr>
+                                  <m:t>𝐴𝑃</m:t>
+                                </m:r>
+                              </m:oMath>
+                            </m:oMathPara>
+                          </a14:m>
+                          <a:endParaRPr lang="ru-RU" sz="1200">
+                            <a:effectLst/>
+                            <a:latin typeface="Times New Roman" panose="02020603050405020304" pitchFamily="18" charset="0"/>
+                            <a:ea typeface="Times New Roman" panose="02020603050405020304" pitchFamily="18" charset="0"/>
+                          </a:endParaRPr>
+                        </a:p>
+                      </a:txBody>
+                      <a:tcPr marL="68580" marR="68580" marT="0" marB="0" anchor="ctr"/>
+                    </a:tc>
+                    <a:tc>
+                      <a:txBody>
+                        <a:bodyPr/>
+                        <a:lstStyle/>
+                        <a:p>
+                          <a:pPr algn="ctr">
+                            <a:spcAft>
+                              <a:spcPts val="0"/>
+                            </a:spcAft>
+                          </a:pPr>
+                          <a14:m>
+                            <m:oMathPara xmlns:m="http://schemas.openxmlformats.org/officeDocument/2006/math">
+                              <m:oMathParaPr>
+                                <m:jc m:val="centerGroup"/>
+                              </m:oMathParaPr>
+                              <m:oMath xmlns:m="http://schemas.openxmlformats.org/officeDocument/2006/math">
+                                <m:r>
+                                  <a:rPr lang="en-US" sz="1200">
+                                    <a:effectLst/>
+                                  </a:rPr>
+                                  <m:t>𝐴</m:t>
+                                </m:r>
+                                <m:sSub>
+                                  <m:sSubPr>
+                                    <m:ctrlPr>
+                                      <a:rPr lang="ru-RU" sz="1200">
+                                        <a:effectLst/>
+                                      </a:rPr>
+                                    </m:ctrlPr>
+                                  </m:sSubPr>
+                                  <m:e>
+                                    <m:r>
+                                      <a:rPr lang="en-US" sz="1200">
+                                        <a:effectLst/>
+                                      </a:rPr>
+                                      <m:t>𝑃</m:t>
+                                    </m:r>
+                                  </m:e>
+                                  <m:sub>
+                                    <m:r>
+                                      <a:rPr lang="en-US" sz="1200">
+                                        <a:effectLst/>
+                                      </a:rPr>
+                                      <m:t>50</m:t>
+                                    </m:r>
+                                  </m:sub>
+                                </m:sSub>
+                              </m:oMath>
+                            </m:oMathPara>
+                          </a14:m>
+                          <a:endParaRPr lang="ru-RU" sz="1200" dirty="0">
+                            <a:effectLst/>
+                            <a:latin typeface="Times New Roman" panose="02020603050405020304" pitchFamily="18" charset="0"/>
+                            <a:ea typeface="Times New Roman" panose="02020603050405020304" pitchFamily="18" charset="0"/>
+                          </a:endParaRPr>
+                        </a:p>
+                      </a:txBody>
+                      <a:tcPr marL="68580" marR="68580" marT="0" marB="0" anchor="ctr"/>
+                    </a:tc>
+                    <a:tc>
+                      <a:txBody>
+                        <a:bodyPr/>
+                        <a:lstStyle/>
+                        <a:p>
+                          <a:pPr algn="ctr">
+                            <a:spcAft>
+                              <a:spcPts val="0"/>
+                            </a:spcAft>
+                          </a:pPr>
+                          <a14:m>
+                            <m:oMathPara xmlns:m="http://schemas.openxmlformats.org/officeDocument/2006/math">
+                              <m:oMathParaPr>
+                                <m:jc m:val="centerGroup"/>
+                              </m:oMathParaPr>
+                              <m:oMath xmlns:m="http://schemas.openxmlformats.org/officeDocument/2006/math">
+                                <m:r>
+                                  <a:rPr lang="en-US" sz="1200">
+                                    <a:effectLst/>
+                                  </a:rPr>
+                                  <m:t>𝐴</m:t>
+                                </m:r>
+                                <m:sSub>
+                                  <m:sSubPr>
+                                    <m:ctrlPr>
+                                      <a:rPr lang="ru-RU" sz="1200">
+                                        <a:effectLst/>
+                                      </a:rPr>
+                                    </m:ctrlPr>
+                                  </m:sSubPr>
+                                  <m:e>
+                                    <m:r>
+                                      <a:rPr lang="en-US" sz="1200">
+                                        <a:effectLst/>
+                                      </a:rPr>
+                                      <m:t>𝑃</m:t>
+                                    </m:r>
+                                  </m:e>
+                                  <m:sub>
+                                    <m:r>
+                                      <a:rPr lang="en-US" sz="1200">
+                                        <a:effectLst/>
+                                      </a:rPr>
+                                      <m:t>75</m:t>
+                                    </m:r>
+                                  </m:sub>
+                                </m:sSub>
+                              </m:oMath>
+                            </m:oMathPara>
+                          </a14:m>
+                          <a:endParaRPr lang="ru-RU" sz="1200">
+                            <a:effectLst/>
+                            <a:latin typeface="Times New Roman" panose="02020603050405020304" pitchFamily="18" charset="0"/>
+                            <a:ea typeface="Times New Roman" panose="02020603050405020304" pitchFamily="18" charset="0"/>
+                          </a:endParaRPr>
+                        </a:p>
+                      </a:txBody>
+                      <a:tcPr marL="68580" marR="68580" marT="0" marB="0" anchor="ctr"/>
+                    </a:tc>
+                    <a:tc>
+                      <a:txBody>
+                        <a:bodyPr/>
+                        <a:lstStyle/>
+                        <a:p>
+                          <a:pPr algn="ctr">
+                            <a:spcAft>
+                              <a:spcPts val="0"/>
+                            </a:spcAft>
+                          </a:pPr>
+                          <a14:m>
+                            <m:oMathPara xmlns:m="http://schemas.openxmlformats.org/officeDocument/2006/math">
+                              <m:oMathParaPr>
+                                <m:jc m:val="centerGroup"/>
+                              </m:oMathParaPr>
+                              <m:oMath xmlns:m="http://schemas.openxmlformats.org/officeDocument/2006/math">
+                                <m:r>
+                                  <a:rPr lang="en-US" sz="1200">
+                                    <a:effectLst/>
+                                  </a:rPr>
+                                  <m:t>𝐴</m:t>
+                                </m:r>
+                                <m:sSub>
+                                  <m:sSubPr>
+                                    <m:ctrlPr>
+                                      <a:rPr lang="ru-RU" sz="1200">
+                                        <a:effectLst/>
+                                      </a:rPr>
+                                    </m:ctrlPr>
+                                  </m:sSubPr>
+                                  <m:e>
+                                    <m:r>
+                                      <a:rPr lang="en-US" sz="1200">
+                                        <a:effectLst/>
+                                      </a:rPr>
+                                      <m:t>𝑃</m:t>
+                                    </m:r>
+                                  </m:e>
+                                  <m:sub>
+                                    <m:r>
+                                      <a:rPr lang="en-US" sz="1200">
+                                        <a:effectLst/>
+                                      </a:rPr>
+                                      <m:t>𝑀</m:t>
+                                    </m:r>
+                                  </m:sub>
+                                </m:sSub>
+                              </m:oMath>
+                            </m:oMathPara>
+                          </a14:m>
+                          <a:endParaRPr lang="ru-RU" sz="1200">
+                            <a:effectLst/>
+                            <a:latin typeface="Times New Roman" panose="02020603050405020304" pitchFamily="18" charset="0"/>
+                            <a:ea typeface="Times New Roman" panose="02020603050405020304" pitchFamily="18" charset="0"/>
+                          </a:endParaRPr>
+                        </a:p>
+                      </a:txBody>
+                      <a:tcPr marL="68580" marR="68580" marT="0" marB="0" anchor="ctr"/>
+                    </a:tc>
+                    <a:tc>
+                      <a:txBody>
+                        <a:bodyPr/>
+                        <a:lstStyle/>
+                        <a:p>
+                          <a:pPr algn="ctr">
+                            <a:spcAft>
+                              <a:spcPts val="0"/>
+                            </a:spcAft>
+                          </a:pPr>
+                          <a14:m>
+                            <m:oMathPara xmlns:m="http://schemas.openxmlformats.org/officeDocument/2006/math">
+                              <m:oMathParaPr>
+                                <m:jc m:val="centerGroup"/>
+                              </m:oMathParaPr>
+                              <m:oMath xmlns:m="http://schemas.openxmlformats.org/officeDocument/2006/math">
+                                <m:r>
+                                  <a:rPr lang="en-US" sz="1200">
+                                    <a:effectLst/>
+                                  </a:rPr>
+                                  <m:t>𝐴</m:t>
+                                </m:r>
+                                <m:sSub>
+                                  <m:sSubPr>
+                                    <m:ctrlPr>
+                                      <a:rPr lang="ru-RU" sz="1200">
+                                        <a:effectLst/>
+                                      </a:rPr>
+                                    </m:ctrlPr>
+                                  </m:sSubPr>
+                                  <m:e>
+                                    <m:r>
+                                      <a:rPr lang="en-US" sz="1200">
+                                        <a:effectLst/>
+                                      </a:rPr>
+                                      <m:t>𝑃</m:t>
+                                    </m:r>
+                                  </m:e>
+                                  <m:sub>
+                                    <m:r>
+                                      <a:rPr lang="en-US" sz="1200">
+                                        <a:effectLst/>
+                                      </a:rPr>
+                                      <m:t>𝐿</m:t>
+                                    </m:r>
+                                  </m:sub>
+                                </m:sSub>
+                              </m:oMath>
+                            </m:oMathPara>
+                          </a14:m>
+                          <a:endParaRPr lang="ru-RU" sz="1200">
+                            <a:effectLst/>
+                            <a:latin typeface="Times New Roman" panose="02020603050405020304" pitchFamily="18" charset="0"/>
+                            <a:ea typeface="Times New Roman" panose="02020603050405020304" pitchFamily="18" charset="0"/>
+                          </a:endParaRPr>
+                        </a:p>
+                      </a:txBody>
+                      <a:tcPr marL="68580" marR="68580" marT="0" marB="0" anchor="ctr"/>
+                    </a:tc>
+                    <a:extLst>
+                      <a:ext uri="{0D108BD9-81ED-4DB2-BD59-A6C34878D82A}">
+                        <a16:rowId xmlns:a16="http://schemas.microsoft.com/office/drawing/2014/main" val="3768505851"/>
+                      </a:ext>
+                    </a:extLst>
+                  </a:tr>
+                  <a:tr h="403449">
+                    <a:tc>
+                      <a:txBody>
+                        <a:bodyPr/>
+                        <a:lstStyle/>
+                        <a:p>
+                          <a:pPr algn="ctr">
+                            <a:spcAft>
+                              <a:spcPts val="0"/>
+                            </a:spcAft>
+                          </a:pPr>
+                          <a:r>
+                            <a:rPr lang="en-US" sz="1200">
+                              <a:effectLst/>
+                            </a:rPr>
+                            <a:t>ResNet-50</a:t>
+                          </a:r>
+                          <a:endParaRPr lang="ru-RU" sz="1200">
+                            <a:effectLst/>
+                            <a:latin typeface="Times New Roman" panose="02020603050405020304" pitchFamily="18" charset="0"/>
+                            <a:ea typeface="Times New Roman" panose="02020603050405020304" pitchFamily="18" charset="0"/>
+                          </a:endParaRPr>
+                        </a:p>
+                      </a:txBody>
+                      <a:tcPr marL="68580" marR="68580" marT="0" marB="0" anchor="ctr"/>
+                    </a:tc>
+                    <a:tc>
+                      <a:txBody>
+                        <a:bodyPr/>
+                        <a:lstStyle/>
+                        <a:p>
+                          <a:pPr algn="ctr">
+                            <a:spcAft>
+                              <a:spcPts val="0"/>
+                            </a:spcAft>
+                          </a:pPr>
+                          <a:r>
+                            <a:rPr lang="en-US" sz="1200">
+                              <a:effectLst/>
+                            </a:rPr>
+                            <a:t>70,4</a:t>
+                          </a:r>
+                          <a:endParaRPr lang="ru-RU" sz="1200">
+                            <a:effectLst/>
+                            <a:latin typeface="Times New Roman" panose="02020603050405020304" pitchFamily="18" charset="0"/>
+                            <a:ea typeface="Times New Roman" panose="02020603050405020304" pitchFamily="18" charset="0"/>
+                          </a:endParaRPr>
+                        </a:p>
+                      </a:txBody>
+                      <a:tcPr marL="68580" marR="68580" marT="0" marB="0" anchor="ctr"/>
+                    </a:tc>
+                    <a:tc>
+                      <a:txBody>
+                        <a:bodyPr/>
+                        <a:lstStyle/>
+                        <a:p>
+                          <a:pPr algn="ctr">
+                            <a:spcAft>
+                              <a:spcPts val="0"/>
+                            </a:spcAft>
+                          </a:pPr>
+                          <a:r>
+                            <a:rPr lang="en-US" sz="1200">
+                              <a:effectLst/>
+                            </a:rPr>
+                            <a:t>88,6</a:t>
+                          </a:r>
+                          <a:endParaRPr lang="ru-RU" sz="1200">
+                            <a:effectLst/>
+                            <a:latin typeface="Times New Roman" panose="02020603050405020304" pitchFamily="18" charset="0"/>
+                            <a:ea typeface="Times New Roman" panose="02020603050405020304" pitchFamily="18" charset="0"/>
+                          </a:endParaRPr>
+                        </a:p>
+                      </a:txBody>
+                      <a:tcPr marL="68580" marR="68580" marT="0" marB="0" anchor="ctr"/>
+                    </a:tc>
+                    <a:tc>
+                      <a:txBody>
+                        <a:bodyPr/>
+                        <a:lstStyle/>
+                        <a:p>
+                          <a:pPr algn="ctr">
+                            <a:spcAft>
+                              <a:spcPts val="0"/>
+                            </a:spcAft>
+                          </a:pPr>
+                          <a:r>
+                            <a:rPr lang="en-US" sz="1200">
+                              <a:effectLst/>
+                            </a:rPr>
+                            <a:t>78,3</a:t>
+                          </a:r>
+                          <a:endParaRPr lang="ru-RU" sz="1200">
+                            <a:effectLst/>
+                            <a:latin typeface="Times New Roman" panose="02020603050405020304" pitchFamily="18" charset="0"/>
+                            <a:ea typeface="Times New Roman" panose="02020603050405020304" pitchFamily="18" charset="0"/>
+                          </a:endParaRPr>
+                        </a:p>
+                      </a:txBody>
+                      <a:tcPr marL="68580" marR="68580" marT="0" marB="0" anchor="ctr"/>
+                    </a:tc>
+                    <a:tc>
+                      <a:txBody>
+                        <a:bodyPr/>
+                        <a:lstStyle/>
+                        <a:p>
+                          <a:pPr algn="ctr">
+                            <a:spcAft>
+                              <a:spcPts val="0"/>
+                            </a:spcAft>
+                          </a:pPr>
+                          <a:r>
+                            <a:rPr lang="en-US" sz="1200">
+                              <a:effectLst/>
+                            </a:rPr>
+                            <a:t>67,1</a:t>
+                          </a:r>
+                          <a:endParaRPr lang="ru-RU" sz="1200">
+                            <a:effectLst/>
+                            <a:latin typeface="Times New Roman" panose="02020603050405020304" pitchFamily="18" charset="0"/>
+                            <a:ea typeface="Times New Roman" panose="02020603050405020304" pitchFamily="18" charset="0"/>
+                          </a:endParaRPr>
+                        </a:p>
+                      </a:txBody>
+                      <a:tcPr marL="68580" marR="68580" marT="0" marB="0" anchor="ctr"/>
+                    </a:tc>
+                    <a:tc>
+                      <a:txBody>
+                        <a:bodyPr/>
+                        <a:lstStyle/>
+                        <a:p>
+                          <a:pPr algn="ctr">
+                            <a:spcAft>
+                              <a:spcPts val="0"/>
+                            </a:spcAft>
+                          </a:pPr>
+                          <a:r>
+                            <a:rPr lang="en-US" sz="1200">
+                              <a:effectLst/>
+                            </a:rPr>
+                            <a:t>77,2</a:t>
+                          </a:r>
+                          <a:endParaRPr lang="ru-RU" sz="1200">
+                            <a:effectLst/>
+                            <a:latin typeface="Times New Roman" panose="02020603050405020304" pitchFamily="18" charset="0"/>
+                            <a:ea typeface="Times New Roman" panose="02020603050405020304" pitchFamily="18" charset="0"/>
+                          </a:endParaRPr>
+                        </a:p>
+                      </a:txBody>
+                      <a:tcPr marL="68580" marR="68580" marT="0" marB="0" anchor="ctr"/>
+                    </a:tc>
+                    <a:extLst>
+                      <a:ext uri="{0D108BD9-81ED-4DB2-BD59-A6C34878D82A}">
+                        <a16:rowId xmlns:a16="http://schemas.microsoft.com/office/drawing/2014/main" val="2958119038"/>
+                      </a:ext>
+                    </a:extLst>
+                  </a:tr>
+                  <a:tr h="403449">
+                    <a:tc>
+                      <a:txBody>
+                        <a:bodyPr/>
+                        <a:lstStyle/>
+                        <a:p>
+                          <a:pPr algn="ctr">
+                            <a:spcAft>
+                              <a:spcPts val="0"/>
+                            </a:spcAft>
+                          </a:pPr>
+                          <a:r>
+                            <a:rPr lang="en-US" sz="1200">
+                              <a:effectLst/>
+                            </a:rPr>
+                            <a:t>Res2Net-50</a:t>
+                          </a:r>
+                          <a:endParaRPr lang="ru-RU" sz="1200">
+                            <a:effectLst/>
+                            <a:latin typeface="Times New Roman" panose="02020603050405020304" pitchFamily="18" charset="0"/>
+                            <a:ea typeface="Times New Roman" panose="02020603050405020304" pitchFamily="18" charset="0"/>
+                          </a:endParaRPr>
+                        </a:p>
+                      </a:txBody>
+                      <a:tcPr marL="68580" marR="68580" marT="0" marB="0" anchor="ctr"/>
+                    </a:tc>
+                    <a:tc>
+                      <a:txBody>
+                        <a:bodyPr/>
+                        <a:lstStyle/>
+                        <a:p>
+                          <a:pPr algn="ctr">
+                            <a:spcAft>
+                              <a:spcPts val="0"/>
+                            </a:spcAft>
+                          </a:pPr>
+                          <a:r>
+                            <a:rPr lang="en-US" sz="1200">
+                              <a:effectLst/>
+                            </a:rPr>
+                            <a:t>71,5</a:t>
+                          </a:r>
+                          <a:endParaRPr lang="ru-RU" sz="1200">
+                            <a:effectLst/>
+                            <a:latin typeface="Times New Roman" panose="02020603050405020304" pitchFamily="18" charset="0"/>
+                            <a:ea typeface="Times New Roman" panose="02020603050405020304" pitchFamily="18" charset="0"/>
+                          </a:endParaRPr>
+                        </a:p>
+                      </a:txBody>
+                      <a:tcPr marL="68580" marR="68580" marT="0" marB="0" anchor="ctr"/>
+                    </a:tc>
+                    <a:tc>
+                      <a:txBody>
+                        <a:bodyPr/>
+                        <a:lstStyle/>
+                        <a:p>
+                          <a:pPr algn="ctr">
+                            <a:spcAft>
+                              <a:spcPts val="0"/>
+                            </a:spcAft>
+                          </a:pPr>
+                          <a:r>
+                            <a:rPr lang="en-US" sz="1200">
+                              <a:effectLst/>
+                            </a:rPr>
+                            <a:t>89,0</a:t>
+                          </a:r>
+                          <a:endParaRPr lang="ru-RU" sz="1200">
+                            <a:effectLst/>
+                            <a:latin typeface="Times New Roman" panose="02020603050405020304" pitchFamily="18" charset="0"/>
+                            <a:ea typeface="Times New Roman" panose="02020603050405020304" pitchFamily="18" charset="0"/>
+                          </a:endParaRPr>
+                        </a:p>
+                      </a:txBody>
+                      <a:tcPr marL="68580" marR="68580" marT="0" marB="0" anchor="ctr"/>
+                    </a:tc>
+                    <a:tc>
+                      <a:txBody>
+                        <a:bodyPr/>
+                        <a:lstStyle/>
+                        <a:p>
+                          <a:pPr algn="ctr">
+                            <a:spcAft>
+                              <a:spcPts val="0"/>
+                            </a:spcAft>
+                          </a:pPr>
+                          <a:r>
+                            <a:rPr lang="en-US" sz="1200">
+                              <a:effectLst/>
+                            </a:rPr>
+                            <a:t>79,3</a:t>
+                          </a:r>
+                          <a:endParaRPr lang="ru-RU" sz="1200">
+                            <a:effectLst/>
+                            <a:latin typeface="Times New Roman" panose="02020603050405020304" pitchFamily="18" charset="0"/>
+                            <a:ea typeface="Times New Roman" panose="02020603050405020304" pitchFamily="18" charset="0"/>
+                          </a:endParaRPr>
+                        </a:p>
+                      </a:txBody>
+                      <a:tcPr marL="68580" marR="68580" marT="0" marB="0" anchor="ctr"/>
+                    </a:tc>
+                    <a:tc>
+                      <a:txBody>
+                        <a:bodyPr/>
+                        <a:lstStyle/>
+                        <a:p>
+                          <a:pPr algn="ctr">
+                            <a:spcAft>
+                              <a:spcPts val="0"/>
+                            </a:spcAft>
+                          </a:pPr>
+                          <a:r>
+                            <a:rPr lang="en-US" sz="1200">
+                              <a:effectLst/>
+                            </a:rPr>
+                            <a:t>68,2</a:t>
+                          </a:r>
+                          <a:endParaRPr lang="ru-RU" sz="1200">
+                            <a:effectLst/>
+                            <a:latin typeface="Times New Roman" panose="02020603050405020304" pitchFamily="18" charset="0"/>
+                            <a:ea typeface="Times New Roman" panose="02020603050405020304" pitchFamily="18" charset="0"/>
+                          </a:endParaRPr>
+                        </a:p>
+                      </a:txBody>
+                      <a:tcPr marL="68580" marR="68580" marT="0" marB="0" anchor="ctr"/>
+                    </a:tc>
+                    <a:tc>
+                      <a:txBody>
+                        <a:bodyPr/>
+                        <a:lstStyle/>
+                        <a:p>
+                          <a:pPr algn="ctr">
+                            <a:spcAft>
+                              <a:spcPts val="0"/>
+                            </a:spcAft>
+                          </a:pPr>
+                          <a:r>
+                            <a:rPr lang="en-US" sz="1200">
+                              <a:effectLst/>
+                            </a:rPr>
+                            <a:t>78,4</a:t>
+                          </a:r>
+                          <a:endParaRPr lang="ru-RU" sz="1200">
+                            <a:effectLst/>
+                            <a:latin typeface="Times New Roman" panose="02020603050405020304" pitchFamily="18" charset="0"/>
+                            <a:ea typeface="Times New Roman" panose="02020603050405020304" pitchFamily="18" charset="0"/>
+                          </a:endParaRPr>
+                        </a:p>
+                      </a:txBody>
+                      <a:tcPr marL="68580" marR="68580" marT="0" marB="0" anchor="ctr"/>
+                    </a:tc>
+                    <a:extLst>
+                      <a:ext uri="{0D108BD9-81ED-4DB2-BD59-A6C34878D82A}">
+                        <a16:rowId xmlns:a16="http://schemas.microsoft.com/office/drawing/2014/main" val="2313979666"/>
+                      </a:ext>
+                    </a:extLst>
+                  </a:tr>
+                  <a:tr h="403449">
+                    <a:tc>
+                      <a:txBody>
+                        <a:bodyPr/>
+                        <a:lstStyle/>
+                        <a:p>
+                          <a:pPr algn="ctr">
+                            <a:spcAft>
+                              <a:spcPts val="0"/>
+                            </a:spcAft>
+                          </a:pPr>
+                          <a:r>
+                            <a:rPr lang="en-US" sz="1200">
+                              <a:effectLst/>
+                            </a:rPr>
+                            <a:t>ResNet-101</a:t>
+                          </a:r>
+                          <a:endParaRPr lang="ru-RU" sz="1200">
+                            <a:effectLst/>
+                            <a:latin typeface="Times New Roman" panose="02020603050405020304" pitchFamily="18" charset="0"/>
+                            <a:ea typeface="Times New Roman" panose="02020603050405020304" pitchFamily="18" charset="0"/>
+                          </a:endParaRPr>
+                        </a:p>
+                      </a:txBody>
+                      <a:tcPr marL="68580" marR="68580" marT="0" marB="0" anchor="ctr"/>
+                    </a:tc>
+                    <a:tc>
+                      <a:txBody>
+                        <a:bodyPr/>
+                        <a:lstStyle/>
+                        <a:p>
+                          <a:pPr algn="ctr">
+                            <a:spcAft>
+                              <a:spcPts val="0"/>
+                            </a:spcAft>
+                          </a:pPr>
+                          <a:r>
+                            <a:rPr lang="en-US" sz="1200">
+                              <a:effectLst/>
+                            </a:rPr>
+                            <a:t>71,4</a:t>
+                          </a:r>
+                          <a:endParaRPr lang="ru-RU" sz="1200">
+                            <a:effectLst/>
+                            <a:latin typeface="Times New Roman" panose="02020603050405020304" pitchFamily="18" charset="0"/>
+                            <a:ea typeface="Times New Roman" panose="02020603050405020304" pitchFamily="18" charset="0"/>
+                          </a:endParaRPr>
+                        </a:p>
+                      </a:txBody>
+                      <a:tcPr marL="68580" marR="68580" marT="0" marB="0" anchor="ctr"/>
+                    </a:tc>
+                    <a:tc>
+                      <a:txBody>
+                        <a:bodyPr/>
+                        <a:lstStyle/>
+                        <a:p>
+                          <a:pPr algn="ctr">
+                            <a:spcAft>
+                              <a:spcPts val="0"/>
+                            </a:spcAft>
+                          </a:pPr>
+                          <a:r>
+                            <a:rPr lang="en-US" sz="1200">
+                              <a:effectLst/>
+                            </a:rPr>
+                            <a:t>89,3</a:t>
+                          </a:r>
+                          <a:endParaRPr lang="ru-RU" sz="1200">
+                            <a:effectLst/>
+                            <a:latin typeface="Times New Roman" panose="02020603050405020304" pitchFamily="18" charset="0"/>
+                            <a:ea typeface="Times New Roman" panose="02020603050405020304" pitchFamily="18" charset="0"/>
+                          </a:endParaRPr>
+                        </a:p>
+                      </a:txBody>
+                      <a:tcPr marL="68580" marR="68580" marT="0" marB="0" anchor="ctr"/>
+                    </a:tc>
+                    <a:tc>
+                      <a:txBody>
+                        <a:bodyPr/>
+                        <a:lstStyle/>
+                        <a:p>
+                          <a:pPr algn="ctr">
+                            <a:spcAft>
+                              <a:spcPts val="0"/>
+                            </a:spcAft>
+                          </a:pPr>
+                          <a:r>
+                            <a:rPr lang="en-US" sz="1200">
+                              <a:effectLst/>
+                            </a:rPr>
+                            <a:t>79,3</a:t>
+                          </a:r>
+                          <a:endParaRPr lang="ru-RU" sz="1200">
+                            <a:effectLst/>
+                            <a:latin typeface="Times New Roman" panose="02020603050405020304" pitchFamily="18" charset="0"/>
+                            <a:ea typeface="Times New Roman" panose="02020603050405020304" pitchFamily="18" charset="0"/>
+                          </a:endParaRPr>
+                        </a:p>
+                      </a:txBody>
+                      <a:tcPr marL="68580" marR="68580" marT="0" marB="0" anchor="ctr"/>
+                    </a:tc>
+                    <a:tc>
+                      <a:txBody>
+                        <a:bodyPr/>
+                        <a:lstStyle/>
+                        <a:p>
+                          <a:pPr algn="ctr">
+                            <a:spcAft>
+                              <a:spcPts val="0"/>
+                            </a:spcAft>
+                          </a:pPr>
+                          <a:r>
+                            <a:rPr lang="en-US" sz="1200">
+                              <a:effectLst/>
+                            </a:rPr>
+                            <a:t>68,1</a:t>
+                          </a:r>
+                          <a:endParaRPr lang="ru-RU" sz="1200">
+                            <a:effectLst/>
+                            <a:latin typeface="Times New Roman" panose="02020603050405020304" pitchFamily="18" charset="0"/>
+                            <a:ea typeface="Times New Roman" panose="02020603050405020304" pitchFamily="18" charset="0"/>
+                          </a:endParaRPr>
+                        </a:p>
+                      </a:txBody>
+                      <a:tcPr marL="68580" marR="68580" marT="0" marB="0" anchor="ctr"/>
+                    </a:tc>
+                    <a:tc>
+                      <a:txBody>
+                        <a:bodyPr/>
+                        <a:lstStyle/>
+                        <a:p>
+                          <a:pPr algn="ctr">
+                            <a:spcAft>
+                              <a:spcPts val="0"/>
+                            </a:spcAft>
+                          </a:pPr>
+                          <a:r>
+                            <a:rPr lang="en-US" sz="1200">
+                              <a:effectLst/>
+                            </a:rPr>
+                            <a:t>78,1</a:t>
+                          </a:r>
+                          <a:endParaRPr lang="ru-RU" sz="1200">
+                            <a:effectLst/>
+                            <a:latin typeface="Times New Roman" panose="02020603050405020304" pitchFamily="18" charset="0"/>
+                            <a:ea typeface="Times New Roman" panose="02020603050405020304" pitchFamily="18" charset="0"/>
+                          </a:endParaRPr>
+                        </a:p>
+                      </a:txBody>
+                      <a:tcPr marL="68580" marR="68580" marT="0" marB="0" anchor="ctr"/>
+                    </a:tc>
+                    <a:extLst>
+                      <a:ext uri="{0D108BD9-81ED-4DB2-BD59-A6C34878D82A}">
+                        <a16:rowId xmlns:a16="http://schemas.microsoft.com/office/drawing/2014/main" val="749308299"/>
+                      </a:ext>
+                    </a:extLst>
+                  </a:tr>
+                  <a:tr h="403449">
+                    <a:tc>
+                      <a:txBody>
+                        <a:bodyPr/>
+                        <a:lstStyle/>
+                        <a:p>
+                          <a:pPr algn="ctr">
+                            <a:spcAft>
+                              <a:spcPts val="0"/>
+                            </a:spcAft>
+                          </a:pPr>
+                          <a:r>
+                            <a:rPr lang="en-US" sz="1200">
+                              <a:effectLst/>
+                            </a:rPr>
+                            <a:t>Res2Net-101</a:t>
+                          </a:r>
+                          <a:endParaRPr lang="ru-RU" sz="1200">
+                            <a:effectLst/>
+                            <a:latin typeface="Times New Roman" panose="02020603050405020304" pitchFamily="18" charset="0"/>
+                            <a:ea typeface="Times New Roman" panose="02020603050405020304" pitchFamily="18" charset="0"/>
+                          </a:endParaRPr>
+                        </a:p>
+                      </a:txBody>
+                      <a:tcPr marL="68580" marR="68580" marT="0" marB="0" anchor="ctr"/>
+                    </a:tc>
+                    <a:tc>
+                      <a:txBody>
+                        <a:bodyPr/>
+                        <a:lstStyle/>
+                        <a:p>
+                          <a:pPr algn="ctr">
+                            <a:spcAft>
+                              <a:spcPts val="0"/>
+                            </a:spcAft>
+                          </a:pPr>
+                          <a:r>
+                            <a:rPr lang="en-US" sz="1200">
+                              <a:effectLst/>
+                            </a:rPr>
+                            <a:t>72,2</a:t>
+                          </a:r>
+                          <a:endParaRPr lang="ru-RU" sz="1200">
+                            <a:effectLst/>
+                            <a:latin typeface="Times New Roman" panose="02020603050405020304" pitchFamily="18" charset="0"/>
+                            <a:ea typeface="Times New Roman" panose="02020603050405020304" pitchFamily="18" charset="0"/>
+                          </a:endParaRPr>
+                        </a:p>
+                      </a:txBody>
+                      <a:tcPr marL="68580" marR="68580" marT="0" marB="0" anchor="ctr"/>
+                    </a:tc>
+                    <a:tc>
+                      <a:txBody>
+                        <a:bodyPr/>
+                        <a:lstStyle/>
+                        <a:p>
+                          <a:pPr algn="ctr">
+                            <a:spcAft>
+                              <a:spcPts val="0"/>
+                            </a:spcAft>
+                          </a:pPr>
+                          <a:r>
+                            <a:rPr lang="en-US" sz="1200">
+                              <a:effectLst/>
+                            </a:rPr>
+                            <a:t>89,4</a:t>
+                          </a:r>
+                          <a:endParaRPr lang="ru-RU" sz="1200">
+                            <a:effectLst/>
+                            <a:latin typeface="Times New Roman" panose="02020603050405020304" pitchFamily="18" charset="0"/>
+                            <a:ea typeface="Times New Roman" panose="02020603050405020304" pitchFamily="18" charset="0"/>
+                          </a:endParaRPr>
+                        </a:p>
+                      </a:txBody>
+                      <a:tcPr marL="68580" marR="68580" marT="0" marB="0" anchor="ctr"/>
+                    </a:tc>
+                    <a:tc>
+                      <a:txBody>
+                        <a:bodyPr/>
+                        <a:lstStyle/>
+                        <a:p>
+                          <a:pPr algn="ctr">
+                            <a:spcAft>
+                              <a:spcPts val="0"/>
+                            </a:spcAft>
+                          </a:pPr>
+                          <a:r>
+                            <a:rPr lang="en-US" sz="1200">
+                              <a:effectLst/>
+                            </a:rPr>
+                            <a:t>79,8</a:t>
+                          </a:r>
+                          <a:endParaRPr lang="ru-RU" sz="1200">
+                            <a:effectLst/>
+                            <a:latin typeface="Times New Roman" panose="02020603050405020304" pitchFamily="18" charset="0"/>
+                            <a:ea typeface="Times New Roman" panose="02020603050405020304" pitchFamily="18" charset="0"/>
+                          </a:endParaRPr>
+                        </a:p>
+                      </a:txBody>
+                      <a:tcPr marL="68580" marR="68580" marT="0" marB="0" anchor="ctr"/>
+                    </a:tc>
+                    <a:tc>
+                      <a:txBody>
+                        <a:bodyPr/>
+                        <a:lstStyle/>
+                        <a:p>
+                          <a:pPr algn="ctr">
+                            <a:spcAft>
+                              <a:spcPts val="0"/>
+                            </a:spcAft>
+                          </a:pPr>
+                          <a:r>
+                            <a:rPr lang="en-US" sz="1200">
+                              <a:effectLst/>
+                            </a:rPr>
+                            <a:t>68,9</a:t>
+                          </a:r>
+                          <a:endParaRPr lang="ru-RU" sz="1200">
+                            <a:effectLst/>
+                            <a:latin typeface="Times New Roman" panose="02020603050405020304" pitchFamily="18" charset="0"/>
+                            <a:ea typeface="Times New Roman" panose="02020603050405020304" pitchFamily="18" charset="0"/>
+                          </a:endParaRPr>
+                        </a:p>
+                      </a:txBody>
+                      <a:tcPr marL="68580" marR="68580" marT="0" marB="0" anchor="ctr"/>
+                    </a:tc>
+                    <a:tc>
+                      <a:txBody>
+                        <a:bodyPr/>
+                        <a:lstStyle/>
+                        <a:p>
+                          <a:pPr algn="ctr">
+                            <a:spcAft>
+                              <a:spcPts val="0"/>
+                            </a:spcAft>
+                          </a:pPr>
+                          <a:r>
+                            <a:rPr lang="en-US" sz="1200">
+                              <a:effectLst/>
+                            </a:rPr>
+                            <a:t>79,2</a:t>
+                          </a:r>
+                          <a:endParaRPr lang="ru-RU" sz="1200">
+                            <a:effectLst/>
+                            <a:latin typeface="Times New Roman" panose="02020603050405020304" pitchFamily="18" charset="0"/>
+                            <a:ea typeface="Times New Roman" panose="02020603050405020304" pitchFamily="18" charset="0"/>
+                          </a:endParaRPr>
+                        </a:p>
+                      </a:txBody>
+                      <a:tcPr marL="68580" marR="68580" marT="0" marB="0" anchor="ctr"/>
+                    </a:tc>
+                    <a:extLst>
+                      <a:ext uri="{0D108BD9-81ED-4DB2-BD59-A6C34878D82A}">
+                        <a16:rowId xmlns:a16="http://schemas.microsoft.com/office/drawing/2014/main" val="1126887313"/>
+                      </a:ext>
+                    </a:extLst>
+                  </a:tr>
+                  <a:tr h="437393">
+                    <a:tc>
+                      <a:txBody>
+                        <a:bodyPr/>
+                        <a:lstStyle/>
+                        <a:p>
+                          <a:pPr algn="ctr">
+                            <a:spcAft>
+                              <a:spcPts val="0"/>
+                            </a:spcAft>
+                          </a:pPr>
+                          <a:r>
+                            <a:rPr lang="en-US" sz="1200">
+                              <a:effectLst/>
+                            </a:rPr>
+                            <a:t>Res2Net-vlb-50</a:t>
+                          </a:r>
+                          <a:endParaRPr lang="ru-RU" sz="1200">
+                            <a:effectLst/>
+                            <a:latin typeface="Times New Roman" panose="02020603050405020304" pitchFamily="18" charset="0"/>
+                            <a:ea typeface="Times New Roman" panose="02020603050405020304" pitchFamily="18" charset="0"/>
+                          </a:endParaRPr>
+                        </a:p>
+                      </a:txBody>
+                      <a:tcPr marL="68580" marR="68580" marT="0" marB="0" anchor="ctr"/>
+                    </a:tc>
+                    <a:tc>
+                      <a:txBody>
+                        <a:bodyPr/>
+                        <a:lstStyle/>
+                        <a:p>
+                          <a:pPr algn="ctr">
+                            <a:spcAft>
+                              <a:spcPts val="0"/>
+                            </a:spcAft>
+                          </a:pPr>
+                          <a:r>
+                            <a:rPr lang="en-US" sz="1200">
+                              <a:effectLst/>
+                            </a:rPr>
+                            <a:t>72,2</a:t>
+                          </a:r>
+                          <a:endParaRPr lang="ru-RU" sz="1200">
+                            <a:effectLst/>
+                            <a:latin typeface="Times New Roman" panose="02020603050405020304" pitchFamily="18" charset="0"/>
+                            <a:ea typeface="Times New Roman" panose="02020603050405020304" pitchFamily="18" charset="0"/>
+                          </a:endParaRPr>
+                        </a:p>
+                      </a:txBody>
+                      <a:tcPr marL="68580" marR="68580" marT="0" marB="0" anchor="ctr"/>
+                    </a:tc>
+                    <a:tc>
+                      <a:txBody>
+                        <a:bodyPr/>
+                        <a:lstStyle/>
+                        <a:p>
+                          <a:pPr algn="ctr">
+                            <a:spcAft>
+                              <a:spcPts val="0"/>
+                            </a:spcAft>
+                          </a:pPr>
+                          <a:r>
+                            <a:rPr lang="en-US" sz="1200">
+                              <a:effectLst/>
+                            </a:rPr>
+                            <a:t>89,5</a:t>
+                          </a:r>
+                          <a:endParaRPr lang="ru-RU" sz="1200">
+                            <a:effectLst/>
+                            <a:latin typeface="Times New Roman" panose="02020603050405020304" pitchFamily="18" charset="0"/>
+                            <a:ea typeface="Times New Roman" panose="02020603050405020304" pitchFamily="18" charset="0"/>
+                          </a:endParaRPr>
+                        </a:p>
+                      </a:txBody>
+                      <a:tcPr marL="68580" marR="68580" marT="0" marB="0" anchor="ctr"/>
+                    </a:tc>
+                    <a:tc>
+                      <a:txBody>
+                        <a:bodyPr/>
+                        <a:lstStyle/>
+                        <a:p>
+                          <a:pPr algn="ctr">
+                            <a:spcAft>
+                              <a:spcPts val="0"/>
+                            </a:spcAft>
+                          </a:pPr>
+                          <a:r>
+                            <a:rPr lang="en-US" sz="1200">
+                              <a:effectLst/>
+                            </a:rPr>
+                            <a:t>79,7</a:t>
+                          </a:r>
+                          <a:endParaRPr lang="ru-RU" sz="1200">
+                            <a:effectLst/>
+                            <a:latin typeface="Times New Roman" panose="02020603050405020304" pitchFamily="18" charset="0"/>
+                            <a:ea typeface="Times New Roman" panose="02020603050405020304" pitchFamily="18" charset="0"/>
+                          </a:endParaRPr>
+                        </a:p>
+                      </a:txBody>
+                      <a:tcPr marL="68580" marR="68580" marT="0" marB="0" anchor="ctr"/>
+                    </a:tc>
+                    <a:tc>
+                      <a:txBody>
+                        <a:bodyPr/>
+                        <a:lstStyle/>
+                        <a:p>
+                          <a:pPr algn="ctr">
+                            <a:spcAft>
+                              <a:spcPts val="0"/>
+                            </a:spcAft>
+                          </a:pPr>
+                          <a:r>
+                            <a:rPr lang="en-US" sz="1200">
+                              <a:effectLst/>
+                            </a:rPr>
+                            <a:t>58,5</a:t>
+                          </a:r>
+                          <a:endParaRPr lang="ru-RU" sz="1200">
+                            <a:effectLst/>
+                            <a:latin typeface="Times New Roman" panose="02020603050405020304" pitchFamily="18" charset="0"/>
+                            <a:ea typeface="Times New Roman" panose="02020603050405020304" pitchFamily="18" charset="0"/>
+                          </a:endParaRPr>
+                        </a:p>
+                      </a:txBody>
+                      <a:tcPr marL="68580" marR="68580" marT="0" marB="0" anchor="ctr"/>
+                    </a:tc>
+                    <a:tc>
+                      <a:txBody>
+                        <a:bodyPr/>
+                        <a:lstStyle/>
+                        <a:p>
+                          <a:pPr algn="ctr">
+                            <a:spcAft>
+                              <a:spcPts val="0"/>
+                            </a:spcAft>
+                          </a:pPr>
+                          <a:r>
+                            <a:rPr lang="en-US" sz="1200">
+                              <a:effectLst/>
+                            </a:rPr>
+                            <a:t>79,4</a:t>
+                          </a:r>
+                          <a:endParaRPr lang="ru-RU" sz="1200">
+                            <a:effectLst/>
+                            <a:latin typeface="Times New Roman" panose="02020603050405020304" pitchFamily="18" charset="0"/>
+                            <a:ea typeface="Times New Roman" panose="02020603050405020304" pitchFamily="18" charset="0"/>
+                          </a:endParaRPr>
+                        </a:p>
+                      </a:txBody>
+                      <a:tcPr marL="68580" marR="68580" marT="0" marB="0" anchor="ctr"/>
+                    </a:tc>
+                    <a:extLst>
+                      <a:ext uri="{0D108BD9-81ED-4DB2-BD59-A6C34878D82A}">
+                        <a16:rowId xmlns:a16="http://schemas.microsoft.com/office/drawing/2014/main" val="683697051"/>
+                      </a:ext>
+                    </a:extLst>
+                  </a:tr>
+                  <a:tr h="437393">
+                    <a:tc>
+                      <a:txBody>
+                        <a:bodyPr/>
+                        <a:lstStyle/>
+                        <a:p>
+                          <a:pPr algn="ctr">
+                            <a:spcAft>
+                              <a:spcPts val="0"/>
+                            </a:spcAft>
+                          </a:pPr>
+                          <a:r>
+                            <a:rPr lang="en-US" sz="1200">
+                              <a:effectLst/>
+                            </a:rPr>
+                            <a:t>Res2Net-vlb-101</a:t>
+                          </a:r>
+                          <a:endParaRPr lang="ru-RU" sz="1200">
+                            <a:effectLst/>
+                            <a:latin typeface="Times New Roman" panose="02020603050405020304" pitchFamily="18" charset="0"/>
+                            <a:ea typeface="Times New Roman" panose="02020603050405020304" pitchFamily="18" charset="0"/>
+                          </a:endParaRPr>
+                        </a:p>
+                      </a:txBody>
+                      <a:tcPr marL="68580" marR="68580" marT="0" marB="0" anchor="ctr"/>
+                    </a:tc>
+                    <a:tc>
+                      <a:txBody>
+                        <a:bodyPr/>
+                        <a:lstStyle/>
+                        <a:p>
+                          <a:pPr algn="ctr">
+                            <a:spcAft>
+                              <a:spcPts val="0"/>
+                            </a:spcAft>
+                          </a:pPr>
+                          <a:r>
+                            <a:rPr lang="en-US" sz="1200">
+                              <a:effectLst/>
+                            </a:rPr>
+                            <a:t>73,0</a:t>
+                          </a:r>
+                          <a:endParaRPr lang="ru-RU" sz="1200">
+                            <a:effectLst/>
+                            <a:latin typeface="Times New Roman" panose="02020603050405020304" pitchFamily="18" charset="0"/>
+                            <a:ea typeface="Times New Roman" panose="02020603050405020304" pitchFamily="18" charset="0"/>
+                          </a:endParaRPr>
+                        </a:p>
+                      </a:txBody>
+                      <a:tcPr marL="68580" marR="68580" marT="0" marB="0" anchor="ctr"/>
+                    </a:tc>
+                    <a:tc>
+                      <a:txBody>
+                        <a:bodyPr/>
+                        <a:lstStyle/>
+                        <a:p>
+                          <a:pPr algn="ctr">
+                            <a:spcAft>
+                              <a:spcPts val="0"/>
+                            </a:spcAft>
+                          </a:pPr>
+                          <a:r>
+                            <a:rPr lang="en-US" sz="1200">
+                              <a:effectLst/>
+                            </a:rPr>
+                            <a:t>89,5</a:t>
+                          </a:r>
+                          <a:endParaRPr lang="ru-RU" sz="1200">
+                            <a:effectLst/>
+                            <a:latin typeface="Times New Roman" panose="02020603050405020304" pitchFamily="18" charset="0"/>
+                            <a:ea typeface="Times New Roman" panose="02020603050405020304" pitchFamily="18" charset="0"/>
+                          </a:endParaRPr>
+                        </a:p>
+                      </a:txBody>
+                      <a:tcPr marL="68580" marR="68580" marT="0" marB="0" anchor="ctr"/>
+                    </a:tc>
+                    <a:tc>
+                      <a:txBody>
+                        <a:bodyPr/>
+                        <a:lstStyle/>
+                        <a:p>
+                          <a:pPr algn="ctr">
+                            <a:spcAft>
+                              <a:spcPts val="0"/>
+                            </a:spcAft>
+                          </a:pPr>
+                          <a:r>
+                            <a:rPr lang="en-US" sz="1200">
+                              <a:effectLst/>
+                            </a:rPr>
+                            <a:t>80,3</a:t>
+                          </a:r>
+                          <a:endParaRPr lang="ru-RU" sz="1200">
+                            <a:effectLst/>
+                            <a:latin typeface="Times New Roman" panose="02020603050405020304" pitchFamily="18" charset="0"/>
+                            <a:ea typeface="Times New Roman" panose="02020603050405020304" pitchFamily="18" charset="0"/>
+                          </a:endParaRPr>
+                        </a:p>
+                      </a:txBody>
+                      <a:tcPr marL="68580" marR="68580" marT="0" marB="0" anchor="ctr"/>
+                    </a:tc>
+                    <a:tc>
+                      <a:txBody>
+                        <a:bodyPr/>
+                        <a:lstStyle/>
+                        <a:p>
+                          <a:pPr algn="ctr">
+                            <a:spcAft>
+                              <a:spcPts val="0"/>
+                            </a:spcAft>
+                          </a:pPr>
+                          <a:r>
+                            <a:rPr lang="en-US" sz="1200">
+                              <a:effectLst/>
+                            </a:rPr>
+                            <a:t>69,5</a:t>
+                          </a:r>
+                          <a:endParaRPr lang="ru-RU" sz="1200">
+                            <a:effectLst/>
+                            <a:latin typeface="Times New Roman" panose="02020603050405020304" pitchFamily="18" charset="0"/>
+                            <a:ea typeface="Times New Roman" panose="02020603050405020304" pitchFamily="18" charset="0"/>
+                          </a:endParaRPr>
+                        </a:p>
+                      </a:txBody>
+                      <a:tcPr marL="68580" marR="68580" marT="0" marB="0" anchor="ctr"/>
+                    </a:tc>
+                    <a:tc>
+                      <a:txBody>
+                        <a:bodyPr/>
+                        <a:lstStyle/>
+                        <a:p>
+                          <a:pPr algn="ctr">
+                            <a:spcAft>
+                              <a:spcPts val="0"/>
+                            </a:spcAft>
+                          </a:pPr>
+                          <a:r>
+                            <a:rPr lang="en-US" sz="1200" dirty="0">
+                              <a:effectLst/>
+                            </a:rPr>
+                            <a:t>80,0</a:t>
+                          </a:r>
+                          <a:endParaRPr lang="ru-RU" sz="1200" dirty="0">
+                            <a:effectLst/>
+                            <a:latin typeface="Times New Roman" panose="02020603050405020304" pitchFamily="18" charset="0"/>
+                            <a:ea typeface="Times New Roman" panose="02020603050405020304" pitchFamily="18" charset="0"/>
+                          </a:endParaRPr>
+                        </a:p>
+                      </a:txBody>
+                      <a:tcPr marL="68580" marR="68580" marT="0" marB="0" anchor="ctr"/>
+                    </a:tc>
+                    <a:extLst>
+                      <a:ext uri="{0D108BD9-81ED-4DB2-BD59-A6C34878D82A}">
+                        <a16:rowId xmlns:a16="http://schemas.microsoft.com/office/drawing/2014/main" val="2979743859"/>
+                      </a:ext>
+                    </a:extLst>
+                  </a:tr>
+                </a:tbl>
+              </a:graphicData>
+            </a:graphic>
+          </p:graphicFrame>
+        </mc:Choice>
+        <mc:Fallback>
+          <p:graphicFrame>
+            <p:nvGraphicFramePr>
+              <p:cNvPr id="2" name="Таблица 1"/>
+              <p:cNvGraphicFramePr>
+                <a:graphicFrameLocks noGrp="1"/>
+              </p:cNvGraphicFramePr>
+              <p:nvPr>
+                <p:extLst>
+                  <p:ext uri="{D42A27DB-BD31-4B8C-83A1-F6EECF244321}">
+                    <p14:modId xmlns:p14="http://schemas.microsoft.com/office/powerpoint/2010/main" val="199345353"/>
+                  </p:ext>
+                </p:extLst>
+              </p:nvPr>
+            </p:nvGraphicFramePr>
+            <p:xfrm>
+              <a:off x="6551721" y="1995620"/>
+              <a:ext cx="5131292" cy="2913129"/>
+            </p:xfrm>
+            <a:graphic>
+              <a:graphicData uri="http://schemas.openxmlformats.org/drawingml/2006/table">
+                <a:tbl>
+                  <a:tblPr firstRow="1" firstCol="1" bandRow="1">
+                    <a:tableStyleId>{5C22544A-7EE6-4342-B048-85BDC9FD1C3A}</a:tableStyleId>
+                  </a:tblPr>
+                  <a:tblGrid>
+                    <a:gridCol w="1214470">
+                      <a:extLst>
+                        <a:ext uri="{9D8B030D-6E8A-4147-A177-3AD203B41FA5}">
+                          <a16:colId xmlns:a16="http://schemas.microsoft.com/office/drawing/2014/main" val="2697084214"/>
+                        </a:ext>
+                      </a:extLst>
+                    </a:gridCol>
+                    <a:gridCol w="496304">
+                      <a:extLst>
+                        <a:ext uri="{9D8B030D-6E8A-4147-A177-3AD203B41FA5}">
+                          <a16:colId xmlns:a16="http://schemas.microsoft.com/office/drawing/2014/main" val="2508390403"/>
+                        </a:ext>
+                      </a:extLst>
+                    </a:gridCol>
+                    <a:gridCol w="854873">
+                      <a:extLst>
+                        <a:ext uri="{9D8B030D-6E8A-4147-A177-3AD203B41FA5}">
+                          <a16:colId xmlns:a16="http://schemas.microsoft.com/office/drawing/2014/main" val="676965690"/>
+                        </a:ext>
+                      </a:extLst>
+                    </a:gridCol>
+                    <a:gridCol w="854873">
+                      <a:extLst>
+                        <a:ext uri="{9D8B030D-6E8A-4147-A177-3AD203B41FA5}">
+                          <a16:colId xmlns:a16="http://schemas.microsoft.com/office/drawing/2014/main" val="1032297277"/>
+                        </a:ext>
+                      </a:extLst>
+                    </a:gridCol>
+                    <a:gridCol w="855899">
+                      <a:extLst>
+                        <a:ext uri="{9D8B030D-6E8A-4147-A177-3AD203B41FA5}">
+                          <a16:colId xmlns:a16="http://schemas.microsoft.com/office/drawing/2014/main" val="277722746"/>
+                        </a:ext>
+                      </a:extLst>
+                    </a:gridCol>
+                    <a:gridCol w="854873">
+                      <a:extLst>
+                        <a:ext uri="{9D8B030D-6E8A-4147-A177-3AD203B41FA5}">
+                          <a16:colId xmlns:a16="http://schemas.microsoft.com/office/drawing/2014/main" val="13658707"/>
+                        </a:ext>
+                      </a:extLst>
+                    </a:gridCol>
+                  </a:tblGrid>
+                  <a:tr h="424547">
+                    <a:tc>
+                      <a:txBody>
+                        <a:bodyPr/>
+                        <a:lstStyle/>
+                        <a:p>
+                          <a:pPr algn="ctr">
+                            <a:spcAft>
+                              <a:spcPts val="0"/>
+                            </a:spcAft>
+                          </a:pPr>
+                          <a:r>
+                            <a:rPr lang="en-US" sz="1200" dirty="0">
+                              <a:effectLst/>
+                            </a:rPr>
+                            <a:t>Backbone</a:t>
+                          </a:r>
+                          <a:endParaRPr lang="ru-RU" sz="1200" dirty="0">
+                            <a:effectLst/>
+                            <a:latin typeface="Times New Roman" panose="02020603050405020304" pitchFamily="18" charset="0"/>
+                            <a:ea typeface="Times New Roman" panose="02020603050405020304" pitchFamily="18" charset="0"/>
+                          </a:endParaRPr>
+                        </a:p>
+                      </a:txBody>
+                      <a:tcPr marL="68580" marR="68580" marT="0" marB="0" anchor="ctr"/>
+                    </a:tc>
+                    <a:tc>
+                      <a:txBody>
+                        <a:bodyPr/>
+                        <a:lstStyle/>
+                        <a:p>
+                          <a:endParaRPr lang="ru-RU"/>
+                        </a:p>
+                      </a:txBody>
+                      <a:tcPr marL="68580" marR="68580" marT="0" marB="0" anchor="ctr">
+                        <a:blipFill>
+                          <a:blip r:embed="rId4"/>
+                          <a:stretch>
+                            <a:fillRect l="-248148" t="-1429" r="-698765" b="-587143"/>
+                          </a:stretch>
+                        </a:blipFill>
+                      </a:tcPr>
+                    </a:tc>
+                    <a:tc>
+                      <a:txBody>
+                        <a:bodyPr/>
+                        <a:lstStyle/>
+                        <a:p>
+                          <a:endParaRPr lang="ru-RU"/>
+                        </a:p>
+                      </a:txBody>
+                      <a:tcPr marL="68580" marR="68580" marT="0" marB="0" anchor="ctr">
+                        <a:blipFill>
+                          <a:blip r:embed="rId4"/>
+                          <a:stretch>
+                            <a:fillRect l="-200000" t="-1429" r="-301418" b="-587143"/>
+                          </a:stretch>
+                        </a:blipFill>
+                      </a:tcPr>
+                    </a:tc>
+                    <a:tc>
+                      <a:txBody>
+                        <a:bodyPr/>
+                        <a:lstStyle/>
+                        <a:p>
+                          <a:endParaRPr lang="ru-RU"/>
+                        </a:p>
+                      </a:txBody>
+                      <a:tcPr marL="68580" marR="68580" marT="0" marB="0" anchor="ctr">
+                        <a:blipFill>
+                          <a:blip r:embed="rId4"/>
+                          <a:stretch>
+                            <a:fillRect l="-302143" t="-1429" r="-203571" b="-587143"/>
+                          </a:stretch>
+                        </a:blipFill>
+                      </a:tcPr>
+                    </a:tc>
+                    <a:tc>
+                      <a:txBody>
+                        <a:bodyPr/>
+                        <a:lstStyle/>
+                        <a:p>
+                          <a:endParaRPr lang="ru-RU"/>
+                        </a:p>
+                      </a:txBody>
+                      <a:tcPr marL="68580" marR="68580" marT="0" marB="0" anchor="ctr">
+                        <a:blipFill>
+                          <a:blip r:embed="rId4"/>
+                          <a:stretch>
+                            <a:fillRect l="-399291" t="-1429" r="-102128" b="-587143"/>
+                          </a:stretch>
+                        </a:blipFill>
+                      </a:tcPr>
+                    </a:tc>
+                    <a:tc>
+                      <a:txBody>
+                        <a:bodyPr/>
+                        <a:lstStyle/>
+                        <a:p>
+                          <a:endParaRPr lang="ru-RU"/>
+                        </a:p>
+                      </a:txBody>
+                      <a:tcPr marL="68580" marR="68580" marT="0" marB="0" anchor="ctr">
+                        <a:blipFill>
+                          <a:blip r:embed="rId4"/>
+                          <a:stretch>
+                            <a:fillRect l="-502857" t="-1429" r="-2857" b="-587143"/>
+                          </a:stretch>
+                        </a:blipFill>
+                      </a:tcPr>
+                    </a:tc>
+                    <a:extLst>
+                      <a:ext uri="{0D108BD9-81ED-4DB2-BD59-A6C34878D82A}">
+                        <a16:rowId xmlns:a16="http://schemas.microsoft.com/office/drawing/2014/main" val="3768505851"/>
+                      </a:ext>
+                    </a:extLst>
+                  </a:tr>
+                  <a:tr h="403449">
+                    <a:tc>
+                      <a:txBody>
+                        <a:bodyPr/>
+                        <a:lstStyle/>
+                        <a:p>
+                          <a:pPr algn="ctr">
+                            <a:spcAft>
+                              <a:spcPts val="0"/>
+                            </a:spcAft>
+                          </a:pPr>
+                          <a:r>
+                            <a:rPr lang="en-US" sz="1200">
+                              <a:effectLst/>
+                            </a:rPr>
+                            <a:t>ResNet-50</a:t>
+                          </a:r>
+                          <a:endParaRPr lang="ru-RU" sz="1200">
+                            <a:effectLst/>
+                            <a:latin typeface="Times New Roman" panose="02020603050405020304" pitchFamily="18" charset="0"/>
+                            <a:ea typeface="Times New Roman" panose="02020603050405020304" pitchFamily="18" charset="0"/>
+                          </a:endParaRPr>
+                        </a:p>
+                      </a:txBody>
+                      <a:tcPr marL="68580" marR="68580" marT="0" marB="0" anchor="ctr"/>
+                    </a:tc>
+                    <a:tc>
+                      <a:txBody>
+                        <a:bodyPr/>
+                        <a:lstStyle/>
+                        <a:p>
+                          <a:pPr algn="ctr">
+                            <a:spcAft>
+                              <a:spcPts val="0"/>
+                            </a:spcAft>
+                          </a:pPr>
+                          <a:r>
+                            <a:rPr lang="en-US" sz="1200">
+                              <a:effectLst/>
+                            </a:rPr>
+                            <a:t>70,4</a:t>
+                          </a:r>
+                          <a:endParaRPr lang="ru-RU" sz="1200">
+                            <a:effectLst/>
+                            <a:latin typeface="Times New Roman" panose="02020603050405020304" pitchFamily="18" charset="0"/>
+                            <a:ea typeface="Times New Roman" panose="02020603050405020304" pitchFamily="18" charset="0"/>
+                          </a:endParaRPr>
+                        </a:p>
+                      </a:txBody>
+                      <a:tcPr marL="68580" marR="68580" marT="0" marB="0" anchor="ctr"/>
+                    </a:tc>
+                    <a:tc>
+                      <a:txBody>
+                        <a:bodyPr/>
+                        <a:lstStyle/>
+                        <a:p>
+                          <a:pPr algn="ctr">
+                            <a:spcAft>
+                              <a:spcPts val="0"/>
+                            </a:spcAft>
+                          </a:pPr>
+                          <a:r>
+                            <a:rPr lang="en-US" sz="1200">
+                              <a:effectLst/>
+                            </a:rPr>
+                            <a:t>88,6</a:t>
+                          </a:r>
+                          <a:endParaRPr lang="ru-RU" sz="1200">
+                            <a:effectLst/>
+                            <a:latin typeface="Times New Roman" panose="02020603050405020304" pitchFamily="18" charset="0"/>
+                            <a:ea typeface="Times New Roman" panose="02020603050405020304" pitchFamily="18" charset="0"/>
+                          </a:endParaRPr>
+                        </a:p>
+                      </a:txBody>
+                      <a:tcPr marL="68580" marR="68580" marT="0" marB="0" anchor="ctr"/>
+                    </a:tc>
+                    <a:tc>
+                      <a:txBody>
+                        <a:bodyPr/>
+                        <a:lstStyle/>
+                        <a:p>
+                          <a:pPr algn="ctr">
+                            <a:spcAft>
+                              <a:spcPts val="0"/>
+                            </a:spcAft>
+                          </a:pPr>
+                          <a:r>
+                            <a:rPr lang="en-US" sz="1200">
+                              <a:effectLst/>
+                            </a:rPr>
+                            <a:t>78,3</a:t>
+                          </a:r>
+                          <a:endParaRPr lang="ru-RU" sz="1200">
+                            <a:effectLst/>
+                            <a:latin typeface="Times New Roman" panose="02020603050405020304" pitchFamily="18" charset="0"/>
+                            <a:ea typeface="Times New Roman" panose="02020603050405020304" pitchFamily="18" charset="0"/>
+                          </a:endParaRPr>
+                        </a:p>
+                      </a:txBody>
+                      <a:tcPr marL="68580" marR="68580" marT="0" marB="0" anchor="ctr"/>
+                    </a:tc>
+                    <a:tc>
+                      <a:txBody>
+                        <a:bodyPr/>
+                        <a:lstStyle/>
+                        <a:p>
+                          <a:pPr algn="ctr">
+                            <a:spcAft>
+                              <a:spcPts val="0"/>
+                            </a:spcAft>
+                          </a:pPr>
+                          <a:r>
+                            <a:rPr lang="en-US" sz="1200">
+                              <a:effectLst/>
+                            </a:rPr>
+                            <a:t>67,1</a:t>
+                          </a:r>
+                          <a:endParaRPr lang="ru-RU" sz="1200">
+                            <a:effectLst/>
+                            <a:latin typeface="Times New Roman" panose="02020603050405020304" pitchFamily="18" charset="0"/>
+                            <a:ea typeface="Times New Roman" panose="02020603050405020304" pitchFamily="18" charset="0"/>
+                          </a:endParaRPr>
+                        </a:p>
+                      </a:txBody>
+                      <a:tcPr marL="68580" marR="68580" marT="0" marB="0" anchor="ctr"/>
+                    </a:tc>
+                    <a:tc>
+                      <a:txBody>
+                        <a:bodyPr/>
+                        <a:lstStyle/>
+                        <a:p>
+                          <a:pPr algn="ctr">
+                            <a:spcAft>
+                              <a:spcPts val="0"/>
+                            </a:spcAft>
+                          </a:pPr>
+                          <a:r>
+                            <a:rPr lang="en-US" sz="1200">
+                              <a:effectLst/>
+                            </a:rPr>
+                            <a:t>77,2</a:t>
+                          </a:r>
+                          <a:endParaRPr lang="ru-RU" sz="1200">
+                            <a:effectLst/>
+                            <a:latin typeface="Times New Roman" panose="02020603050405020304" pitchFamily="18" charset="0"/>
+                            <a:ea typeface="Times New Roman" panose="02020603050405020304" pitchFamily="18" charset="0"/>
+                          </a:endParaRPr>
+                        </a:p>
+                      </a:txBody>
+                      <a:tcPr marL="68580" marR="68580" marT="0" marB="0" anchor="ctr"/>
+                    </a:tc>
+                    <a:extLst>
+                      <a:ext uri="{0D108BD9-81ED-4DB2-BD59-A6C34878D82A}">
+                        <a16:rowId xmlns:a16="http://schemas.microsoft.com/office/drawing/2014/main" val="2958119038"/>
+                      </a:ext>
+                    </a:extLst>
+                  </a:tr>
+                  <a:tr h="403449">
+                    <a:tc>
+                      <a:txBody>
+                        <a:bodyPr/>
+                        <a:lstStyle/>
+                        <a:p>
+                          <a:pPr algn="ctr">
+                            <a:spcAft>
+                              <a:spcPts val="0"/>
+                            </a:spcAft>
+                          </a:pPr>
+                          <a:r>
+                            <a:rPr lang="en-US" sz="1200">
+                              <a:effectLst/>
+                            </a:rPr>
+                            <a:t>Res2Net-50</a:t>
+                          </a:r>
+                          <a:endParaRPr lang="ru-RU" sz="1200">
+                            <a:effectLst/>
+                            <a:latin typeface="Times New Roman" panose="02020603050405020304" pitchFamily="18" charset="0"/>
+                            <a:ea typeface="Times New Roman" panose="02020603050405020304" pitchFamily="18" charset="0"/>
+                          </a:endParaRPr>
+                        </a:p>
+                      </a:txBody>
+                      <a:tcPr marL="68580" marR="68580" marT="0" marB="0" anchor="ctr"/>
+                    </a:tc>
+                    <a:tc>
+                      <a:txBody>
+                        <a:bodyPr/>
+                        <a:lstStyle/>
+                        <a:p>
+                          <a:pPr algn="ctr">
+                            <a:spcAft>
+                              <a:spcPts val="0"/>
+                            </a:spcAft>
+                          </a:pPr>
+                          <a:r>
+                            <a:rPr lang="en-US" sz="1200">
+                              <a:effectLst/>
+                            </a:rPr>
+                            <a:t>71,5</a:t>
+                          </a:r>
+                          <a:endParaRPr lang="ru-RU" sz="1200">
+                            <a:effectLst/>
+                            <a:latin typeface="Times New Roman" panose="02020603050405020304" pitchFamily="18" charset="0"/>
+                            <a:ea typeface="Times New Roman" panose="02020603050405020304" pitchFamily="18" charset="0"/>
+                          </a:endParaRPr>
+                        </a:p>
+                      </a:txBody>
+                      <a:tcPr marL="68580" marR="68580" marT="0" marB="0" anchor="ctr"/>
+                    </a:tc>
+                    <a:tc>
+                      <a:txBody>
+                        <a:bodyPr/>
+                        <a:lstStyle/>
+                        <a:p>
+                          <a:pPr algn="ctr">
+                            <a:spcAft>
+                              <a:spcPts val="0"/>
+                            </a:spcAft>
+                          </a:pPr>
+                          <a:r>
+                            <a:rPr lang="en-US" sz="1200">
+                              <a:effectLst/>
+                            </a:rPr>
+                            <a:t>89,0</a:t>
+                          </a:r>
+                          <a:endParaRPr lang="ru-RU" sz="1200">
+                            <a:effectLst/>
+                            <a:latin typeface="Times New Roman" panose="02020603050405020304" pitchFamily="18" charset="0"/>
+                            <a:ea typeface="Times New Roman" panose="02020603050405020304" pitchFamily="18" charset="0"/>
+                          </a:endParaRPr>
+                        </a:p>
+                      </a:txBody>
+                      <a:tcPr marL="68580" marR="68580" marT="0" marB="0" anchor="ctr"/>
+                    </a:tc>
+                    <a:tc>
+                      <a:txBody>
+                        <a:bodyPr/>
+                        <a:lstStyle/>
+                        <a:p>
+                          <a:pPr algn="ctr">
+                            <a:spcAft>
+                              <a:spcPts val="0"/>
+                            </a:spcAft>
+                          </a:pPr>
+                          <a:r>
+                            <a:rPr lang="en-US" sz="1200">
+                              <a:effectLst/>
+                            </a:rPr>
+                            <a:t>79,3</a:t>
+                          </a:r>
+                          <a:endParaRPr lang="ru-RU" sz="1200">
+                            <a:effectLst/>
+                            <a:latin typeface="Times New Roman" panose="02020603050405020304" pitchFamily="18" charset="0"/>
+                            <a:ea typeface="Times New Roman" panose="02020603050405020304" pitchFamily="18" charset="0"/>
+                          </a:endParaRPr>
+                        </a:p>
+                      </a:txBody>
+                      <a:tcPr marL="68580" marR="68580" marT="0" marB="0" anchor="ctr"/>
+                    </a:tc>
+                    <a:tc>
+                      <a:txBody>
+                        <a:bodyPr/>
+                        <a:lstStyle/>
+                        <a:p>
+                          <a:pPr algn="ctr">
+                            <a:spcAft>
+                              <a:spcPts val="0"/>
+                            </a:spcAft>
+                          </a:pPr>
+                          <a:r>
+                            <a:rPr lang="en-US" sz="1200">
+                              <a:effectLst/>
+                            </a:rPr>
+                            <a:t>68,2</a:t>
+                          </a:r>
+                          <a:endParaRPr lang="ru-RU" sz="1200">
+                            <a:effectLst/>
+                            <a:latin typeface="Times New Roman" panose="02020603050405020304" pitchFamily="18" charset="0"/>
+                            <a:ea typeface="Times New Roman" panose="02020603050405020304" pitchFamily="18" charset="0"/>
+                          </a:endParaRPr>
+                        </a:p>
+                      </a:txBody>
+                      <a:tcPr marL="68580" marR="68580" marT="0" marB="0" anchor="ctr"/>
+                    </a:tc>
+                    <a:tc>
+                      <a:txBody>
+                        <a:bodyPr/>
+                        <a:lstStyle/>
+                        <a:p>
+                          <a:pPr algn="ctr">
+                            <a:spcAft>
+                              <a:spcPts val="0"/>
+                            </a:spcAft>
+                          </a:pPr>
+                          <a:r>
+                            <a:rPr lang="en-US" sz="1200">
+                              <a:effectLst/>
+                            </a:rPr>
+                            <a:t>78,4</a:t>
+                          </a:r>
+                          <a:endParaRPr lang="ru-RU" sz="1200">
+                            <a:effectLst/>
+                            <a:latin typeface="Times New Roman" panose="02020603050405020304" pitchFamily="18" charset="0"/>
+                            <a:ea typeface="Times New Roman" panose="02020603050405020304" pitchFamily="18" charset="0"/>
+                          </a:endParaRPr>
+                        </a:p>
+                      </a:txBody>
+                      <a:tcPr marL="68580" marR="68580" marT="0" marB="0" anchor="ctr"/>
+                    </a:tc>
+                    <a:extLst>
+                      <a:ext uri="{0D108BD9-81ED-4DB2-BD59-A6C34878D82A}">
+                        <a16:rowId xmlns:a16="http://schemas.microsoft.com/office/drawing/2014/main" val="2313979666"/>
+                      </a:ext>
+                    </a:extLst>
+                  </a:tr>
+                  <a:tr h="403449">
+                    <a:tc>
+                      <a:txBody>
+                        <a:bodyPr/>
+                        <a:lstStyle/>
+                        <a:p>
+                          <a:pPr algn="ctr">
+                            <a:spcAft>
+                              <a:spcPts val="0"/>
+                            </a:spcAft>
+                          </a:pPr>
+                          <a:r>
+                            <a:rPr lang="en-US" sz="1200">
+                              <a:effectLst/>
+                            </a:rPr>
+                            <a:t>ResNet-101</a:t>
+                          </a:r>
+                          <a:endParaRPr lang="ru-RU" sz="1200">
+                            <a:effectLst/>
+                            <a:latin typeface="Times New Roman" panose="02020603050405020304" pitchFamily="18" charset="0"/>
+                            <a:ea typeface="Times New Roman" panose="02020603050405020304" pitchFamily="18" charset="0"/>
+                          </a:endParaRPr>
+                        </a:p>
+                      </a:txBody>
+                      <a:tcPr marL="68580" marR="68580" marT="0" marB="0" anchor="ctr"/>
+                    </a:tc>
+                    <a:tc>
+                      <a:txBody>
+                        <a:bodyPr/>
+                        <a:lstStyle/>
+                        <a:p>
+                          <a:pPr algn="ctr">
+                            <a:spcAft>
+                              <a:spcPts val="0"/>
+                            </a:spcAft>
+                          </a:pPr>
+                          <a:r>
+                            <a:rPr lang="en-US" sz="1200">
+                              <a:effectLst/>
+                            </a:rPr>
+                            <a:t>71,4</a:t>
+                          </a:r>
+                          <a:endParaRPr lang="ru-RU" sz="1200">
+                            <a:effectLst/>
+                            <a:latin typeface="Times New Roman" panose="02020603050405020304" pitchFamily="18" charset="0"/>
+                            <a:ea typeface="Times New Roman" panose="02020603050405020304" pitchFamily="18" charset="0"/>
+                          </a:endParaRPr>
+                        </a:p>
+                      </a:txBody>
+                      <a:tcPr marL="68580" marR="68580" marT="0" marB="0" anchor="ctr"/>
+                    </a:tc>
+                    <a:tc>
+                      <a:txBody>
+                        <a:bodyPr/>
+                        <a:lstStyle/>
+                        <a:p>
+                          <a:pPr algn="ctr">
+                            <a:spcAft>
+                              <a:spcPts val="0"/>
+                            </a:spcAft>
+                          </a:pPr>
+                          <a:r>
+                            <a:rPr lang="en-US" sz="1200">
+                              <a:effectLst/>
+                            </a:rPr>
+                            <a:t>89,3</a:t>
+                          </a:r>
+                          <a:endParaRPr lang="ru-RU" sz="1200">
+                            <a:effectLst/>
+                            <a:latin typeface="Times New Roman" panose="02020603050405020304" pitchFamily="18" charset="0"/>
+                            <a:ea typeface="Times New Roman" panose="02020603050405020304" pitchFamily="18" charset="0"/>
+                          </a:endParaRPr>
+                        </a:p>
+                      </a:txBody>
+                      <a:tcPr marL="68580" marR="68580" marT="0" marB="0" anchor="ctr"/>
+                    </a:tc>
+                    <a:tc>
+                      <a:txBody>
+                        <a:bodyPr/>
+                        <a:lstStyle/>
+                        <a:p>
+                          <a:pPr algn="ctr">
+                            <a:spcAft>
+                              <a:spcPts val="0"/>
+                            </a:spcAft>
+                          </a:pPr>
+                          <a:r>
+                            <a:rPr lang="en-US" sz="1200">
+                              <a:effectLst/>
+                            </a:rPr>
+                            <a:t>79,3</a:t>
+                          </a:r>
+                          <a:endParaRPr lang="ru-RU" sz="1200">
+                            <a:effectLst/>
+                            <a:latin typeface="Times New Roman" panose="02020603050405020304" pitchFamily="18" charset="0"/>
+                            <a:ea typeface="Times New Roman" panose="02020603050405020304" pitchFamily="18" charset="0"/>
+                          </a:endParaRPr>
+                        </a:p>
+                      </a:txBody>
+                      <a:tcPr marL="68580" marR="68580" marT="0" marB="0" anchor="ctr"/>
+                    </a:tc>
+                    <a:tc>
+                      <a:txBody>
+                        <a:bodyPr/>
+                        <a:lstStyle/>
+                        <a:p>
+                          <a:pPr algn="ctr">
+                            <a:spcAft>
+                              <a:spcPts val="0"/>
+                            </a:spcAft>
+                          </a:pPr>
+                          <a:r>
+                            <a:rPr lang="en-US" sz="1200">
+                              <a:effectLst/>
+                            </a:rPr>
+                            <a:t>68,1</a:t>
+                          </a:r>
+                          <a:endParaRPr lang="ru-RU" sz="1200">
+                            <a:effectLst/>
+                            <a:latin typeface="Times New Roman" panose="02020603050405020304" pitchFamily="18" charset="0"/>
+                            <a:ea typeface="Times New Roman" panose="02020603050405020304" pitchFamily="18" charset="0"/>
+                          </a:endParaRPr>
+                        </a:p>
+                      </a:txBody>
+                      <a:tcPr marL="68580" marR="68580" marT="0" marB="0" anchor="ctr"/>
+                    </a:tc>
+                    <a:tc>
+                      <a:txBody>
+                        <a:bodyPr/>
+                        <a:lstStyle/>
+                        <a:p>
+                          <a:pPr algn="ctr">
+                            <a:spcAft>
+                              <a:spcPts val="0"/>
+                            </a:spcAft>
+                          </a:pPr>
+                          <a:r>
+                            <a:rPr lang="en-US" sz="1200">
+                              <a:effectLst/>
+                            </a:rPr>
+                            <a:t>78,1</a:t>
+                          </a:r>
+                          <a:endParaRPr lang="ru-RU" sz="1200">
+                            <a:effectLst/>
+                            <a:latin typeface="Times New Roman" panose="02020603050405020304" pitchFamily="18" charset="0"/>
+                            <a:ea typeface="Times New Roman" panose="02020603050405020304" pitchFamily="18" charset="0"/>
+                          </a:endParaRPr>
+                        </a:p>
+                      </a:txBody>
+                      <a:tcPr marL="68580" marR="68580" marT="0" marB="0" anchor="ctr"/>
+                    </a:tc>
+                    <a:extLst>
+                      <a:ext uri="{0D108BD9-81ED-4DB2-BD59-A6C34878D82A}">
+                        <a16:rowId xmlns:a16="http://schemas.microsoft.com/office/drawing/2014/main" val="749308299"/>
+                      </a:ext>
+                    </a:extLst>
+                  </a:tr>
+                  <a:tr h="403449">
+                    <a:tc>
+                      <a:txBody>
+                        <a:bodyPr/>
+                        <a:lstStyle/>
+                        <a:p>
+                          <a:pPr algn="ctr">
+                            <a:spcAft>
+                              <a:spcPts val="0"/>
+                            </a:spcAft>
+                          </a:pPr>
+                          <a:r>
+                            <a:rPr lang="en-US" sz="1200">
+                              <a:effectLst/>
+                            </a:rPr>
+                            <a:t>Res2Net-101</a:t>
+                          </a:r>
+                          <a:endParaRPr lang="ru-RU" sz="1200">
+                            <a:effectLst/>
+                            <a:latin typeface="Times New Roman" panose="02020603050405020304" pitchFamily="18" charset="0"/>
+                            <a:ea typeface="Times New Roman" panose="02020603050405020304" pitchFamily="18" charset="0"/>
+                          </a:endParaRPr>
+                        </a:p>
+                      </a:txBody>
+                      <a:tcPr marL="68580" marR="68580" marT="0" marB="0" anchor="ctr"/>
+                    </a:tc>
+                    <a:tc>
+                      <a:txBody>
+                        <a:bodyPr/>
+                        <a:lstStyle/>
+                        <a:p>
+                          <a:pPr algn="ctr">
+                            <a:spcAft>
+                              <a:spcPts val="0"/>
+                            </a:spcAft>
+                          </a:pPr>
+                          <a:r>
+                            <a:rPr lang="en-US" sz="1200">
+                              <a:effectLst/>
+                            </a:rPr>
+                            <a:t>72,2</a:t>
+                          </a:r>
+                          <a:endParaRPr lang="ru-RU" sz="1200">
+                            <a:effectLst/>
+                            <a:latin typeface="Times New Roman" panose="02020603050405020304" pitchFamily="18" charset="0"/>
+                            <a:ea typeface="Times New Roman" panose="02020603050405020304" pitchFamily="18" charset="0"/>
+                          </a:endParaRPr>
+                        </a:p>
+                      </a:txBody>
+                      <a:tcPr marL="68580" marR="68580" marT="0" marB="0" anchor="ctr"/>
+                    </a:tc>
+                    <a:tc>
+                      <a:txBody>
+                        <a:bodyPr/>
+                        <a:lstStyle/>
+                        <a:p>
+                          <a:pPr algn="ctr">
+                            <a:spcAft>
+                              <a:spcPts val="0"/>
+                            </a:spcAft>
+                          </a:pPr>
+                          <a:r>
+                            <a:rPr lang="en-US" sz="1200">
+                              <a:effectLst/>
+                            </a:rPr>
+                            <a:t>89,4</a:t>
+                          </a:r>
+                          <a:endParaRPr lang="ru-RU" sz="1200">
+                            <a:effectLst/>
+                            <a:latin typeface="Times New Roman" panose="02020603050405020304" pitchFamily="18" charset="0"/>
+                            <a:ea typeface="Times New Roman" panose="02020603050405020304" pitchFamily="18" charset="0"/>
+                          </a:endParaRPr>
+                        </a:p>
+                      </a:txBody>
+                      <a:tcPr marL="68580" marR="68580" marT="0" marB="0" anchor="ctr"/>
+                    </a:tc>
+                    <a:tc>
+                      <a:txBody>
+                        <a:bodyPr/>
+                        <a:lstStyle/>
+                        <a:p>
+                          <a:pPr algn="ctr">
+                            <a:spcAft>
+                              <a:spcPts val="0"/>
+                            </a:spcAft>
+                          </a:pPr>
+                          <a:r>
+                            <a:rPr lang="en-US" sz="1200">
+                              <a:effectLst/>
+                            </a:rPr>
+                            <a:t>79,8</a:t>
+                          </a:r>
+                          <a:endParaRPr lang="ru-RU" sz="1200">
+                            <a:effectLst/>
+                            <a:latin typeface="Times New Roman" panose="02020603050405020304" pitchFamily="18" charset="0"/>
+                            <a:ea typeface="Times New Roman" panose="02020603050405020304" pitchFamily="18" charset="0"/>
+                          </a:endParaRPr>
+                        </a:p>
+                      </a:txBody>
+                      <a:tcPr marL="68580" marR="68580" marT="0" marB="0" anchor="ctr"/>
+                    </a:tc>
+                    <a:tc>
+                      <a:txBody>
+                        <a:bodyPr/>
+                        <a:lstStyle/>
+                        <a:p>
+                          <a:pPr algn="ctr">
+                            <a:spcAft>
+                              <a:spcPts val="0"/>
+                            </a:spcAft>
+                          </a:pPr>
+                          <a:r>
+                            <a:rPr lang="en-US" sz="1200">
+                              <a:effectLst/>
+                            </a:rPr>
+                            <a:t>68,9</a:t>
+                          </a:r>
+                          <a:endParaRPr lang="ru-RU" sz="1200">
+                            <a:effectLst/>
+                            <a:latin typeface="Times New Roman" panose="02020603050405020304" pitchFamily="18" charset="0"/>
+                            <a:ea typeface="Times New Roman" panose="02020603050405020304" pitchFamily="18" charset="0"/>
+                          </a:endParaRPr>
+                        </a:p>
+                      </a:txBody>
+                      <a:tcPr marL="68580" marR="68580" marT="0" marB="0" anchor="ctr"/>
+                    </a:tc>
+                    <a:tc>
+                      <a:txBody>
+                        <a:bodyPr/>
+                        <a:lstStyle/>
+                        <a:p>
+                          <a:pPr algn="ctr">
+                            <a:spcAft>
+                              <a:spcPts val="0"/>
+                            </a:spcAft>
+                          </a:pPr>
+                          <a:r>
+                            <a:rPr lang="en-US" sz="1200">
+                              <a:effectLst/>
+                            </a:rPr>
+                            <a:t>79,2</a:t>
+                          </a:r>
+                          <a:endParaRPr lang="ru-RU" sz="1200">
+                            <a:effectLst/>
+                            <a:latin typeface="Times New Roman" panose="02020603050405020304" pitchFamily="18" charset="0"/>
+                            <a:ea typeface="Times New Roman" panose="02020603050405020304" pitchFamily="18" charset="0"/>
+                          </a:endParaRPr>
+                        </a:p>
+                      </a:txBody>
+                      <a:tcPr marL="68580" marR="68580" marT="0" marB="0" anchor="ctr"/>
+                    </a:tc>
+                    <a:extLst>
+                      <a:ext uri="{0D108BD9-81ED-4DB2-BD59-A6C34878D82A}">
+                        <a16:rowId xmlns:a16="http://schemas.microsoft.com/office/drawing/2014/main" val="1126887313"/>
+                      </a:ext>
+                    </a:extLst>
+                  </a:tr>
+                  <a:tr h="437393">
+                    <a:tc>
+                      <a:txBody>
+                        <a:bodyPr/>
+                        <a:lstStyle/>
+                        <a:p>
+                          <a:pPr algn="ctr">
+                            <a:spcAft>
+                              <a:spcPts val="0"/>
+                            </a:spcAft>
+                          </a:pPr>
+                          <a:r>
+                            <a:rPr lang="en-US" sz="1200">
+                              <a:effectLst/>
+                            </a:rPr>
+                            <a:t>Res2Net-vlb-50</a:t>
+                          </a:r>
+                          <a:endParaRPr lang="ru-RU" sz="1200">
+                            <a:effectLst/>
+                            <a:latin typeface="Times New Roman" panose="02020603050405020304" pitchFamily="18" charset="0"/>
+                            <a:ea typeface="Times New Roman" panose="02020603050405020304" pitchFamily="18" charset="0"/>
+                          </a:endParaRPr>
+                        </a:p>
+                      </a:txBody>
+                      <a:tcPr marL="68580" marR="68580" marT="0" marB="0" anchor="ctr"/>
+                    </a:tc>
+                    <a:tc>
+                      <a:txBody>
+                        <a:bodyPr/>
+                        <a:lstStyle/>
+                        <a:p>
+                          <a:pPr algn="ctr">
+                            <a:spcAft>
+                              <a:spcPts val="0"/>
+                            </a:spcAft>
+                          </a:pPr>
+                          <a:r>
+                            <a:rPr lang="en-US" sz="1200">
+                              <a:effectLst/>
+                            </a:rPr>
+                            <a:t>72,2</a:t>
+                          </a:r>
+                          <a:endParaRPr lang="ru-RU" sz="1200">
+                            <a:effectLst/>
+                            <a:latin typeface="Times New Roman" panose="02020603050405020304" pitchFamily="18" charset="0"/>
+                            <a:ea typeface="Times New Roman" panose="02020603050405020304" pitchFamily="18" charset="0"/>
+                          </a:endParaRPr>
+                        </a:p>
+                      </a:txBody>
+                      <a:tcPr marL="68580" marR="68580" marT="0" marB="0" anchor="ctr"/>
+                    </a:tc>
+                    <a:tc>
+                      <a:txBody>
+                        <a:bodyPr/>
+                        <a:lstStyle/>
+                        <a:p>
+                          <a:pPr algn="ctr">
+                            <a:spcAft>
+                              <a:spcPts val="0"/>
+                            </a:spcAft>
+                          </a:pPr>
+                          <a:r>
+                            <a:rPr lang="en-US" sz="1200">
+                              <a:effectLst/>
+                            </a:rPr>
+                            <a:t>89,5</a:t>
+                          </a:r>
+                          <a:endParaRPr lang="ru-RU" sz="1200">
+                            <a:effectLst/>
+                            <a:latin typeface="Times New Roman" panose="02020603050405020304" pitchFamily="18" charset="0"/>
+                            <a:ea typeface="Times New Roman" panose="02020603050405020304" pitchFamily="18" charset="0"/>
+                          </a:endParaRPr>
+                        </a:p>
+                      </a:txBody>
+                      <a:tcPr marL="68580" marR="68580" marT="0" marB="0" anchor="ctr"/>
+                    </a:tc>
+                    <a:tc>
+                      <a:txBody>
+                        <a:bodyPr/>
+                        <a:lstStyle/>
+                        <a:p>
+                          <a:pPr algn="ctr">
+                            <a:spcAft>
+                              <a:spcPts val="0"/>
+                            </a:spcAft>
+                          </a:pPr>
+                          <a:r>
+                            <a:rPr lang="en-US" sz="1200">
+                              <a:effectLst/>
+                            </a:rPr>
+                            <a:t>79,7</a:t>
+                          </a:r>
+                          <a:endParaRPr lang="ru-RU" sz="1200">
+                            <a:effectLst/>
+                            <a:latin typeface="Times New Roman" panose="02020603050405020304" pitchFamily="18" charset="0"/>
+                            <a:ea typeface="Times New Roman" panose="02020603050405020304" pitchFamily="18" charset="0"/>
+                          </a:endParaRPr>
+                        </a:p>
+                      </a:txBody>
+                      <a:tcPr marL="68580" marR="68580" marT="0" marB="0" anchor="ctr"/>
+                    </a:tc>
+                    <a:tc>
+                      <a:txBody>
+                        <a:bodyPr/>
+                        <a:lstStyle/>
+                        <a:p>
+                          <a:pPr algn="ctr">
+                            <a:spcAft>
+                              <a:spcPts val="0"/>
+                            </a:spcAft>
+                          </a:pPr>
+                          <a:r>
+                            <a:rPr lang="en-US" sz="1200">
+                              <a:effectLst/>
+                            </a:rPr>
+                            <a:t>58,5</a:t>
+                          </a:r>
+                          <a:endParaRPr lang="ru-RU" sz="1200">
+                            <a:effectLst/>
+                            <a:latin typeface="Times New Roman" panose="02020603050405020304" pitchFamily="18" charset="0"/>
+                            <a:ea typeface="Times New Roman" panose="02020603050405020304" pitchFamily="18" charset="0"/>
+                          </a:endParaRPr>
+                        </a:p>
+                      </a:txBody>
+                      <a:tcPr marL="68580" marR="68580" marT="0" marB="0" anchor="ctr"/>
+                    </a:tc>
+                    <a:tc>
+                      <a:txBody>
+                        <a:bodyPr/>
+                        <a:lstStyle/>
+                        <a:p>
+                          <a:pPr algn="ctr">
+                            <a:spcAft>
+                              <a:spcPts val="0"/>
+                            </a:spcAft>
+                          </a:pPr>
+                          <a:r>
+                            <a:rPr lang="en-US" sz="1200">
+                              <a:effectLst/>
+                            </a:rPr>
+                            <a:t>79,4</a:t>
+                          </a:r>
+                          <a:endParaRPr lang="ru-RU" sz="1200">
+                            <a:effectLst/>
+                            <a:latin typeface="Times New Roman" panose="02020603050405020304" pitchFamily="18" charset="0"/>
+                            <a:ea typeface="Times New Roman" panose="02020603050405020304" pitchFamily="18" charset="0"/>
+                          </a:endParaRPr>
+                        </a:p>
+                      </a:txBody>
+                      <a:tcPr marL="68580" marR="68580" marT="0" marB="0" anchor="ctr"/>
+                    </a:tc>
+                    <a:extLst>
+                      <a:ext uri="{0D108BD9-81ED-4DB2-BD59-A6C34878D82A}">
+                        <a16:rowId xmlns:a16="http://schemas.microsoft.com/office/drawing/2014/main" val="683697051"/>
+                      </a:ext>
+                    </a:extLst>
+                  </a:tr>
+                  <a:tr h="437393">
+                    <a:tc>
+                      <a:txBody>
+                        <a:bodyPr/>
+                        <a:lstStyle/>
+                        <a:p>
+                          <a:pPr algn="ctr">
+                            <a:spcAft>
+                              <a:spcPts val="0"/>
+                            </a:spcAft>
+                          </a:pPr>
+                          <a:r>
+                            <a:rPr lang="en-US" sz="1200">
+                              <a:effectLst/>
+                            </a:rPr>
+                            <a:t>Res2Net-vlb-101</a:t>
+                          </a:r>
+                          <a:endParaRPr lang="ru-RU" sz="1200">
+                            <a:effectLst/>
+                            <a:latin typeface="Times New Roman" panose="02020603050405020304" pitchFamily="18" charset="0"/>
+                            <a:ea typeface="Times New Roman" panose="02020603050405020304" pitchFamily="18" charset="0"/>
+                          </a:endParaRPr>
+                        </a:p>
+                      </a:txBody>
+                      <a:tcPr marL="68580" marR="68580" marT="0" marB="0" anchor="ctr"/>
+                    </a:tc>
+                    <a:tc>
+                      <a:txBody>
+                        <a:bodyPr/>
+                        <a:lstStyle/>
+                        <a:p>
+                          <a:pPr algn="ctr">
+                            <a:spcAft>
+                              <a:spcPts val="0"/>
+                            </a:spcAft>
+                          </a:pPr>
+                          <a:r>
+                            <a:rPr lang="en-US" sz="1200">
+                              <a:effectLst/>
+                            </a:rPr>
+                            <a:t>73,0</a:t>
+                          </a:r>
+                          <a:endParaRPr lang="ru-RU" sz="1200">
+                            <a:effectLst/>
+                            <a:latin typeface="Times New Roman" panose="02020603050405020304" pitchFamily="18" charset="0"/>
+                            <a:ea typeface="Times New Roman" panose="02020603050405020304" pitchFamily="18" charset="0"/>
+                          </a:endParaRPr>
+                        </a:p>
+                      </a:txBody>
+                      <a:tcPr marL="68580" marR="68580" marT="0" marB="0" anchor="ctr"/>
+                    </a:tc>
+                    <a:tc>
+                      <a:txBody>
+                        <a:bodyPr/>
+                        <a:lstStyle/>
+                        <a:p>
+                          <a:pPr algn="ctr">
+                            <a:spcAft>
+                              <a:spcPts val="0"/>
+                            </a:spcAft>
+                          </a:pPr>
+                          <a:r>
+                            <a:rPr lang="en-US" sz="1200">
+                              <a:effectLst/>
+                            </a:rPr>
+                            <a:t>89,5</a:t>
+                          </a:r>
+                          <a:endParaRPr lang="ru-RU" sz="1200">
+                            <a:effectLst/>
+                            <a:latin typeface="Times New Roman" panose="02020603050405020304" pitchFamily="18" charset="0"/>
+                            <a:ea typeface="Times New Roman" panose="02020603050405020304" pitchFamily="18" charset="0"/>
+                          </a:endParaRPr>
+                        </a:p>
+                      </a:txBody>
+                      <a:tcPr marL="68580" marR="68580" marT="0" marB="0" anchor="ctr"/>
+                    </a:tc>
+                    <a:tc>
+                      <a:txBody>
+                        <a:bodyPr/>
+                        <a:lstStyle/>
+                        <a:p>
+                          <a:pPr algn="ctr">
+                            <a:spcAft>
+                              <a:spcPts val="0"/>
+                            </a:spcAft>
+                          </a:pPr>
+                          <a:r>
+                            <a:rPr lang="en-US" sz="1200">
+                              <a:effectLst/>
+                            </a:rPr>
+                            <a:t>80,3</a:t>
+                          </a:r>
+                          <a:endParaRPr lang="ru-RU" sz="1200">
+                            <a:effectLst/>
+                            <a:latin typeface="Times New Roman" panose="02020603050405020304" pitchFamily="18" charset="0"/>
+                            <a:ea typeface="Times New Roman" panose="02020603050405020304" pitchFamily="18" charset="0"/>
+                          </a:endParaRPr>
+                        </a:p>
+                      </a:txBody>
+                      <a:tcPr marL="68580" marR="68580" marT="0" marB="0" anchor="ctr"/>
+                    </a:tc>
+                    <a:tc>
+                      <a:txBody>
+                        <a:bodyPr/>
+                        <a:lstStyle/>
+                        <a:p>
+                          <a:pPr algn="ctr">
+                            <a:spcAft>
+                              <a:spcPts val="0"/>
+                            </a:spcAft>
+                          </a:pPr>
+                          <a:r>
+                            <a:rPr lang="en-US" sz="1200">
+                              <a:effectLst/>
+                            </a:rPr>
+                            <a:t>69,5</a:t>
+                          </a:r>
+                          <a:endParaRPr lang="ru-RU" sz="1200">
+                            <a:effectLst/>
+                            <a:latin typeface="Times New Roman" panose="02020603050405020304" pitchFamily="18" charset="0"/>
+                            <a:ea typeface="Times New Roman" panose="02020603050405020304" pitchFamily="18" charset="0"/>
+                          </a:endParaRPr>
+                        </a:p>
+                      </a:txBody>
+                      <a:tcPr marL="68580" marR="68580" marT="0" marB="0" anchor="ctr"/>
+                    </a:tc>
+                    <a:tc>
+                      <a:txBody>
+                        <a:bodyPr/>
+                        <a:lstStyle/>
+                        <a:p>
+                          <a:pPr algn="ctr">
+                            <a:spcAft>
+                              <a:spcPts val="0"/>
+                            </a:spcAft>
+                          </a:pPr>
+                          <a:r>
+                            <a:rPr lang="en-US" sz="1200" dirty="0">
+                              <a:effectLst/>
+                            </a:rPr>
+                            <a:t>80,0</a:t>
+                          </a:r>
+                          <a:endParaRPr lang="ru-RU" sz="1200" dirty="0">
+                            <a:effectLst/>
+                            <a:latin typeface="Times New Roman" panose="02020603050405020304" pitchFamily="18" charset="0"/>
+                            <a:ea typeface="Times New Roman" panose="02020603050405020304" pitchFamily="18" charset="0"/>
+                          </a:endParaRPr>
+                        </a:p>
+                      </a:txBody>
+                      <a:tcPr marL="68580" marR="68580" marT="0" marB="0" anchor="ctr"/>
+                    </a:tc>
+                    <a:extLst>
+                      <a:ext uri="{0D108BD9-81ED-4DB2-BD59-A6C34878D82A}">
+                        <a16:rowId xmlns:a16="http://schemas.microsoft.com/office/drawing/2014/main" val="2979743859"/>
+                      </a:ext>
+                    </a:extLst>
+                  </a:tr>
+                </a:tbl>
+              </a:graphicData>
+            </a:graphic>
+          </p:graphicFrame>
+        </mc:Fallback>
+      </mc:AlternateContent>
+      <p:sp>
+        <p:nvSpPr>
+          <p:cNvPr id="9" name="TextBox 8"/>
+          <p:cNvSpPr txBox="1"/>
+          <p:nvPr/>
+        </p:nvSpPr>
+        <p:spPr>
+          <a:xfrm>
+            <a:off x="6551722" y="4908749"/>
+            <a:ext cx="5131292" cy="523220"/>
+          </a:xfrm>
+          <a:prstGeom prst="rect">
+            <a:avLst/>
+          </a:prstGeom>
+          <a:noFill/>
+        </p:spPr>
+        <p:txBody>
+          <a:bodyPr wrap="square" rtlCol="0">
+            <a:spAutoFit/>
+          </a:bodyPr>
+          <a:lstStyle/>
+          <a:p>
+            <a:pPr algn="ctr"/>
+            <a:r>
+              <a:rPr lang="ru-RU" sz="1400" dirty="0"/>
+              <a:t>Таблица 1 - Эффективность оценки ключевых точек на </a:t>
+            </a:r>
+            <a:r>
+              <a:rPr lang="ru-RU" sz="1400" dirty="0" err="1"/>
+              <a:t>валидационном</a:t>
+            </a:r>
+            <a:r>
+              <a:rPr lang="ru-RU" sz="1400" dirty="0"/>
+              <a:t> наборе COCO </a:t>
+            </a:r>
+            <a:endParaRPr lang="ru-RU" sz="1400" dirty="0"/>
+          </a:p>
+        </p:txBody>
+      </p:sp>
     </p:spTree>
     <p:extLst>
       <p:ext uri="{BB962C8B-B14F-4D97-AF65-F5344CB8AC3E}">
-        <p14:creationId xmlns:p14="http://schemas.microsoft.com/office/powerpoint/2010/main" val="451246388"/>
+        <p14:creationId xmlns:p14="http://schemas.microsoft.com/office/powerpoint/2010/main" val="991367363"/>
+      </p:ext>
+    </p:extLst>
+  </p:cSld>
+  <p:clrMapOvr>
+    <a:masterClrMapping/>
+  </p:clrMapOvr>
+  <p:timing>
+    <p:tnLst>
+      <p:par>
+        <p:cTn id="1" dur="indefinite" restart="never" nodeType="tmRoot"/>
+      </p:par>
+    </p:tnLst>
+  </p:timing>
+</p:sld>
+</file>
+
+<file path=ppt/slides/slide5.xml><?xml version="1.0" encoding="utf-8"?>
+<p:sld xmlns:a="http://schemas.openxmlformats.org/drawingml/2006/main" xmlns:r="http://schemas.openxmlformats.org/officeDocument/2006/relationships" xmlns:p="http://schemas.openxmlformats.org/presentationml/2006/main">
+  <p:cSld>
+    <p:bg>
+      <p:bgPr>
+        <a:blipFill dpi="0" rotWithShape="1">
+          <a:blip r:embed="rId2">
+            <a:lum/>
+          </a:blip>
+          <a:srcRect/>
+          <a:stretch>
+            <a:fillRect/>
+          </a:stretch>
+        </a:blipFill>
+        <a:effectLst/>
+      </p:bgPr>
+    </p:bg>
+    <p:spTree>
+      <p:nvGrpSpPr>
+        <p:cNvPr id="1" name=""/>
+        <p:cNvGrpSpPr/>
+        <p:nvPr/>
+      </p:nvGrpSpPr>
+      <p:grpSpPr>
+        <a:xfrm>
+          <a:off x="0" y="0"/>
+          <a:ext cx="0" cy="0"/>
+          <a:chOff x="0" y="0"/>
+          <a:chExt cx="0" cy="0"/>
+        </a:xfrm>
+      </p:grpSpPr>
+      <p:sp>
+        <p:nvSpPr>
+          <p:cNvPr id="3" name="TextBox 2"/>
+          <p:cNvSpPr txBox="1"/>
+          <p:nvPr/>
+        </p:nvSpPr>
+        <p:spPr>
+          <a:xfrm>
+            <a:off x="2024109" y="301532"/>
+            <a:ext cx="8225887" cy="369332"/>
+          </a:xfrm>
+          <a:prstGeom prst="rect">
+            <a:avLst/>
+          </a:prstGeom>
+          <a:noFill/>
+        </p:spPr>
+        <p:txBody>
+          <a:bodyPr wrap="square" rtlCol="0" anchor="ctr" anchorCtr="1">
+            <a:spAutoFit/>
+          </a:bodyPr>
+          <a:lstStyle/>
+          <a:p>
+            <a:pPr algn="ctr"/>
+            <a:r>
+              <a:rPr lang="ru-RU" dirty="0" smtClean="0">
+                <a:solidFill>
+                  <a:schemeClr val="bg1"/>
+                </a:solidFill>
+                <a:latin typeface="Elektra Text Pro" panose="02000503030000020004" pitchFamily="50" charset="-52"/>
+              </a:rPr>
+              <a:t>Методы преобразования двумерных ключевых точек в трехмерные координаты</a:t>
+            </a:r>
+            <a:endParaRPr lang="ru-RU" dirty="0">
+              <a:solidFill>
+                <a:schemeClr val="bg1"/>
+              </a:solidFill>
+              <a:latin typeface="Elektra Text Pro" panose="02000503030000020004" pitchFamily="50" charset="-52"/>
+            </a:endParaRPr>
+          </a:p>
+        </p:txBody>
+      </p:sp>
+      <p:sp>
+        <p:nvSpPr>
+          <p:cNvPr id="4" name="TextBox 3"/>
+          <p:cNvSpPr txBox="1"/>
+          <p:nvPr/>
+        </p:nvSpPr>
+        <p:spPr>
+          <a:xfrm>
+            <a:off x="11109953" y="6324371"/>
+            <a:ext cx="469107" cy="369332"/>
+          </a:xfrm>
+          <a:prstGeom prst="rect">
+            <a:avLst/>
+          </a:prstGeom>
+          <a:noFill/>
+        </p:spPr>
+        <p:txBody>
+          <a:bodyPr wrap="square" rtlCol="0">
+            <a:spAutoFit/>
+          </a:bodyPr>
+          <a:lstStyle/>
+          <a:p>
+            <a:pPr algn="ctr"/>
+            <a:fld id="{4CB11690-5800-4A0D-8C28-71894E2CF362}" type="slidenum">
+              <a:rPr lang="ru-RU">
+                <a:solidFill>
+                  <a:schemeClr val="bg1"/>
+                </a:solidFill>
+                <a:latin typeface="Elektra Medium Pro" panose="02000803000000020004" pitchFamily="50" charset="-52"/>
+              </a:rPr>
+              <a:t>5</a:t>
+            </a:fld>
+            <a:endParaRPr lang="ru-RU" dirty="0">
+              <a:solidFill>
+                <a:schemeClr val="bg1"/>
+              </a:solidFill>
+              <a:latin typeface="Elektra Medium Pro" panose="02000803000000020004" pitchFamily="50" charset="-52"/>
+            </a:endParaRPr>
+          </a:p>
+        </p:txBody>
+      </p:sp>
+      <p:sp>
+        <p:nvSpPr>
+          <p:cNvPr id="5" name="TextBox 4"/>
+          <p:cNvSpPr txBox="1"/>
+          <p:nvPr/>
+        </p:nvSpPr>
+        <p:spPr>
+          <a:xfrm>
+            <a:off x="2325642" y="1276353"/>
+            <a:ext cx="7924354" cy="1754326"/>
+          </a:xfrm>
+          <a:prstGeom prst="rect">
+            <a:avLst/>
+          </a:prstGeom>
+          <a:noFill/>
+        </p:spPr>
+        <p:txBody>
+          <a:bodyPr wrap="square" rtlCol="0">
+            <a:spAutoFit/>
+          </a:bodyPr>
+          <a:lstStyle/>
+          <a:p>
+            <a:pPr marL="285750" indent="-285750">
+              <a:buFont typeface="Arial" panose="020B0604020202020204" pitchFamily="34" charset="0"/>
+              <a:buChar char="•"/>
+            </a:pPr>
+            <a:r>
+              <a:rPr lang="ru-RU" dirty="0" smtClean="0"/>
+              <a:t>трёхмерная реконструкция по нескольких изображениям;</a:t>
+            </a:r>
+          </a:p>
+          <a:p>
+            <a:pPr marL="285750" indent="-285750">
+              <a:buFont typeface="Arial" panose="020B0604020202020204" pitchFamily="34" charset="0"/>
+              <a:buChar char="•"/>
+            </a:pPr>
+            <a:endParaRPr lang="ru-RU" dirty="0" smtClean="0"/>
+          </a:p>
+          <a:p>
+            <a:pPr marL="285750" indent="-285750">
+              <a:buFont typeface="Arial" panose="020B0604020202020204" pitchFamily="34" charset="0"/>
+              <a:buChar char="•"/>
+            </a:pPr>
+            <a:r>
+              <a:rPr lang="ru-RU" dirty="0" smtClean="0"/>
+              <a:t>одиночное изображение с использованием глубины;</a:t>
+            </a:r>
+          </a:p>
+          <a:p>
+            <a:pPr marL="285750" indent="-285750">
+              <a:buFont typeface="Arial" panose="020B0604020202020204" pitchFamily="34" charset="0"/>
+              <a:buChar char="•"/>
+            </a:pPr>
+            <a:endParaRPr lang="ru-RU" dirty="0" smtClean="0"/>
+          </a:p>
+          <a:p>
+            <a:pPr marL="285750" indent="-285750">
+              <a:buFont typeface="Arial" panose="020B0604020202020204" pitchFamily="34" charset="0"/>
+              <a:buChar char="•"/>
+            </a:pPr>
+            <a:r>
+              <a:rPr lang="ru-RU" dirty="0" smtClean="0"/>
+              <a:t>использование </a:t>
+            </a:r>
+            <a:r>
+              <a:rPr lang="ru-RU" dirty="0" err="1" smtClean="0"/>
+              <a:t>датасета</a:t>
+            </a:r>
+            <a:r>
+              <a:rPr lang="ru-RU" dirty="0" smtClean="0"/>
+              <a:t>, обогащенного данными о  глубине изображения.</a:t>
+            </a:r>
+          </a:p>
+          <a:p>
+            <a:pPr marL="285750" indent="-285750">
+              <a:buFont typeface="Arial" panose="020B0604020202020204" pitchFamily="34" charset="0"/>
+              <a:buChar char="•"/>
+            </a:pPr>
+            <a:endParaRPr lang="ru-RU" dirty="0"/>
+          </a:p>
+        </p:txBody>
+      </p:sp>
+      <p:pic>
+        <p:nvPicPr>
+          <p:cNvPr id="6" name="Рисунок 5"/>
+          <p:cNvPicPr/>
+          <p:nvPr/>
+        </p:nvPicPr>
+        <p:blipFill>
+          <a:blip r:embed="rId3"/>
+          <a:stretch>
+            <a:fillRect/>
+          </a:stretch>
+        </p:blipFill>
+        <p:spPr>
+          <a:xfrm>
+            <a:off x="7182883" y="3256107"/>
+            <a:ext cx="3727110" cy="2214752"/>
+          </a:xfrm>
+          <a:prstGeom prst="rect">
+            <a:avLst/>
+          </a:prstGeom>
+          <a:ln>
+            <a:solidFill>
+              <a:schemeClr val="tx1"/>
+            </a:solidFill>
+          </a:ln>
+        </p:spPr>
+      </p:pic>
+      <p:pic>
+        <p:nvPicPr>
+          <p:cNvPr id="7" name="Рисунок 6" descr="Depth Estimation | Papers With Code"/>
+          <p:cNvPicPr/>
+          <p:nvPr/>
+        </p:nvPicPr>
+        <p:blipFill>
+          <a:blip r:embed="rId4" cstate="print">
+            <a:extLst>
+              <a:ext uri="{28A0092B-C50C-407E-A947-70E740481C1C}">
+                <a14:useLocalDpi xmlns:a14="http://schemas.microsoft.com/office/drawing/2010/main" val="0"/>
+              </a:ext>
+            </a:extLst>
+          </a:blip>
+          <a:srcRect/>
+          <a:stretch>
+            <a:fillRect/>
+          </a:stretch>
+        </p:blipFill>
+        <p:spPr bwMode="auto">
+          <a:xfrm>
+            <a:off x="1150929" y="3210040"/>
+            <a:ext cx="4224923" cy="2260819"/>
+          </a:xfrm>
+          <a:prstGeom prst="rect">
+            <a:avLst/>
+          </a:prstGeom>
+          <a:noFill/>
+          <a:ln>
+            <a:solidFill>
+              <a:schemeClr val="tx1"/>
+            </a:solidFill>
+          </a:ln>
+        </p:spPr>
+      </p:pic>
+      <p:sp>
+        <p:nvSpPr>
+          <p:cNvPr id="10" name="TextBox 9"/>
+          <p:cNvSpPr txBox="1"/>
+          <p:nvPr/>
+        </p:nvSpPr>
+        <p:spPr>
+          <a:xfrm>
+            <a:off x="1150928" y="5470859"/>
+            <a:ext cx="4224923" cy="584775"/>
+          </a:xfrm>
+          <a:prstGeom prst="rect">
+            <a:avLst/>
+          </a:prstGeom>
+          <a:noFill/>
+        </p:spPr>
+        <p:txBody>
+          <a:bodyPr wrap="square" rtlCol="0">
+            <a:spAutoFit/>
+          </a:bodyPr>
+          <a:lstStyle/>
+          <a:p>
+            <a:pPr/>
+            <a:r>
+              <a:rPr lang="ru-RU" sz="1600" dirty="0" smtClean="0"/>
+              <a:t>Рисунок 3 – Карта глубины</a:t>
+            </a:r>
+            <a:r>
+              <a:rPr lang="ru-RU" sz="1600" dirty="0"/>
+              <a:t>, предсказанная с помощью </a:t>
+            </a:r>
+            <a:r>
+              <a:rPr lang="ru-RU" sz="1600" dirty="0" err="1"/>
+              <a:t>нейросетей</a:t>
+            </a:r>
+            <a:endParaRPr lang="ru-RU" sz="1600" dirty="0"/>
+          </a:p>
+        </p:txBody>
+      </p:sp>
+      <p:sp>
+        <p:nvSpPr>
+          <p:cNvPr id="11" name="TextBox 10"/>
+          <p:cNvSpPr txBox="1"/>
+          <p:nvPr/>
+        </p:nvSpPr>
+        <p:spPr>
+          <a:xfrm>
+            <a:off x="7182883" y="5470859"/>
+            <a:ext cx="4224923" cy="584775"/>
+          </a:xfrm>
+          <a:prstGeom prst="rect">
+            <a:avLst/>
+          </a:prstGeom>
+          <a:noFill/>
+        </p:spPr>
+        <p:txBody>
+          <a:bodyPr wrap="square" rtlCol="0">
+            <a:spAutoFit/>
+          </a:bodyPr>
+          <a:lstStyle/>
+          <a:p>
+            <a:pPr/>
+            <a:r>
+              <a:rPr lang="ru-RU" sz="1600" dirty="0" smtClean="0"/>
+              <a:t>Рисунок 4 </a:t>
+            </a:r>
+            <a:r>
+              <a:rPr lang="ru-RU" sz="1600" dirty="0"/>
+              <a:t>– Реконструкция 3D скелета из нескольких </a:t>
+            </a:r>
+            <a:r>
+              <a:rPr lang="ru-RU" sz="1600" dirty="0" smtClean="0"/>
+              <a:t>изображений</a:t>
+            </a:r>
+            <a:endParaRPr lang="ru-RU" sz="1600" dirty="0"/>
+          </a:p>
+        </p:txBody>
+      </p:sp>
+    </p:spTree>
+    <p:extLst>
+      <p:ext uri="{BB962C8B-B14F-4D97-AF65-F5344CB8AC3E}">
+        <p14:creationId xmlns:p14="http://schemas.microsoft.com/office/powerpoint/2010/main" val="2578683958"/>
+      </p:ext>
+    </p:extLst>
+  </p:cSld>
+  <p:clrMapOvr>
+    <a:masterClrMapping/>
+  </p:clrMapOvr>
+  <p:timing>
+    <p:tnLst>
+      <p:par>
+        <p:cTn id="1" dur="indefinite" restart="never" nodeType="tmRoot"/>
+      </p:par>
+    </p:tnLst>
+  </p:timing>
+</p:sld>
+</file>
+
+<file path=ppt/slides/slide6.xml><?xml version="1.0" encoding="utf-8"?>
+<p:sld xmlns:a="http://schemas.openxmlformats.org/drawingml/2006/main" xmlns:r="http://schemas.openxmlformats.org/officeDocument/2006/relationships" xmlns:p="http://schemas.openxmlformats.org/presentationml/2006/main">
+  <p:cSld>
+    <p:bg>
+      <p:bgPr>
+        <a:blipFill dpi="0" rotWithShape="1">
+          <a:blip r:embed="rId3">
+            <a:lum/>
+          </a:blip>
+          <a:srcRect/>
+          <a:stretch>
+            <a:fillRect/>
+          </a:stretch>
+        </a:blipFill>
+        <a:effectLst/>
+      </p:bgPr>
+    </p:bg>
+    <p:spTree>
+      <p:nvGrpSpPr>
+        <p:cNvPr id="1" name=""/>
+        <p:cNvGrpSpPr/>
+        <p:nvPr/>
+      </p:nvGrpSpPr>
+      <p:grpSpPr>
+        <a:xfrm>
+          <a:off x="0" y="0"/>
+          <a:ext cx="0" cy="0"/>
+          <a:chOff x="0" y="0"/>
+          <a:chExt cx="0" cy="0"/>
+        </a:xfrm>
+      </p:grpSpPr>
+      <p:sp>
+        <p:nvSpPr>
+          <p:cNvPr id="3" name="TextBox 2"/>
+          <p:cNvSpPr txBox="1"/>
+          <p:nvPr/>
+        </p:nvSpPr>
+        <p:spPr>
+          <a:xfrm>
+            <a:off x="1818745" y="301532"/>
+            <a:ext cx="9291208" cy="369332"/>
+          </a:xfrm>
+          <a:prstGeom prst="rect">
+            <a:avLst/>
+          </a:prstGeom>
+          <a:noFill/>
+        </p:spPr>
+        <p:txBody>
+          <a:bodyPr wrap="square" rtlCol="0" anchor="ctr" anchorCtr="1">
+            <a:spAutoFit/>
+          </a:bodyPr>
+          <a:lstStyle/>
+          <a:p>
+            <a:pPr algn="ctr"/>
+            <a:r>
+              <a:rPr lang="ru-RU" dirty="0">
+                <a:solidFill>
+                  <a:schemeClr val="bg1"/>
+                </a:solidFill>
+                <a:latin typeface="Elektra Text Pro" panose="02000503030000020004" pitchFamily="50" charset="-52"/>
+              </a:rPr>
+              <a:t>Диаграмма последовательности работы системы определения трехмерных ключевых точек</a:t>
+            </a:r>
+            <a:endParaRPr lang="ru-RU" dirty="0">
+              <a:solidFill>
+                <a:schemeClr val="bg1"/>
+              </a:solidFill>
+              <a:latin typeface="Elektra Text Pro" panose="02000503030000020004" pitchFamily="50" charset="-52"/>
+            </a:endParaRPr>
+          </a:p>
+        </p:txBody>
+      </p:sp>
+      <p:sp>
+        <p:nvSpPr>
+          <p:cNvPr id="4" name="TextBox 3"/>
+          <p:cNvSpPr txBox="1"/>
+          <p:nvPr/>
+        </p:nvSpPr>
+        <p:spPr>
+          <a:xfrm>
+            <a:off x="11109953" y="6324371"/>
+            <a:ext cx="469107" cy="369332"/>
+          </a:xfrm>
+          <a:prstGeom prst="rect">
+            <a:avLst/>
+          </a:prstGeom>
+          <a:noFill/>
+        </p:spPr>
+        <p:txBody>
+          <a:bodyPr wrap="square" rtlCol="0">
+            <a:spAutoFit/>
+          </a:bodyPr>
+          <a:lstStyle/>
+          <a:p>
+            <a:pPr algn="ctr"/>
+            <a:fld id="{4CB11690-5800-4A0D-8C28-71894E2CF362}" type="slidenum">
+              <a:rPr lang="ru-RU">
+                <a:solidFill>
+                  <a:schemeClr val="bg1"/>
+                </a:solidFill>
+                <a:latin typeface="Elektra Medium Pro" panose="02000803000000020004" pitchFamily="50" charset="-52"/>
+              </a:rPr>
+              <a:t>6</a:t>
+            </a:fld>
+            <a:endParaRPr lang="ru-RU" dirty="0">
+              <a:solidFill>
+                <a:schemeClr val="bg1"/>
+              </a:solidFill>
+              <a:latin typeface="Elektra Medium Pro" panose="02000803000000020004" pitchFamily="50" charset="-52"/>
+            </a:endParaRPr>
+          </a:p>
+        </p:txBody>
+      </p:sp>
+      <p:sp>
+        <p:nvSpPr>
+          <p:cNvPr id="5" name="TextBox 4"/>
+          <p:cNvSpPr txBox="1"/>
+          <p:nvPr/>
+        </p:nvSpPr>
+        <p:spPr>
+          <a:xfrm>
+            <a:off x="755740" y="6005681"/>
+            <a:ext cx="10922112" cy="369332"/>
+          </a:xfrm>
+          <a:prstGeom prst="rect">
+            <a:avLst/>
+          </a:prstGeom>
+          <a:noFill/>
+        </p:spPr>
+        <p:txBody>
+          <a:bodyPr wrap="square" rtlCol="0">
+            <a:spAutoFit/>
+          </a:bodyPr>
+          <a:lstStyle/>
+          <a:p>
+            <a:pPr/>
+            <a:r>
+              <a:rPr lang="ru-RU" dirty="0" smtClean="0"/>
+              <a:t>Рисунок 5 - Диаграмма </a:t>
+            </a:r>
+            <a:r>
+              <a:rPr lang="ru-RU" dirty="0"/>
+              <a:t>последовательности работы системы определения трехмерных ключевых точек</a:t>
+            </a:r>
+            <a:endParaRPr lang="ru-RU" dirty="0"/>
+          </a:p>
+        </p:txBody>
+      </p:sp>
+      <p:pic>
+        <p:nvPicPr>
+          <p:cNvPr id="13" name="Рисунок 12"/>
+          <p:cNvPicPr>
+            <a:picLocks noChangeAspect="1"/>
+          </p:cNvPicPr>
+          <p:nvPr/>
+        </p:nvPicPr>
+        <p:blipFill>
+          <a:blip r:embed="rId4" cstate="print">
+            <a:extLst>
+              <a:ext uri="{28A0092B-C50C-407E-A947-70E740481C1C}">
+                <a14:useLocalDpi xmlns:a14="http://schemas.microsoft.com/office/drawing/2010/main" val="0"/>
+              </a:ext>
+            </a:extLst>
+          </a:blip>
+          <a:stretch>
+            <a:fillRect/>
+          </a:stretch>
+        </p:blipFill>
+        <p:spPr>
+          <a:xfrm>
+            <a:off x="1536425" y="1095582"/>
+            <a:ext cx="9201254" cy="4838623"/>
+          </a:xfrm>
+          <a:prstGeom prst="rect">
+            <a:avLst/>
+          </a:prstGeom>
+        </p:spPr>
+      </p:pic>
+    </p:spTree>
+    <p:extLst>
+      <p:ext uri="{BB962C8B-B14F-4D97-AF65-F5344CB8AC3E}">
+        <p14:creationId xmlns:p14="http://schemas.microsoft.com/office/powerpoint/2010/main" val="2383704900"/>
+      </p:ext>
+    </p:extLst>
+  </p:cSld>
+  <p:clrMapOvr>
+    <a:masterClrMapping/>
+  </p:clrMapOvr>
+  <p:timing>
+    <p:tnLst>
+      <p:par>
+        <p:cTn id="1" dur="indefinite" restart="never" nodeType="tmRoot"/>
+      </p:par>
+    </p:tnLst>
+  </p:timing>
+</p:sld>
+</file>
+
+<file path=ppt/slides/slide7.xml><?xml version="1.0" encoding="utf-8"?>
+<p:sld xmlns:a="http://schemas.openxmlformats.org/drawingml/2006/main" xmlns:r="http://schemas.openxmlformats.org/officeDocument/2006/relationships" xmlns:p="http://schemas.openxmlformats.org/presentationml/2006/main">
+  <p:cSld>
+    <p:bg>
+      <p:bgPr>
+        <a:blipFill dpi="0" rotWithShape="1">
+          <a:blip r:embed="rId3">
+            <a:lum/>
+          </a:blip>
+          <a:srcRect/>
+          <a:stretch>
+            <a:fillRect/>
+          </a:stretch>
+        </a:blipFill>
+        <a:effectLst/>
+      </p:bgPr>
+    </p:bg>
+    <p:spTree>
+      <p:nvGrpSpPr>
+        <p:cNvPr id="1" name=""/>
+        <p:cNvGrpSpPr/>
+        <p:nvPr/>
+      </p:nvGrpSpPr>
+      <p:grpSpPr>
+        <a:xfrm>
+          <a:off x="0" y="0"/>
+          <a:ext cx="0" cy="0"/>
+          <a:chOff x="0" y="0"/>
+          <a:chExt cx="0" cy="0"/>
+        </a:xfrm>
+      </p:grpSpPr>
+      <p:sp>
+        <p:nvSpPr>
+          <p:cNvPr id="3" name="TextBox 2"/>
+          <p:cNvSpPr txBox="1"/>
+          <p:nvPr/>
+        </p:nvSpPr>
+        <p:spPr>
+          <a:xfrm>
+            <a:off x="1818745" y="301532"/>
+            <a:ext cx="9291208" cy="369332"/>
+          </a:xfrm>
+          <a:prstGeom prst="rect">
+            <a:avLst/>
+          </a:prstGeom>
+          <a:noFill/>
+        </p:spPr>
+        <p:txBody>
+          <a:bodyPr wrap="square" rtlCol="0" anchor="ctr" anchorCtr="1">
+            <a:spAutoFit/>
+          </a:bodyPr>
+          <a:lstStyle/>
+          <a:p>
+            <a:pPr algn="ctr"/>
+            <a:r>
+              <a:rPr lang="ru-RU" dirty="0" smtClean="0">
+                <a:solidFill>
+                  <a:schemeClr val="bg1"/>
+                </a:solidFill>
+                <a:latin typeface="Elektra Text Pro" panose="02000503030000020004" pitchFamily="50" charset="-52"/>
+              </a:rPr>
+              <a:t>Метрики обучения собственной модели на </a:t>
+            </a:r>
+            <a:r>
+              <a:rPr lang="en-US" dirty="0" smtClean="0">
+                <a:solidFill>
+                  <a:schemeClr val="bg1"/>
+                </a:solidFill>
+                <a:latin typeface="Elektra Text Pro" panose="02000503030000020004" pitchFamily="50" charset="-52"/>
+              </a:rPr>
+              <a:t>ResNet50</a:t>
+            </a:r>
+            <a:endParaRPr lang="ru-RU" dirty="0">
+              <a:solidFill>
+                <a:schemeClr val="bg1"/>
+              </a:solidFill>
+              <a:latin typeface="Elektra Text Pro" panose="02000503030000020004" pitchFamily="50" charset="-52"/>
+            </a:endParaRPr>
+          </a:p>
+        </p:txBody>
+      </p:sp>
+      <p:sp>
+        <p:nvSpPr>
+          <p:cNvPr id="4" name="TextBox 3"/>
+          <p:cNvSpPr txBox="1"/>
+          <p:nvPr/>
+        </p:nvSpPr>
+        <p:spPr>
+          <a:xfrm>
+            <a:off x="11109953" y="6324371"/>
+            <a:ext cx="469107" cy="369332"/>
+          </a:xfrm>
+          <a:prstGeom prst="rect">
+            <a:avLst/>
+          </a:prstGeom>
+          <a:noFill/>
+        </p:spPr>
+        <p:txBody>
+          <a:bodyPr wrap="square" rtlCol="0">
+            <a:spAutoFit/>
+          </a:bodyPr>
+          <a:lstStyle/>
+          <a:p>
+            <a:pPr algn="ctr"/>
+            <a:fld id="{4CB11690-5800-4A0D-8C28-71894E2CF362}" type="slidenum">
+              <a:rPr lang="ru-RU">
+                <a:solidFill>
+                  <a:schemeClr val="bg1"/>
+                </a:solidFill>
+                <a:latin typeface="Elektra Medium Pro" panose="02000803000000020004" pitchFamily="50" charset="-52"/>
+              </a:rPr>
+              <a:t>7</a:t>
+            </a:fld>
+            <a:endParaRPr lang="ru-RU" dirty="0">
+              <a:solidFill>
+                <a:schemeClr val="bg1"/>
+              </a:solidFill>
+              <a:latin typeface="Elektra Medium Pro" panose="02000803000000020004" pitchFamily="50" charset="-52"/>
+            </a:endParaRPr>
+          </a:p>
+        </p:txBody>
+      </p:sp>
+      <p:sp>
+        <p:nvSpPr>
+          <p:cNvPr id="5" name="TextBox 4"/>
+          <p:cNvSpPr txBox="1"/>
+          <p:nvPr/>
+        </p:nvSpPr>
+        <p:spPr>
+          <a:xfrm>
+            <a:off x="622213" y="4629151"/>
+            <a:ext cx="5166027" cy="646331"/>
+          </a:xfrm>
+          <a:prstGeom prst="rect">
+            <a:avLst/>
+          </a:prstGeom>
+          <a:noFill/>
+        </p:spPr>
+        <p:txBody>
+          <a:bodyPr wrap="square" rtlCol="0">
+            <a:spAutoFit/>
+          </a:bodyPr>
+          <a:lstStyle/>
+          <a:p>
+            <a:pPr algn="ctr"/>
+            <a:r>
+              <a:rPr lang="ru-RU" dirty="0" smtClean="0"/>
+              <a:t>Рисунок </a:t>
+            </a:r>
+            <a:r>
+              <a:rPr lang="en-US" dirty="0" smtClean="0"/>
+              <a:t>6</a:t>
+            </a:r>
+            <a:r>
+              <a:rPr lang="ru-RU" dirty="0" smtClean="0"/>
+              <a:t> </a:t>
+            </a:r>
+            <a:r>
+              <a:rPr lang="ru-RU" dirty="0"/>
+              <a:t>– Изменение средней потери по ключевым точкам по эпохам обучения</a:t>
+            </a:r>
+            <a:endParaRPr lang="ru-RU" dirty="0"/>
+          </a:p>
+        </p:txBody>
+      </p:sp>
+      <p:pic>
+        <p:nvPicPr>
+          <p:cNvPr id="6" name="Рисунок 5"/>
+          <p:cNvPicPr/>
+          <p:nvPr/>
+        </p:nvPicPr>
+        <p:blipFill>
+          <a:blip r:embed="rId4"/>
+          <a:stretch>
+            <a:fillRect/>
+          </a:stretch>
+        </p:blipFill>
+        <p:spPr>
+          <a:xfrm>
+            <a:off x="622213" y="1826882"/>
+            <a:ext cx="5166027" cy="2802269"/>
+          </a:xfrm>
+          <a:prstGeom prst="rect">
+            <a:avLst/>
+          </a:prstGeom>
+          <a:ln>
+            <a:solidFill>
+              <a:schemeClr val="tx1"/>
+            </a:solidFill>
+          </a:ln>
+        </p:spPr>
+      </p:pic>
+      <p:pic>
+        <p:nvPicPr>
+          <p:cNvPr id="7" name="Рисунок 6"/>
+          <p:cNvPicPr/>
+          <p:nvPr/>
+        </p:nvPicPr>
+        <p:blipFill>
+          <a:blip r:embed="rId5"/>
+          <a:stretch>
+            <a:fillRect/>
+          </a:stretch>
+        </p:blipFill>
+        <p:spPr>
+          <a:xfrm>
+            <a:off x="6271378" y="1826882"/>
+            <a:ext cx="5307682" cy="2799101"/>
+          </a:xfrm>
+          <a:prstGeom prst="rect">
+            <a:avLst/>
+          </a:prstGeom>
+          <a:ln>
+            <a:solidFill>
+              <a:schemeClr val="tx1"/>
+            </a:solidFill>
+          </a:ln>
+        </p:spPr>
+      </p:pic>
+      <p:sp>
+        <p:nvSpPr>
+          <p:cNvPr id="8" name="TextBox 7"/>
+          <p:cNvSpPr txBox="1"/>
+          <p:nvPr/>
+        </p:nvSpPr>
+        <p:spPr>
+          <a:xfrm>
+            <a:off x="6178479" y="4625983"/>
+            <a:ext cx="5400581" cy="923330"/>
+          </a:xfrm>
+          <a:prstGeom prst="rect">
+            <a:avLst/>
+          </a:prstGeom>
+          <a:noFill/>
+        </p:spPr>
+        <p:txBody>
+          <a:bodyPr wrap="square" rtlCol="0">
+            <a:spAutoFit/>
+          </a:bodyPr>
+          <a:lstStyle/>
+          <a:p>
+            <a:pPr algn="ctr"/>
+            <a:r>
+              <a:rPr lang="ru-RU" dirty="0" smtClean="0"/>
+              <a:t>Рисунок </a:t>
+            </a:r>
+            <a:r>
+              <a:rPr lang="en-US" dirty="0" smtClean="0"/>
+              <a:t>7</a:t>
+            </a:r>
+            <a:r>
+              <a:rPr lang="ru-RU" dirty="0" smtClean="0"/>
+              <a:t> </a:t>
+            </a:r>
+            <a:r>
+              <a:rPr lang="ru-RU" dirty="0"/>
+              <a:t>- Изменения средней точности и средней полноты для ключевых точек по мере обучения модели</a:t>
+            </a:r>
+            <a:endParaRPr lang="ru-RU" dirty="0"/>
+          </a:p>
+        </p:txBody>
+      </p:sp>
+    </p:spTree>
+    <p:extLst>
+      <p:ext uri="{BB962C8B-B14F-4D97-AF65-F5344CB8AC3E}">
+        <p14:creationId xmlns:p14="http://schemas.microsoft.com/office/powerpoint/2010/main" val="728412739"/>
+      </p:ext>
+    </p:extLst>
+  </p:cSld>
+  <p:clrMapOvr>
+    <a:masterClrMapping/>
+  </p:clrMapOvr>
+  <p:timing>
+    <p:tnLst>
+      <p:par>
+        <p:cTn id="1" dur="indefinite" restart="never" nodeType="tmRoot"/>
+      </p:par>
+    </p:tnLst>
+  </p:timing>
+</p:sld>
+</file>
+
+<file path=ppt/slides/slide8.xml><?xml version="1.0" encoding="utf-8"?>
+<p:sld xmlns:a="http://schemas.openxmlformats.org/drawingml/2006/main" xmlns:r="http://schemas.openxmlformats.org/officeDocument/2006/relationships" xmlns:p="http://schemas.openxmlformats.org/presentationml/2006/main">
+  <p:cSld>
+    <p:bg>
+      <p:bgPr>
+        <a:blipFill dpi="0" rotWithShape="1">
+          <a:blip r:embed="rId3">
+            <a:lum/>
+          </a:blip>
+          <a:srcRect/>
+          <a:stretch>
+            <a:fillRect/>
+          </a:stretch>
+        </a:blipFill>
+        <a:effectLst/>
+      </p:bgPr>
+    </p:bg>
+    <p:spTree>
+      <p:nvGrpSpPr>
+        <p:cNvPr id="1" name=""/>
+        <p:cNvGrpSpPr/>
+        <p:nvPr/>
+      </p:nvGrpSpPr>
+      <p:grpSpPr>
+        <a:xfrm>
+          <a:off x="0" y="0"/>
+          <a:ext cx="0" cy="0"/>
+          <a:chOff x="0" y="0"/>
+          <a:chExt cx="0" cy="0"/>
+        </a:xfrm>
+      </p:grpSpPr>
+      <p:sp>
+        <p:nvSpPr>
+          <p:cNvPr id="3" name="TextBox 2"/>
+          <p:cNvSpPr txBox="1"/>
+          <p:nvPr/>
+        </p:nvSpPr>
+        <p:spPr>
+          <a:xfrm>
+            <a:off x="1818745" y="301532"/>
+            <a:ext cx="9291208" cy="369332"/>
+          </a:xfrm>
+          <a:prstGeom prst="rect">
+            <a:avLst/>
+          </a:prstGeom>
+          <a:noFill/>
+        </p:spPr>
+        <p:txBody>
+          <a:bodyPr wrap="square" rtlCol="0" anchor="ctr" anchorCtr="1">
+            <a:spAutoFit/>
+          </a:bodyPr>
+          <a:lstStyle/>
+          <a:p>
+            <a:pPr algn="ctr"/>
+            <a:r>
+              <a:rPr lang="ru-RU" dirty="0" smtClean="0">
+                <a:solidFill>
+                  <a:schemeClr val="bg1"/>
+                </a:solidFill>
+                <a:latin typeface="Elektra Text Pro" panose="02000503030000020004" pitchFamily="50" charset="-52"/>
+              </a:rPr>
+              <a:t>Эксперимент </a:t>
+            </a:r>
+            <a:r>
+              <a:rPr lang="ru-RU" dirty="0" smtClean="0">
+                <a:solidFill>
+                  <a:schemeClr val="bg1"/>
+                </a:solidFill>
+                <a:latin typeface="Elektra Text Pro" panose="02000503030000020004" pitchFamily="50" charset="-52"/>
+              </a:rPr>
+              <a:t>по генерации двумерных ключевых точек</a:t>
+            </a:r>
+            <a:endParaRPr lang="ru-RU" dirty="0">
+              <a:solidFill>
+                <a:schemeClr val="bg1"/>
+              </a:solidFill>
+              <a:latin typeface="Elektra Text Pro" panose="02000503030000020004" pitchFamily="50" charset="-52"/>
+            </a:endParaRPr>
+          </a:p>
+        </p:txBody>
+      </p:sp>
+      <p:sp>
+        <p:nvSpPr>
+          <p:cNvPr id="4" name="TextBox 3"/>
+          <p:cNvSpPr txBox="1"/>
+          <p:nvPr/>
+        </p:nvSpPr>
+        <p:spPr>
+          <a:xfrm>
+            <a:off x="11109953" y="6324371"/>
+            <a:ext cx="469107" cy="369332"/>
+          </a:xfrm>
+          <a:prstGeom prst="rect">
+            <a:avLst/>
+          </a:prstGeom>
+          <a:noFill/>
+        </p:spPr>
+        <p:txBody>
+          <a:bodyPr wrap="square" rtlCol="0">
+            <a:spAutoFit/>
+          </a:bodyPr>
+          <a:lstStyle/>
+          <a:p>
+            <a:pPr algn="ctr"/>
+            <a:fld id="{4CB11690-5800-4A0D-8C28-71894E2CF362}" type="slidenum">
+              <a:rPr lang="ru-RU">
+                <a:solidFill>
+                  <a:schemeClr val="bg1"/>
+                </a:solidFill>
+                <a:latin typeface="Elektra Medium Pro" panose="02000803000000020004" pitchFamily="50" charset="-52"/>
+              </a:rPr>
+              <a:t>8</a:t>
+            </a:fld>
+            <a:endParaRPr lang="ru-RU" dirty="0">
+              <a:solidFill>
+                <a:schemeClr val="bg1"/>
+              </a:solidFill>
+              <a:latin typeface="Elektra Medium Pro" panose="02000803000000020004" pitchFamily="50" charset="-52"/>
+            </a:endParaRPr>
+          </a:p>
+        </p:txBody>
+      </p:sp>
+      <p:sp>
+        <p:nvSpPr>
+          <p:cNvPr id="5" name="TextBox 4"/>
+          <p:cNvSpPr txBox="1"/>
+          <p:nvPr/>
+        </p:nvSpPr>
+        <p:spPr>
+          <a:xfrm>
+            <a:off x="6008537" y="4536488"/>
+            <a:ext cx="5231541" cy="523220"/>
+          </a:xfrm>
+          <a:prstGeom prst="rect">
+            <a:avLst/>
+          </a:prstGeom>
+          <a:noFill/>
+        </p:spPr>
+        <p:txBody>
+          <a:bodyPr wrap="square" rtlCol="0">
+            <a:spAutoFit/>
+          </a:bodyPr>
+          <a:lstStyle/>
+          <a:p>
+            <a:pPr algn="ctr"/>
+            <a:r>
+              <a:rPr lang="ru-RU" sz="1400" dirty="0" smtClean="0"/>
+              <a:t>Рисунок </a:t>
+            </a:r>
+            <a:r>
+              <a:rPr lang="en-US" sz="1400" dirty="0" smtClean="0"/>
+              <a:t>8</a:t>
+            </a:r>
+            <a:r>
+              <a:rPr lang="ru-RU" sz="1400" dirty="0" smtClean="0"/>
+              <a:t> - </a:t>
+            </a:r>
+            <a:r>
+              <a:rPr lang="ru-RU" sz="1400" dirty="0"/>
+              <a:t>Результат работы собственной модели для определения двумерных ключевых </a:t>
+            </a:r>
+            <a:r>
+              <a:rPr lang="ru-RU" sz="1400" dirty="0" smtClean="0"/>
+              <a:t>точек с</a:t>
+            </a:r>
+            <a:r>
+              <a:rPr lang="en-US" sz="1400" dirty="0" smtClean="0"/>
+              <a:t> Backbone ResNet50</a:t>
+            </a:r>
+            <a:endParaRPr lang="ru-RU" sz="1400" dirty="0"/>
+          </a:p>
+        </p:txBody>
+      </p:sp>
+      <p:pic>
+        <p:nvPicPr>
+          <p:cNvPr id="6" name="Рисунок 5"/>
+          <p:cNvPicPr/>
+          <p:nvPr/>
+        </p:nvPicPr>
+        <p:blipFill>
+          <a:blip r:embed="rId4"/>
+          <a:stretch>
+            <a:fillRect/>
+          </a:stretch>
+        </p:blipFill>
+        <p:spPr>
+          <a:xfrm>
+            <a:off x="6112965" y="1709865"/>
+            <a:ext cx="5022687" cy="2826623"/>
+          </a:xfrm>
+          <a:prstGeom prst="rect">
+            <a:avLst/>
+          </a:prstGeom>
+          <a:ln>
+            <a:solidFill>
+              <a:schemeClr val="tx1"/>
+            </a:solidFill>
+          </a:ln>
+        </p:spPr>
+      </p:pic>
+      <mc:AlternateContent xmlns:mc="http://schemas.openxmlformats.org/markup-compatibility/2006">
+        <mc:Choice xmlns:a14="http://schemas.microsoft.com/office/drawing/2010/main" Requires="a14">
+          <p:graphicFrame>
+            <p:nvGraphicFramePr>
+              <p:cNvPr id="2" name="Таблица 1"/>
+              <p:cNvGraphicFramePr>
+                <a:graphicFrameLocks noGrp="1"/>
+              </p:cNvGraphicFramePr>
+              <p:nvPr>
+                <p:extLst>
+                  <p:ext uri="{D42A27DB-BD31-4B8C-83A1-F6EECF244321}">
+                    <p14:modId xmlns:p14="http://schemas.microsoft.com/office/powerpoint/2010/main" val="1040237552"/>
+                  </p:ext>
+                </p:extLst>
+              </p:nvPr>
+            </p:nvGraphicFramePr>
+            <p:xfrm>
+              <a:off x="523228" y="2386245"/>
+              <a:ext cx="5104346" cy="1554853"/>
+            </p:xfrm>
+            <a:graphic>
+              <a:graphicData uri="http://schemas.openxmlformats.org/drawingml/2006/table">
+                <a:tbl>
+                  <a:tblPr firstRow="1" firstCol="1" bandRow="1">
+                    <a:tableStyleId>{5C22544A-7EE6-4342-B048-85BDC9FD1C3A}</a:tableStyleId>
+                  </a:tblPr>
+                  <a:tblGrid>
+                    <a:gridCol w="1004535">
+                      <a:extLst>
+                        <a:ext uri="{9D8B030D-6E8A-4147-A177-3AD203B41FA5}">
+                          <a16:colId xmlns:a16="http://schemas.microsoft.com/office/drawing/2014/main" val="1292266495"/>
+                        </a:ext>
+                      </a:extLst>
+                    </a:gridCol>
+                    <a:gridCol w="1197480">
+                      <a:extLst>
+                        <a:ext uri="{9D8B030D-6E8A-4147-A177-3AD203B41FA5}">
+                          <a16:colId xmlns:a16="http://schemas.microsoft.com/office/drawing/2014/main" val="3556352715"/>
+                        </a:ext>
+                      </a:extLst>
+                    </a:gridCol>
+                    <a:gridCol w="967784">
+                      <a:extLst>
+                        <a:ext uri="{9D8B030D-6E8A-4147-A177-3AD203B41FA5}">
+                          <a16:colId xmlns:a16="http://schemas.microsoft.com/office/drawing/2014/main" val="3342770054"/>
+                        </a:ext>
+                      </a:extLst>
+                    </a:gridCol>
+                    <a:gridCol w="967784">
+                      <a:extLst>
+                        <a:ext uri="{9D8B030D-6E8A-4147-A177-3AD203B41FA5}">
+                          <a16:colId xmlns:a16="http://schemas.microsoft.com/office/drawing/2014/main" val="1853091125"/>
+                        </a:ext>
+                      </a:extLst>
+                    </a:gridCol>
+                    <a:gridCol w="966763">
+                      <a:extLst>
+                        <a:ext uri="{9D8B030D-6E8A-4147-A177-3AD203B41FA5}">
+                          <a16:colId xmlns:a16="http://schemas.microsoft.com/office/drawing/2014/main" val="2387327639"/>
+                        </a:ext>
+                      </a:extLst>
+                    </a:gridCol>
+                  </a:tblGrid>
+                  <a:tr h="550072">
+                    <a:tc>
+                      <a:txBody>
+                        <a:bodyPr/>
+                        <a:lstStyle/>
+                        <a:p>
+                          <a:pPr algn="ctr">
+                            <a:spcAft>
+                              <a:spcPts val="0"/>
+                            </a:spcAft>
+                          </a:pPr>
+                          <a:r>
+                            <a:rPr lang="en-US" sz="1400">
+                              <a:effectLst/>
+                            </a:rPr>
+                            <a:t>Backbone</a:t>
+                          </a:r>
+                          <a:endParaRPr lang="ru-RU" sz="1400">
+                            <a:effectLst/>
+                            <a:latin typeface="Times New Roman" panose="02020603050405020304" pitchFamily="18" charset="0"/>
+                            <a:ea typeface="Times New Roman" panose="02020603050405020304" pitchFamily="18" charset="0"/>
+                          </a:endParaRPr>
+                        </a:p>
+                      </a:txBody>
+                      <a:tcPr marL="77228" marR="77228" marT="0" marB="0" anchor="ctr"/>
+                    </a:tc>
+                    <a:tc>
+                      <a:txBody>
+                        <a:bodyPr/>
+                        <a:lstStyle/>
+                        <a:p>
+                          <a:pPr algn="ctr">
+                            <a:spcAft>
+                              <a:spcPts val="0"/>
+                            </a:spcAft>
+                          </a:pPr>
+                          <a14:m>
+                            <m:oMathPara xmlns:m="http://schemas.openxmlformats.org/officeDocument/2006/math">
+                              <m:oMathParaPr>
+                                <m:jc m:val="centerGroup"/>
+                              </m:oMathParaPr>
+                              <m:oMath xmlns:m="http://schemas.openxmlformats.org/officeDocument/2006/math">
+                                <m:r>
+                                  <a:rPr lang="en-US" sz="1400">
+                                    <a:effectLst/>
+                                  </a:rPr>
+                                  <m:t>𝐴</m:t>
+                                </m:r>
+                                <m:sSub>
+                                  <m:sSubPr>
+                                    <m:ctrlPr>
+                                      <a:rPr lang="ru-RU" sz="1400">
+                                        <a:effectLst/>
+                                      </a:rPr>
+                                    </m:ctrlPr>
+                                  </m:sSubPr>
+                                  <m:e>
+                                    <m:r>
+                                      <a:rPr lang="en-US" sz="1400">
+                                        <a:effectLst/>
+                                      </a:rPr>
+                                      <m:t>𝑃</m:t>
+                                    </m:r>
+                                  </m:e>
+                                  <m:sub>
+                                    <m:r>
+                                      <a:rPr lang="en-US" sz="1400">
+                                        <a:effectLst/>
+                                      </a:rPr>
+                                      <m:t>50</m:t>
+                                    </m:r>
+                                  </m:sub>
+                                </m:sSub>
+                              </m:oMath>
+                            </m:oMathPara>
+                          </a14:m>
+                          <a:endParaRPr lang="ru-RU" sz="1400">
+                            <a:effectLst/>
+                            <a:latin typeface="Times New Roman" panose="02020603050405020304" pitchFamily="18" charset="0"/>
+                            <a:ea typeface="Times New Roman" panose="02020603050405020304" pitchFamily="18" charset="0"/>
+                          </a:endParaRPr>
+                        </a:p>
+                      </a:txBody>
+                      <a:tcPr marL="77228" marR="77228" marT="0" marB="0" anchor="ctr"/>
+                    </a:tc>
+                    <a:tc>
+                      <a:txBody>
+                        <a:bodyPr/>
+                        <a:lstStyle/>
+                        <a:p>
+                          <a:pPr algn="ctr">
+                            <a:spcAft>
+                              <a:spcPts val="0"/>
+                            </a:spcAft>
+                          </a:pPr>
+                          <a14:m>
+                            <m:oMathPara xmlns:m="http://schemas.openxmlformats.org/officeDocument/2006/math">
+                              <m:oMathParaPr>
+                                <m:jc m:val="centerGroup"/>
+                              </m:oMathParaPr>
+                              <m:oMath xmlns:m="http://schemas.openxmlformats.org/officeDocument/2006/math">
+                                <m:r>
+                                  <a:rPr lang="en-US" sz="1400">
+                                    <a:effectLst/>
+                                  </a:rPr>
+                                  <m:t>𝐴</m:t>
+                                </m:r>
+                                <m:sSub>
+                                  <m:sSubPr>
+                                    <m:ctrlPr>
+                                      <a:rPr lang="ru-RU" sz="1400">
+                                        <a:effectLst/>
+                                      </a:rPr>
+                                    </m:ctrlPr>
+                                  </m:sSubPr>
+                                  <m:e>
+                                    <m:r>
+                                      <a:rPr lang="en-US" sz="1400">
+                                        <a:effectLst/>
+                                      </a:rPr>
+                                      <m:t>𝑃</m:t>
+                                    </m:r>
+                                  </m:e>
+                                  <m:sub>
+                                    <m:r>
+                                      <a:rPr lang="en-US" sz="1400">
+                                        <a:effectLst/>
+                                      </a:rPr>
+                                      <m:t>75</m:t>
+                                    </m:r>
+                                  </m:sub>
+                                </m:sSub>
+                              </m:oMath>
+                            </m:oMathPara>
+                          </a14:m>
+                          <a:endParaRPr lang="ru-RU" sz="1400">
+                            <a:effectLst/>
+                            <a:latin typeface="Times New Roman" panose="02020603050405020304" pitchFamily="18" charset="0"/>
+                            <a:ea typeface="Times New Roman" panose="02020603050405020304" pitchFamily="18" charset="0"/>
+                          </a:endParaRPr>
+                        </a:p>
+                      </a:txBody>
+                      <a:tcPr marL="77228" marR="77228" marT="0" marB="0" anchor="ctr"/>
+                    </a:tc>
+                    <a:tc>
+                      <a:txBody>
+                        <a:bodyPr/>
+                        <a:lstStyle/>
+                        <a:p>
+                          <a:pPr algn="ctr">
+                            <a:spcAft>
+                              <a:spcPts val="0"/>
+                            </a:spcAft>
+                          </a:pPr>
+                          <a14:m>
+                            <m:oMathPara xmlns:m="http://schemas.openxmlformats.org/officeDocument/2006/math">
+                              <m:oMathParaPr>
+                                <m:jc m:val="centerGroup"/>
+                              </m:oMathParaPr>
+                              <m:oMath xmlns:m="http://schemas.openxmlformats.org/officeDocument/2006/math">
+                                <m:r>
+                                  <a:rPr lang="en-US" sz="1400">
+                                    <a:effectLst/>
+                                  </a:rPr>
+                                  <m:t>𝐴</m:t>
+                                </m:r>
+                                <m:sSub>
+                                  <m:sSubPr>
+                                    <m:ctrlPr>
+                                      <a:rPr lang="ru-RU" sz="1400">
+                                        <a:effectLst/>
+                                      </a:rPr>
+                                    </m:ctrlPr>
+                                  </m:sSubPr>
+                                  <m:e>
+                                    <m:r>
+                                      <a:rPr lang="en-US" sz="1400">
+                                        <a:effectLst/>
+                                      </a:rPr>
+                                      <m:t>𝑅</m:t>
+                                    </m:r>
+                                  </m:e>
+                                  <m:sub>
+                                    <m:r>
+                                      <a:rPr lang="en-US" sz="1400">
+                                        <a:effectLst/>
+                                      </a:rPr>
+                                      <m:t>50</m:t>
+                                    </m:r>
+                                  </m:sub>
+                                </m:sSub>
+                              </m:oMath>
+                            </m:oMathPara>
+                          </a14:m>
+                          <a:endParaRPr lang="ru-RU" sz="1400">
+                            <a:effectLst/>
+                            <a:latin typeface="Times New Roman" panose="02020603050405020304" pitchFamily="18" charset="0"/>
+                            <a:ea typeface="Times New Roman" panose="02020603050405020304" pitchFamily="18" charset="0"/>
+                          </a:endParaRPr>
+                        </a:p>
+                      </a:txBody>
+                      <a:tcPr marL="77228" marR="77228" marT="0" marB="0" anchor="ctr"/>
+                    </a:tc>
+                    <a:tc>
+                      <a:txBody>
+                        <a:bodyPr/>
+                        <a:lstStyle/>
+                        <a:p>
+                          <a:pPr algn="ctr">
+                            <a:spcAft>
+                              <a:spcPts val="0"/>
+                            </a:spcAft>
+                          </a:pPr>
+                          <a14:m>
+                            <m:oMathPara xmlns:m="http://schemas.openxmlformats.org/officeDocument/2006/math">
+                              <m:oMathParaPr>
+                                <m:jc m:val="centerGroup"/>
+                              </m:oMathParaPr>
+                              <m:oMath xmlns:m="http://schemas.openxmlformats.org/officeDocument/2006/math">
+                                <m:r>
+                                  <a:rPr lang="en-US" sz="1400">
+                                    <a:effectLst/>
+                                  </a:rPr>
+                                  <m:t>𝐴</m:t>
+                                </m:r>
+                                <m:sSub>
+                                  <m:sSubPr>
+                                    <m:ctrlPr>
+                                      <a:rPr lang="ru-RU" sz="1400">
+                                        <a:effectLst/>
+                                      </a:rPr>
+                                    </m:ctrlPr>
+                                  </m:sSubPr>
+                                  <m:e>
+                                    <m:r>
+                                      <a:rPr lang="en-US" sz="1400">
+                                        <a:effectLst/>
+                                      </a:rPr>
+                                      <m:t>𝑅</m:t>
+                                    </m:r>
+                                  </m:e>
+                                  <m:sub>
+                                    <m:r>
+                                      <a:rPr lang="en-US" sz="1400">
+                                        <a:effectLst/>
+                                      </a:rPr>
+                                      <m:t>75</m:t>
+                                    </m:r>
+                                  </m:sub>
+                                </m:sSub>
+                              </m:oMath>
+                            </m:oMathPara>
+                          </a14:m>
+                          <a:endParaRPr lang="ru-RU" sz="1400">
+                            <a:effectLst/>
+                            <a:latin typeface="Times New Roman" panose="02020603050405020304" pitchFamily="18" charset="0"/>
+                            <a:ea typeface="Times New Roman" panose="02020603050405020304" pitchFamily="18" charset="0"/>
+                          </a:endParaRPr>
+                        </a:p>
+                      </a:txBody>
+                      <a:tcPr marL="77228" marR="77228" marT="0" marB="0" anchor="ctr"/>
+                    </a:tc>
+                    <a:extLst>
+                      <a:ext uri="{0D108BD9-81ED-4DB2-BD59-A6C34878D82A}">
+                        <a16:rowId xmlns:a16="http://schemas.microsoft.com/office/drawing/2014/main" val="2825925051"/>
+                      </a:ext>
+                    </a:extLst>
+                  </a:tr>
+                  <a:tr h="334927">
+                    <a:tc>
+                      <a:txBody>
+                        <a:bodyPr/>
+                        <a:lstStyle/>
+                        <a:p>
+                          <a:pPr algn="ctr">
+                            <a:spcAft>
+                              <a:spcPts val="0"/>
+                            </a:spcAft>
+                          </a:pPr>
+                          <a:r>
+                            <a:rPr lang="en-US" sz="1400">
+                              <a:effectLst/>
+                            </a:rPr>
+                            <a:t>ResNet18</a:t>
+                          </a:r>
+                          <a:endParaRPr lang="ru-RU" sz="1400">
+                            <a:effectLst/>
+                            <a:latin typeface="Times New Roman" panose="02020603050405020304" pitchFamily="18" charset="0"/>
+                            <a:ea typeface="Times New Roman" panose="02020603050405020304" pitchFamily="18" charset="0"/>
+                          </a:endParaRPr>
+                        </a:p>
+                      </a:txBody>
+                      <a:tcPr marL="77228" marR="77228" marT="0" marB="0" anchor="ctr"/>
+                    </a:tc>
+                    <a:tc>
+                      <a:txBody>
+                        <a:bodyPr/>
+                        <a:lstStyle/>
+                        <a:p>
+                          <a:pPr algn="ctr">
+                            <a:spcAft>
+                              <a:spcPts val="0"/>
+                            </a:spcAft>
+                          </a:pPr>
+                          <a:r>
+                            <a:rPr lang="en-US" sz="1400">
+                              <a:effectLst/>
+                            </a:rPr>
+                            <a:t>82,2</a:t>
+                          </a:r>
+                          <a:endParaRPr lang="ru-RU" sz="1400">
+                            <a:effectLst/>
+                            <a:latin typeface="Times New Roman" panose="02020603050405020304" pitchFamily="18" charset="0"/>
+                            <a:ea typeface="Times New Roman" panose="02020603050405020304" pitchFamily="18" charset="0"/>
+                          </a:endParaRPr>
+                        </a:p>
+                      </a:txBody>
+                      <a:tcPr marL="77228" marR="77228" marT="0" marB="0" anchor="ctr"/>
+                    </a:tc>
+                    <a:tc>
+                      <a:txBody>
+                        <a:bodyPr/>
+                        <a:lstStyle/>
+                        <a:p>
+                          <a:pPr algn="ctr">
+                            <a:spcAft>
+                              <a:spcPts val="0"/>
+                            </a:spcAft>
+                          </a:pPr>
+                          <a:r>
+                            <a:rPr lang="en-US" sz="1400">
+                              <a:effectLst/>
+                            </a:rPr>
+                            <a:t>65,1</a:t>
+                          </a:r>
+                          <a:endParaRPr lang="ru-RU" sz="1400">
+                            <a:effectLst/>
+                            <a:latin typeface="Times New Roman" panose="02020603050405020304" pitchFamily="18" charset="0"/>
+                            <a:ea typeface="Times New Roman" panose="02020603050405020304" pitchFamily="18" charset="0"/>
+                          </a:endParaRPr>
+                        </a:p>
+                      </a:txBody>
+                      <a:tcPr marL="77228" marR="77228" marT="0" marB="0" anchor="ctr"/>
+                    </a:tc>
+                    <a:tc>
+                      <a:txBody>
+                        <a:bodyPr/>
+                        <a:lstStyle/>
+                        <a:p>
+                          <a:pPr algn="ctr">
+                            <a:spcAft>
+                              <a:spcPts val="0"/>
+                            </a:spcAft>
+                          </a:pPr>
+                          <a:r>
+                            <a:rPr lang="en-US" sz="1400" dirty="0">
+                              <a:effectLst/>
+                            </a:rPr>
+                            <a:t>88,7</a:t>
+                          </a:r>
+                          <a:endParaRPr lang="ru-RU" sz="1400" dirty="0">
+                            <a:effectLst/>
+                            <a:latin typeface="Times New Roman" panose="02020603050405020304" pitchFamily="18" charset="0"/>
+                            <a:ea typeface="Times New Roman" panose="02020603050405020304" pitchFamily="18" charset="0"/>
+                          </a:endParaRPr>
+                        </a:p>
+                      </a:txBody>
+                      <a:tcPr marL="77228" marR="77228" marT="0" marB="0" anchor="ctr"/>
+                    </a:tc>
+                    <a:tc>
+                      <a:txBody>
+                        <a:bodyPr/>
+                        <a:lstStyle/>
+                        <a:p>
+                          <a:pPr algn="ctr">
+                            <a:spcAft>
+                              <a:spcPts val="0"/>
+                            </a:spcAft>
+                          </a:pPr>
+                          <a:r>
+                            <a:rPr lang="en-US" sz="1400">
+                              <a:effectLst/>
+                            </a:rPr>
+                            <a:t>72,4</a:t>
+                          </a:r>
+                          <a:endParaRPr lang="ru-RU" sz="1400">
+                            <a:effectLst/>
+                            <a:latin typeface="Times New Roman" panose="02020603050405020304" pitchFamily="18" charset="0"/>
+                            <a:ea typeface="Times New Roman" panose="02020603050405020304" pitchFamily="18" charset="0"/>
+                          </a:endParaRPr>
+                        </a:p>
+                      </a:txBody>
+                      <a:tcPr marL="77228" marR="77228" marT="0" marB="0" anchor="ctr"/>
+                    </a:tc>
+                    <a:extLst>
+                      <a:ext uri="{0D108BD9-81ED-4DB2-BD59-A6C34878D82A}">
+                        <a16:rowId xmlns:a16="http://schemas.microsoft.com/office/drawing/2014/main" val="446928774"/>
+                      </a:ext>
+                    </a:extLst>
+                  </a:tr>
+                  <a:tr h="334927">
+                    <a:tc>
+                      <a:txBody>
+                        <a:bodyPr/>
+                        <a:lstStyle/>
+                        <a:p>
+                          <a:pPr algn="ctr">
+                            <a:spcAft>
+                              <a:spcPts val="0"/>
+                            </a:spcAft>
+                          </a:pPr>
+                          <a:r>
+                            <a:rPr lang="en-US" sz="1400">
+                              <a:effectLst/>
+                            </a:rPr>
+                            <a:t>ResNet50</a:t>
+                          </a:r>
+                          <a:endParaRPr lang="ru-RU" sz="1400">
+                            <a:effectLst/>
+                            <a:latin typeface="Times New Roman" panose="02020603050405020304" pitchFamily="18" charset="0"/>
+                            <a:ea typeface="Times New Roman" panose="02020603050405020304" pitchFamily="18" charset="0"/>
+                          </a:endParaRPr>
+                        </a:p>
+                      </a:txBody>
+                      <a:tcPr marL="77228" marR="77228" marT="0" marB="0" anchor="ctr"/>
+                    </a:tc>
+                    <a:tc>
+                      <a:txBody>
+                        <a:bodyPr/>
+                        <a:lstStyle/>
+                        <a:p>
+                          <a:pPr algn="ctr">
+                            <a:spcAft>
+                              <a:spcPts val="0"/>
+                            </a:spcAft>
+                          </a:pPr>
+                          <a:r>
+                            <a:rPr lang="en-US" sz="1400">
+                              <a:effectLst/>
+                            </a:rPr>
+                            <a:t>85,5</a:t>
+                          </a:r>
+                          <a:endParaRPr lang="ru-RU" sz="1400">
+                            <a:effectLst/>
+                            <a:latin typeface="Times New Roman" panose="02020603050405020304" pitchFamily="18" charset="0"/>
+                            <a:ea typeface="Times New Roman" panose="02020603050405020304" pitchFamily="18" charset="0"/>
+                          </a:endParaRPr>
+                        </a:p>
+                      </a:txBody>
+                      <a:tcPr marL="77228" marR="77228" marT="0" marB="0" anchor="ctr"/>
+                    </a:tc>
+                    <a:tc>
+                      <a:txBody>
+                        <a:bodyPr/>
+                        <a:lstStyle/>
+                        <a:p>
+                          <a:pPr algn="ctr">
+                            <a:spcAft>
+                              <a:spcPts val="0"/>
+                            </a:spcAft>
+                          </a:pPr>
+                          <a:r>
+                            <a:rPr lang="en-US" sz="1400">
+                              <a:effectLst/>
+                            </a:rPr>
+                            <a:t>69,7</a:t>
+                          </a:r>
+                          <a:endParaRPr lang="ru-RU" sz="1400">
+                            <a:effectLst/>
+                            <a:latin typeface="Times New Roman" panose="02020603050405020304" pitchFamily="18" charset="0"/>
+                            <a:ea typeface="Times New Roman" panose="02020603050405020304" pitchFamily="18" charset="0"/>
+                          </a:endParaRPr>
+                        </a:p>
+                      </a:txBody>
+                      <a:tcPr marL="77228" marR="77228" marT="0" marB="0" anchor="ctr"/>
+                    </a:tc>
+                    <a:tc>
+                      <a:txBody>
+                        <a:bodyPr/>
+                        <a:lstStyle/>
+                        <a:p>
+                          <a:pPr algn="ctr">
+                            <a:spcAft>
+                              <a:spcPts val="0"/>
+                            </a:spcAft>
+                          </a:pPr>
+                          <a:r>
+                            <a:rPr lang="en-US" sz="1400">
+                              <a:effectLst/>
+                            </a:rPr>
+                            <a:t>90,5</a:t>
+                          </a:r>
+                          <a:endParaRPr lang="ru-RU" sz="1400">
+                            <a:effectLst/>
+                            <a:latin typeface="Times New Roman" panose="02020603050405020304" pitchFamily="18" charset="0"/>
+                            <a:ea typeface="Times New Roman" panose="02020603050405020304" pitchFamily="18" charset="0"/>
+                          </a:endParaRPr>
+                        </a:p>
+                      </a:txBody>
+                      <a:tcPr marL="77228" marR="77228" marT="0" marB="0" anchor="ctr"/>
+                    </a:tc>
+                    <a:tc>
+                      <a:txBody>
+                        <a:bodyPr/>
+                        <a:lstStyle/>
+                        <a:p>
+                          <a:pPr algn="ctr">
+                            <a:spcAft>
+                              <a:spcPts val="0"/>
+                            </a:spcAft>
+                          </a:pPr>
+                          <a:r>
+                            <a:rPr lang="en-US" sz="1400">
+                              <a:effectLst/>
+                            </a:rPr>
+                            <a:t>76,0</a:t>
+                          </a:r>
+                          <a:endParaRPr lang="ru-RU" sz="1400">
+                            <a:effectLst/>
+                            <a:latin typeface="Times New Roman" panose="02020603050405020304" pitchFamily="18" charset="0"/>
+                            <a:ea typeface="Times New Roman" panose="02020603050405020304" pitchFamily="18" charset="0"/>
+                          </a:endParaRPr>
+                        </a:p>
+                      </a:txBody>
+                      <a:tcPr marL="77228" marR="77228" marT="0" marB="0" anchor="ctr"/>
+                    </a:tc>
+                    <a:extLst>
+                      <a:ext uri="{0D108BD9-81ED-4DB2-BD59-A6C34878D82A}">
+                        <a16:rowId xmlns:a16="http://schemas.microsoft.com/office/drawing/2014/main" val="102092915"/>
+                      </a:ext>
+                    </a:extLst>
+                  </a:tr>
+                  <a:tr h="334927">
+                    <a:tc>
+                      <a:txBody>
+                        <a:bodyPr/>
+                        <a:lstStyle/>
+                        <a:p>
+                          <a:pPr algn="ctr">
+                            <a:spcAft>
+                              <a:spcPts val="0"/>
+                            </a:spcAft>
+                          </a:pPr>
+                          <a:r>
+                            <a:rPr lang="en-US" sz="1400">
+                              <a:effectLst/>
+                            </a:rPr>
+                            <a:t>ResNet101</a:t>
+                          </a:r>
+                          <a:endParaRPr lang="ru-RU" sz="1400">
+                            <a:effectLst/>
+                            <a:latin typeface="Times New Roman" panose="02020603050405020304" pitchFamily="18" charset="0"/>
+                            <a:ea typeface="Times New Roman" panose="02020603050405020304" pitchFamily="18" charset="0"/>
+                          </a:endParaRPr>
+                        </a:p>
+                      </a:txBody>
+                      <a:tcPr marL="77228" marR="77228" marT="0" marB="0" anchor="ctr"/>
+                    </a:tc>
+                    <a:tc>
+                      <a:txBody>
+                        <a:bodyPr/>
+                        <a:lstStyle/>
+                        <a:p>
+                          <a:pPr algn="ctr">
+                            <a:spcAft>
+                              <a:spcPts val="0"/>
+                            </a:spcAft>
+                          </a:pPr>
+                          <a:r>
+                            <a:rPr lang="en-US" sz="1400" dirty="0">
+                              <a:effectLst/>
+                            </a:rPr>
+                            <a:t>84,2</a:t>
+                          </a:r>
+                          <a:endParaRPr lang="ru-RU" sz="1400" dirty="0">
+                            <a:effectLst/>
+                            <a:latin typeface="Times New Roman" panose="02020603050405020304" pitchFamily="18" charset="0"/>
+                            <a:ea typeface="Times New Roman" panose="02020603050405020304" pitchFamily="18" charset="0"/>
+                          </a:endParaRPr>
+                        </a:p>
+                      </a:txBody>
+                      <a:tcPr marL="77228" marR="77228" marT="0" marB="0" anchor="ctr"/>
+                    </a:tc>
+                    <a:tc>
+                      <a:txBody>
+                        <a:bodyPr/>
+                        <a:lstStyle/>
+                        <a:p>
+                          <a:pPr algn="ctr">
+                            <a:spcAft>
+                              <a:spcPts val="0"/>
+                            </a:spcAft>
+                          </a:pPr>
+                          <a:r>
+                            <a:rPr lang="en-US" sz="1400">
+                              <a:effectLst/>
+                            </a:rPr>
+                            <a:t>67,0</a:t>
+                          </a:r>
+                          <a:endParaRPr lang="ru-RU" sz="1400">
+                            <a:effectLst/>
+                            <a:latin typeface="Times New Roman" panose="02020603050405020304" pitchFamily="18" charset="0"/>
+                            <a:ea typeface="Times New Roman" panose="02020603050405020304" pitchFamily="18" charset="0"/>
+                          </a:endParaRPr>
+                        </a:p>
+                      </a:txBody>
+                      <a:tcPr marL="77228" marR="77228" marT="0" marB="0" anchor="ctr"/>
+                    </a:tc>
+                    <a:tc>
+                      <a:txBody>
+                        <a:bodyPr/>
+                        <a:lstStyle/>
+                        <a:p>
+                          <a:pPr algn="ctr">
+                            <a:spcAft>
+                              <a:spcPts val="0"/>
+                            </a:spcAft>
+                          </a:pPr>
+                          <a:r>
+                            <a:rPr lang="en-US" sz="1400" dirty="0">
+                              <a:effectLst/>
+                            </a:rPr>
+                            <a:t>89,6</a:t>
+                          </a:r>
+                          <a:endParaRPr lang="ru-RU" sz="1400" dirty="0">
+                            <a:effectLst/>
+                            <a:latin typeface="Times New Roman" panose="02020603050405020304" pitchFamily="18" charset="0"/>
+                            <a:ea typeface="Times New Roman" panose="02020603050405020304" pitchFamily="18" charset="0"/>
+                          </a:endParaRPr>
+                        </a:p>
+                      </a:txBody>
+                      <a:tcPr marL="77228" marR="77228" marT="0" marB="0" anchor="ctr"/>
+                    </a:tc>
+                    <a:tc>
+                      <a:txBody>
+                        <a:bodyPr/>
+                        <a:lstStyle/>
+                        <a:p>
+                          <a:pPr algn="ctr">
+                            <a:spcAft>
+                              <a:spcPts val="0"/>
+                            </a:spcAft>
+                          </a:pPr>
+                          <a:r>
+                            <a:rPr lang="en-US" sz="1400" dirty="0">
+                              <a:effectLst/>
+                            </a:rPr>
+                            <a:t>74,0</a:t>
+                          </a:r>
+                          <a:endParaRPr lang="ru-RU" sz="1400" dirty="0">
+                            <a:effectLst/>
+                            <a:latin typeface="Times New Roman" panose="02020603050405020304" pitchFamily="18" charset="0"/>
+                            <a:ea typeface="Times New Roman" panose="02020603050405020304" pitchFamily="18" charset="0"/>
+                          </a:endParaRPr>
+                        </a:p>
+                      </a:txBody>
+                      <a:tcPr marL="77228" marR="77228" marT="0" marB="0" anchor="ctr"/>
+                    </a:tc>
+                    <a:extLst>
+                      <a:ext uri="{0D108BD9-81ED-4DB2-BD59-A6C34878D82A}">
+                        <a16:rowId xmlns:a16="http://schemas.microsoft.com/office/drawing/2014/main" val="1696185789"/>
+                      </a:ext>
+                    </a:extLst>
+                  </a:tr>
+                </a:tbl>
+              </a:graphicData>
+            </a:graphic>
+          </p:graphicFrame>
+        </mc:Choice>
+        <mc:Fallback>
+          <p:graphicFrame>
+            <p:nvGraphicFramePr>
+              <p:cNvPr id="2" name="Таблица 1"/>
+              <p:cNvGraphicFramePr>
+                <a:graphicFrameLocks noGrp="1"/>
+              </p:cNvGraphicFramePr>
+              <p:nvPr>
+                <p:extLst>
+                  <p:ext uri="{D42A27DB-BD31-4B8C-83A1-F6EECF244321}">
+                    <p14:modId xmlns:p14="http://schemas.microsoft.com/office/powerpoint/2010/main" val="1040237552"/>
+                  </p:ext>
+                </p:extLst>
+              </p:nvPr>
+            </p:nvGraphicFramePr>
+            <p:xfrm>
+              <a:off x="523228" y="2386245"/>
+              <a:ext cx="5104346" cy="1554853"/>
+            </p:xfrm>
+            <a:graphic>
+              <a:graphicData uri="http://schemas.openxmlformats.org/drawingml/2006/table">
+                <a:tbl>
+                  <a:tblPr firstRow="1" firstCol="1" bandRow="1">
+                    <a:tableStyleId>{5C22544A-7EE6-4342-B048-85BDC9FD1C3A}</a:tableStyleId>
+                  </a:tblPr>
+                  <a:tblGrid>
+                    <a:gridCol w="1004535">
+                      <a:extLst>
+                        <a:ext uri="{9D8B030D-6E8A-4147-A177-3AD203B41FA5}">
+                          <a16:colId xmlns:a16="http://schemas.microsoft.com/office/drawing/2014/main" val="1292266495"/>
+                        </a:ext>
+                      </a:extLst>
+                    </a:gridCol>
+                    <a:gridCol w="1197480">
+                      <a:extLst>
+                        <a:ext uri="{9D8B030D-6E8A-4147-A177-3AD203B41FA5}">
+                          <a16:colId xmlns:a16="http://schemas.microsoft.com/office/drawing/2014/main" val="3556352715"/>
+                        </a:ext>
+                      </a:extLst>
+                    </a:gridCol>
+                    <a:gridCol w="967784">
+                      <a:extLst>
+                        <a:ext uri="{9D8B030D-6E8A-4147-A177-3AD203B41FA5}">
+                          <a16:colId xmlns:a16="http://schemas.microsoft.com/office/drawing/2014/main" val="3342770054"/>
+                        </a:ext>
+                      </a:extLst>
+                    </a:gridCol>
+                    <a:gridCol w="967784">
+                      <a:extLst>
+                        <a:ext uri="{9D8B030D-6E8A-4147-A177-3AD203B41FA5}">
+                          <a16:colId xmlns:a16="http://schemas.microsoft.com/office/drawing/2014/main" val="1853091125"/>
+                        </a:ext>
+                      </a:extLst>
+                    </a:gridCol>
+                    <a:gridCol w="966763">
+                      <a:extLst>
+                        <a:ext uri="{9D8B030D-6E8A-4147-A177-3AD203B41FA5}">
+                          <a16:colId xmlns:a16="http://schemas.microsoft.com/office/drawing/2014/main" val="2387327639"/>
+                        </a:ext>
+                      </a:extLst>
+                    </a:gridCol>
+                  </a:tblGrid>
+                  <a:tr h="550072">
+                    <a:tc>
+                      <a:txBody>
+                        <a:bodyPr/>
+                        <a:lstStyle/>
+                        <a:p>
+                          <a:pPr algn="ctr">
+                            <a:spcAft>
+                              <a:spcPts val="0"/>
+                            </a:spcAft>
+                          </a:pPr>
+                          <a:r>
+                            <a:rPr lang="en-US" sz="1400">
+                              <a:effectLst/>
+                            </a:rPr>
+                            <a:t>Backbone</a:t>
+                          </a:r>
+                          <a:endParaRPr lang="ru-RU" sz="1400">
+                            <a:effectLst/>
+                            <a:latin typeface="Times New Roman" panose="02020603050405020304" pitchFamily="18" charset="0"/>
+                            <a:ea typeface="Times New Roman" panose="02020603050405020304" pitchFamily="18" charset="0"/>
+                          </a:endParaRPr>
+                        </a:p>
+                      </a:txBody>
+                      <a:tcPr marL="77228" marR="77228" marT="0" marB="0" anchor="ctr"/>
+                    </a:tc>
+                    <a:tc>
+                      <a:txBody>
+                        <a:bodyPr/>
+                        <a:lstStyle/>
+                        <a:p>
+                          <a:endParaRPr lang="ru-RU"/>
+                        </a:p>
+                      </a:txBody>
+                      <a:tcPr marL="77228" marR="77228" marT="0" marB="0" anchor="ctr">
+                        <a:blipFill>
+                          <a:blip r:embed="rId5"/>
+                          <a:stretch>
+                            <a:fillRect l="-84264" t="-1099" r="-244162" b="-190110"/>
+                          </a:stretch>
+                        </a:blipFill>
+                      </a:tcPr>
+                    </a:tc>
+                    <a:tc>
+                      <a:txBody>
+                        <a:bodyPr/>
+                        <a:lstStyle/>
+                        <a:p>
+                          <a:endParaRPr lang="ru-RU"/>
+                        </a:p>
+                      </a:txBody>
+                      <a:tcPr marL="77228" marR="77228" marT="0" marB="0" anchor="ctr">
+                        <a:blipFill>
+                          <a:blip r:embed="rId5"/>
+                          <a:stretch>
+                            <a:fillRect l="-228302" t="-1099" r="-202516" b="-190110"/>
+                          </a:stretch>
+                        </a:blipFill>
+                      </a:tcPr>
+                    </a:tc>
+                    <a:tc>
+                      <a:txBody>
+                        <a:bodyPr/>
+                        <a:lstStyle/>
+                        <a:p>
+                          <a:endParaRPr lang="ru-RU"/>
+                        </a:p>
+                      </a:txBody>
+                      <a:tcPr marL="77228" marR="77228" marT="0" marB="0" anchor="ctr">
+                        <a:blipFill>
+                          <a:blip r:embed="rId5"/>
+                          <a:stretch>
+                            <a:fillRect l="-328302" t="-1099" r="-102516" b="-190110"/>
+                          </a:stretch>
+                        </a:blipFill>
+                      </a:tcPr>
+                    </a:tc>
+                    <a:tc>
+                      <a:txBody>
+                        <a:bodyPr/>
+                        <a:lstStyle/>
+                        <a:p>
+                          <a:endParaRPr lang="ru-RU"/>
+                        </a:p>
+                      </a:txBody>
+                      <a:tcPr marL="77228" marR="77228" marT="0" marB="0" anchor="ctr">
+                        <a:blipFill>
+                          <a:blip r:embed="rId5"/>
+                          <a:stretch>
+                            <a:fillRect l="-428302" t="-1099" r="-2516" b="-190110"/>
+                          </a:stretch>
+                        </a:blipFill>
+                      </a:tcPr>
+                    </a:tc>
+                    <a:extLst>
+                      <a:ext uri="{0D108BD9-81ED-4DB2-BD59-A6C34878D82A}">
+                        <a16:rowId xmlns:a16="http://schemas.microsoft.com/office/drawing/2014/main" val="2825925051"/>
+                      </a:ext>
+                    </a:extLst>
+                  </a:tr>
+                  <a:tr h="334927">
+                    <a:tc>
+                      <a:txBody>
+                        <a:bodyPr/>
+                        <a:lstStyle/>
+                        <a:p>
+                          <a:pPr algn="ctr">
+                            <a:spcAft>
+                              <a:spcPts val="0"/>
+                            </a:spcAft>
+                          </a:pPr>
+                          <a:r>
+                            <a:rPr lang="en-US" sz="1400">
+                              <a:effectLst/>
+                            </a:rPr>
+                            <a:t>ResNet18</a:t>
+                          </a:r>
+                          <a:endParaRPr lang="ru-RU" sz="1400">
+                            <a:effectLst/>
+                            <a:latin typeface="Times New Roman" panose="02020603050405020304" pitchFamily="18" charset="0"/>
+                            <a:ea typeface="Times New Roman" panose="02020603050405020304" pitchFamily="18" charset="0"/>
+                          </a:endParaRPr>
+                        </a:p>
+                      </a:txBody>
+                      <a:tcPr marL="77228" marR="77228" marT="0" marB="0" anchor="ctr"/>
+                    </a:tc>
+                    <a:tc>
+                      <a:txBody>
+                        <a:bodyPr/>
+                        <a:lstStyle/>
+                        <a:p>
+                          <a:pPr algn="ctr">
+                            <a:spcAft>
+                              <a:spcPts val="0"/>
+                            </a:spcAft>
+                          </a:pPr>
+                          <a:r>
+                            <a:rPr lang="en-US" sz="1400">
+                              <a:effectLst/>
+                            </a:rPr>
+                            <a:t>82,2</a:t>
+                          </a:r>
+                          <a:endParaRPr lang="ru-RU" sz="1400">
+                            <a:effectLst/>
+                            <a:latin typeface="Times New Roman" panose="02020603050405020304" pitchFamily="18" charset="0"/>
+                            <a:ea typeface="Times New Roman" panose="02020603050405020304" pitchFamily="18" charset="0"/>
+                          </a:endParaRPr>
+                        </a:p>
+                      </a:txBody>
+                      <a:tcPr marL="77228" marR="77228" marT="0" marB="0" anchor="ctr"/>
+                    </a:tc>
+                    <a:tc>
+                      <a:txBody>
+                        <a:bodyPr/>
+                        <a:lstStyle/>
+                        <a:p>
+                          <a:pPr algn="ctr">
+                            <a:spcAft>
+                              <a:spcPts val="0"/>
+                            </a:spcAft>
+                          </a:pPr>
+                          <a:r>
+                            <a:rPr lang="en-US" sz="1400">
+                              <a:effectLst/>
+                            </a:rPr>
+                            <a:t>65,1</a:t>
+                          </a:r>
+                          <a:endParaRPr lang="ru-RU" sz="1400">
+                            <a:effectLst/>
+                            <a:latin typeface="Times New Roman" panose="02020603050405020304" pitchFamily="18" charset="0"/>
+                            <a:ea typeface="Times New Roman" panose="02020603050405020304" pitchFamily="18" charset="0"/>
+                          </a:endParaRPr>
+                        </a:p>
+                      </a:txBody>
+                      <a:tcPr marL="77228" marR="77228" marT="0" marB="0" anchor="ctr"/>
+                    </a:tc>
+                    <a:tc>
+                      <a:txBody>
+                        <a:bodyPr/>
+                        <a:lstStyle/>
+                        <a:p>
+                          <a:pPr algn="ctr">
+                            <a:spcAft>
+                              <a:spcPts val="0"/>
+                            </a:spcAft>
+                          </a:pPr>
+                          <a:r>
+                            <a:rPr lang="en-US" sz="1400" dirty="0">
+                              <a:effectLst/>
+                            </a:rPr>
+                            <a:t>88,7</a:t>
+                          </a:r>
+                          <a:endParaRPr lang="ru-RU" sz="1400" dirty="0">
+                            <a:effectLst/>
+                            <a:latin typeface="Times New Roman" panose="02020603050405020304" pitchFamily="18" charset="0"/>
+                            <a:ea typeface="Times New Roman" panose="02020603050405020304" pitchFamily="18" charset="0"/>
+                          </a:endParaRPr>
+                        </a:p>
+                      </a:txBody>
+                      <a:tcPr marL="77228" marR="77228" marT="0" marB="0" anchor="ctr"/>
+                    </a:tc>
+                    <a:tc>
+                      <a:txBody>
+                        <a:bodyPr/>
+                        <a:lstStyle/>
+                        <a:p>
+                          <a:pPr algn="ctr">
+                            <a:spcAft>
+                              <a:spcPts val="0"/>
+                            </a:spcAft>
+                          </a:pPr>
+                          <a:r>
+                            <a:rPr lang="en-US" sz="1400">
+                              <a:effectLst/>
+                            </a:rPr>
+                            <a:t>72,4</a:t>
+                          </a:r>
+                          <a:endParaRPr lang="ru-RU" sz="1400">
+                            <a:effectLst/>
+                            <a:latin typeface="Times New Roman" panose="02020603050405020304" pitchFamily="18" charset="0"/>
+                            <a:ea typeface="Times New Roman" panose="02020603050405020304" pitchFamily="18" charset="0"/>
+                          </a:endParaRPr>
+                        </a:p>
+                      </a:txBody>
+                      <a:tcPr marL="77228" marR="77228" marT="0" marB="0" anchor="ctr"/>
+                    </a:tc>
+                    <a:extLst>
+                      <a:ext uri="{0D108BD9-81ED-4DB2-BD59-A6C34878D82A}">
+                        <a16:rowId xmlns:a16="http://schemas.microsoft.com/office/drawing/2014/main" val="446928774"/>
+                      </a:ext>
+                    </a:extLst>
+                  </a:tr>
+                  <a:tr h="334927">
+                    <a:tc>
+                      <a:txBody>
+                        <a:bodyPr/>
+                        <a:lstStyle/>
+                        <a:p>
+                          <a:pPr algn="ctr">
+                            <a:spcAft>
+                              <a:spcPts val="0"/>
+                            </a:spcAft>
+                          </a:pPr>
+                          <a:r>
+                            <a:rPr lang="en-US" sz="1400">
+                              <a:effectLst/>
+                            </a:rPr>
+                            <a:t>ResNet50</a:t>
+                          </a:r>
+                          <a:endParaRPr lang="ru-RU" sz="1400">
+                            <a:effectLst/>
+                            <a:latin typeface="Times New Roman" panose="02020603050405020304" pitchFamily="18" charset="0"/>
+                            <a:ea typeface="Times New Roman" panose="02020603050405020304" pitchFamily="18" charset="0"/>
+                          </a:endParaRPr>
+                        </a:p>
+                      </a:txBody>
+                      <a:tcPr marL="77228" marR="77228" marT="0" marB="0" anchor="ctr"/>
+                    </a:tc>
+                    <a:tc>
+                      <a:txBody>
+                        <a:bodyPr/>
+                        <a:lstStyle/>
+                        <a:p>
+                          <a:pPr algn="ctr">
+                            <a:spcAft>
+                              <a:spcPts val="0"/>
+                            </a:spcAft>
+                          </a:pPr>
+                          <a:r>
+                            <a:rPr lang="en-US" sz="1400">
+                              <a:effectLst/>
+                            </a:rPr>
+                            <a:t>85,5</a:t>
+                          </a:r>
+                          <a:endParaRPr lang="ru-RU" sz="1400">
+                            <a:effectLst/>
+                            <a:latin typeface="Times New Roman" panose="02020603050405020304" pitchFamily="18" charset="0"/>
+                            <a:ea typeface="Times New Roman" panose="02020603050405020304" pitchFamily="18" charset="0"/>
+                          </a:endParaRPr>
+                        </a:p>
+                      </a:txBody>
+                      <a:tcPr marL="77228" marR="77228" marT="0" marB="0" anchor="ctr"/>
+                    </a:tc>
+                    <a:tc>
+                      <a:txBody>
+                        <a:bodyPr/>
+                        <a:lstStyle/>
+                        <a:p>
+                          <a:pPr algn="ctr">
+                            <a:spcAft>
+                              <a:spcPts val="0"/>
+                            </a:spcAft>
+                          </a:pPr>
+                          <a:r>
+                            <a:rPr lang="en-US" sz="1400">
+                              <a:effectLst/>
+                            </a:rPr>
+                            <a:t>69,7</a:t>
+                          </a:r>
+                          <a:endParaRPr lang="ru-RU" sz="1400">
+                            <a:effectLst/>
+                            <a:latin typeface="Times New Roman" panose="02020603050405020304" pitchFamily="18" charset="0"/>
+                            <a:ea typeface="Times New Roman" panose="02020603050405020304" pitchFamily="18" charset="0"/>
+                          </a:endParaRPr>
+                        </a:p>
+                      </a:txBody>
+                      <a:tcPr marL="77228" marR="77228" marT="0" marB="0" anchor="ctr"/>
+                    </a:tc>
+                    <a:tc>
+                      <a:txBody>
+                        <a:bodyPr/>
+                        <a:lstStyle/>
+                        <a:p>
+                          <a:pPr algn="ctr">
+                            <a:spcAft>
+                              <a:spcPts val="0"/>
+                            </a:spcAft>
+                          </a:pPr>
+                          <a:r>
+                            <a:rPr lang="en-US" sz="1400">
+                              <a:effectLst/>
+                            </a:rPr>
+                            <a:t>90,5</a:t>
+                          </a:r>
+                          <a:endParaRPr lang="ru-RU" sz="1400">
+                            <a:effectLst/>
+                            <a:latin typeface="Times New Roman" panose="02020603050405020304" pitchFamily="18" charset="0"/>
+                            <a:ea typeface="Times New Roman" panose="02020603050405020304" pitchFamily="18" charset="0"/>
+                          </a:endParaRPr>
+                        </a:p>
+                      </a:txBody>
+                      <a:tcPr marL="77228" marR="77228" marT="0" marB="0" anchor="ctr"/>
+                    </a:tc>
+                    <a:tc>
+                      <a:txBody>
+                        <a:bodyPr/>
+                        <a:lstStyle/>
+                        <a:p>
+                          <a:pPr algn="ctr">
+                            <a:spcAft>
+                              <a:spcPts val="0"/>
+                            </a:spcAft>
+                          </a:pPr>
+                          <a:r>
+                            <a:rPr lang="en-US" sz="1400">
+                              <a:effectLst/>
+                            </a:rPr>
+                            <a:t>76,0</a:t>
+                          </a:r>
+                          <a:endParaRPr lang="ru-RU" sz="1400">
+                            <a:effectLst/>
+                            <a:latin typeface="Times New Roman" panose="02020603050405020304" pitchFamily="18" charset="0"/>
+                            <a:ea typeface="Times New Roman" panose="02020603050405020304" pitchFamily="18" charset="0"/>
+                          </a:endParaRPr>
+                        </a:p>
+                      </a:txBody>
+                      <a:tcPr marL="77228" marR="77228" marT="0" marB="0" anchor="ctr"/>
+                    </a:tc>
+                    <a:extLst>
+                      <a:ext uri="{0D108BD9-81ED-4DB2-BD59-A6C34878D82A}">
+                        <a16:rowId xmlns:a16="http://schemas.microsoft.com/office/drawing/2014/main" val="102092915"/>
+                      </a:ext>
+                    </a:extLst>
+                  </a:tr>
+                  <a:tr h="334927">
+                    <a:tc>
+                      <a:txBody>
+                        <a:bodyPr/>
+                        <a:lstStyle/>
+                        <a:p>
+                          <a:pPr algn="ctr">
+                            <a:spcAft>
+                              <a:spcPts val="0"/>
+                            </a:spcAft>
+                          </a:pPr>
+                          <a:r>
+                            <a:rPr lang="en-US" sz="1400">
+                              <a:effectLst/>
+                            </a:rPr>
+                            <a:t>ResNet101</a:t>
+                          </a:r>
+                          <a:endParaRPr lang="ru-RU" sz="1400">
+                            <a:effectLst/>
+                            <a:latin typeface="Times New Roman" panose="02020603050405020304" pitchFamily="18" charset="0"/>
+                            <a:ea typeface="Times New Roman" panose="02020603050405020304" pitchFamily="18" charset="0"/>
+                          </a:endParaRPr>
+                        </a:p>
+                      </a:txBody>
+                      <a:tcPr marL="77228" marR="77228" marT="0" marB="0" anchor="ctr"/>
+                    </a:tc>
+                    <a:tc>
+                      <a:txBody>
+                        <a:bodyPr/>
+                        <a:lstStyle/>
+                        <a:p>
+                          <a:pPr algn="ctr">
+                            <a:spcAft>
+                              <a:spcPts val="0"/>
+                            </a:spcAft>
+                          </a:pPr>
+                          <a:r>
+                            <a:rPr lang="en-US" sz="1400" dirty="0">
+                              <a:effectLst/>
+                            </a:rPr>
+                            <a:t>84,2</a:t>
+                          </a:r>
+                          <a:endParaRPr lang="ru-RU" sz="1400" dirty="0">
+                            <a:effectLst/>
+                            <a:latin typeface="Times New Roman" panose="02020603050405020304" pitchFamily="18" charset="0"/>
+                            <a:ea typeface="Times New Roman" panose="02020603050405020304" pitchFamily="18" charset="0"/>
+                          </a:endParaRPr>
+                        </a:p>
+                      </a:txBody>
+                      <a:tcPr marL="77228" marR="77228" marT="0" marB="0" anchor="ctr"/>
+                    </a:tc>
+                    <a:tc>
+                      <a:txBody>
+                        <a:bodyPr/>
+                        <a:lstStyle/>
+                        <a:p>
+                          <a:pPr algn="ctr">
+                            <a:spcAft>
+                              <a:spcPts val="0"/>
+                            </a:spcAft>
+                          </a:pPr>
+                          <a:r>
+                            <a:rPr lang="en-US" sz="1400">
+                              <a:effectLst/>
+                            </a:rPr>
+                            <a:t>67,0</a:t>
+                          </a:r>
+                          <a:endParaRPr lang="ru-RU" sz="1400">
+                            <a:effectLst/>
+                            <a:latin typeface="Times New Roman" panose="02020603050405020304" pitchFamily="18" charset="0"/>
+                            <a:ea typeface="Times New Roman" panose="02020603050405020304" pitchFamily="18" charset="0"/>
+                          </a:endParaRPr>
+                        </a:p>
+                      </a:txBody>
+                      <a:tcPr marL="77228" marR="77228" marT="0" marB="0" anchor="ctr"/>
+                    </a:tc>
+                    <a:tc>
+                      <a:txBody>
+                        <a:bodyPr/>
+                        <a:lstStyle/>
+                        <a:p>
+                          <a:pPr algn="ctr">
+                            <a:spcAft>
+                              <a:spcPts val="0"/>
+                            </a:spcAft>
+                          </a:pPr>
+                          <a:r>
+                            <a:rPr lang="en-US" sz="1400" dirty="0">
+                              <a:effectLst/>
+                            </a:rPr>
+                            <a:t>89,6</a:t>
+                          </a:r>
+                          <a:endParaRPr lang="ru-RU" sz="1400" dirty="0">
+                            <a:effectLst/>
+                            <a:latin typeface="Times New Roman" panose="02020603050405020304" pitchFamily="18" charset="0"/>
+                            <a:ea typeface="Times New Roman" panose="02020603050405020304" pitchFamily="18" charset="0"/>
+                          </a:endParaRPr>
+                        </a:p>
+                      </a:txBody>
+                      <a:tcPr marL="77228" marR="77228" marT="0" marB="0" anchor="ctr"/>
+                    </a:tc>
+                    <a:tc>
+                      <a:txBody>
+                        <a:bodyPr/>
+                        <a:lstStyle/>
+                        <a:p>
+                          <a:pPr algn="ctr">
+                            <a:spcAft>
+                              <a:spcPts val="0"/>
+                            </a:spcAft>
+                          </a:pPr>
+                          <a:r>
+                            <a:rPr lang="en-US" sz="1400" dirty="0">
+                              <a:effectLst/>
+                            </a:rPr>
+                            <a:t>74,0</a:t>
+                          </a:r>
+                          <a:endParaRPr lang="ru-RU" sz="1400" dirty="0">
+                            <a:effectLst/>
+                            <a:latin typeface="Times New Roman" panose="02020603050405020304" pitchFamily="18" charset="0"/>
+                            <a:ea typeface="Times New Roman" panose="02020603050405020304" pitchFamily="18" charset="0"/>
+                          </a:endParaRPr>
+                        </a:p>
+                      </a:txBody>
+                      <a:tcPr marL="77228" marR="77228" marT="0" marB="0" anchor="ctr"/>
+                    </a:tc>
+                    <a:extLst>
+                      <a:ext uri="{0D108BD9-81ED-4DB2-BD59-A6C34878D82A}">
+                        <a16:rowId xmlns:a16="http://schemas.microsoft.com/office/drawing/2014/main" val="1696185789"/>
+                      </a:ext>
+                    </a:extLst>
+                  </a:tr>
+                </a:tbl>
+              </a:graphicData>
+            </a:graphic>
+          </p:graphicFrame>
+        </mc:Fallback>
+      </mc:AlternateContent>
+      <p:sp>
+        <p:nvSpPr>
+          <p:cNvPr id="8" name="TextBox 7"/>
+          <p:cNvSpPr txBox="1"/>
+          <p:nvPr/>
+        </p:nvSpPr>
+        <p:spPr>
+          <a:xfrm>
+            <a:off x="809006" y="3941098"/>
+            <a:ext cx="4532790" cy="738664"/>
+          </a:xfrm>
+          <a:prstGeom prst="rect">
+            <a:avLst/>
+          </a:prstGeom>
+          <a:noFill/>
+        </p:spPr>
+        <p:txBody>
+          <a:bodyPr wrap="square" rtlCol="0">
+            <a:spAutoFit/>
+          </a:bodyPr>
+          <a:lstStyle/>
+          <a:p>
+            <a:pPr algn="ctr"/>
+            <a:r>
+              <a:rPr lang="ru-RU" sz="1400" dirty="0" smtClean="0"/>
+              <a:t>Таблица </a:t>
+            </a:r>
+            <a:r>
+              <a:rPr lang="en-US" sz="1400" dirty="0" smtClean="0"/>
+              <a:t>2</a:t>
+            </a:r>
+            <a:r>
+              <a:rPr lang="ru-RU" sz="1400" dirty="0" smtClean="0"/>
+              <a:t> </a:t>
+            </a:r>
+            <a:r>
+              <a:rPr lang="ru-RU" sz="1400" dirty="0"/>
+              <a:t>- Результаты, полученные после обучения моделей на полном </a:t>
+            </a:r>
+            <a:r>
+              <a:rPr lang="ru-RU" sz="1400" dirty="0" err="1"/>
+              <a:t>датасете</a:t>
+            </a:r>
+            <a:r>
+              <a:rPr lang="ru-RU" sz="1400" dirty="0"/>
+              <a:t> COCO с различными архитектурами</a:t>
+            </a:r>
+            <a:endParaRPr lang="ru-RU" sz="1400" dirty="0"/>
+          </a:p>
+        </p:txBody>
+      </p:sp>
+    </p:spTree>
+    <p:extLst>
+      <p:ext uri="{BB962C8B-B14F-4D97-AF65-F5344CB8AC3E}">
+        <p14:creationId xmlns:p14="http://schemas.microsoft.com/office/powerpoint/2010/main" val="2136426159"/>
+      </p:ext>
+    </p:extLst>
+  </p:cSld>
+  <p:clrMapOvr>
+    <a:masterClrMapping/>
+  </p:clrMapOvr>
+  <p:timing>
+    <p:tnLst>
+      <p:par>
+        <p:cTn id="1" dur="indefinite" restart="never" nodeType="tmRoot"/>
+      </p:par>
+    </p:tnLst>
+  </p:timing>
+</p:sld>
+</file>
+
+<file path=ppt/slides/slide9.xml><?xml version="1.0" encoding="utf-8"?>
+<p:sld xmlns:a="http://schemas.openxmlformats.org/drawingml/2006/main" xmlns:r="http://schemas.openxmlformats.org/officeDocument/2006/relationships" xmlns:p="http://schemas.openxmlformats.org/presentationml/2006/main">
+  <p:cSld>
+    <p:bg>
+      <p:bgPr>
+        <a:blipFill dpi="0" rotWithShape="1">
+          <a:blip r:embed="rId3">
+            <a:lum/>
+          </a:blip>
+          <a:srcRect/>
+          <a:stretch>
+            <a:fillRect/>
+          </a:stretch>
+        </a:blipFill>
+        <a:effectLst/>
+      </p:bgPr>
+    </p:bg>
+    <p:spTree>
+      <p:nvGrpSpPr>
+        <p:cNvPr id="1" name=""/>
+        <p:cNvGrpSpPr/>
+        <p:nvPr/>
+      </p:nvGrpSpPr>
+      <p:grpSpPr>
+        <a:xfrm>
+          <a:off x="0" y="0"/>
+          <a:ext cx="0" cy="0"/>
+          <a:chOff x="0" y="0"/>
+          <a:chExt cx="0" cy="0"/>
+        </a:xfrm>
+      </p:grpSpPr>
+      <p:sp>
+        <p:nvSpPr>
+          <p:cNvPr id="3" name="TextBox 2"/>
+          <p:cNvSpPr txBox="1"/>
+          <p:nvPr/>
+        </p:nvSpPr>
+        <p:spPr>
+          <a:xfrm>
+            <a:off x="1818745" y="301532"/>
+            <a:ext cx="9291208" cy="369332"/>
+          </a:xfrm>
+          <a:prstGeom prst="rect">
+            <a:avLst/>
+          </a:prstGeom>
+          <a:noFill/>
+        </p:spPr>
+        <p:txBody>
+          <a:bodyPr wrap="square" rtlCol="0" anchor="ctr" anchorCtr="1">
+            <a:spAutoFit/>
+          </a:bodyPr>
+          <a:lstStyle/>
+          <a:p>
+            <a:pPr algn="ctr"/>
+            <a:r>
+              <a:rPr lang="ru-RU" dirty="0" smtClean="0">
+                <a:solidFill>
+                  <a:schemeClr val="bg1"/>
+                </a:solidFill>
+                <a:latin typeface="Elektra Text Pro" panose="02000503030000020004" pitchFamily="50" charset="-52"/>
+              </a:rPr>
+              <a:t>Получение карт глубины и построение трехмерного скелета</a:t>
+            </a:r>
+            <a:endParaRPr lang="ru-RU" dirty="0">
+              <a:solidFill>
+                <a:schemeClr val="bg1"/>
+              </a:solidFill>
+              <a:latin typeface="Elektra Text Pro" panose="02000503030000020004" pitchFamily="50" charset="-52"/>
+            </a:endParaRPr>
+          </a:p>
+        </p:txBody>
+      </p:sp>
+      <p:sp>
+        <p:nvSpPr>
+          <p:cNvPr id="4" name="TextBox 3"/>
+          <p:cNvSpPr txBox="1"/>
+          <p:nvPr/>
+        </p:nvSpPr>
+        <p:spPr>
+          <a:xfrm>
+            <a:off x="11109953" y="6324371"/>
+            <a:ext cx="469107" cy="369332"/>
+          </a:xfrm>
+          <a:prstGeom prst="rect">
+            <a:avLst/>
+          </a:prstGeom>
+          <a:noFill/>
+        </p:spPr>
+        <p:txBody>
+          <a:bodyPr wrap="square" rtlCol="0">
+            <a:spAutoFit/>
+          </a:bodyPr>
+          <a:lstStyle/>
+          <a:p>
+            <a:pPr algn="ctr"/>
+            <a:fld id="{4CB11690-5800-4A0D-8C28-71894E2CF362}" type="slidenum">
+              <a:rPr lang="ru-RU">
+                <a:solidFill>
+                  <a:schemeClr val="bg1"/>
+                </a:solidFill>
+                <a:latin typeface="Elektra Medium Pro" panose="02000803000000020004" pitchFamily="50" charset="-52"/>
+              </a:rPr>
+              <a:t>9</a:t>
+            </a:fld>
+            <a:endParaRPr lang="ru-RU" dirty="0">
+              <a:solidFill>
+                <a:schemeClr val="bg1"/>
+              </a:solidFill>
+              <a:latin typeface="Elektra Medium Pro" panose="02000803000000020004" pitchFamily="50" charset="-52"/>
+            </a:endParaRPr>
+          </a:p>
+        </p:txBody>
+      </p:sp>
+      <p:sp>
+        <p:nvSpPr>
+          <p:cNvPr id="5" name="TextBox 4"/>
+          <p:cNvSpPr txBox="1"/>
+          <p:nvPr/>
+        </p:nvSpPr>
+        <p:spPr>
+          <a:xfrm>
+            <a:off x="1396523" y="5646199"/>
+            <a:ext cx="3570714" cy="523220"/>
+          </a:xfrm>
+          <a:prstGeom prst="rect">
+            <a:avLst/>
+          </a:prstGeom>
+          <a:noFill/>
+        </p:spPr>
+        <p:txBody>
+          <a:bodyPr wrap="square" rtlCol="0">
+            <a:spAutoFit/>
+          </a:bodyPr>
+          <a:lstStyle/>
+          <a:p>
+            <a:pPr algn="ctr"/>
+            <a:r>
+              <a:rPr lang="ru-RU" sz="1400" dirty="0" smtClean="0"/>
+              <a:t>Рисунок </a:t>
+            </a:r>
+            <a:r>
+              <a:rPr lang="en-US" sz="1400" dirty="0" smtClean="0"/>
+              <a:t>9</a:t>
+            </a:r>
+            <a:r>
+              <a:rPr lang="ru-RU" sz="1400" dirty="0" smtClean="0"/>
+              <a:t> </a:t>
+            </a:r>
+            <a:r>
+              <a:rPr lang="ru-RU" sz="1400" dirty="0"/>
+              <a:t>- Карта глубины, полученная с помощью </a:t>
+            </a:r>
+            <a:r>
+              <a:rPr lang="ru-RU" sz="1400" dirty="0" err="1"/>
+              <a:t>MiDaS</a:t>
+            </a:r>
+            <a:endParaRPr lang="ru-RU" sz="1400" dirty="0"/>
+          </a:p>
+        </p:txBody>
+      </p:sp>
+      <p:pic>
+        <p:nvPicPr>
+          <p:cNvPr id="9" name="Рисунок 8"/>
+          <p:cNvPicPr/>
+          <p:nvPr/>
+        </p:nvPicPr>
+        <p:blipFill>
+          <a:blip r:embed="rId4"/>
+          <a:stretch>
+            <a:fillRect/>
+          </a:stretch>
+        </p:blipFill>
+        <p:spPr>
+          <a:xfrm>
+            <a:off x="1396522" y="893455"/>
+            <a:ext cx="3570714" cy="4752744"/>
+          </a:xfrm>
+          <a:prstGeom prst="rect">
+            <a:avLst/>
+          </a:prstGeom>
+          <a:ln>
+            <a:solidFill>
+              <a:schemeClr val="tx1"/>
+            </a:solidFill>
+          </a:ln>
+        </p:spPr>
+      </p:pic>
+      <p:pic>
+        <p:nvPicPr>
+          <p:cNvPr id="10" name="Рисунок 9"/>
+          <p:cNvPicPr/>
+          <p:nvPr/>
+        </p:nvPicPr>
+        <p:blipFill>
+          <a:blip r:embed="rId5"/>
+          <a:stretch>
+            <a:fillRect/>
+          </a:stretch>
+        </p:blipFill>
+        <p:spPr>
+          <a:xfrm>
+            <a:off x="6367635" y="893455"/>
+            <a:ext cx="4740302" cy="4752744"/>
+          </a:xfrm>
+          <a:prstGeom prst="rect">
+            <a:avLst/>
+          </a:prstGeom>
+          <a:ln>
+            <a:solidFill>
+              <a:schemeClr val="tx1"/>
+            </a:solidFill>
+          </a:ln>
+        </p:spPr>
+      </p:pic>
+      <p:sp>
+        <p:nvSpPr>
+          <p:cNvPr id="11" name="TextBox 10"/>
+          <p:cNvSpPr txBox="1"/>
+          <p:nvPr/>
+        </p:nvSpPr>
+        <p:spPr>
+          <a:xfrm>
+            <a:off x="6367633" y="5646199"/>
+            <a:ext cx="4740303" cy="738664"/>
+          </a:xfrm>
+          <a:prstGeom prst="rect">
+            <a:avLst/>
+          </a:prstGeom>
+          <a:noFill/>
+        </p:spPr>
+        <p:txBody>
+          <a:bodyPr wrap="square" rtlCol="0">
+            <a:spAutoFit/>
+          </a:bodyPr>
+          <a:lstStyle/>
+          <a:p>
+            <a:pPr algn="ctr"/>
+            <a:r>
+              <a:rPr lang="ru-RU" sz="1400" dirty="0" smtClean="0"/>
+              <a:t>Рисунок 10 </a:t>
+            </a:r>
+            <a:r>
+              <a:rPr lang="ru-RU" sz="1400" dirty="0"/>
+              <a:t>- Результат совместной работы собственной модели определения двумерных ключевых точек с моделью </a:t>
+            </a:r>
+            <a:r>
+              <a:rPr lang="ru-RU" sz="1400" dirty="0" err="1"/>
+              <a:t>MiDaS</a:t>
+            </a:r>
+            <a:endParaRPr lang="ru-RU" sz="1400" dirty="0"/>
+          </a:p>
+        </p:txBody>
+      </p:sp>
+    </p:spTree>
+    <p:extLst>
+      <p:ext uri="{BB962C8B-B14F-4D97-AF65-F5344CB8AC3E}">
+        <p14:creationId xmlns:p14="http://schemas.microsoft.com/office/powerpoint/2010/main" val="3999208042"/>
       </p:ext>
     </p:extLst>
   </p:cSld>

--- a/ВКРБ_Сорока Александр_Презентация.pptx
+++ b/ВКРБ_Сорока Александр_Презентация.pptx
@@ -217,7 +217,7 @@
           <a:p>
             <a:fld id="{77D36C68-DDAB-4D09-8E72-8E937BD7768C}" type="datetimeFigureOut">
               <a:rPr lang="ru-RU" smtClean="0"/>
-              <a:t>19.05.2024</a:t>
+              <a:t>21.05.2024</a:t>
             </a:fld>
             <a:endParaRPr lang="ru-RU"/>
           </a:p>
@@ -1041,7 +1041,7 @@
           <a:p>
             <a:fld id="{0CD2006A-6BE7-43E8-8AD6-C09FC266B36F}" type="datetime1">
               <a:rPr lang="ru-RU" smtClean="0"/>
-              <a:t>19.05.2024</a:t>
+              <a:t>21.05.2024</a:t>
             </a:fld>
             <a:endParaRPr lang="ru-RU"/>
           </a:p>
@@ -1211,7 +1211,7 @@
           <a:p>
             <a:fld id="{DCFD85EE-4AB9-42CD-8126-E74FE77A9ED8}" type="datetime1">
               <a:rPr lang="ru-RU" smtClean="0"/>
-              <a:t>19.05.2024</a:t>
+              <a:t>21.05.2024</a:t>
             </a:fld>
             <a:endParaRPr lang="ru-RU"/>
           </a:p>
@@ -1391,7 +1391,7 @@
           <a:p>
             <a:fld id="{560B916C-83BE-4CC1-8A21-D05CD30C43DB}" type="datetime1">
               <a:rPr lang="ru-RU" smtClean="0"/>
-              <a:t>19.05.2024</a:t>
+              <a:t>21.05.2024</a:t>
             </a:fld>
             <a:endParaRPr lang="ru-RU"/>
           </a:p>
@@ -1561,7 +1561,7 @@
           <a:p>
             <a:fld id="{D2E13183-B2A1-4784-80CE-65A33D52CB0B}" type="datetime1">
               <a:rPr lang="ru-RU" smtClean="0"/>
-              <a:t>19.05.2024</a:t>
+              <a:t>21.05.2024</a:t>
             </a:fld>
             <a:endParaRPr lang="ru-RU"/>
           </a:p>
@@ -1807,7 +1807,7 @@
           <a:p>
             <a:fld id="{DEA388E9-D2C3-4436-BFEE-5F0C2E0896FE}" type="datetime1">
               <a:rPr lang="ru-RU" smtClean="0"/>
-              <a:t>19.05.2024</a:t>
+              <a:t>21.05.2024</a:t>
             </a:fld>
             <a:endParaRPr lang="ru-RU"/>
           </a:p>
@@ -2039,7 +2039,7 @@
           <a:p>
             <a:fld id="{13A15BC7-66CE-44BA-84C4-ADF5D358A8E5}" type="datetime1">
               <a:rPr lang="ru-RU" smtClean="0"/>
-              <a:t>19.05.2024</a:t>
+              <a:t>21.05.2024</a:t>
             </a:fld>
             <a:endParaRPr lang="ru-RU"/>
           </a:p>
@@ -2406,7 +2406,7 @@
           <a:p>
             <a:fld id="{8C55F641-8A7B-48BB-9924-29525D09D843}" type="datetime1">
               <a:rPr lang="ru-RU" smtClean="0"/>
-              <a:t>19.05.2024</a:t>
+              <a:t>21.05.2024</a:t>
             </a:fld>
             <a:endParaRPr lang="ru-RU"/>
           </a:p>
@@ -2524,7 +2524,7 @@
           <a:p>
             <a:fld id="{28C4CC1A-CDB1-4CBC-83A8-3EB958439194}" type="datetime1">
               <a:rPr lang="ru-RU" smtClean="0"/>
-              <a:t>19.05.2024</a:t>
+              <a:t>21.05.2024</a:t>
             </a:fld>
             <a:endParaRPr lang="ru-RU"/>
           </a:p>
@@ -2619,7 +2619,7 @@
           <a:p>
             <a:fld id="{DCA5C5F1-78C0-4305-B0EC-8CEF047F6C93}" type="datetime1">
               <a:rPr lang="ru-RU" smtClean="0"/>
-              <a:t>19.05.2024</a:t>
+              <a:t>21.05.2024</a:t>
             </a:fld>
             <a:endParaRPr lang="ru-RU"/>
           </a:p>
@@ -2896,7 +2896,7 @@
           <a:p>
             <a:fld id="{8FF670FB-17C0-4434-90C8-A4668EF13565}" type="datetime1">
               <a:rPr lang="ru-RU" smtClean="0"/>
-              <a:t>19.05.2024</a:t>
+              <a:t>21.05.2024</a:t>
             </a:fld>
             <a:endParaRPr lang="ru-RU"/>
           </a:p>
@@ -3153,7 +3153,7 @@
           <a:p>
             <a:fld id="{5FA5D1FD-3FC4-47EA-B2EB-FF46800F6009}" type="datetime1">
               <a:rPr lang="ru-RU" smtClean="0"/>
-              <a:t>19.05.2024</a:t>
+              <a:t>21.05.2024</a:t>
             </a:fld>
             <a:endParaRPr lang="ru-RU"/>
           </a:p>
@@ -3366,7 +3366,7 @@
           <a:p>
             <a:fld id="{6C109404-ED28-47FE-9DC5-C6BCEA110D1D}" type="datetime1">
               <a:rPr lang="ru-RU" smtClean="0"/>
-              <a:t>19.05.2024</a:t>
+              <a:t>21.05.2024</a:t>
             </a:fld>
             <a:endParaRPr lang="ru-RU"/>
           </a:p>
@@ -4124,9 +4124,7 @@
     <p:bg>
       <p:bgPr>
         <a:blipFill dpi="0" rotWithShape="1">
-          <a:blip r:embed="rId3">
-            <a:lum/>
-          </a:blip>
+          <a:blip r:embed="rId3"/>
           <a:srcRect/>
           <a:stretch>
             <a:fillRect/>
@@ -4157,7 +4155,7 @@
         </p:nvSpPr>
         <p:spPr>
           <a:xfrm>
-            <a:off x="1002861" y="900644"/>
+            <a:off x="1002861" y="847377"/>
             <a:ext cx="10595594" cy="5355312"/>
           </a:xfrm>
           <a:prstGeom prst="rect">
@@ -4288,9 +4286,16 @@
             </a:r>
             <a:r>
               <a:rPr lang="ru-RU" dirty="0"/>
-              <a:t>экспериментов и анализ полученных результатов для моде-лей с различными архитектурами, оценка точности и полноты моделей на основе ключевых метрик</a:t>
-            </a:r>
-            <a:endParaRPr lang="ru-RU" dirty="0"/>
+              <a:t>экспериментов и анализ полученных результатов для </a:t>
+            </a:r>
+            <a:r>
+              <a:rPr lang="ru-RU" dirty="0" smtClean="0"/>
+              <a:t>моделей </a:t>
+            </a:r>
+            <a:r>
+              <a:rPr lang="ru-RU" dirty="0"/>
+              <a:t>с различными архитектурами, оценка точности и полноты моделей на основе ключевых метрик</a:t>
+            </a:r>
           </a:p>
         </p:txBody>
       </p:sp>
@@ -4343,8 +4348,8 @@
         </p:nvSpPr>
         <p:spPr>
           <a:xfrm>
-            <a:off x="11105759" y="6341149"/>
-            <a:ext cx="469107" cy="369332"/>
+            <a:off x="11143419" y="6289958"/>
+            <a:ext cx="417249" cy="430887"/>
           </a:xfrm>
           <a:prstGeom prst="rect">
             <a:avLst/>
@@ -4359,7 +4364,7 @@
           <a:p>
             <a:pPr algn="ctr"/>
             <a:fld id="{9E79BFED-6ECD-4563-B483-CEA192FFFCCF}" type="slidenum">
-              <a:rPr lang="ru-RU">
+              <a:rPr lang="ru-RU" sz="1100" smtClean="0">
                 <a:solidFill>
                   <a:schemeClr val="bg1"/>
                 </a:solidFill>
@@ -4367,7 +4372,16 @@
               </a:rPr>
               <a:t>2</a:t>
             </a:fld>
-            <a:endParaRPr lang="ru-RU" dirty="0">
+            <a:r>
+              <a:rPr lang="en-US" sz="1100" dirty="0" smtClean="0">
+                <a:solidFill>
+                  <a:schemeClr val="bg1"/>
+                </a:solidFill>
+                <a:latin typeface="Elektra Medium Pro" panose="02000803000000020004" pitchFamily="50" charset="-52"/>
+              </a:rPr>
+              <a:t> / 10</a:t>
+            </a:r>
+            <a:endParaRPr lang="ru-RU" sz="1100" dirty="0">
               <a:solidFill>
                 <a:schemeClr val="bg1"/>
               </a:solidFill>
@@ -4470,47 +4484,6 @@
       </p:sp>
       <p:sp>
         <p:nvSpPr>
-          <p:cNvPr id="4" name="TextBox 3"/>
-          <p:cNvSpPr txBox="1"/>
-          <p:nvPr/>
-        </p:nvSpPr>
-        <p:spPr>
-          <a:xfrm>
-            <a:off x="11109953" y="6324371"/>
-            <a:ext cx="469107" cy="369332"/>
-          </a:xfrm>
-          <a:prstGeom prst="rect">
-            <a:avLst/>
-          </a:prstGeom>
-          <a:noFill/>
-        </p:spPr>
-        <p:txBody>
-          <a:bodyPr wrap="square" rtlCol="0">
-            <a:spAutoFit/>
-          </a:bodyPr>
-          <a:lstStyle/>
-          <a:p>
-            <a:pPr algn="ctr"/>
-            <a:fld id="{4CB11690-5800-4A0D-8C28-71894E2CF362}" type="slidenum">
-              <a:rPr lang="ru-RU">
-                <a:solidFill>
-                  <a:schemeClr val="bg1"/>
-                </a:solidFill>
-                <a:latin typeface="Elektra Medium Pro" panose="02000803000000020004" pitchFamily="50" charset="-52"/>
-              </a:rPr>
-              <a:t>3</a:t>
-            </a:fld>
-            <a:endParaRPr lang="ru-RU" dirty="0">
-              <a:solidFill>
-                <a:schemeClr val="bg1"/>
-              </a:solidFill>
-              <a:latin typeface="Elektra Medium Pro" panose="02000803000000020004" pitchFamily="50" charset="-52"/>
-            </a:endParaRPr>
-          </a:p>
-        </p:txBody>
-      </p:sp>
-      <p:sp>
-        <p:nvSpPr>
           <p:cNvPr id="5" name="TextBox 4"/>
           <p:cNvSpPr txBox="1"/>
           <p:nvPr/>
@@ -4587,8 +4560,8 @@
           </a:ln>
         </p:spPr>
       </p:pic>
-      <mc:AlternateContent xmlns:mc="http://schemas.openxmlformats.org/markup-compatibility/2006">
-        <mc:Choice xmlns:a14="http://schemas.microsoft.com/office/drawing/2010/main" Requires="a14">
+      <mc:AlternateContent xmlns:mc="http://schemas.openxmlformats.org/markup-compatibility/2006" xmlns:a14="http://schemas.microsoft.com/office/drawing/2010/main">
+        <mc:Choice Requires="a14">
           <p:sp>
             <p:nvSpPr>
               <p:cNvPr id="10" name="TextBox 9"/>
@@ -4598,7 +4571,7 @@
             <p:spPr>
               <a:xfrm>
                 <a:off x="6514801" y="1995619"/>
-                <a:ext cx="5064260" cy="2862322"/>
+                <a:ext cx="5064260" cy="3139321"/>
               </a:xfrm>
               <a:prstGeom prst="rect">
                 <a:avLst/>
@@ -4618,7 +4591,9 @@
                 <a14:m>
                   <m:oMath xmlns:m="http://schemas.openxmlformats.org/officeDocument/2006/math">
                     <m:r>
-                      <a:rPr lang="ru-RU" i="1"/>
+                      <a:rPr lang="ru-RU" i="1">
+                        <a:latin typeface="Cambria Math" panose="02040503050406030204" pitchFamily="18" charset="0"/>
+                      </a:rPr>
                       <m:t>𝐼</m:t>
                     </m:r>
                   </m:oMath>
@@ -4630,81 +4605,109 @@
                 <a14:m>
                   <m:oMath xmlns:m="http://schemas.openxmlformats.org/officeDocument/2006/math">
                     <m:r>
-                      <a:rPr lang="ru-RU" i="1"/>
+                      <a:rPr lang="ru-RU" i="1">
+                        <a:latin typeface="Cambria Math" panose="02040503050406030204" pitchFamily="18" charset="0"/>
+                      </a:rPr>
                       <m:t>𝑃</m:t>
                     </m:r>
                     <m:r>
-                      <a:rPr lang="ru-RU" i="1"/>
+                      <a:rPr lang="ru-RU" i="1">
+                        <a:latin typeface="Cambria Math" panose="02040503050406030204" pitchFamily="18" charset="0"/>
+                      </a:rPr>
                       <m:t>=</m:t>
                     </m:r>
                     <m:d>
                       <m:dPr>
                         <m:ctrlPr>
-                          <a:rPr lang="ru-RU" i="1"/>
+                          <a:rPr lang="ru-RU" i="1">
+                            <a:latin typeface="Cambria Math" panose="02040503050406030204" pitchFamily="18" charset="0"/>
+                          </a:rPr>
                         </m:ctrlPr>
                       </m:dPr>
                       <m:e>
                         <m:sSub>
                           <m:sSubPr>
                             <m:ctrlPr>
-                              <a:rPr lang="ru-RU" i="1"/>
+                              <a:rPr lang="ru-RU" i="1">
+                                <a:latin typeface="Cambria Math" panose="02040503050406030204" pitchFamily="18" charset="0"/>
+                              </a:rPr>
                             </m:ctrlPr>
                           </m:sSubPr>
                           <m:e>
                             <m:r>
-                              <a:rPr lang="ru-RU" i="1"/>
+                              <a:rPr lang="ru-RU" i="1">
+                                <a:latin typeface="Cambria Math" panose="02040503050406030204" pitchFamily="18" charset="0"/>
+                              </a:rPr>
                               <m:t>𝑝</m:t>
                             </m:r>
                           </m:e>
                           <m:sub>
                             <m:r>
-                              <a:rPr lang="ru-RU" i="1"/>
+                              <a:rPr lang="ru-RU" i="1">
+                                <a:latin typeface="Cambria Math" panose="02040503050406030204" pitchFamily="18" charset="0"/>
+                              </a:rPr>
                               <m:t>1</m:t>
                             </m:r>
                           </m:sub>
                         </m:sSub>
                         <m:r>
-                          <a:rPr lang="ru-RU" i="1"/>
+                          <a:rPr lang="ru-RU" i="1">
+                            <a:latin typeface="Cambria Math" panose="02040503050406030204" pitchFamily="18" charset="0"/>
+                          </a:rPr>
                           <m:t>,</m:t>
                         </m:r>
                         <m:sSub>
                           <m:sSubPr>
                             <m:ctrlPr>
-                              <a:rPr lang="ru-RU" i="1"/>
+                              <a:rPr lang="ru-RU" i="1">
+                                <a:latin typeface="Cambria Math" panose="02040503050406030204" pitchFamily="18" charset="0"/>
+                              </a:rPr>
                             </m:ctrlPr>
                           </m:sSubPr>
                           <m:e>
                             <m:r>
-                              <a:rPr lang="ru-RU" i="1"/>
+                              <a:rPr lang="ru-RU" i="1">
+                                <a:latin typeface="Cambria Math" panose="02040503050406030204" pitchFamily="18" charset="0"/>
+                              </a:rPr>
                               <m:t>𝑝</m:t>
                             </m:r>
                           </m:e>
                           <m:sub>
                             <m:r>
-                              <a:rPr lang="ru-RU" i="1"/>
+                              <a:rPr lang="ru-RU" i="1">
+                                <a:latin typeface="Cambria Math" panose="02040503050406030204" pitchFamily="18" charset="0"/>
+                              </a:rPr>
                               <m:t>2</m:t>
                             </m:r>
                           </m:sub>
                         </m:sSub>
                         <m:r>
-                          <a:rPr lang="ru-RU" i="1"/>
+                          <a:rPr lang="ru-RU" i="1">
+                            <a:latin typeface="Cambria Math" panose="02040503050406030204" pitchFamily="18" charset="0"/>
+                          </a:rPr>
                           <m:t>,…,</m:t>
                         </m:r>
                         <m:sSub>
                           <m:sSubPr>
                             <m:ctrlPr>
-                              <a:rPr lang="ru-RU" i="1"/>
+                              <a:rPr lang="ru-RU" i="1">
+                                <a:latin typeface="Cambria Math" panose="02040503050406030204" pitchFamily="18" charset="0"/>
+                              </a:rPr>
                             </m:ctrlPr>
                           </m:sSubPr>
                           <m:e>
                             <m:r>
-                              <a:rPr lang="ru-RU" i="1"/>
+                              <a:rPr lang="ru-RU" i="1">
+                                <a:latin typeface="Cambria Math" panose="02040503050406030204" pitchFamily="18" charset="0"/>
+                              </a:rPr>
                               <m:t>𝑝</m:t>
                             </m:r>
                           </m:e>
                           <m:sub>
                             <m:r>
-                              <a:rPr lang="ru-RU" i="1"/>
+                              <a:rPr lang="ru-RU" i="1">
+                                <a:latin typeface="Cambria Math" panose="02040503050406030204" pitchFamily="18" charset="0"/>
+                              </a:rPr>
                               <m:t>𝑛</m:t>
                             </m:r>
                           </m:sub>
@@ -4722,18 +4725,24 @@
                     <m:sSub>
                       <m:sSubPr>
                         <m:ctrlPr>
-                          <a:rPr lang="ru-RU" i="1"/>
+                          <a:rPr lang="ru-RU" i="1">
+                            <a:latin typeface="Cambria Math" panose="02040503050406030204" pitchFamily="18" charset="0"/>
+                          </a:rPr>
                         </m:ctrlPr>
                       </m:sSubPr>
                       <m:e>
                         <m:r>
-                          <a:rPr lang="ru-RU" i="1"/>
+                          <a:rPr lang="ru-RU" i="1">
+                            <a:latin typeface="Cambria Math" panose="02040503050406030204" pitchFamily="18" charset="0"/>
+                          </a:rPr>
                           <m:t>𝑝</m:t>
                         </m:r>
                       </m:e>
                       <m:sub>
                         <m:r>
-                          <a:rPr lang="ru-RU" i="1"/>
+                          <a:rPr lang="ru-RU" i="1">
+                            <a:latin typeface="Cambria Math" panose="02040503050406030204" pitchFamily="18" charset="0"/>
+                          </a:rPr>
                           <m:t>𝑖</m:t>
                         </m:r>
                       </m:sub>
@@ -4749,48 +4758,64 @@
                     <m:d>
                       <m:dPr>
                         <m:ctrlPr>
-                          <a:rPr lang="ru-RU" i="1"/>
+                          <a:rPr lang="ru-RU" i="1">
+                            <a:latin typeface="Cambria Math" panose="02040503050406030204" pitchFamily="18" charset="0"/>
+                          </a:rPr>
                         </m:ctrlPr>
                       </m:dPr>
                       <m:e>
                         <m:sSub>
                           <m:sSubPr>
                             <m:ctrlPr>
-                              <a:rPr lang="ru-RU" i="1"/>
+                              <a:rPr lang="ru-RU" i="1">
+                                <a:latin typeface="Cambria Math" panose="02040503050406030204" pitchFamily="18" charset="0"/>
+                              </a:rPr>
                             </m:ctrlPr>
                           </m:sSubPr>
                           <m:e>
                             <m:r>
-                              <a:rPr lang="ru-RU" i="1"/>
+                              <a:rPr lang="ru-RU" i="1">
+                                <a:latin typeface="Cambria Math" panose="02040503050406030204" pitchFamily="18" charset="0"/>
+                              </a:rPr>
                               <m:t>𝑥</m:t>
                             </m:r>
                           </m:e>
                           <m:sub>
                             <m:r>
-                              <a:rPr lang="ru-RU" i="1"/>
+                              <a:rPr lang="ru-RU" i="1">
+                                <a:latin typeface="Cambria Math" panose="02040503050406030204" pitchFamily="18" charset="0"/>
+                              </a:rPr>
                               <m:t>𝑖</m:t>
                             </m:r>
                           </m:sub>
                         </m:sSub>
                         <m:r>
-                          <a:rPr lang="ru-RU" i="1"/>
+                          <a:rPr lang="ru-RU" i="1">
+                            <a:latin typeface="Cambria Math" panose="02040503050406030204" pitchFamily="18" charset="0"/>
+                          </a:rPr>
                           <m:t>,</m:t>
                         </m:r>
                         <m:sSub>
                           <m:sSubPr>
                             <m:ctrlPr>
-                              <a:rPr lang="ru-RU" i="1"/>
+                              <a:rPr lang="ru-RU" i="1">
+                                <a:latin typeface="Cambria Math" panose="02040503050406030204" pitchFamily="18" charset="0"/>
+                              </a:rPr>
                             </m:ctrlPr>
                           </m:sSubPr>
                           <m:e>
                             <m:r>
-                              <a:rPr lang="ru-RU" i="1"/>
+                              <a:rPr lang="ru-RU" i="1">
+                                <a:latin typeface="Cambria Math" panose="02040503050406030204" pitchFamily="18" charset="0"/>
+                              </a:rPr>
                               <m:t>𝑦</m:t>
                             </m:r>
                           </m:e>
                           <m:sub>
                             <m:r>
-                              <a:rPr lang="ru-RU" i="1"/>
+                              <a:rPr lang="ru-RU" i="1">
+                                <a:latin typeface="Cambria Math" panose="02040503050406030204" pitchFamily="18" charset="0"/>
+                              </a:rPr>
                               <m:t>𝑖</m:t>
                             </m:r>
                           </m:sub>
@@ -4801,7 +4826,21 @@
                 </a14:m>
                 <a:r>
                   <a:rPr lang="ru-RU" dirty="0"/>
-                  <a:t>. Задача алгоритма машинного обучения – </a:t>
+                  <a:t>. </a:t>
+                </a:r>
+                <a:endParaRPr lang="ru-RU" dirty="0" smtClean="0"/>
+              </a:p>
+              <a:p>
+                <a:endParaRPr lang="ru-RU" dirty="0"/>
+              </a:p>
+              <a:p>
+                <a:r>
+                  <a:rPr lang="ru-RU" dirty="0" smtClean="0"/>
+                  <a:t>Задача </a:t>
+                </a:r>
+                <a:r>
+                  <a:rPr lang="ru-RU" dirty="0"/>
+                  <a:t>алгоритма машинного обучения – </a:t>
                 </a:r>
                 <a:r>
                   <a:rPr lang="ru-RU" dirty="0" smtClean="0"/>
@@ -4815,7 +4854,7 @@
             </p:txBody>
           </p:sp>
         </mc:Choice>
-        <mc:Fallback>
+        <mc:Fallback xmlns="">
           <p:sp>
             <p:nvSpPr>
               <p:cNvPr id="10" name="TextBox 9"/>
@@ -4827,7 +4866,7 @@
             <p:spPr>
               <a:xfrm>
                 <a:off x="6514801" y="1995619"/>
-                <a:ext cx="5064260" cy="2862322"/>
+                <a:ext cx="5064260" cy="3139321"/>
               </a:xfrm>
               <a:prstGeom prst="rect">
                 <a:avLst/>
@@ -4835,7 +4874,7 @@
               <a:blipFill>
                 <a:blip r:embed="rId4"/>
                 <a:stretch>
-                  <a:fillRect l="-1084" t="-1064" b="-2340"/>
+                  <a:fillRect l="-1084" t="-971" b="-2136"/>
                 </a:stretch>
               </a:blipFill>
             </p:spPr>
@@ -4854,6 +4893,56 @@
           </p:sp>
         </mc:Fallback>
       </mc:AlternateContent>
+      <p:sp>
+        <p:nvSpPr>
+          <p:cNvPr id="7" name="TextBox 6"/>
+          <p:cNvSpPr txBox="1"/>
+          <p:nvPr/>
+        </p:nvSpPr>
+        <p:spPr>
+          <a:xfrm>
+            <a:off x="11143419" y="6289958"/>
+            <a:ext cx="417249" cy="430887"/>
+          </a:xfrm>
+          <a:prstGeom prst="rect">
+            <a:avLst/>
+          </a:prstGeom>
+          <a:noFill/>
+        </p:spPr>
+        <p:txBody>
+          <a:bodyPr wrap="square" rtlCol="0">
+            <a:spAutoFit/>
+          </a:bodyPr>
+          <a:lstStyle/>
+          <a:p>
+            <a:pPr algn="ctr"/>
+            <a:r>
+              <a:rPr lang="ru-RU" sz="1100" dirty="0">
+                <a:solidFill>
+                  <a:schemeClr val="bg1"/>
+                </a:solidFill>
+                <a:latin typeface="Elektra Medium Pro" panose="02000803000000020004" pitchFamily="50" charset="-52"/>
+              </a:rPr>
+              <a:t>3</a:t>
+            </a:r>
+            <a:r>
+              <a:rPr lang="en-US" sz="1100" dirty="0" smtClean="0">
+                <a:solidFill>
+                  <a:schemeClr val="bg1"/>
+                </a:solidFill>
+                <a:latin typeface="Elektra Medium Pro" panose="02000803000000020004" pitchFamily="50" charset="-52"/>
+              </a:rPr>
+              <a:t> / 10</a:t>
+            </a:r>
+            <a:endParaRPr lang="ru-RU" sz="1100" dirty="0">
+              <a:solidFill>
+                <a:schemeClr val="bg1"/>
+              </a:solidFill>
+              <a:latin typeface="Elektra Medium Pro" panose="02000803000000020004" pitchFamily="50" charset="-52"/>
+            </a:endParaRPr>
+          </a:p>
+        </p:txBody>
+      </p:sp>
     </p:spTree>
     <p:extLst>
       <p:ext uri="{BB962C8B-B14F-4D97-AF65-F5344CB8AC3E}">
@@ -4957,47 +5046,6 @@
       </p:sp>
       <p:sp>
         <p:nvSpPr>
-          <p:cNvPr id="4" name="TextBox 3"/>
-          <p:cNvSpPr txBox="1"/>
-          <p:nvPr/>
-        </p:nvSpPr>
-        <p:spPr>
-          <a:xfrm>
-            <a:off x="11109953" y="6324371"/>
-            <a:ext cx="469107" cy="369332"/>
-          </a:xfrm>
-          <a:prstGeom prst="rect">
-            <a:avLst/>
-          </a:prstGeom>
-          <a:noFill/>
-        </p:spPr>
-        <p:txBody>
-          <a:bodyPr wrap="square" rtlCol="0">
-            <a:spAutoFit/>
-          </a:bodyPr>
-          <a:lstStyle/>
-          <a:p>
-            <a:pPr algn="ctr"/>
-            <a:fld id="{4CB11690-5800-4A0D-8C28-71894E2CF362}" type="slidenum">
-              <a:rPr lang="ru-RU">
-                <a:solidFill>
-                  <a:schemeClr val="bg1"/>
-                </a:solidFill>
-                <a:latin typeface="Elektra Medium Pro" panose="02000803000000020004" pitchFamily="50" charset="-52"/>
-              </a:rPr>
-              <a:t>4</a:t>
-            </a:fld>
-            <a:endParaRPr lang="ru-RU" dirty="0">
-              <a:solidFill>
-                <a:schemeClr val="bg1"/>
-              </a:solidFill>
-              <a:latin typeface="Elektra Medium Pro" panose="02000803000000020004" pitchFamily="50" charset="-52"/>
-            </a:endParaRPr>
-          </a:p>
-        </p:txBody>
-      </p:sp>
-      <p:sp>
-        <p:nvSpPr>
           <p:cNvPr id="5" name="TextBox 4"/>
           <p:cNvSpPr txBox="1"/>
           <p:nvPr/>
@@ -5074,8 +5122,8 @@
           </a:ln>
         </p:spPr>
       </p:pic>
-      <mc:AlternateContent xmlns:mc="http://schemas.openxmlformats.org/markup-compatibility/2006">
-        <mc:Choice xmlns:a14="http://schemas.microsoft.com/office/drawing/2010/main" Requires="a14">
+      <mc:AlternateContent xmlns:mc="http://schemas.openxmlformats.org/markup-compatibility/2006" xmlns:a14="http://schemas.microsoft.com/office/drawing/2010/main">
+        <mc:Choice Requires="a14">
           <p:graphicFrame>
             <p:nvGraphicFramePr>
               <p:cNvPr id="2" name="Таблица 1"/>
@@ -5189,6 +5237,7 @@
                                 <m:r>
                                   <a:rPr lang="en-US" sz="1200">
                                     <a:effectLst/>
+                                    <a:latin typeface="Cambria Math" panose="02040503050406030204" pitchFamily="18" charset="0"/>
                                   </a:rPr>
                                   <m:t>𝐴𝑃</m:t>
                                 </m:r>
@@ -5223,14 +5272,16 @@
                                 <m:r>
                                   <a:rPr lang="en-US" sz="1200">
                                     <a:effectLst/>
+                                    <a:latin typeface="Cambria Math" panose="02040503050406030204" pitchFamily="18" charset="0"/>
                                   </a:rPr>
                                   <m:t>𝐴</m:t>
                                 </m:r>
                                 <m:sSub>
                                   <m:sSubPr>
                                     <m:ctrlPr>
-                                      <a:rPr lang="ru-RU" sz="1200">
+                                      <a:rPr lang="ru-RU" sz="1200" i="1">
                                         <a:effectLst/>
+                                        <a:latin typeface="Cambria Math" panose="02040503050406030204" pitchFamily="18" charset="0"/>
                                       </a:rPr>
                                     </m:ctrlPr>
                                   </m:sSubPr>
@@ -5238,6 +5289,7 @@
                                     <m:r>
                                       <a:rPr lang="en-US" sz="1200">
                                         <a:effectLst/>
+                                        <a:latin typeface="Cambria Math" panose="02040503050406030204" pitchFamily="18" charset="0"/>
                                       </a:rPr>
                                       <m:t>𝑃</m:t>
                                     </m:r>
@@ -5246,6 +5298,7 @@
                                     <m:r>
                                       <a:rPr lang="en-US" sz="1200">
                                         <a:effectLst/>
+                                        <a:latin typeface="Cambria Math" panose="02040503050406030204" pitchFamily="18" charset="0"/>
                                       </a:rPr>
                                       <m:t>50</m:t>
                                     </m:r>
@@ -5282,14 +5335,16 @@
                                 <m:r>
                                   <a:rPr lang="en-US" sz="1200">
                                     <a:effectLst/>
+                                    <a:latin typeface="Cambria Math" panose="02040503050406030204" pitchFamily="18" charset="0"/>
                                   </a:rPr>
                                   <m:t>𝐴</m:t>
                                 </m:r>
                                 <m:sSub>
                                   <m:sSubPr>
                                     <m:ctrlPr>
-                                      <a:rPr lang="ru-RU" sz="1200">
+                                      <a:rPr lang="ru-RU" sz="1200" i="1">
                                         <a:effectLst/>
+                                        <a:latin typeface="Cambria Math" panose="02040503050406030204" pitchFamily="18" charset="0"/>
                                       </a:rPr>
                                     </m:ctrlPr>
                                   </m:sSubPr>
@@ -5297,6 +5352,7 @@
                                     <m:r>
                                       <a:rPr lang="en-US" sz="1200">
                                         <a:effectLst/>
+                                        <a:latin typeface="Cambria Math" panose="02040503050406030204" pitchFamily="18" charset="0"/>
                                       </a:rPr>
                                       <m:t>𝑃</m:t>
                                     </m:r>
@@ -5305,6 +5361,7 @@
                                     <m:r>
                                       <a:rPr lang="en-US" sz="1200">
                                         <a:effectLst/>
+                                        <a:latin typeface="Cambria Math" panose="02040503050406030204" pitchFamily="18" charset="0"/>
                                       </a:rPr>
                                       <m:t>75</m:t>
                                     </m:r>
@@ -5341,14 +5398,16 @@
                                 <m:r>
                                   <a:rPr lang="en-US" sz="1200">
                                     <a:effectLst/>
+                                    <a:latin typeface="Cambria Math" panose="02040503050406030204" pitchFamily="18" charset="0"/>
                                   </a:rPr>
                                   <m:t>𝐴</m:t>
                                 </m:r>
                                 <m:sSub>
                                   <m:sSubPr>
                                     <m:ctrlPr>
-                                      <a:rPr lang="ru-RU" sz="1200">
+                                      <a:rPr lang="ru-RU" sz="1200" i="1">
                                         <a:effectLst/>
+                                        <a:latin typeface="Cambria Math" panose="02040503050406030204" pitchFamily="18" charset="0"/>
                                       </a:rPr>
                                     </m:ctrlPr>
                                   </m:sSubPr>
@@ -5356,6 +5415,7 @@
                                     <m:r>
                                       <a:rPr lang="en-US" sz="1200">
                                         <a:effectLst/>
+                                        <a:latin typeface="Cambria Math" panose="02040503050406030204" pitchFamily="18" charset="0"/>
                                       </a:rPr>
                                       <m:t>𝑃</m:t>
                                     </m:r>
@@ -5364,6 +5424,7 @@
                                     <m:r>
                                       <a:rPr lang="en-US" sz="1200">
                                         <a:effectLst/>
+                                        <a:latin typeface="Cambria Math" panose="02040503050406030204" pitchFamily="18" charset="0"/>
                                       </a:rPr>
                                       <m:t>𝑀</m:t>
                                     </m:r>
@@ -5400,14 +5461,16 @@
                                 <m:r>
                                   <a:rPr lang="en-US" sz="1200">
                                     <a:effectLst/>
+                                    <a:latin typeface="Cambria Math" panose="02040503050406030204" pitchFamily="18" charset="0"/>
                                   </a:rPr>
                                   <m:t>𝐴</m:t>
                                 </m:r>
                                 <m:sSub>
                                   <m:sSubPr>
                                     <m:ctrlPr>
-                                      <a:rPr lang="ru-RU" sz="1200">
+                                      <a:rPr lang="ru-RU" sz="1200" i="1">
                                         <a:effectLst/>
+                                        <a:latin typeface="Cambria Math" panose="02040503050406030204" pitchFamily="18" charset="0"/>
                                       </a:rPr>
                                     </m:ctrlPr>
                                   </m:sSubPr>
@@ -5415,6 +5478,7 @@
                                     <m:r>
                                       <a:rPr lang="en-US" sz="1200">
                                         <a:effectLst/>
+                                        <a:latin typeface="Cambria Math" panose="02040503050406030204" pitchFamily="18" charset="0"/>
                                       </a:rPr>
                                       <m:t>𝑃</m:t>
                                     </m:r>
@@ -5423,6 +5487,7 @@
                                     <m:r>
                                       <a:rPr lang="en-US" sz="1200">
                                         <a:effectLst/>
+                                        <a:latin typeface="Cambria Math" panose="02040503050406030204" pitchFamily="18" charset="0"/>
                                       </a:rPr>
                                       <m:t>𝐿</m:t>
                                     </m:r>
@@ -6393,7 +6458,7 @@
             </a:graphic>
           </p:graphicFrame>
         </mc:Choice>
-        <mc:Fallback>
+        <mc:Fallback xmlns="">
           <p:graphicFrame>
             <p:nvGraphicFramePr>
               <p:cNvPr id="2" name="Таблица 1"/>
@@ -7562,7 +7627,56 @@
               <a:rPr lang="ru-RU" sz="1400" dirty="0"/>
               <a:t> наборе COCO </a:t>
             </a:r>
-            <a:endParaRPr lang="ru-RU" sz="1400" dirty="0"/>
+          </a:p>
+        </p:txBody>
+      </p:sp>
+      <p:sp>
+        <p:nvSpPr>
+          <p:cNvPr id="8" name="TextBox 7"/>
+          <p:cNvSpPr txBox="1"/>
+          <p:nvPr/>
+        </p:nvSpPr>
+        <p:spPr>
+          <a:xfrm>
+            <a:off x="11143419" y="6289958"/>
+            <a:ext cx="417249" cy="430887"/>
+          </a:xfrm>
+          <a:prstGeom prst="rect">
+            <a:avLst/>
+          </a:prstGeom>
+          <a:noFill/>
+        </p:spPr>
+        <p:txBody>
+          <a:bodyPr wrap="square" rtlCol="0">
+            <a:spAutoFit/>
+          </a:bodyPr>
+          <a:lstStyle/>
+          <a:p>
+            <a:pPr algn="ctr"/>
+            <a:r>
+              <a:rPr lang="ru-RU" sz="1100" dirty="0" smtClean="0">
+                <a:solidFill>
+                  <a:schemeClr val="bg1"/>
+                </a:solidFill>
+                <a:latin typeface="Elektra Medium Pro" panose="02000803000000020004" pitchFamily="50" charset="-52"/>
+              </a:rPr>
+              <a:t>4</a:t>
+            </a:r>
+            <a:r>
+              <a:rPr lang="en-US" sz="1100" dirty="0" smtClean="0">
+                <a:solidFill>
+                  <a:schemeClr val="bg1"/>
+                </a:solidFill>
+                <a:latin typeface="Elektra Medium Pro" panose="02000803000000020004" pitchFamily="50" charset="-52"/>
+              </a:rPr>
+              <a:t> / 10</a:t>
+            </a:r>
+            <a:endParaRPr lang="ru-RU" sz="1100" dirty="0">
+              <a:solidFill>
+                <a:schemeClr val="bg1"/>
+              </a:solidFill>
+              <a:latin typeface="Elektra Medium Pro" panose="02000803000000020004" pitchFamily="50" charset="-52"/>
+            </a:endParaRPr>
           </a:p>
         </p:txBody>
       </p:sp>
@@ -7654,47 +7768,6 @@
                 <a:schemeClr val="bg1"/>
               </a:solidFill>
               <a:latin typeface="Elektra Text Pro" panose="02000503030000020004" pitchFamily="50" charset="-52"/>
-            </a:endParaRPr>
-          </a:p>
-        </p:txBody>
-      </p:sp>
-      <p:sp>
-        <p:nvSpPr>
-          <p:cNvPr id="4" name="TextBox 3"/>
-          <p:cNvSpPr txBox="1"/>
-          <p:nvPr/>
-        </p:nvSpPr>
-        <p:spPr>
-          <a:xfrm>
-            <a:off x="11109953" y="6324371"/>
-            <a:ext cx="469107" cy="369332"/>
-          </a:xfrm>
-          <a:prstGeom prst="rect">
-            <a:avLst/>
-          </a:prstGeom>
-          <a:noFill/>
-        </p:spPr>
-        <p:txBody>
-          <a:bodyPr wrap="square" rtlCol="0">
-            <a:spAutoFit/>
-          </a:bodyPr>
-          <a:lstStyle/>
-          <a:p>
-            <a:pPr algn="ctr"/>
-            <a:fld id="{4CB11690-5800-4A0D-8C28-71894E2CF362}" type="slidenum">
-              <a:rPr lang="ru-RU">
-                <a:solidFill>
-                  <a:schemeClr val="bg1"/>
-                </a:solidFill>
-                <a:latin typeface="Elektra Medium Pro" panose="02000803000000020004" pitchFamily="50" charset="-52"/>
-              </a:rPr>
-              <a:t>5</a:t>
-            </a:fld>
-            <a:endParaRPr lang="ru-RU" dirty="0">
-              <a:solidFill>
-                <a:schemeClr val="bg1"/>
-              </a:solidFill>
-              <a:latin typeface="Elektra Medium Pro" panose="02000803000000020004" pitchFamily="50" charset="-52"/>
             </a:endParaRPr>
           </a:p>
         </p:txBody>
@@ -7865,7 +7938,6 @@
           </a:bodyPr>
           <a:lstStyle/>
           <a:p>
-            <a:pPr/>
             <a:r>
               <a:rPr lang="ru-RU" sz="1600" dirty="0" smtClean="0"/>
               <a:t>Рисунок 3 – Карта глубины</a:t>
@@ -7904,7 +7976,6 @@
           </a:bodyPr>
           <a:lstStyle/>
           <a:p>
-            <a:pPr/>
             <a:r>
               <a:rPr lang="ru-RU" sz="1600" dirty="0" smtClean="0"/>
               <a:t>Рисунок 4 </a:t>
@@ -7918,6 +7989,56 @@
               <a:t>изображений</a:t>
             </a:r>
             <a:endParaRPr lang="ru-RU" sz="1600" dirty="0"/>
+          </a:p>
+        </p:txBody>
+      </p:sp>
+      <p:sp>
+        <p:nvSpPr>
+          <p:cNvPr id="9" name="TextBox 8"/>
+          <p:cNvSpPr txBox="1"/>
+          <p:nvPr/>
+        </p:nvSpPr>
+        <p:spPr>
+          <a:xfrm>
+            <a:off x="11143419" y="6289958"/>
+            <a:ext cx="417249" cy="430887"/>
+          </a:xfrm>
+          <a:prstGeom prst="rect">
+            <a:avLst/>
+          </a:prstGeom>
+          <a:noFill/>
+        </p:spPr>
+        <p:txBody>
+          <a:bodyPr wrap="square" rtlCol="0">
+            <a:spAutoFit/>
+          </a:bodyPr>
+          <a:lstStyle/>
+          <a:p>
+            <a:pPr algn="ctr"/>
+            <a:r>
+              <a:rPr lang="ru-RU" sz="1100" dirty="0" smtClean="0">
+                <a:solidFill>
+                  <a:schemeClr val="bg1"/>
+                </a:solidFill>
+                <a:latin typeface="Elektra Medium Pro" panose="02000803000000020004" pitchFamily="50" charset="-52"/>
+              </a:rPr>
+              <a:t>5</a:t>
+            </a:r>
+            <a:r>
+              <a:rPr lang="en-US" sz="1100" dirty="0" smtClean="0">
+                <a:solidFill>
+                  <a:schemeClr val="bg1"/>
+                </a:solidFill>
+                <a:latin typeface="Elektra Medium Pro" panose="02000803000000020004" pitchFamily="50" charset="-52"/>
+              </a:rPr>
+              <a:t> / 10</a:t>
+            </a:r>
+            <a:endParaRPr lang="ru-RU" sz="1100" dirty="0">
+              <a:solidFill>
+                <a:schemeClr val="bg1"/>
+              </a:solidFill>
+              <a:latin typeface="Elektra Medium Pro" panose="02000803000000020004" pitchFamily="50" charset="-52"/>
+            </a:endParaRPr>
           </a:p>
         </p:txBody>
       </p:sp>
@@ -8004,53 +8125,6 @@
               </a:rPr>
               <a:t>Диаграмма последовательности работы системы определения трехмерных ключевых точек</a:t>
             </a:r>
-            <a:endParaRPr lang="ru-RU" dirty="0">
-              <a:solidFill>
-                <a:schemeClr val="bg1"/>
-              </a:solidFill>
-              <a:latin typeface="Elektra Text Pro" panose="02000503030000020004" pitchFamily="50" charset="-52"/>
-            </a:endParaRPr>
-          </a:p>
-        </p:txBody>
-      </p:sp>
-      <p:sp>
-        <p:nvSpPr>
-          <p:cNvPr id="4" name="TextBox 3"/>
-          <p:cNvSpPr txBox="1"/>
-          <p:nvPr/>
-        </p:nvSpPr>
-        <p:spPr>
-          <a:xfrm>
-            <a:off x="11109953" y="6324371"/>
-            <a:ext cx="469107" cy="369332"/>
-          </a:xfrm>
-          <a:prstGeom prst="rect">
-            <a:avLst/>
-          </a:prstGeom>
-          <a:noFill/>
-        </p:spPr>
-        <p:txBody>
-          <a:bodyPr wrap="square" rtlCol="0">
-            <a:spAutoFit/>
-          </a:bodyPr>
-          <a:lstStyle/>
-          <a:p>
-            <a:pPr algn="ctr"/>
-            <a:fld id="{4CB11690-5800-4A0D-8C28-71894E2CF362}" type="slidenum">
-              <a:rPr lang="ru-RU">
-                <a:solidFill>
-                  <a:schemeClr val="bg1"/>
-                </a:solidFill>
-                <a:latin typeface="Elektra Medium Pro" panose="02000803000000020004" pitchFamily="50" charset="-52"/>
-              </a:rPr>
-              <a:t>6</a:t>
-            </a:fld>
-            <a:endParaRPr lang="ru-RU" dirty="0">
-              <a:solidFill>
-                <a:schemeClr val="bg1"/>
-              </a:solidFill>
-              <a:latin typeface="Elektra Medium Pro" panose="02000803000000020004" pitchFamily="50" charset="-52"/>
-            </a:endParaRPr>
           </a:p>
         </p:txBody>
       </p:sp>
@@ -8076,7 +8150,6 @@
           </a:bodyPr>
           <a:lstStyle/>
           <a:p>
-            <a:pPr/>
             <a:r>
               <a:rPr lang="ru-RU" dirty="0" smtClean="0"/>
               <a:t>Рисунок 5 - Диаграмма </a:t>
@@ -8085,7 +8158,6 @@
               <a:rPr lang="ru-RU" dirty="0"/>
               <a:t>последовательности работы системы определения трехмерных ключевых точек</a:t>
             </a:r>
-            <a:endParaRPr lang="ru-RU" dirty="0"/>
           </a:p>
         </p:txBody>
       </p:sp>
@@ -8119,6 +8191,56 @@
           </a:prstGeom>
         </p:spPr>
       </p:pic>
+      <p:sp>
+        <p:nvSpPr>
+          <p:cNvPr id="6" name="TextBox 5"/>
+          <p:cNvSpPr txBox="1"/>
+          <p:nvPr/>
+        </p:nvSpPr>
+        <p:spPr>
+          <a:xfrm>
+            <a:off x="11143419" y="6289958"/>
+            <a:ext cx="417249" cy="430887"/>
+          </a:xfrm>
+          <a:prstGeom prst="rect">
+            <a:avLst/>
+          </a:prstGeom>
+          <a:noFill/>
+        </p:spPr>
+        <p:txBody>
+          <a:bodyPr wrap="square" rtlCol="0">
+            <a:spAutoFit/>
+          </a:bodyPr>
+          <a:lstStyle/>
+          <a:p>
+            <a:pPr algn="ctr"/>
+            <a:r>
+              <a:rPr lang="ru-RU" sz="1100" dirty="0">
+                <a:solidFill>
+                  <a:schemeClr val="bg1"/>
+                </a:solidFill>
+                <a:latin typeface="Elektra Medium Pro" panose="02000803000000020004" pitchFamily="50" charset="-52"/>
+              </a:rPr>
+              <a:t>6</a:t>
+            </a:r>
+            <a:r>
+              <a:rPr lang="en-US" sz="1100" dirty="0" smtClean="0">
+                <a:solidFill>
+                  <a:schemeClr val="bg1"/>
+                </a:solidFill>
+                <a:latin typeface="Elektra Medium Pro" panose="02000803000000020004" pitchFamily="50" charset="-52"/>
+              </a:rPr>
+              <a:t> / 10</a:t>
+            </a:r>
+            <a:endParaRPr lang="ru-RU" sz="1100" dirty="0">
+              <a:solidFill>
+                <a:schemeClr val="bg1"/>
+              </a:solidFill>
+              <a:latin typeface="Elektra Medium Pro" panose="02000803000000020004" pitchFamily="50" charset="-52"/>
+            </a:endParaRPr>
+          </a:p>
+        </p:txBody>
+      </p:sp>
     </p:spTree>
     <p:extLst>
       <p:ext uri="{BB962C8B-B14F-4D97-AF65-F5344CB8AC3E}">
@@ -8222,47 +8344,6 @@
       </p:sp>
       <p:sp>
         <p:nvSpPr>
-          <p:cNvPr id="4" name="TextBox 3"/>
-          <p:cNvSpPr txBox="1"/>
-          <p:nvPr/>
-        </p:nvSpPr>
-        <p:spPr>
-          <a:xfrm>
-            <a:off x="11109953" y="6324371"/>
-            <a:ext cx="469107" cy="369332"/>
-          </a:xfrm>
-          <a:prstGeom prst="rect">
-            <a:avLst/>
-          </a:prstGeom>
-          <a:noFill/>
-        </p:spPr>
-        <p:txBody>
-          <a:bodyPr wrap="square" rtlCol="0">
-            <a:spAutoFit/>
-          </a:bodyPr>
-          <a:lstStyle/>
-          <a:p>
-            <a:pPr algn="ctr"/>
-            <a:fld id="{4CB11690-5800-4A0D-8C28-71894E2CF362}" type="slidenum">
-              <a:rPr lang="ru-RU">
-                <a:solidFill>
-                  <a:schemeClr val="bg1"/>
-                </a:solidFill>
-                <a:latin typeface="Elektra Medium Pro" panose="02000803000000020004" pitchFamily="50" charset="-52"/>
-              </a:rPr>
-              <a:t>7</a:t>
-            </a:fld>
-            <a:endParaRPr lang="ru-RU" dirty="0">
-              <a:solidFill>
-                <a:schemeClr val="bg1"/>
-              </a:solidFill>
-              <a:latin typeface="Elektra Medium Pro" panose="02000803000000020004" pitchFamily="50" charset="-52"/>
-            </a:endParaRPr>
-          </a:p>
-        </p:txBody>
-      </p:sp>
-      <p:sp>
-        <p:nvSpPr>
           <p:cNvPr id="5" name="TextBox 4"/>
           <p:cNvSpPr txBox="1"/>
           <p:nvPr/>
@@ -8300,7 +8381,6 @@
               <a:rPr lang="ru-RU" dirty="0"/>
               <a:t>– Изменение средней потери по ключевым точкам по эпохам обучения</a:t>
             </a:r>
-            <a:endParaRPr lang="ru-RU" dirty="0"/>
           </a:p>
         </p:txBody>
       </p:sp>
@@ -8397,7 +8477,56 @@
               <a:rPr lang="ru-RU" dirty="0"/>
               <a:t>- Изменения средней точности и средней полноты для ключевых точек по мере обучения модели</a:t>
             </a:r>
-            <a:endParaRPr lang="ru-RU" dirty="0"/>
+          </a:p>
+        </p:txBody>
+      </p:sp>
+      <p:sp>
+        <p:nvSpPr>
+          <p:cNvPr id="9" name="TextBox 8"/>
+          <p:cNvSpPr txBox="1"/>
+          <p:nvPr/>
+        </p:nvSpPr>
+        <p:spPr>
+          <a:xfrm>
+            <a:off x="11143419" y="6289958"/>
+            <a:ext cx="417249" cy="430887"/>
+          </a:xfrm>
+          <a:prstGeom prst="rect">
+            <a:avLst/>
+          </a:prstGeom>
+          <a:noFill/>
+        </p:spPr>
+        <p:txBody>
+          <a:bodyPr wrap="square" rtlCol="0">
+            <a:spAutoFit/>
+          </a:bodyPr>
+          <a:lstStyle/>
+          <a:p>
+            <a:pPr algn="ctr"/>
+            <a:r>
+              <a:rPr lang="ru-RU" sz="1100" dirty="0">
+                <a:solidFill>
+                  <a:schemeClr val="bg1"/>
+                </a:solidFill>
+                <a:latin typeface="Elektra Medium Pro" panose="02000803000000020004" pitchFamily="50" charset="-52"/>
+              </a:rPr>
+              <a:t>7</a:t>
+            </a:r>
+            <a:r>
+              <a:rPr lang="en-US" sz="1100" dirty="0" smtClean="0">
+                <a:solidFill>
+                  <a:schemeClr val="bg1"/>
+                </a:solidFill>
+                <a:latin typeface="Elektra Medium Pro" panose="02000803000000020004" pitchFamily="50" charset="-52"/>
+              </a:rPr>
+              <a:t> / 10</a:t>
+            </a:r>
+            <a:endParaRPr lang="ru-RU" sz="1100" dirty="0">
+              <a:solidFill>
+                <a:schemeClr val="bg1"/>
+              </a:solidFill>
+              <a:latin typeface="Elektra Medium Pro" panose="02000803000000020004" pitchFamily="50" charset="-52"/>
+            </a:endParaRPr>
           </a:p>
         </p:txBody>
       </p:sp>
@@ -8482,63 +8611,13 @@
                 </a:solidFill>
                 <a:latin typeface="Elektra Text Pro" panose="02000503030000020004" pitchFamily="50" charset="-52"/>
               </a:rPr>
-              <a:t>Эксперимент </a:t>
-            </a:r>
-            <a:r>
-              <a:rPr lang="ru-RU" dirty="0" smtClean="0">
-                <a:solidFill>
-                  <a:schemeClr val="bg1"/>
-                </a:solidFill>
-                <a:latin typeface="Elektra Text Pro" panose="02000503030000020004" pitchFamily="50" charset="-52"/>
-              </a:rPr>
-              <a:t>по генерации двумерных ключевых точек</a:t>
+              <a:t>Эксперимент по генерации двумерных ключевых точек</a:t>
             </a:r>
             <a:endParaRPr lang="ru-RU" dirty="0">
               <a:solidFill>
                 <a:schemeClr val="bg1"/>
               </a:solidFill>
               <a:latin typeface="Elektra Text Pro" panose="02000503030000020004" pitchFamily="50" charset="-52"/>
-            </a:endParaRPr>
-          </a:p>
-        </p:txBody>
-      </p:sp>
-      <p:sp>
-        <p:nvSpPr>
-          <p:cNvPr id="4" name="TextBox 3"/>
-          <p:cNvSpPr txBox="1"/>
-          <p:nvPr/>
-        </p:nvSpPr>
-        <p:spPr>
-          <a:xfrm>
-            <a:off x="11109953" y="6324371"/>
-            <a:ext cx="469107" cy="369332"/>
-          </a:xfrm>
-          <a:prstGeom prst="rect">
-            <a:avLst/>
-          </a:prstGeom>
-          <a:noFill/>
-        </p:spPr>
-        <p:txBody>
-          <a:bodyPr wrap="square" rtlCol="0">
-            <a:spAutoFit/>
-          </a:bodyPr>
-          <a:lstStyle/>
-          <a:p>
-            <a:pPr algn="ctr"/>
-            <a:fld id="{4CB11690-5800-4A0D-8C28-71894E2CF362}" type="slidenum">
-              <a:rPr lang="ru-RU">
-                <a:solidFill>
-                  <a:schemeClr val="bg1"/>
-                </a:solidFill>
-                <a:latin typeface="Elektra Medium Pro" panose="02000803000000020004" pitchFamily="50" charset="-52"/>
-              </a:rPr>
-              <a:t>8</a:t>
-            </a:fld>
-            <a:endParaRPr lang="ru-RU" dirty="0">
-              <a:solidFill>
-                <a:schemeClr val="bg1"/>
-              </a:solidFill>
-              <a:latin typeface="Elektra Medium Pro" panose="02000803000000020004" pitchFamily="50" charset="-52"/>
             </a:endParaRPr>
           </a:p>
         </p:txBody>
@@ -8621,8 +8700,8 @@
           </a:ln>
         </p:spPr>
       </p:pic>
-      <mc:AlternateContent xmlns:mc="http://schemas.openxmlformats.org/markup-compatibility/2006">
-        <mc:Choice xmlns:a14="http://schemas.microsoft.com/office/drawing/2010/main" Requires="a14">
+      <mc:AlternateContent xmlns:mc="http://schemas.openxmlformats.org/markup-compatibility/2006" xmlns:a14="http://schemas.microsoft.com/office/drawing/2010/main">
+        <mc:Choice Requires="a14">
           <p:graphicFrame>
             <p:nvGraphicFramePr>
               <p:cNvPr id="2" name="Таблица 1"/>
@@ -8729,14 +8808,16 @@
                                 <m:r>
                                   <a:rPr lang="en-US" sz="1400">
                                     <a:effectLst/>
+                                    <a:latin typeface="Cambria Math" panose="02040503050406030204" pitchFamily="18" charset="0"/>
                                   </a:rPr>
                                   <m:t>𝐴</m:t>
                                 </m:r>
                                 <m:sSub>
                                   <m:sSubPr>
                                     <m:ctrlPr>
-                                      <a:rPr lang="ru-RU" sz="1400">
+                                      <a:rPr lang="ru-RU" sz="1400" i="1">
                                         <a:effectLst/>
+                                        <a:latin typeface="Cambria Math" panose="02040503050406030204" pitchFamily="18" charset="0"/>
                                       </a:rPr>
                                     </m:ctrlPr>
                                   </m:sSubPr>
@@ -8744,6 +8825,7 @@
                                     <m:r>
                                       <a:rPr lang="en-US" sz="1400">
                                         <a:effectLst/>
+                                        <a:latin typeface="Cambria Math" panose="02040503050406030204" pitchFamily="18" charset="0"/>
                                       </a:rPr>
                                       <m:t>𝑃</m:t>
                                     </m:r>
@@ -8752,6 +8834,7 @@
                                     <m:r>
                                       <a:rPr lang="en-US" sz="1400">
                                         <a:effectLst/>
+                                        <a:latin typeface="Cambria Math" panose="02040503050406030204" pitchFamily="18" charset="0"/>
                                       </a:rPr>
                                       <m:t>50</m:t>
                                     </m:r>
@@ -8788,14 +8871,16 @@
                                 <m:r>
                                   <a:rPr lang="en-US" sz="1400">
                                     <a:effectLst/>
+                                    <a:latin typeface="Cambria Math" panose="02040503050406030204" pitchFamily="18" charset="0"/>
                                   </a:rPr>
                                   <m:t>𝐴</m:t>
                                 </m:r>
                                 <m:sSub>
                                   <m:sSubPr>
                                     <m:ctrlPr>
-                                      <a:rPr lang="ru-RU" sz="1400">
+                                      <a:rPr lang="ru-RU" sz="1400" i="1">
                                         <a:effectLst/>
+                                        <a:latin typeface="Cambria Math" panose="02040503050406030204" pitchFamily="18" charset="0"/>
                                       </a:rPr>
                                     </m:ctrlPr>
                                   </m:sSubPr>
@@ -8803,6 +8888,7 @@
                                     <m:r>
                                       <a:rPr lang="en-US" sz="1400">
                                         <a:effectLst/>
+                                        <a:latin typeface="Cambria Math" panose="02040503050406030204" pitchFamily="18" charset="0"/>
                                       </a:rPr>
                                       <m:t>𝑃</m:t>
                                     </m:r>
@@ -8811,6 +8897,7 @@
                                     <m:r>
                                       <a:rPr lang="en-US" sz="1400">
                                         <a:effectLst/>
+                                        <a:latin typeface="Cambria Math" panose="02040503050406030204" pitchFamily="18" charset="0"/>
                                       </a:rPr>
                                       <m:t>75</m:t>
                                     </m:r>
@@ -8847,14 +8934,16 @@
                                 <m:r>
                                   <a:rPr lang="en-US" sz="1400">
                                     <a:effectLst/>
+                                    <a:latin typeface="Cambria Math" panose="02040503050406030204" pitchFamily="18" charset="0"/>
                                   </a:rPr>
                                   <m:t>𝐴</m:t>
                                 </m:r>
                                 <m:sSub>
                                   <m:sSubPr>
                                     <m:ctrlPr>
-                                      <a:rPr lang="ru-RU" sz="1400">
+                                      <a:rPr lang="ru-RU" sz="1400" i="1">
                                         <a:effectLst/>
+                                        <a:latin typeface="Cambria Math" panose="02040503050406030204" pitchFamily="18" charset="0"/>
                                       </a:rPr>
                                     </m:ctrlPr>
                                   </m:sSubPr>
@@ -8862,6 +8951,7 @@
                                     <m:r>
                                       <a:rPr lang="en-US" sz="1400">
                                         <a:effectLst/>
+                                        <a:latin typeface="Cambria Math" panose="02040503050406030204" pitchFamily="18" charset="0"/>
                                       </a:rPr>
                                       <m:t>𝑅</m:t>
                                     </m:r>
@@ -8870,6 +8960,7 @@
                                     <m:r>
                                       <a:rPr lang="en-US" sz="1400">
                                         <a:effectLst/>
+                                        <a:latin typeface="Cambria Math" panose="02040503050406030204" pitchFamily="18" charset="0"/>
                                       </a:rPr>
                                       <m:t>50</m:t>
                                     </m:r>
@@ -8906,14 +8997,16 @@
                                 <m:r>
                                   <a:rPr lang="en-US" sz="1400">
                                     <a:effectLst/>
+                                    <a:latin typeface="Cambria Math" panose="02040503050406030204" pitchFamily="18" charset="0"/>
                                   </a:rPr>
                                   <m:t>𝐴</m:t>
                                 </m:r>
                                 <m:sSub>
                                   <m:sSubPr>
                                     <m:ctrlPr>
-                                      <a:rPr lang="ru-RU" sz="1400">
+                                      <a:rPr lang="ru-RU" sz="1400" i="1">
                                         <a:effectLst/>
+                                        <a:latin typeface="Cambria Math" panose="02040503050406030204" pitchFamily="18" charset="0"/>
                                       </a:rPr>
                                     </m:ctrlPr>
                                   </m:sSubPr>
@@ -8921,6 +9014,7 @@
                                     <m:r>
                                       <a:rPr lang="en-US" sz="1400">
                                         <a:effectLst/>
+                                        <a:latin typeface="Cambria Math" panose="02040503050406030204" pitchFamily="18" charset="0"/>
                                       </a:rPr>
                                       <m:t>𝑅</m:t>
                                     </m:r>
@@ -8929,6 +9023,7 @@
                                     <m:r>
                                       <a:rPr lang="en-US" sz="1400">
                                         <a:effectLst/>
+                                        <a:latin typeface="Cambria Math" panose="02040503050406030204" pitchFamily="18" charset="0"/>
                                       </a:rPr>
                                       <m:t>75</m:t>
                                     </m:r>
@@ -9353,7 +9448,7 @@
             </a:graphic>
           </p:graphicFrame>
         </mc:Choice>
-        <mc:Fallback>
+        <mc:Fallback xmlns="">
           <p:graphicFrame>
             <p:nvGraphicFramePr>
               <p:cNvPr id="2" name="Таблица 1"/>
@@ -9964,7 +10059,56 @@
               <a:rPr lang="ru-RU" sz="1400" dirty="0"/>
               <a:t> COCO с различными архитектурами</a:t>
             </a:r>
-            <a:endParaRPr lang="ru-RU" sz="1400" dirty="0"/>
+          </a:p>
+        </p:txBody>
+      </p:sp>
+      <p:sp>
+        <p:nvSpPr>
+          <p:cNvPr id="9" name="TextBox 8"/>
+          <p:cNvSpPr txBox="1"/>
+          <p:nvPr/>
+        </p:nvSpPr>
+        <p:spPr>
+          <a:xfrm>
+            <a:off x="11143419" y="6289958"/>
+            <a:ext cx="417249" cy="430887"/>
+          </a:xfrm>
+          <a:prstGeom prst="rect">
+            <a:avLst/>
+          </a:prstGeom>
+          <a:noFill/>
+        </p:spPr>
+        <p:txBody>
+          <a:bodyPr wrap="square" rtlCol="0">
+            <a:spAutoFit/>
+          </a:bodyPr>
+          <a:lstStyle/>
+          <a:p>
+            <a:pPr algn="ctr"/>
+            <a:r>
+              <a:rPr lang="ru-RU" sz="1100" dirty="0">
+                <a:solidFill>
+                  <a:schemeClr val="bg1"/>
+                </a:solidFill>
+                <a:latin typeface="Elektra Medium Pro" panose="02000803000000020004" pitchFamily="50" charset="-52"/>
+              </a:rPr>
+              <a:t>8</a:t>
+            </a:r>
+            <a:r>
+              <a:rPr lang="en-US" sz="1100" dirty="0" smtClean="0">
+                <a:solidFill>
+                  <a:schemeClr val="bg1"/>
+                </a:solidFill>
+                <a:latin typeface="Elektra Medium Pro" panose="02000803000000020004" pitchFamily="50" charset="-52"/>
+              </a:rPr>
+              <a:t> / 10</a:t>
+            </a:r>
+            <a:endParaRPr lang="ru-RU" sz="1100" dirty="0">
+              <a:solidFill>
+                <a:schemeClr val="bg1"/>
+              </a:solidFill>
+              <a:latin typeface="Elektra Medium Pro" panose="02000803000000020004" pitchFamily="50" charset="-52"/>
+            </a:endParaRPr>
           </a:p>
         </p:txBody>
       </p:sp>
@@ -10056,47 +10200,6 @@
                 <a:schemeClr val="bg1"/>
               </a:solidFill>
               <a:latin typeface="Elektra Text Pro" panose="02000503030000020004" pitchFamily="50" charset="-52"/>
-            </a:endParaRPr>
-          </a:p>
-        </p:txBody>
-      </p:sp>
-      <p:sp>
-        <p:nvSpPr>
-          <p:cNvPr id="4" name="TextBox 3"/>
-          <p:cNvSpPr txBox="1"/>
-          <p:nvPr/>
-        </p:nvSpPr>
-        <p:spPr>
-          <a:xfrm>
-            <a:off x="11109953" y="6324371"/>
-            <a:ext cx="469107" cy="369332"/>
-          </a:xfrm>
-          <a:prstGeom prst="rect">
-            <a:avLst/>
-          </a:prstGeom>
-          <a:noFill/>
-        </p:spPr>
-        <p:txBody>
-          <a:bodyPr wrap="square" rtlCol="0">
-            <a:spAutoFit/>
-          </a:bodyPr>
-          <a:lstStyle/>
-          <a:p>
-            <a:pPr algn="ctr"/>
-            <a:fld id="{4CB11690-5800-4A0D-8C28-71894E2CF362}" type="slidenum">
-              <a:rPr lang="ru-RU">
-                <a:solidFill>
-                  <a:schemeClr val="bg1"/>
-                </a:solidFill>
-                <a:latin typeface="Elektra Medium Pro" panose="02000803000000020004" pitchFamily="50" charset="-52"/>
-              </a:rPr>
-              <a:t>9</a:t>
-            </a:fld>
-            <a:endParaRPr lang="ru-RU" dirty="0">
-              <a:solidFill>
-                <a:schemeClr val="bg1"/>
-              </a:solidFill>
-              <a:latin typeface="Elektra Medium Pro" panose="02000803000000020004" pitchFamily="50" charset="-52"/>
             </a:endParaRPr>
           </a:p>
         </p:txBody>
@@ -10238,6 +10341,56 @@
               <a:t>MiDaS</a:t>
             </a:r>
             <a:endParaRPr lang="ru-RU" sz="1400" dirty="0"/>
+          </a:p>
+        </p:txBody>
+      </p:sp>
+      <p:sp>
+        <p:nvSpPr>
+          <p:cNvPr id="8" name="TextBox 7"/>
+          <p:cNvSpPr txBox="1"/>
+          <p:nvPr/>
+        </p:nvSpPr>
+        <p:spPr>
+          <a:xfrm>
+            <a:off x="11143419" y="6289958"/>
+            <a:ext cx="417249" cy="430887"/>
+          </a:xfrm>
+          <a:prstGeom prst="rect">
+            <a:avLst/>
+          </a:prstGeom>
+          <a:noFill/>
+        </p:spPr>
+        <p:txBody>
+          <a:bodyPr wrap="square" rtlCol="0">
+            <a:spAutoFit/>
+          </a:bodyPr>
+          <a:lstStyle/>
+          <a:p>
+            <a:pPr algn="ctr"/>
+            <a:r>
+              <a:rPr lang="ru-RU" sz="1100" dirty="0">
+                <a:solidFill>
+                  <a:schemeClr val="bg1"/>
+                </a:solidFill>
+                <a:latin typeface="Elektra Medium Pro" panose="02000803000000020004" pitchFamily="50" charset="-52"/>
+              </a:rPr>
+              <a:t>9</a:t>
+            </a:r>
+            <a:r>
+              <a:rPr lang="en-US" sz="1100" dirty="0" smtClean="0">
+                <a:solidFill>
+                  <a:schemeClr val="bg1"/>
+                </a:solidFill>
+                <a:latin typeface="Elektra Medium Pro" panose="02000803000000020004" pitchFamily="50" charset="-52"/>
+              </a:rPr>
+              <a:t> / 10</a:t>
+            </a:r>
+            <a:endParaRPr lang="ru-RU" sz="1100" dirty="0">
+              <a:solidFill>
+                <a:schemeClr val="bg1"/>
+              </a:solidFill>
+              <a:latin typeface="Elektra Medium Pro" panose="02000803000000020004" pitchFamily="50" charset="-52"/>
+            </a:endParaRPr>
           </a:p>
         </p:txBody>
       </p:sp>

--- a/ВКРБ_Сорока Александр_Презентация.pptx
+++ b/ВКРБ_Сорока Александр_Презентация.pptx
@@ -5,7 +5,7 @@
     <p:sldMasterId id="2147483672" r:id="rId1"/>
   </p:sldMasterIdLst>
   <p:notesMasterIdLst>
-    <p:notesMasterId r:id="rId12"/>
+    <p:notesMasterId r:id="rId13"/>
   </p:notesMasterIdLst>
   <p:sldIdLst>
     <p:sldId id="256" r:id="rId2"/>
@@ -17,7 +17,8 @@
     <p:sldId id="273" r:id="rId8"/>
     <p:sldId id="272" r:id="rId9"/>
     <p:sldId id="274" r:id="rId10"/>
-    <p:sldId id="267" r:id="rId11"/>
+    <p:sldId id="275" r:id="rId11"/>
+    <p:sldId id="267" r:id="rId12"/>
   </p:sldIdLst>
   <p:sldSz cx="12192000" cy="6858000"/>
   <p:notesSz cx="6858000" cy="9144000"/>
@@ -534,7 +535,105 @@
           <a:bodyPr/>
           <a:lstStyle/>
           <a:p>
-            <a:endParaRPr lang="ru-RU"/>
+            <a:r>
+              <a:rPr lang="ru-RU" dirty="0" smtClean="0"/>
+              <a:t>Цель данной работы — исследовать применимость модели машинного обучения, способную с высокой точностью определять ключевые точки человеческого тела на изображениях и видео. </a:t>
+            </a:r>
+            <a:endParaRPr lang="en-US" dirty="0" smtClean="0"/>
+          </a:p>
+          <a:p>
+            <a:endParaRPr lang="en-US" dirty="0" smtClean="0"/>
+          </a:p>
+          <a:p>
+            <a:r>
+              <a:rPr lang="ru-RU" dirty="0" smtClean="0"/>
+              <a:t>Задачи, подлежащие решению в работе:</a:t>
+            </a:r>
+          </a:p>
+          <a:p>
+            <a:pPr marL="285750" indent="-285750">
+              <a:buFont typeface="Wingdings" panose="05000000000000000000" pitchFamily="2" charset="2"/>
+              <a:buChar char="§"/>
+            </a:pPr>
+            <a:endParaRPr lang="ru-RU" dirty="0" smtClean="0"/>
+          </a:p>
+          <a:p>
+            <a:pPr marL="285750" indent="-285750">
+              <a:buFont typeface="Wingdings" panose="05000000000000000000" pitchFamily="2" charset="2"/>
+              <a:buChar char="§"/>
+            </a:pPr>
+            <a:r>
+              <a:rPr lang="ru-RU" dirty="0" smtClean="0"/>
+              <a:t>проведение аналитического обзора научной литературы по тематике решения задачи захвата движений, включая описание методов с маркерами и без маркеров;</a:t>
+            </a:r>
+          </a:p>
+          <a:p>
+            <a:pPr marL="285750" indent="-285750">
+              <a:buFont typeface="Wingdings" panose="05000000000000000000" pitchFamily="2" charset="2"/>
+              <a:buChar char="§"/>
+            </a:pPr>
+            <a:endParaRPr lang="ru-RU" dirty="0" smtClean="0"/>
+          </a:p>
+          <a:p>
+            <a:pPr marL="285750" indent="-285750">
+              <a:buFont typeface="Wingdings" panose="05000000000000000000" pitchFamily="2" charset="2"/>
+              <a:buChar char="§"/>
+            </a:pPr>
+            <a:r>
+              <a:rPr lang="ru-RU" dirty="0" smtClean="0"/>
+              <a:t>исследование алгоритмов машинного обучения и их сравнительный анализ для применения в задачах захвата движения;</a:t>
+            </a:r>
+          </a:p>
+          <a:p>
+            <a:pPr marL="285750" indent="-285750">
+              <a:buFont typeface="Wingdings" panose="05000000000000000000" pitchFamily="2" charset="2"/>
+              <a:buChar char="§"/>
+            </a:pPr>
+            <a:endParaRPr lang="ru-RU" dirty="0" smtClean="0"/>
+          </a:p>
+          <a:p>
+            <a:pPr marL="285750" indent="-285750">
+              <a:buFont typeface="Wingdings" panose="05000000000000000000" pitchFamily="2" charset="2"/>
+              <a:buChar char="§"/>
+            </a:pPr>
+            <a:r>
+              <a:rPr lang="ru-RU" dirty="0" smtClean="0"/>
+              <a:t>реализация алгоритма для определения двумерных ключевых точек на основе выбранных архитектур моделей, оптимизаторов и методов обучения</a:t>
+            </a:r>
+          </a:p>
+          <a:p>
+            <a:pPr marL="285750" indent="-285750">
+              <a:buFont typeface="Wingdings" panose="05000000000000000000" pitchFamily="2" charset="2"/>
+              <a:buChar char="§"/>
+            </a:pPr>
+            <a:endParaRPr lang="ru-RU" dirty="0" smtClean="0"/>
+          </a:p>
+          <a:p>
+            <a:pPr marL="285750" indent="-285750">
+              <a:buFont typeface="Wingdings" panose="05000000000000000000" pitchFamily="2" charset="2"/>
+              <a:buChar char="§"/>
+            </a:pPr>
+            <a:r>
+              <a:rPr lang="ru-RU" dirty="0" smtClean="0"/>
+              <a:t>проведение аналитического обзора научной литературы по применению методов преобразования двумерных ключевых точек в трёхмерные координаты</a:t>
+            </a:r>
+          </a:p>
+          <a:p>
+            <a:pPr marL="285750" indent="-285750">
+              <a:buFont typeface="Wingdings" panose="05000000000000000000" pitchFamily="2" charset="2"/>
+              <a:buChar char="§"/>
+            </a:pPr>
+            <a:endParaRPr lang="ru-RU" dirty="0" smtClean="0"/>
+          </a:p>
+          <a:p>
+            <a:pPr marL="285750" indent="-285750">
+              <a:buFont typeface="Wingdings" panose="05000000000000000000" pitchFamily="2" charset="2"/>
+              <a:buChar char="§"/>
+            </a:pPr>
+            <a:r>
+              <a:rPr lang="ru-RU" dirty="0" smtClean="0"/>
+              <a:t>проведение экспериментов и анализ полученных результатов для моделей с различными архитектурами, оценка точности и полноты моделей на основе ключевых метрик</a:t>
+            </a:r>
           </a:p>
         </p:txBody>
       </p:sp>
@@ -603,25 +702,444 @@
         </p:nvSpPr>
         <p:spPr/>
       </p:sp>
-      <p:sp>
-        <p:nvSpPr>
-          <p:cNvPr id="3" name="Заметки 2"/>
-          <p:cNvSpPr>
-            <a:spLocks noGrp="1"/>
-          </p:cNvSpPr>
-          <p:nvPr>
-            <p:ph type="body" idx="1"/>
-          </p:nvPr>
-        </p:nvSpPr>
-        <p:spPr/>
-        <p:txBody>
-          <a:bodyPr/>
-          <a:lstStyle/>
-          <a:p>
-            <a:endParaRPr lang="ru-RU" dirty="0"/>
-          </a:p>
-        </p:txBody>
-      </p:sp>
+      <mc:AlternateContent xmlns:mc="http://schemas.openxmlformats.org/markup-compatibility/2006">
+        <mc:Choice xmlns:a14="http://schemas.microsoft.com/office/drawing/2010/main" Requires="a14">
+          <p:sp>
+            <p:nvSpPr>
+              <p:cNvPr id="3" name="Заметки 2"/>
+              <p:cNvSpPr>
+                <a:spLocks noGrp="1"/>
+              </p:cNvSpPr>
+              <p:nvPr>
+                <p:ph type="body" idx="1"/>
+              </p:nvPr>
+            </p:nvSpPr>
+            <p:spPr/>
+            <p:txBody>
+              <a:bodyPr/>
+              <a:lstStyle/>
+              <a:p>
+                <a:r>
+                  <a:rPr lang="ru-RU" dirty="0" smtClean="0"/>
+                  <a:t>Пусть </a:t>
+                </a:r>
+                <a14:m>
+                  <m:oMath xmlns:m="http://schemas.openxmlformats.org/officeDocument/2006/math">
+                    <m:r>
+                      <a:rPr lang="ru-RU" i="1">
+                        <a:latin typeface="Cambria Math" panose="02040503050406030204" pitchFamily="18" charset="0"/>
+                      </a:rPr>
+                      <m:t>𝐼</m:t>
+                    </m:r>
+                  </m:oMath>
+                </a14:m>
+                <a:r>
+                  <a:rPr lang="ru-RU" dirty="0"/>
+                  <a:t> обозначает кадр из видеопотока, а </a:t>
+                </a:r>
+                <a14:m>
+                  <m:oMath xmlns:m="http://schemas.openxmlformats.org/officeDocument/2006/math">
+                    <m:r>
+                      <a:rPr lang="ru-RU" i="1">
+                        <a:latin typeface="Cambria Math" panose="02040503050406030204" pitchFamily="18" charset="0"/>
+                      </a:rPr>
+                      <m:t>𝑃</m:t>
+                    </m:r>
+                    <m:r>
+                      <a:rPr lang="ru-RU" i="1">
+                        <a:latin typeface="Cambria Math" panose="02040503050406030204" pitchFamily="18" charset="0"/>
+                      </a:rPr>
+                      <m:t>=</m:t>
+                    </m:r>
+                    <m:d>
+                      <m:dPr>
+                        <m:ctrlPr>
+                          <a:rPr lang="ru-RU" i="1">
+                            <a:latin typeface="Cambria Math" panose="02040503050406030204" pitchFamily="18" charset="0"/>
+                          </a:rPr>
+                        </m:ctrlPr>
+                      </m:dPr>
+                      <m:e>
+                        <m:sSub>
+                          <m:sSubPr>
+                            <m:ctrlPr>
+                              <a:rPr lang="ru-RU" i="1">
+                                <a:latin typeface="Cambria Math" panose="02040503050406030204" pitchFamily="18" charset="0"/>
+                              </a:rPr>
+                            </m:ctrlPr>
+                          </m:sSubPr>
+                          <m:e>
+                            <m:r>
+                              <a:rPr lang="ru-RU" i="1">
+                                <a:latin typeface="Cambria Math" panose="02040503050406030204" pitchFamily="18" charset="0"/>
+                              </a:rPr>
+                              <m:t>𝑝</m:t>
+                            </m:r>
+                          </m:e>
+                          <m:sub>
+                            <m:r>
+                              <a:rPr lang="ru-RU" i="1">
+                                <a:latin typeface="Cambria Math" panose="02040503050406030204" pitchFamily="18" charset="0"/>
+                              </a:rPr>
+                              <m:t>1</m:t>
+                            </m:r>
+                          </m:sub>
+                        </m:sSub>
+                        <m:r>
+                          <a:rPr lang="ru-RU" i="1">
+                            <a:latin typeface="Cambria Math" panose="02040503050406030204" pitchFamily="18" charset="0"/>
+                          </a:rPr>
+                          <m:t>,</m:t>
+                        </m:r>
+                        <m:sSub>
+                          <m:sSubPr>
+                            <m:ctrlPr>
+                              <a:rPr lang="ru-RU" i="1">
+                                <a:latin typeface="Cambria Math" panose="02040503050406030204" pitchFamily="18" charset="0"/>
+                              </a:rPr>
+                            </m:ctrlPr>
+                          </m:sSubPr>
+                          <m:e>
+                            <m:r>
+                              <a:rPr lang="ru-RU" i="1">
+                                <a:latin typeface="Cambria Math" panose="02040503050406030204" pitchFamily="18" charset="0"/>
+                              </a:rPr>
+                              <m:t>𝑝</m:t>
+                            </m:r>
+                          </m:e>
+                          <m:sub>
+                            <m:r>
+                              <a:rPr lang="ru-RU" i="1">
+                                <a:latin typeface="Cambria Math" panose="02040503050406030204" pitchFamily="18" charset="0"/>
+                              </a:rPr>
+                              <m:t>2</m:t>
+                            </m:r>
+                          </m:sub>
+                        </m:sSub>
+                        <m:r>
+                          <a:rPr lang="ru-RU" i="1">
+                            <a:latin typeface="Cambria Math" panose="02040503050406030204" pitchFamily="18" charset="0"/>
+                          </a:rPr>
+                          <m:t>,…,</m:t>
+                        </m:r>
+                        <m:sSub>
+                          <m:sSubPr>
+                            <m:ctrlPr>
+                              <a:rPr lang="ru-RU" i="1">
+                                <a:latin typeface="Cambria Math" panose="02040503050406030204" pitchFamily="18" charset="0"/>
+                              </a:rPr>
+                            </m:ctrlPr>
+                          </m:sSubPr>
+                          <m:e>
+                            <m:r>
+                              <a:rPr lang="ru-RU" i="1">
+                                <a:latin typeface="Cambria Math" panose="02040503050406030204" pitchFamily="18" charset="0"/>
+                              </a:rPr>
+                              <m:t>𝑝</m:t>
+                            </m:r>
+                          </m:e>
+                          <m:sub>
+                            <m:r>
+                              <a:rPr lang="ru-RU" i="1">
+                                <a:latin typeface="Cambria Math" panose="02040503050406030204" pitchFamily="18" charset="0"/>
+                              </a:rPr>
+                              <m:t>𝑛</m:t>
+                            </m:r>
+                          </m:sub>
+                        </m:sSub>
+                      </m:e>
+                    </m:d>
+                  </m:oMath>
+                </a14:m>
+                <a:r>
+                  <a:rPr lang="ru-RU" dirty="0"/>
+                  <a:t> – набор ключевых точек, которые необходимо определить. Каждая точка </a:t>
+                </a:r>
+                <a14:m>
+                  <m:oMath xmlns:m="http://schemas.openxmlformats.org/officeDocument/2006/math">
+                    <m:sSub>
+                      <m:sSubPr>
+                        <m:ctrlPr>
+                          <a:rPr lang="ru-RU" i="1">
+                            <a:latin typeface="Cambria Math" panose="02040503050406030204" pitchFamily="18" charset="0"/>
+                          </a:rPr>
+                        </m:ctrlPr>
+                      </m:sSubPr>
+                      <m:e>
+                        <m:r>
+                          <a:rPr lang="ru-RU" i="1">
+                            <a:latin typeface="Cambria Math" panose="02040503050406030204" pitchFamily="18" charset="0"/>
+                          </a:rPr>
+                          <m:t>𝑝</m:t>
+                        </m:r>
+                      </m:e>
+                      <m:sub>
+                        <m:r>
+                          <a:rPr lang="ru-RU" i="1">
+                            <a:latin typeface="Cambria Math" panose="02040503050406030204" pitchFamily="18" charset="0"/>
+                          </a:rPr>
+                          <m:t>𝑖</m:t>
+                        </m:r>
+                      </m:sub>
+                    </m:sSub>
+                  </m:oMath>
+                </a14:m>
+                <a:r>
+                  <a:rPr lang="ru-RU" dirty="0"/>
+                  <a:t> описывается своими координатами на изображении </a:t>
+                </a:r>
+                <a14:m>
+                  <m:oMath xmlns:m="http://schemas.openxmlformats.org/officeDocument/2006/math">
+                    <m:d>
+                      <m:dPr>
+                        <m:ctrlPr>
+                          <a:rPr lang="ru-RU" i="1">
+                            <a:latin typeface="Cambria Math" panose="02040503050406030204" pitchFamily="18" charset="0"/>
+                          </a:rPr>
+                        </m:ctrlPr>
+                      </m:dPr>
+                      <m:e>
+                        <m:sSub>
+                          <m:sSubPr>
+                            <m:ctrlPr>
+                              <a:rPr lang="ru-RU" i="1">
+                                <a:latin typeface="Cambria Math" panose="02040503050406030204" pitchFamily="18" charset="0"/>
+                              </a:rPr>
+                            </m:ctrlPr>
+                          </m:sSubPr>
+                          <m:e>
+                            <m:r>
+                              <a:rPr lang="ru-RU" i="1">
+                                <a:latin typeface="Cambria Math" panose="02040503050406030204" pitchFamily="18" charset="0"/>
+                              </a:rPr>
+                              <m:t>𝑥</m:t>
+                            </m:r>
+                          </m:e>
+                          <m:sub>
+                            <m:r>
+                              <a:rPr lang="ru-RU" i="1">
+                                <a:latin typeface="Cambria Math" panose="02040503050406030204" pitchFamily="18" charset="0"/>
+                              </a:rPr>
+                              <m:t>𝑖</m:t>
+                            </m:r>
+                          </m:sub>
+                        </m:sSub>
+                        <m:r>
+                          <a:rPr lang="ru-RU" i="1">
+                            <a:latin typeface="Cambria Math" panose="02040503050406030204" pitchFamily="18" charset="0"/>
+                          </a:rPr>
+                          <m:t>,</m:t>
+                        </m:r>
+                        <m:sSub>
+                          <m:sSubPr>
+                            <m:ctrlPr>
+                              <a:rPr lang="ru-RU" i="1">
+                                <a:latin typeface="Cambria Math" panose="02040503050406030204" pitchFamily="18" charset="0"/>
+                              </a:rPr>
+                            </m:ctrlPr>
+                          </m:sSubPr>
+                          <m:e>
+                            <m:r>
+                              <a:rPr lang="ru-RU" i="1">
+                                <a:latin typeface="Cambria Math" panose="02040503050406030204" pitchFamily="18" charset="0"/>
+                              </a:rPr>
+                              <m:t>𝑦</m:t>
+                            </m:r>
+                          </m:e>
+                          <m:sub>
+                            <m:r>
+                              <a:rPr lang="ru-RU" i="1">
+                                <a:latin typeface="Cambria Math" panose="02040503050406030204" pitchFamily="18" charset="0"/>
+                              </a:rPr>
+                              <m:t>𝑖</m:t>
+                            </m:r>
+                          </m:sub>
+                        </m:sSub>
+                      </m:e>
+                    </m:d>
+                  </m:oMath>
+                </a14:m>
+                <a:r>
+                  <a:rPr lang="ru-RU" dirty="0"/>
+                  <a:t>. </a:t>
+                </a:r>
+                <a:endParaRPr lang="ru-RU" dirty="0" smtClean="0"/>
+              </a:p>
+              <a:p>
+                <a:endParaRPr lang="ru-RU" dirty="0"/>
+              </a:p>
+              <a:p>
+                <a:r>
+                  <a:rPr lang="ru-RU" dirty="0" smtClean="0"/>
+                  <a:t>Задача </a:t>
+                </a:r>
+                <a:r>
+                  <a:rPr lang="ru-RU" dirty="0"/>
+                  <a:t>алгоритма машинного обучения – </a:t>
+                </a:r>
+                <a:r>
+                  <a:rPr lang="ru-RU" dirty="0" smtClean="0"/>
+                  <a:t>максимизировать </a:t>
+                </a:r>
+                <a:r>
+                  <a:rPr lang="ru-RU" dirty="0"/>
+                  <a:t>вероятность правильного определения этих координат, основываясь на обучающем наборе данных, содержащем аннотированные изображения</a:t>
+                </a:r>
+                <a:r>
+                  <a:rPr lang="ru-RU" dirty="0" smtClean="0"/>
+                  <a:t>.</a:t>
+                </a:r>
+              </a:p>
+              <a:p>
+                <a:endParaRPr lang="ru-RU" dirty="0"/>
+              </a:p>
+              <a:p>
+                <a:r>
+                  <a:rPr lang="ru-RU" dirty="0"/>
+                  <a:t>Процесс обучения модели заключается в минимизации функции </a:t>
+                </a:r>
+                <a:r>
+                  <a:rPr lang="ru-RU" dirty="0" smtClean="0"/>
+                  <a:t>потерь</a:t>
+                </a:r>
+                <a:r>
+                  <a:rPr lang="ru-RU" dirty="0"/>
+                  <a:t>, которая оценивает разницу между предсказанными алгоритмом </a:t>
+                </a:r>
+                <a:r>
+                  <a:rPr lang="ru-RU" dirty="0" smtClean="0"/>
+                  <a:t>координатами </a:t>
+                </a:r>
+                <a:r>
+                  <a:rPr lang="ru-RU" dirty="0"/>
+                  <a:t>и истинными координатами точек на обучающих данных. </a:t>
+                </a:r>
+              </a:p>
+              <a:p>
+                <a:endParaRPr lang="ru-RU" dirty="0"/>
+              </a:p>
+            </p:txBody>
+          </p:sp>
+        </mc:Choice>
+        <mc:Fallback>
+          <p:sp>
+            <p:nvSpPr>
+              <p:cNvPr id="3" name="Заметки 2"/>
+              <p:cNvSpPr>
+                <a:spLocks noGrp="1"/>
+              </p:cNvSpPr>
+              <p:nvPr>
+                <p:ph type="body" idx="1"/>
+              </p:nvPr>
+            </p:nvSpPr>
+            <p:spPr/>
+            <p:txBody>
+              <a:bodyPr/>
+              <a:lstStyle/>
+              <a:p>
+                <a:r>
+                  <a:rPr lang="ru-RU" dirty="0" smtClean="0"/>
+                  <a:t>Пусть </a:t>
+                </a:r>
+                <a:r>
+                  <a:rPr lang="ru-RU" i="0">
+                    <a:latin typeface="Cambria Math" panose="02040503050406030204" pitchFamily="18" charset="0"/>
+                  </a:rPr>
+                  <a:t>𝐼</a:t>
+                </a:r>
+                <a:r>
+                  <a:rPr lang="ru-RU" dirty="0"/>
+                  <a:t> обозначает кадр из видеопотока, а </a:t>
+                </a:r>
+                <a:r>
+                  <a:rPr lang="ru-RU" i="0">
+                    <a:latin typeface="Cambria Math" panose="02040503050406030204" pitchFamily="18" charset="0"/>
+                  </a:rPr>
+                  <a:t>𝑃=(𝑝_1,𝑝_2,…,𝑝_𝑛 )</a:t>
+                </a:r>
+                <a:r>
+                  <a:rPr lang="ru-RU" dirty="0"/>
+                  <a:t> – набор ключевых точек, которые необходимо определить. Каждая точка </a:t>
+                </a:r>
+                <a:r>
+                  <a:rPr lang="ru-RU" i="0">
+                    <a:latin typeface="Cambria Math" panose="02040503050406030204" pitchFamily="18" charset="0"/>
+                  </a:rPr>
+                  <a:t>𝑝_𝑖</a:t>
+                </a:r>
+                <a:r>
+                  <a:rPr lang="ru-RU" dirty="0"/>
+                  <a:t> описывается своими координатами на изображении </a:t>
+                </a:r>
+                <a:r>
+                  <a:rPr lang="ru-RU" i="0">
+                    <a:latin typeface="Cambria Math" panose="02040503050406030204" pitchFamily="18" charset="0"/>
+                  </a:rPr>
+                  <a:t>(𝑥_𝑖,𝑦_𝑖 )</a:t>
+                </a:r>
+                <a:r>
+                  <a:rPr lang="ru-RU" dirty="0"/>
+                  <a:t>. </a:t>
+                </a:r>
+                <a:endParaRPr lang="ru-RU" dirty="0" smtClean="0"/>
+              </a:p>
+              <a:p>
+                <a:endParaRPr lang="ru-RU" dirty="0"/>
+              </a:p>
+              <a:p>
+                <a:r>
+                  <a:rPr lang="ru-RU" dirty="0" smtClean="0"/>
+                  <a:t>Задача </a:t>
+                </a:r>
+                <a:r>
+                  <a:rPr lang="ru-RU" dirty="0"/>
+                  <a:t>алгоритма машинного обучения – </a:t>
+                </a:r>
+                <a:r>
+                  <a:rPr lang="ru-RU" dirty="0" smtClean="0"/>
+                  <a:t>максимизировать </a:t>
+                </a:r>
+                <a:r>
+                  <a:rPr lang="ru-RU" dirty="0"/>
+                  <a:t>вероятность правильного определения этих координат, основываясь на обучающем наборе данных, содержащем аннотированные изображения</a:t>
+                </a:r>
+                <a:r>
+                  <a:rPr lang="ru-RU" dirty="0" smtClean="0"/>
+                  <a:t>.</a:t>
+                </a:r>
+              </a:p>
+              <a:p>
+                <a:endParaRPr lang="ru-RU" dirty="0"/>
+              </a:p>
+              <a:p>
+                <a:r>
+                  <a:rPr lang="ru-RU" dirty="0"/>
+                  <a:t>Процесс обучения модели заключается в минимизации функции </a:t>
+                </a:r>
+                <a:r>
+                  <a:rPr lang="ru-RU" dirty="0" smtClean="0"/>
+                  <a:t>потерь</a:t>
+                </a:r>
+                <a:r>
+                  <a:rPr lang="ru-RU" dirty="0"/>
+                  <a:t>, которая оценивает разницу между предсказанными алгоритмом </a:t>
+                </a:r>
+                <a:r>
+                  <a:rPr lang="ru-RU" dirty="0" smtClean="0"/>
+                  <a:t>координатами </a:t>
+                </a:r>
+                <a:r>
+                  <a:rPr lang="ru-RU" dirty="0"/>
+                  <a:t>и истинными координатами точек на обучающих данных. </a:t>
+                </a:r>
+              </a:p>
+              <a:p>
+                <a:endParaRPr lang="ru-RU" dirty="0"/>
+              </a:p>
+            </p:txBody>
+          </p:sp>
+        </mc:Fallback>
+      </mc:AlternateContent>
       <p:sp>
         <p:nvSpPr>
           <p:cNvPr id="4" name="Номер слайда 3"/>
@@ -639,7 +1157,7 @@
           <a:p>
             <a:fld id="{0048289E-2F4B-4BDB-9E3D-307BE649A8BF}" type="slidenum">
               <a:rPr lang="ru-RU" smtClean="0"/>
-              <a:t>6</a:t>
+              <a:t>3</a:t>
             </a:fld>
             <a:endParaRPr lang="ru-RU"/>
           </a:p>
@@ -648,7 +1166,7 @@
     </p:spTree>
     <p:extLst>
       <p:ext uri="{BB962C8B-B14F-4D97-AF65-F5344CB8AC3E}">
-        <p14:creationId xmlns:p14="http://schemas.microsoft.com/office/powerpoint/2010/main" val="76438543"/>
+        <p14:creationId xmlns:p14="http://schemas.microsoft.com/office/powerpoint/2010/main" val="1246408322"/>
       </p:ext>
     </p:extLst>
   </p:cSld>
@@ -702,7 +1220,678 @@
           <a:bodyPr/>
           <a:lstStyle/>
           <a:p>
-            <a:endParaRPr lang="ru-RU" dirty="0"/>
+            <a:r>
+              <a:rPr lang="ru-RU" sz="1200" b="0" i="0" kern="1200" dirty="0" smtClean="0">
+                <a:solidFill>
+                  <a:schemeClr val="tx1"/>
+                </a:solidFill>
+                <a:effectLst/>
+                <a:latin typeface="+mn-lt"/>
+                <a:ea typeface="+mn-ea"/>
+                <a:cs typeface="+mn-cs"/>
+              </a:rPr>
+              <a:t>Для определения подходящей базы решения задачи захвата движения были рассмотрены две основные архитектуры нейронных сетей: </a:t>
+            </a:r>
+            <a:r>
+              <a:rPr lang="ru-RU" sz="1200" b="0" i="0" kern="1200" dirty="0" err="1" smtClean="0">
+                <a:solidFill>
+                  <a:schemeClr val="tx1"/>
+                </a:solidFill>
+                <a:effectLst/>
+                <a:latin typeface="+mn-lt"/>
+                <a:ea typeface="+mn-ea"/>
+                <a:cs typeface="+mn-cs"/>
+              </a:rPr>
+              <a:t>свёрточные</a:t>
+            </a:r>
+            <a:r>
+              <a:rPr lang="ru-RU" sz="1200" b="0" i="0" kern="1200" dirty="0" smtClean="0">
+                <a:solidFill>
+                  <a:schemeClr val="tx1"/>
+                </a:solidFill>
+                <a:effectLst/>
+                <a:latin typeface="+mn-lt"/>
+                <a:ea typeface="+mn-ea"/>
+                <a:cs typeface="+mn-cs"/>
+              </a:rPr>
+              <a:t> нейронные сети (</a:t>
+            </a:r>
+            <a:r>
+              <a:rPr lang="ru-RU" sz="1200" b="0" i="0" kern="1200" dirty="0" err="1" smtClean="0">
+                <a:solidFill>
+                  <a:schemeClr val="tx1"/>
+                </a:solidFill>
+                <a:effectLst/>
+                <a:latin typeface="+mn-lt"/>
+                <a:ea typeface="+mn-ea"/>
+                <a:cs typeface="+mn-cs"/>
+              </a:rPr>
+              <a:t>Convolutional</a:t>
+            </a:r>
+            <a:r>
+              <a:rPr lang="ru-RU" sz="1200" b="0" i="0" kern="1200" dirty="0" smtClean="0">
+                <a:solidFill>
+                  <a:schemeClr val="tx1"/>
+                </a:solidFill>
+                <a:effectLst/>
+                <a:latin typeface="+mn-lt"/>
+                <a:ea typeface="+mn-ea"/>
+                <a:cs typeface="+mn-cs"/>
+              </a:rPr>
+              <a:t> </a:t>
+            </a:r>
+            <a:r>
+              <a:rPr lang="ru-RU" sz="1200" b="0" i="0" kern="1200" dirty="0" err="1" smtClean="0">
+                <a:solidFill>
+                  <a:schemeClr val="tx1"/>
+                </a:solidFill>
+                <a:effectLst/>
+                <a:latin typeface="+mn-lt"/>
+                <a:ea typeface="+mn-ea"/>
+                <a:cs typeface="+mn-cs"/>
+              </a:rPr>
+              <a:t>Neural</a:t>
+            </a:r>
+            <a:r>
+              <a:rPr lang="ru-RU" sz="1200" b="0" i="0" kern="1200" dirty="0" smtClean="0">
+                <a:solidFill>
+                  <a:schemeClr val="tx1"/>
+                </a:solidFill>
+                <a:effectLst/>
+                <a:latin typeface="+mn-lt"/>
+                <a:ea typeface="+mn-ea"/>
+                <a:cs typeface="+mn-cs"/>
+              </a:rPr>
+              <a:t> </a:t>
+            </a:r>
+            <a:r>
+              <a:rPr lang="ru-RU" sz="1200" b="0" i="0" kern="1200" dirty="0" err="1" smtClean="0">
+                <a:solidFill>
+                  <a:schemeClr val="tx1"/>
+                </a:solidFill>
+                <a:effectLst/>
+                <a:latin typeface="+mn-lt"/>
+                <a:ea typeface="+mn-ea"/>
+                <a:cs typeface="+mn-cs"/>
+              </a:rPr>
+              <a:t>Networks</a:t>
+            </a:r>
+            <a:r>
+              <a:rPr lang="ru-RU" sz="1200" b="0" i="0" kern="1200" dirty="0" smtClean="0">
+                <a:solidFill>
+                  <a:schemeClr val="tx1"/>
+                </a:solidFill>
+                <a:effectLst/>
+                <a:latin typeface="+mn-lt"/>
+                <a:ea typeface="+mn-ea"/>
+                <a:cs typeface="+mn-cs"/>
+              </a:rPr>
+              <a:t>, CNN) и рекуррентные нейронные сети (</a:t>
+            </a:r>
+            <a:r>
+              <a:rPr lang="ru-RU" sz="1200" b="0" i="0" kern="1200" dirty="0" err="1" smtClean="0">
+                <a:solidFill>
+                  <a:schemeClr val="tx1"/>
+                </a:solidFill>
+                <a:effectLst/>
+                <a:latin typeface="+mn-lt"/>
+                <a:ea typeface="+mn-ea"/>
+                <a:cs typeface="+mn-cs"/>
+              </a:rPr>
+              <a:t>Recurrent</a:t>
+            </a:r>
+            <a:r>
+              <a:rPr lang="ru-RU" sz="1200" b="0" i="0" kern="1200" dirty="0" smtClean="0">
+                <a:solidFill>
+                  <a:schemeClr val="tx1"/>
+                </a:solidFill>
+                <a:effectLst/>
+                <a:latin typeface="+mn-lt"/>
+                <a:ea typeface="+mn-ea"/>
+                <a:cs typeface="+mn-cs"/>
+              </a:rPr>
+              <a:t> </a:t>
+            </a:r>
+            <a:r>
+              <a:rPr lang="ru-RU" sz="1200" b="0" i="0" kern="1200" dirty="0" err="1" smtClean="0">
+                <a:solidFill>
+                  <a:schemeClr val="tx1"/>
+                </a:solidFill>
+                <a:effectLst/>
+                <a:latin typeface="+mn-lt"/>
+                <a:ea typeface="+mn-ea"/>
+                <a:cs typeface="+mn-cs"/>
+              </a:rPr>
+              <a:t>Neural</a:t>
+            </a:r>
+            <a:r>
+              <a:rPr lang="ru-RU" sz="1200" b="0" i="0" kern="1200" dirty="0" smtClean="0">
+                <a:solidFill>
+                  <a:schemeClr val="tx1"/>
+                </a:solidFill>
+                <a:effectLst/>
+                <a:latin typeface="+mn-lt"/>
+                <a:ea typeface="+mn-ea"/>
+                <a:cs typeface="+mn-cs"/>
+              </a:rPr>
+              <a:t> </a:t>
+            </a:r>
+            <a:r>
+              <a:rPr lang="ru-RU" sz="1200" b="0" i="0" kern="1200" dirty="0" err="1" smtClean="0">
+                <a:solidFill>
+                  <a:schemeClr val="tx1"/>
+                </a:solidFill>
+                <a:effectLst/>
+                <a:latin typeface="+mn-lt"/>
+                <a:ea typeface="+mn-ea"/>
+                <a:cs typeface="+mn-cs"/>
+              </a:rPr>
+              <a:t>Networks</a:t>
+            </a:r>
+            <a:r>
+              <a:rPr lang="ru-RU" sz="1200" b="0" i="0" kern="1200" dirty="0" smtClean="0">
+                <a:solidFill>
+                  <a:schemeClr val="tx1"/>
+                </a:solidFill>
+                <a:effectLst/>
+                <a:latin typeface="+mn-lt"/>
+                <a:ea typeface="+mn-ea"/>
+                <a:cs typeface="+mn-cs"/>
+              </a:rPr>
+              <a:t>, RNN). При выборе между CNN и RNN/LSTM для задач захвата движения важно учитывать конкретные требования к задаче. В случае, когда важно пространственное распознавание и высокая точность в определении позы на отдельных кадрах, CNN становится безальтернативным выбором. Это связано с тем, что RNN не предназначены для обработки изображений и не обладают способностью эффективно выявлять пространственные особенности на изображениях.</a:t>
+            </a:r>
+          </a:p>
+          <a:p>
+            <a:endParaRPr lang="ru-RU" sz="1200" b="0" i="0" kern="1200" dirty="0" smtClean="0">
+              <a:solidFill>
+                <a:schemeClr val="tx1"/>
+              </a:solidFill>
+              <a:effectLst/>
+              <a:latin typeface="+mn-lt"/>
+              <a:ea typeface="+mn-ea"/>
+              <a:cs typeface="+mn-cs"/>
+            </a:endParaRPr>
+          </a:p>
+          <a:p>
+            <a:pPr marL="0" marR="0" indent="0" algn="l" defTabSz="914400" rtl="0" eaLnBrk="1" fontAlgn="auto" latinLnBrk="0" hangingPunct="1">
+              <a:lnSpc>
+                <a:spcPct val="100000"/>
+              </a:lnSpc>
+              <a:spcBef>
+                <a:spcPts val="0"/>
+              </a:spcBef>
+              <a:spcAft>
+                <a:spcPts val="0"/>
+              </a:spcAft>
+              <a:buClrTx/>
+              <a:buSzTx/>
+              <a:buFontTx/>
+              <a:buNone/>
+              <a:tabLst/>
+              <a:defRPr/>
+            </a:pPr>
+            <a:r>
+              <a:rPr lang="ru-RU" sz="1200" kern="1200" dirty="0" smtClean="0">
+                <a:solidFill>
+                  <a:schemeClr val="tx1"/>
+                </a:solidFill>
+                <a:effectLst/>
+                <a:latin typeface="+mn-lt"/>
+                <a:ea typeface="+mn-ea"/>
+                <a:cs typeface="+mn-cs"/>
+              </a:rPr>
+              <a:t>В идеальном сценарии комбинирование CNN для пространственного анализа и LSTM для обработки временной последовательности движений может привести к наилучшим результатам. Такой подход позволяет максимально использовать преимущества обеих технологий, обеспечивая точное распознавание поз и анализ сложных движений с учетом временной динамики.</a:t>
+            </a:r>
+            <a:endParaRPr lang="ru-RU" sz="1200" b="0" i="0" kern="1200" dirty="0" smtClean="0">
+              <a:solidFill>
+                <a:schemeClr val="tx1"/>
+              </a:solidFill>
+              <a:effectLst/>
+              <a:latin typeface="+mn-lt"/>
+              <a:ea typeface="+mn-ea"/>
+              <a:cs typeface="+mn-cs"/>
+            </a:endParaRPr>
+          </a:p>
+          <a:p>
+            <a:endParaRPr lang="ru-RU" sz="1200" b="0" i="0" kern="1200" dirty="0" smtClean="0">
+              <a:solidFill>
+                <a:schemeClr val="tx1"/>
+              </a:solidFill>
+              <a:effectLst/>
+              <a:latin typeface="+mn-lt"/>
+              <a:ea typeface="+mn-ea"/>
+              <a:cs typeface="+mn-cs"/>
+            </a:endParaRPr>
+          </a:p>
+          <a:p>
+            <a:pPr marL="0" marR="0" indent="0" algn="l" defTabSz="914400" rtl="0" eaLnBrk="1" fontAlgn="auto" latinLnBrk="0" hangingPunct="1">
+              <a:lnSpc>
+                <a:spcPct val="100000"/>
+              </a:lnSpc>
+              <a:spcBef>
+                <a:spcPts val="0"/>
+              </a:spcBef>
+              <a:spcAft>
+                <a:spcPts val="0"/>
+              </a:spcAft>
+              <a:buClrTx/>
+              <a:buSzTx/>
+              <a:buFontTx/>
+              <a:buNone/>
+              <a:tabLst/>
+              <a:defRPr/>
+            </a:pPr>
+            <a:r>
+              <a:rPr lang="ru-RU" sz="1200" b="0" i="0" kern="1200" dirty="0" smtClean="0">
+                <a:solidFill>
+                  <a:schemeClr val="tx1"/>
+                </a:solidFill>
+                <a:effectLst/>
+                <a:latin typeface="+mn-lt"/>
+                <a:ea typeface="+mn-ea"/>
+                <a:cs typeface="+mn-cs"/>
+              </a:rPr>
+              <a:t>Для реализации решения была выбрана архитектура CNN для первичного извлечения признаков из изображений. В дополнение к этому, для предсказания ключевых точек была использована регрессия, что позволяет модели точно определять позиции ключевых точек на изображениях.</a:t>
+            </a:r>
+          </a:p>
+          <a:p>
+            <a:endParaRPr lang="ru-RU" sz="1200" b="0" i="0" kern="1200" dirty="0" smtClean="0">
+              <a:solidFill>
+                <a:schemeClr val="tx1"/>
+              </a:solidFill>
+              <a:effectLst/>
+              <a:latin typeface="+mn-lt"/>
+              <a:ea typeface="+mn-ea"/>
+              <a:cs typeface="+mn-cs"/>
+            </a:endParaRPr>
+          </a:p>
+          <a:p>
+            <a:r>
+              <a:rPr lang="ru-RU" sz="1200" b="0" i="0" kern="1200" dirty="0" smtClean="0">
+                <a:solidFill>
+                  <a:schemeClr val="tx1"/>
+                </a:solidFill>
+                <a:effectLst/>
+                <a:latin typeface="+mn-lt"/>
+                <a:ea typeface="+mn-ea"/>
+                <a:cs typeface="+mn-cs"/>
+              </a:rPr>
+              <a:t>В рамках изучения научной литературы по теме CNN был проведен анализ существующих архитектур CNN для извлечения первичных признаков. Выбор пал на </a:t>
+            </a:r>
+            <a:r>
+              <a:rPr lang="ru-RU" sz="1200" b="0" i="0" kern="1200" dirty="0" err="1" smtClean="0">
+                <a:solidFill>
+                  <a:schemeClr val="tx1"/>
+                </a:solidFill>
+                <a:effectLst/>
+                <a:latin typeface="+mn-lt"/>
+                <a:ea typeface="+mn-ea"/>
+                <a:cs typeface="+mn-cs"/>
+              </a:rPr>
+              <a:t>ResNet</a:t>
+            </a:r>
+            <a:r>
+              <a:rPr lang="ru-RU" sz="1200" b="0" i="0" kern="1200" dirty="0" smtClean="0">
+                <a:solidFill>
+                  <a:schemeClr val="tx1"/>
+                </a:solidFill>
+                <a:effectLst/>
+                <a:latin typeface="+mn-lt"/>
+                <a:ea typeface="+mn-ea"/>
+                <a:cs typeface="+mn-cs"/>
+              </a:rPr>
+              <a:t>, так как она демонстрирует высокую точность и надёжность при решении задач компьютерного зрения. Были рассмотрены различные варианты </a:t>
+            </a:r>
+            <a:r>
+              <a:rPr lang="ru-RU" sz="1200" b="0" i="0" kern="1200" dirty="0" err="1" smtClean="0">
+                <a:solidFill>
+                  <a:schemeClr val="tx1"/>
+                </a:solidFill>
+                <a:effectLst/>
+                <a:latin typeface="+mn-lt"/>
+                <a:ea typeface="+mn-ea"/>
+                <a:cs typeface="+mn-cs"/>
+              </a:rPr>
+              <a:t>ResNet</a:t>
+            </a:r>
+            <a:r>
+              <a:rPr lang="ru-RU" sz="1200" b="0" i="0" kern="1200" dirty="0" smtClean="0">
+                <a:solidFill>
+                  <a:schemeClr val="tx1"/>
+                </a:solidFill>
+                <a:effectLst/>
+                <a:latin typeface="+mn-lt"/>
+                <a:ea typeface="+mn-ea"/>
+                <a:cs typeface="+mn-cs"/>
+              </a:rPr>
+              <a:t>, включая ResNet-50, ResNet-101, а также их модификации, такие как Res2Net-50 и Res2Net-vlb-50.</a:t>
+            </a:r>
+          </a:p>
+          <a:p>
+            <a:endParaRPr lang="ru-RU" sz="1200" b="0" i="0" kern="1200" dirty="0" smtClean="0">
+              <a:solidFill>
+                <a:schemeClr val="tx1"/>
+              </a:solidFill>
+              <a:effectLst/>
+              <a:latin typeface="+mn-lt"/>
+              <a:ea typeface="+mn-ea"/>
+              <a:cs typeface="+mn-cs"/>
+            </a:endParaRPr>
+          </a:p>
+          <a:p>
+            <a:r>
+              <a:rPr lang="ru-RU" sz="1200" b="0" i="0" kern="1200" dirty="0" smtClean="0">
+                <a:solidFill>
+                  <a:schemeClr val="tx1"/>
+                </a:solidFill>
+                <a:effectLst/>
+                <a:latin typeface="+mn-lt"/>
+                <a:ea typeface="+mn-ea"/>
+                <a:cs typeface="+mn-cs"/>
+              </a:rPr>
+              <a:t>В процессе разработки и обучения модели также были выбраны оптимизаторы и функции потерь, которые наилучшим образом соответствуют задаче. Были проведены эксперименты с использованием </a:t>
+            </a:r>
+            <a:r>
+              <a:rPr lang="ru-RU" sz="1200" b="0" i="0" kern="1200" dirty="0" err="1" smtClean="0">
+                <a:solidFill>
+                  <a:schemeClr val="tx1"/>
+                </a:solidFill>
+                <a:effectLst/>
+                <a:latin typeface="+mn-lt"/>
+                <a:ea typeface="+mn-ea"/>
+                <a:cs typeface="+mn-cs"/>
+              </a:rPr>
+              <a:t>Stochastic</a:t>
+            </a:r>
+            <a:r>
+              <a:rPr lang="ru-RU" sz="1200" b="0" i="0" kern="1200" dirty="0" smtClean="0">
+                <a:solidFill>
+                  <a:schemeClr val="tx1"/>
+                </a:solidFill>
+                <a:effectLst/>
+                <a:latin typeface="+mn-lt"/>
+                <a:ea typeface="+mn-ea"/>
+                <a:cs typeface="+mn-cs"/>
+              </a:rPr>
+              <a:t> </a:t>
+            </a:r>
+            <a:r>
+              <a:rPr lang="ru-RU" sz="1200" b="0" i="0" kern="1200" dirty="0" err="1" smtClean="0">
+                <a:solidFill>
+                  <a:schemeClr val="tx1"/>
+                </a:solidFill>
+                <a:effectLst/>
+                <a:latin typeface="+mn-lt"/>
+                <a:ea typeface="+mn-ea"/>
+                <a:cs typeface="+mn-cs"/>
+              </a:rPr>
+              <a:t>Gradient</a:t>
+            </a:r>
+            <a:r>
+              <a:rPr lang="ru-RU" sz="1200" b="0" i="0" kern="1200" dirty="0" smtClean="0">
+                <a:solidFill>
+                  <a:schemeClr val="tx1"/>
+                </a:solidFill>
+                <a:effectLst/>
+                <a:latin typeface="+mn-lt"/>
+                <a:ea typeface="+mn-ea"/>
+                <a:cs typeface="+mn-cs"/>
+              </a:rPr>
+              <a:t> </a:t>
+            </a:r>
+            <a:r>
+              <a:rPr lang="ru-RU" sz="1200" b="0" i="0" kern="1200" dirty="0" err="1" smtClean="0">
+                <a:solidFill>
+                  <a:schemeClr val="tx1"/>
+                </a:solidFill>
+                <a:effectLst/>
+                <a:latin typeface="+mn-lt"/>
+                <a:ea typeface="+mn-ea"/>
+                <a:cs typeface="+mn-cs"/>
+              </a:rPr>
+              <a:t>Descent</a:t>
+            </a:r>
+            <a:r>
+              <a:rPr lang="ru-RU" sz="1200" b="0" i="0" kern="1200" dirty="0" smtClean="0">
+                <a:solidFill>
+                  <a:schemeClr val="tx1"/>
+                </a:solidFill>
+                <a:effectLst/>
+                <a:latin typeface="+mn-lt"/>
+                <a:ea typeface="+mn-ea"/>
+                <a:cs typeface="+mn-cs"/>
+              </a:rPr>
+              <a:t> (SGD) в сочетании с расписанием скорости обучения </a:t>
+            </a:r>
+            <a:r>
+              <a:rPr lang="ru-RU" sz="1200" b="0" i="0" kern="1200" dirty="0" err="1" smtClean="0">
+                <a:solidFill>
+                  <a:schemeClr val="tx1"/>
+                </a:solidFill>
+                <a:effectLst/>
+                <a:latin typeface="+mn-lt"/>
+                <a:ea typeface="+mn-ea"/>
+                <a:cs typeface="+mn-cs"/>
+              </a:rPr>
+              <a:t>MultiStepLR</a:t>
+            </a:r>
+            <a:r>
+              <a:rPr lang="ru-RU" sz="1200" b="0" i="0" kern="1200" dirty="0" smtClean="0">
+                <a:solidFill>
+                  <a:schemeClr val="tx1"/>
+                </a:solidFill>
+                <a:effectLst/>
+                <a:latin typeface="+mn-lt"/>
+                <a:ea typeface="+mn-ea"/>
+                <a:cs typeface="+mn-cs"/>
+              </a:rPr>
+              <a:t>. Это позволило эффективно контролировать процесс обучения и добиваться стабильной сходимости модели.</a:t>
+            </a:r>
+          </a:p>
+          <a:p>
+            <a:endParaRPr lang="ru-RU" sz="1200" b="0" i="0" kern="1200" dirty="0" smtClean="0">
+              <a:solidFill>
+                <a:schemeClr val="tx1"/>
+              </a:solidFill>
+              <a:effectLst/>
+              <a:latin typeface="+mn-lt"/>
+              <a:ea typeface="+mn-ea"/>
+              <a:cs typeface="+mn-cs"/>
+            </a:endParaRPr>
+          </a:p>
+          <a:p>
+            <a:r>
+              <a:rPr lang="ru-RU" sz="1200" b="0" i="0" kern="1200" dirty="0" smtClean="0">
+                <a:solidFill>
+                  <a:schemeClr val="tx1"/>
+                </a:solidFill>
+                <a:effectLst/>
+                <a:latin typeface="+mn-lt"/>
+                <a:ea typeface="+mn-ea"/>
+                <a:cs typeface="+mn-cs"/>
+              </a:rPr>
+              <a:t>Оптимизация производилась с использованием функции потерь, включающей </a:t>
+            </a:r>
+            <a:r>
+              <a:rPr lang="ru-RU" sz="1200" b="0" i="0" kern="1200" dirty="0" err="1" smtClean="0">
+                <a:solidFill>
+                  <a:schemeClr val="tx1"/>
+                </a:solidFill>
+                <a:effectLst/>
+                <a:latin typeface="+mn-lt"/>
+                <a:ea typeface="+mn-ea"/>
+                <a:cs typeface="+mn-cs"/>
+              </a:rPr>
+              <a:t>Smooth</a:t>
+            </a:r>
+            <a:r>
+              <a:rPr lang="ru-RU" sz="1200" b="0" i="0" kern="1200" dirty="0" smtClean="0">
+                <a:solidFill>
+                  <a:schemeClr val="tx1"/>
+                </a:solidFill>
+                <a:effectLst/>
+                <a:latin typeface="+mn-lt"/>
+                <a:ea typeface="+mn-ea"/>
+                <a:cs typeface="+mn-cs"/>
+              </a:rPr>
+              <a:t> L1 </a:t>
+            </a:r>
+            <a:r>
+              <a:rPr lang="ru-RU" sz="1200" b="0" i="0" kern="1200" dirty="0" err="1" smtClean="0">
+                <a:solidFill>
+                  <a:schemeClr val="tx1"/>
+                </a:solidFill>
+                <a:effectLst/>
+                <a:latin typeface="+mn-lt"/>
+                <a:ea typeface="+mn-ea"/>
+                <a:cs typeface="+mn-cs"/>
+              </a:rPr>
+              <a:t>Loss</a:t>
+            </a:r>
+            <a:r>
+              <a:rPr lang="ru-RU" sz="1200" b="0" i="0" kern="1200" dirty="0" smtClean="0">
+                <a:solidFill>
+                  <a:schemeClr val="tx1"/>
+                </a:solidFill>
+                <a:effectLst/>
+                <a:latin typeface="+mn-lt"/>
+                <a:ea typeface="+mn-ea"/>
+                <a:cs typeface="+mn-cs"/>
+              </a:rPr>
+              <a:t> для задач регрессии и </a:t>
+            </a:r>
+            <a:r>
+              <a:rPr lang="ru-RU" sz="1200" b="0" i="0" kern="1200" dirty="0" err="1" smtClean="0">
+                <a:solidFill>
+                  <a:schemeClr val="tx1"/>
+                </a:solidFill>
+                <a:effectLst/>
+                <a:latin typeface="+mn-lt"/>
+                <a:ea typeface="+mn-ea"/>
+                <a:cs typeface="+mn-cs"/>
+              </a:rPr>
+              <a:t>Cross-Entropy</a:t>
+            </a:r>
+            <a:r>
+              <a:rPr lang="ru-RU" sz="1200" b="0" i="0" kern="1200" dirty="0" smtClean="0">
+                <a:solidFill>
+                  <a:schemeClr val="tx1"/>
+                </a:solidFill>
+                <a:effectLst/>
+                <a:latin typeface="+mn-lt"/>
+                <a:ea typeface="+mn-ea"/>
+                <a:cs typeface="+mn-cs"/>
+              </a:rPr>
+              <a:t> </a:t>
+            </a:r>
+            <a:r>
+              <a:rPr lang="ru-RU" sz="1200" b="0" i="0" kern="1200" dirty="0" err="1" smtClean="0">
+                <a:solidFill>
+                  <a:schemeClr val="tx1"/>
+                </a:solidFill>
+                <a:effectLst/>
+                <a:latin typeface="+mn-lt"/>
+                <a:ea typeface="+mn-ea"/>
+                <a:cs typeface="+mn-cs"/>
+              </a:rPr>
+              <a:t>Loss</a:t>
+            </a:r>
+            <a:r>
+              <a:rPr lang="ru-RU" sz="1200" b="0" i="0" kern="1200" dirty="0" smtClean="0">
+                <a:solidFill>
+                  <a:schemeClr val="tx1"/>
+                </a:solidFill>
+                <a:effectLst/>
+                <a:latin typeface="+mn-lt"/>
+                <a:ea typeface="+mn-ea"/>
+                <a:cs typeface="+mn-cs"/>
+              </a:rPr>
+              <a:t> для задач классификации.</a:t>
+            </a:r>
+          </a:p>
+          <a:p>
+            <a:endParaRPr lang="ru-RU" sz="1200" b="0" i="0" kern="1200" dirty="0" smtClean="0">
+              <a:solidFill>
+                <a:schemeClr val="tx1"/>
+              </a:solidFill>
+              <a:effectLst/>
+              <a:latin typeface="+mn-lt"/>
+              <a:ea typeface="+mn-ea"/>
+              <a:cs typeface="+mn-cs"/>
+            </a:endParaRPr>
+          </a:p>
+          <a:p>
+            <a:r>
+              <a:rPr lang="ru-RU" sz="1200" b="0" i="0" kern="1200" dirty="0" smtClean="0">
+                <a:solidFill>
+                  <a:schemeClr val="tx1"/>
+                </a:solidFill>
+                <a:effectLst/>
+                <a:latin typeface="+mn-lt"/>
+                <a:ea typeface="+mn-ea"/>
+                <a:cs typeface="+mn-cs"/>
+              </a:rPr>
+              <a:t>Мониторинг, </a:t>
+            </a:r>
+            <a:r>
+              <a:rPr lang="ru-RU" sz="1200" b="0" i="0" kern="1200" dirty="0" err="1" smtClean="0">
+                <a:solidFill>
+                  <a:schemeClr val="tx1"/>
+                </a:solidFill>
+                <a:effectLst/>
+                <a:latin typeface="+mn-lt"/>
+                <a:ea typeface="+mn-ea"/>
+                <a:cs typeface="+mn-cs"/>
+              </a:rPr>
+              <a:t>валидация</a:t>
+            </a:r>
+            <a:r>
+              <a:rPr lang="ru-RU" sz="1200" b="0" i="0" kern="1200" dirty="0" smtClean="0">
+                <a:solidFill>
+                  <a:schemeClr val="tx1"/>
+                </a:solidFill>
+                <a:effectLst/>
+                <a:latin typeface="+mn-lt"/>
+                <a:ea typeface="+mn-ea"/>
+                <a:cs typeface="+mn-cs"/>
+              </a:rPr>
+              <a:t> и регуляризация проводились для оценки производительности модели на </a:t>
+            </a:r>
+            <a:r>
+              <a:rPr lang="ru-RU" sz="1200" b="0" i="0" kern="1200" dirty="0" err="1" smtClean="0">
+                <a:solidFill>
+                  <a:schemeClr val="tx1"/>
+                </a:solidFill>
+                <a:effectLst/>
+                <a:latin typeface="+mn-lt"/>
+                <a:ea typeface="+mn-ea"/>
+                <a:cs typeface="+mn-cs"/>
+              </a:rPr>
+              <a:t>валидационном</a:t>
+            </a:r>
+            <a:r>
+              <a:rPr lang="ru-RU" sz="1200" b="0" i="0" kern="1200" dirty="0" smtClean="0">
+                <a:solidFill>
+                  <a:schemeClr val="tx1"/>
+                </a:solidFill>
+                <a:effectLst/>
+                <a:latin typeface="+mn-lt"/>
+                <a:ea typeface="+mn-ea"/>
+                <a:cs typeface="+mn-cs"/>
+              </a:rPr>
+              <a:t> наборе данных, предотвращения переобучения и улучшения общей способности модели к обобщению.</a:t>
+            </a:r>
+          </a:p>
+          <a:p>
+            <a:endParaRPr lang="ru-RU" sz="1200" b="0" i="0" kern="1200" dirty="0" smtClean="0">
+              <a:solidFill>
+                <a:schemeClr val="tx1"/>
+              </a:solidFill>
+              <a:effectLst/>
+              <a:latin typeface="+mn-lt"/>
+              <a:ea typeface="+mn-ea"/>
+              <a:cs typeface="+mn-cs"/>
+            </a:endParaRPr>
           </a:p>
         </p:txBody>
       </p:sp>
@@ -723,7 +1912,7 @@
           <a:p>
             <a:fld id="{0048289E-2F4B-4BDB-9E3D-307BE649A8BF}" type="slidenum">
               <a:rPr lang="ru-RU" smtClean="0"/>
-              <a:t>7</a:t>
+              <a:t>4</a:t>
             </a:fld>
             <a:endParaRPr lang="ru-RU"/>
           </a:p>
@@ -732,7 +1921,7 @@
     </p:spTree>
     <p:extLst>
       <p:ext uri="{BB962C8B-B14F-4D97-AF65-F5344CB8AC3E}">
-        <p14:creationId xmlns:p14="http://schemas.microsoft.com/office/powerpoint/2010/main" val="1395179876"/>
+        <p14:creationId xmlns:p14="http://schemas.microsoft.com/office/powerpoint/2010/main" val="1281544464"/>
       </p:ext>
     </p:extLst>
   </p:cSld>
@@ -786,7 +1975,927 @@
           <a:bodyPr/>
           <a:lstStyle/>
           <a:p>
-            <a:endParaRPr lang="ru-RU" dirty="0"/>
+            <a:r>
+              <a:rPr lang="ru-RU" dirty="0" smtClean="0"/>
+              <a:t>В следующей части работы были рассмотрены методы преобразования двумерных точек в трёхмерные координаты.</a:t>
+            </a:r>
+          </a:p>
+          <a:p>
+            <a:endParaRPr lang="ru-RU" dirty="0" smtClean="0"/>
+          </a:p>
+          <a:p>
+            <a:r>
+              <a:rPr lang="ru-RU" sz="1200" b="0" i="0" kern="1200" dirty="0" smtClean="0">
+                <a:solidFill>
+                  <a:schemeClr val="tx1"/>
+                </a:solidFill>
+                <a:effectLst/>
+                <a:latin typeface="+mn-lt"/>
+                <a:ea typeface="+mn-ea"/>
+                <a:cs typeface="+mn-cs"/>
+              </a:rPr>
+              <a:t>Существует несколько методов для выполнения этой задачи, каждый из которых имеет свои преимущества и ограничения.</a:t>
+            </a:r>
+          </a:p>
+          <a:p>
+            <a:endParaRPr lang="ru-RU" sz="1200" b="0" i="0" kern="1200" dirty="0" smtClean="0">
+              <a:solidFill>
+                <a:schemeClr val="tx1"/>
+              </a:solidFill>
+              <a:effectLst/>
+              <a:latin typeface="+mn-lt"/>
+              <a:ea typeface="+mn-ea"/>
+              <a:cs typeface="+mn-cs"/>
+            </a:endParaRPr>
+          </a:p>
+          <a:p>
+            <a:r>
+              <a:rPr lang="ru-RU" sz="1200" b="1" i="0" kern="1200" dirty="0" smtClean="0">
+                <a:solidFill>
+                  <a:schemeClr val="tx1"/>
+                </a:solidFill>
+                <a:effectLst/>
+                <a:latin typeface="+mn-lt"/>
+                <a:ea typeface="+mn-ea"/>
+                <a:cs typeface="+mn-cs"/>
+              </a:rPr>
+              <a:t>Трёхмерная реконструкция по нескольким изображениям</a:t>
+            </a:r>
+          </a:p>
+          <a:p>
+            <a:endParaRPr lang="ru-RU" sz="1200" b="1" i="0" kern="1200" dirty="0" smtClean="0">
+              <a:solidFill>
+                <a:schemeClr val="tx1"/>
+              </a:solidFill>
+              <a:effectLst/>
+              <a:latin typeface="+mn-lt"/>
+              <a:ea typeface="+mn-ea"/>
+              <a:cs typeface="+mn-cs"/>
+            </a:endParaRPr>
+          </a:p>
+          <a:p>
+            <a:r>
+              <a:rPr lang="ru-RU" sz="1200" b="0" i="0" kern="1200" dirty="0" smtClean="0">
+                <a:solidFill>
+                  <a:schemeClr val="tx1"/>
+                </a:solidFill>
+                <a:effectLst/>
+                <a:latin typeface="+mn-lt"/>
+                <a:ea typeface="+mn-ea"/>
+                <a:cs typeface="+mn-cs"/>
+              </a:rPr>
+              <a:t>Одним из наиболее эффективных подходов для создания детализированных трехмерных моделей из двумерных изображений является </a:t>
+            </a:r>
+            <a:r>
+              <a:rPr lang="ru-RU" sz="1200" b="0" i="0" kern="1200" dirty="0" err="1" smtClean="0">
+                <a:solidFill>
+                  <a:schemeClr val="tx1"/>
+                </a:solidFill>
+                <a:effectLst/>
+                <a:latin typeface="+mn-lt"/>
+                <a:ea typeface="+mn-ea"/>
+                <a:cs typeface="+mn-cs"/>
+              </a:rPr>
+              <a:t>мультивидовая</a:t>
+            </a:r>
+            <a:r>
+              <a:rPr lang="ru-RU" sz="1200" b="0" i="0" kern="1200" dirty="0" smtClean="0">
+                <a:solidFill>
+                  <a:schemeClr val="tx1"/>
+                </a:solidFill>
+                <a:effectLst/>
+                <a:latin typeface="+mn-lt"/>
+                <a:ea typeface="+mn-ea"/>
+                <a:cs typeface="+mn-cs"/>
+              </a:rPr>
+              <a:t> стереоскопия (рисунок 7). Этот метод включает анализ нескольких снимков объекта, сделанных с разных ракурсов, что позволяет воссоздать объемные структуры с высокой точностью.</a:t>
+            </a:r>
+          </a:p>
+          <a:p>
+            <a:endParaRPr lang="ru-RU" sz="1200" b="0" i="0" kern="1200" dirty="0" smtClean="0">
+              <a:solidFill>
+                <a:schemeClr val="tx1"/>
+              </a:solidFill>
+              <a:effectLst/>
+              <a:latin typeface="+mn-lt"/>
+              <a:ea typeface="+mn-ea"/>
+              <a:cs typeface="+mn-cs"/>
+            </a:endParaRPr>
+          </a:p>
+          <a:p>
+            <a:r>
+              <a:rPr lang="ru-RU" sz="1200" b="0" i="0" kern="1200" dirty="0" smtClean="0">
+                <a:solidFill>
+                  <a:schemeClr val="tx1"/>
+                </a:solidFill>
+                <a:effectLst/>
+                <a:latin typeface="+mn-lt"/>
+                <a:ea typeface="+mn-ea"/>
+                <a:cs typeface="+mn-cs"/>
+              </a:rPr>
+              <a:t>Процесс начинается с этапа сбора данных, где снимаются изображения с достаточным перекрытием между ними, что необходимо для точного сопоставления точек. Для этого используются специализированные камеры, расположенные под разными углами.</a:t>
+            </a:r>
+          </a:p>
+          <a:p>
+            <a:endParaRPr lang="ru-RU" sz="1200" b="0" i="0" kern="1200" dirty="0" smtClean="0">
+              <a:solidFill>
+                <a:schemeClr val="tx1"/>
+              </a:solidFill>
+              <a:effectLst/>
+              <a:latin typeface="+mn-lt"/>
+              <a:ea typeface="+mn-ea"/>
+              <a:cs typeface="+mn-cs"/>
+            </a:endParaRPr>
+          </a:p>
+          <a:p>
+            <a:r>
+              <a:rPr lang="ru-RU" sz="1200" b="0" i="0" kern="1200" dirty="0" smtClean="0">
+                <a:solidFill>
+                  <a:schemeClr val="tx1"/>
+                </a:solidFill>
+                <a:effectLst/>
+                <a:latin typeface="+mn-lt"/>
+                <a:ea typeface="+mn-ea"/>
+                <a:cs typeface="+mn-cs"/>
+              </a:rPr>
+              <a:t>Далее применяются алгоритмы компьютерного зрения, такие как SIFT (</a:t>
+            </a:r>
+            <a:r>
+              <a:rPr lang="ru-RU" sz="1200" b="0" i="0" kern="1200" dirty="0" err="1" smtClean="0">
+                <a:solidFill>
+                  <a:schemeClr val="tx1"/>
+                </a:solidFill>
+                <a:effectLst/>
+                <a:latin typeface="+mn-lt"/>
+                <a:ea typeface="+mn-ea"/>
+                <a:cs typeface="+mn-cs"/>
+              </a:rPr>
+              <a:t>Scale-Invariant</a:t>
+            </a:r>
+            <a:r>
+              <a:rPr lang="ru-RU" sz="1200" b="0" i="0" kern="1200" dirty="0" smtClean="0">
+                <a:solidFill>
+                  <a:schemeClr val="tx1"/>
+                </a:solidFill>
+                <a:effectLst/>
+                <a:latin typeface="+mn-lt"/>
+                <a:ea typeface="+mn-ea"/>
+                <a:cs typeface="+mn-cs"/>
+              </a:rPr>
+              <a:t> </a:t>
+            </a:r>
+            <a:r>
+              <a:rPr lang="ru-RU" sz="1200" b="0" i="0" kern="1200" dirty="0" err="1" smtClean="0">
+                <a:solidFill>
+                  <a:schemeClr val="tx1"/>
+                </a:solidFill>
+                <a:effectLst/>
+                <a:latin typeface="+mn-lt"/>
+                <a:ea typeface="+mn-ea"/>
+                <a:cs typeface="+mn-cs"/>
+              </a:rPr>
+              <a:t>Feature</a:t>
+            </a:r>
+            <a:r>
+              <a:rPr lang="ru-RU" sz="1200" b="0" i="0" kern="1200" dirty="0" smtClean="0">
+                <a:solidFill>
+                  <a:schemeClr val="tx1"/>
+                </a:solidFill>
+                <a:effectLst/>
+                <a:latin typeface="+mn-lt"/>
+                <a:ea typeface="+mn-ea"/>
+                <a:cs typeface="+mn-cs"/>
+              </a:rPr>
+              <a:t> </a:t>
+            </a:r>
+            <a:r>
+              <a:rPr lang="ru-RU" sz="1200" b="0" i="0" kern="1200" dirty="0" err="1" smtClean="0">
+                <a:solidFill>
+                  <a:schemeClr val="tx1"/>
+                </a:solidFill>
+                <a:effectLst/>
+                <a:latin typeface="+mn-lt"/>
+                <a:ea typeface="+mn-ea"/>
+                <a:cs typeface="+mn-cs"/>
+              </a:rPr>
+              <a:t>Transform</a:t>
+            </a:r>
+            <a:r>
+              <a:rPr lang="ru-RU" sz="1200" b="0" i="0" kern="1200" dirty="0" smtClean="0">
+                <a:solidFill>
+                  <a:schemeClr val="tx1"/>
+                </a:solidFill>
+                <a:effectLst/>
+                <a:latin typeface="+mn-lt"/>
+                <a:ea typeface="+mn-ea"/>
+                <a:cs typeface="+mn-cs"/>
+              </a:rPr>
+              <a:t>) или SURF (</a:t>
+            </a:r>
+            <a:r>
+              <a:rPr lang="ru-RU" sz="1200" b="0" i="0" kern="1200" dirty="0" err="1" smtClean="0">
+                <a:solidFill>
+                  <a:schemeClr val="tx1"/>
+                </a:solidFill>
+                <a:effectLst/>
+                <a:latin typeface="+mn-lt"/>
+                <a:ea typeface="+mn-ea"/>
+                <a:cs typeface="+mn-cs"/>
+              </a:rPr>
+              <a:t>Speeded</a:t>
+            </a:r>
+            <a:r>
+              <a:rPr lang="ru-RU" sz="1200" b="0" i="0" kern="1200" dirty="0" smtClean="0">
+                <a:solidFill>
+                  <a:schemeClr val="tx1"/>
+                </a:solidFill>
+                <a:effectLst/>
+                <a:latin typeface="+mn-lt"/>
+                <a:ea typeface="+mn-ea"/>
+                <a:cs typeface="+mn-cs"/>
+              </a:rPr>
+              <a:t> </a:t>
+            </a:r>
+            <a:r>
+              <a:rPr lang="ru-RU" sz="1200" b="0" i="0" kern="1200" dirty="0" err="1" smtClean="0">
+                <a:solidFill>
+                  <a:schemeClr val="tx1"/>
+                </a:solidFill>
+                <a:effectLst/>
+                <a:latin typeface="+mn-lt"/>
+                <a:ea typeface="+mn-ea"/>
+                <a:cs typeface="+mn-cs"/>
+              </a:rPr>
+              <a:t>Up</a:t>
+            </a:r>
+            <a:r>
+              <a:rPr lang="ru-RU" sz="1200" b="0" i="0" kern="1200" dirty="0" smtClean="0">
+                <a:solidFill>
+                  <a:schemeClr val="tx1"/>
+                </a:solidFill>
+                <a:effectLst/>
+                <a:latin typeface="+mn-lt"/>
+                <a:ea typeface="+mn-ea"/>
+                <a:cs typeface="+mn-cs"/>
+              </a:rPr>
+              <a:t> </a:t>
+            </a:r>
+            <a:r>
+              <a:rPr lang="ru-RU" sz="1200" b="0" i="0" kern="1200" dirty="0" err="1" smtClean="0">
+                <a:solidFill>
+                  <a:schemeClr val="tx1"/>
+                </a:solidFill>
+                <a:effectLst/>
+                <a:latin typeface="+mn-lt"/>
+                <a:ea typeface="+mn-ea"/>
+                <a:cs typeface="+mn-cs"/>
+              </a:rPr>
+              <a:t>Robust</a:t>
+            </a:r>
+            <a:r>
+              <a:rPr lang="ru-RU" sz="1200" b="0" i="0" kern="1200" dirty="0" smtClean="0">
+                <a:solidFill>
+                  <a:schemeClr val="tx1"/>
+                </a:solidFill>
+                <a:effectLst/>
+                <a:latin typeface="+mn-lt"/>
+                <a:ea typeface="+mn-ea"/>
+                <a:cs typeface="+mn-cs"/>
+              </a:rPr>
+              <a:t> </a:t>
+            </a:r>
+            <a:r>
+              <a:rPr lang="ru-RU" sz="1200" b="0" i="0" kern="1200" dirty="0" err="1" smtClean="0">
+                <a:solidFill>
+                  <a:schemeClr val="tx1"/>
+                </a:solidFill>
+                <a:effectLst/>
+                <a:latin typeface="+mn-lt"/>
+                <a:ea typeface="+mn-ea"/>
+                <a:cs typeface="+mn-cs"/>
+              </a:rPr>
+              <a:t>Features</a:t>
+            </a:r>
+            <a:r>
+              <a:rPr lang="ru-RU" sz="1200" b="0" i="0" kern="1200" dirty="0" smtClean="0">
+                <a:solidFill>
+                  <a:schemeClr val="tx1"/>
+                </a:solidFill>
+                <a:effectLst/>
+                <a:latin typeface="+mn-lt"/>
+                <a:ea typeface="+mn-ea"/>
+                <a:cs typeface="+mn-cs"/>
+              </a:rPr>
+              <a:t>), которые обнаруживают уникальные особенности на изображениях. Эти алгоритмы обеспечивают инвариантность к масштабированию, вращению и изменениям освещения, что позволяет надежно сопоставлять точки между разными снимками.</a:t>
+            </a:r>
+          </a:p>
+          <a:p>
+            <a:endParaRPr lang="ru-RU" sz="1200" b="0" i="0" kern="1200" dirty="0" smtClean="0">
+              <a:solidFill>
+                <a:schemeClr val="tx1"/>
+              </a:solidFill>
+              <a:effectLst/>
+              <a:latin typeface="+mn-lt"/>
+              <a:ea typeface="+mn-ea"/>
+              <a:cs typeface="+mn-cs"/>
+            </a:endParaRPr>
+          </a:p>
+          <a:p>
+            <a:r>
+              <a:rPr lang="ru-RU" sz="1200" b="0" i="0" kern="1200" dirty="0" smtClean="0">
+                <a:solidFill>
+                  <a:schemeClr val="tx1"/>
+                </a:solidFill>
+                <a:effectLst/>
+                <a:latin typeface="+mn-lt"/>
+                <a:ea typeface="+mn-ea"/>
+                <a:cs typeface="+mn-cs"/>
+              </a:rPr>
+              <a:t>Финальным этапом является триангуляция – процесс определения положения точки в трехмерном пространстве по её проекциям на нескольких изображениях. Для каждой сопоставленной точки строится система уравнений, основанная на параметрах проекции каждой камеры и координатах точек на изображениях. Решение этой системы позволяет найти координаты точки в глобальной системе координат, что можно математически описать через минимизацию ошибки воспроизведения</a:t>
+            </a:r>
+          </a:p>
+          <a:p>
+            <a:endParaRPr lang="ru-RU" sz="1200" b="0" i="0" kern="1200" dirty="0" smtClean="0">
+              <a:solidFill>
+                <a:schemeClr val="tx1"/>
+              </a:solidFill>
+              <a:effectLst/>
+              <a:latin typeface="+mn-lt"/>
+              <a:ea typeface="+mn-ea"/>
+              <a:cs typeface="+mn-cs"/>
+            </a:endParaRPr>
+          </a:p>
+          <a:p>
+            <a:r>
+              <a:rPr lang="ru-RU" sz="1200" b="1" i="0" kern="1200" dirty="0" smtClean="0">
+                <a:solidFill>
+                  <a:schemeClr val="tx1"/>
+                </a:solidFill>
+                <a:effectLst/>
+                <a:latin typeface="+mn-lt"/>
+                <a:ea typeface="+mn-ea"/>
+                <a:cs typeface="+mn-cs"/>
+              </a:rPr>
+              <a:t>Одиночное изображение с использованием глубины</a:t>
+            </a:r>
+          </a:p>
+          <a:p>
+            <a:r>
+              <a:rPr lang="ru-RU" sz="1200" b="0" i="0" kern="1200" dirty="0" smtClean="0">
+                <a:solidFill>
+                  <a:schemeClr val="tx1"/>
+                </a:solidFill>
+                <a:effectLst/>
+                <a:latin typeface="+mn-lt"/>
+                <a:ea typeface="+mn-ea"/>
+                <a:cs typeface="+mn-cs"/>
+              </a:rPr>
+              <a:t>Когда доступ к </a:t>
+            </a:r>
+            <a:r>
+              <a:rPr lang="ru-RU" sz="1200" b="0" i="0" kern="1200" dirty="0" err="1" smtClean="0">
+                <a:solidFill>
+                  <a:schemeClr val="tx1"/>
+                </a:solidFill>
+                <a:effectLst/>
+                <a:latin typeface="+mn-lt"/>
+                <a:ea typeface="+mn-ea"/>
+                <a:cs typeface="+mn-cs"/>
+              </a:rPr>
+              <a:t>мультивидовым</a:t>
+            </a:r>
+            <a:r>
+              <a:rPr lang="ru-RU" sz="1200" b="0" i="0" kern="1200" dirty="0" smtClean="0">
+                <a:solidFill>
+                  <a:schemeClr val="tx1"/>
+                </a:solidFill>
+                <a:effectLst/>
+                <a:latin typeface="+mn-lt"/>
+                <a:ea typeface="+mn-ea"/>
+                <a:cs typeface="+mn-cs"/>
+              </a:rPr>
+              <a:t> настройкам ограничен, эффективным методом становится использование одиночного изображения с картой глубины. Этот метод позволяет восстанавливать пространственную структуру объектов из одного изображения.</a:t>
+            </a:r>
+          </a:p>
+          <a:p>
+            <a:endParaRPr lang="ru-RU" sz="1200" b="0" i="0" kern="1200" dirty="0" smtClean="0">
+              <a:solidFill>
+                <a:schemeClr val="tx1"/>
+              </a:solidFill>
+              <a:effectLst/>
+              <a:latin typeface="+mn-lt"/>
+              <a:ea typeface="+mn-ea"/>
+              <a:cs typeface="+mn-cs"/>
+            </a:endParaRPr>
+          </a:p>
+          <a:p>
+            <a:r>
+              <a:rPr lang="ru-RU" sz="1200" b="0" i="0" kern="1200" dirty="0" smtClean="0">
+                <a:solidFill>
+                  <a:schemeClr val="tx1"/>
+                </a:solidFill>
+                <a:effectLst/>
+                <a:latin typeface="+mn-lt"/>
+                <a:ea typeface="+mn-ea"/>
+                <a:cs typeface="+mn-cs"/>
+              </a:rPr>
+              <a:t>Первый этап – получение карты глубины, для чего используются различные технологии:</a:t>
+            </a:r>
+          </a:p>
+          <a:p>
+            <a:r>
+              <a:rPr lang="ru-RU" sz="1200" b="1" i="0" kern="1200" dirty="0" smtClean="0">
+                <a:solidFill>
+                  <a:schemeClr val="tx1"/>
+                </a:solidFill>
+                <a:effectLst/>
+                <a:latin typeface="+mn-lt"/>
+                <a:ea typeface="+mn-ea"/>
+                <a:cs typeface="+mn-cs"/>
+              </a:rPr>
+              <a:t>Стереокамеры</a:t>
+            </a:r>
+            <a:r>
+              <a:rPr lang="ru-RU" sz="1200" b="0" i="0" kern="1200" dirty="0" smtClean="0">
+                <a:solidFill>
+                  <a:schemeClr val="tx1"/>
+                </a:solidFill>
+                <a:effectLst/>
+                <a:latin typeface="+mn-lt"/>
+                <a:ea typeface="+mn-ea"/>
+                <a:cs typeface="+mn-cs"/>
+              </a:rPr>
+              <a:t>: используют две или более камеры для захвата двух видов одной и той же сцены под немного разными углами, что позволяет рассчитать глубину на основе различий между видами.</a:t>
+            </a:r>
+          </a:p>
+          <a:p>
+            <a:r>
+              <a:rPr lang="ru-RU" sz="1200" b="1" i="0" kern="1200" dirty="0" err="1" smtClean="0">
+                <a:solidFill>
+                  <a:schemeClr val="tx1"/>
+                </a:solidFill>
+                <a:effectLst/>
+                <a:latin typeface="+mn-lt"/>
+                <a:ea typeface="+mn-ea"/>
+                <a:cs typeface="+mn-cs"/>
+              </a:rPr>
+              <a:t>LiDAR</a:t>
+            </a:r>
+            <a:r>
+              <a:rPr lang="ru-RU" sz="1200" b="0" i="0" kern="1200" dirty="0" smtClean="0">
+                <a:solidFill>
+                  <a:schemeClr val="tx1"/>
+                </a:solidFill>
+                <a:effectLst/>
+                <a:latin typeface="+mn-lt"/>
+                <a:ea typeface="+mn-ea"/>
+                <a:cs typeface="+mn-cs"/>
+              </a:rPr>
+              <a:t>: излучает лазерные лучи и измеряет время их возвращения после отражения от объектов, что позволяет создать высокоточные карты глубины.</a:t>
+            </a:r>
+          </a:p>
+          <a:p>
+            <a:r>
+              <a:rPr lang="ru-RU" sz="1200" b="1" i="0" kern="1200" dirty="0" smtClean="0">
+                <a:solidFill>
+                  <a:schemeClr val="tx1"/>
+                </a:solidFill>
+                <a:effectLst/>
+                <a:latin typeface="+mn-lt"/>
+                <a:ea typeface="+mn-ea"/>
+                <a:cs typeface="+mn-cs"/>
+              </a:rPr>
+              <a:t>Методы глубокого обучения</a:t>
+            </a:r>
+            <a:r>
+              <a:rPr lang="ru-RU" sz="1200" b="0" i="0" kern="1200" dirty="0" smtClean="0">
+                <a:solidFill>
+                  <a:schemeClr val="tx1"/>
+                </a:solidFill>
+                <a:effectLst/>
+                <a:latin typeface="+mn-lt"/>
+                <a:ea typeface="+mn-ea"/>
+                <a:cs typeface="+mn-cs"/>
+              </a:rPr>
+              <a:t>: предсказывают карту глубины непосредственно из одного изображения, обучаясь на больших наборах данных с аннотированной глубиной (рисунок 8).</a:t>
+            </a:r>
+          </a:p>
+          <a:p>
+            <a:endParaRPr lang="ru-RU" sz="1200" b="0" i="0" kern="1200" dirty="0" smtClean="0">
+              <a:solidFill>
+                <a:schemeClr val="tx1"/>
+              </a:solidFill>
+              <a:effectLst/>
+              <a:latin typeface="+mn-lt"/>
+              <a:ea typeface="+mn-ea"/>
+              <a:cs typeface="+mn-cs"/>
+            </a:endParaRPr>
+          </a:p>
+          <a:p>
+            <a:r>
+              <a:rPr lang="ru-RU" sz="1200" b="0" i="0" kern="1200" dirty="0" smtClean="0">
+                <a:solidFill>
+                  <a:schemeClr val="tx1"/>
+                </a:solidFill>
+                <a:effectLst/>
+                <a:latin typeface="+mn-lt"/>
+                <a:ea typeface="+mn-ea"/>
+                <a:cs typeface="+mn-cs"/>
+              </a:rPr>
+              <a:t>Следующий этап – преобразование 2D ключевых точек в 3D. Используя карту глубины, 2D пиксельные координаты изображения переводятся в 3D пространственные координаты через проекцию обратного вида (</a:t>
+            </a:r>
+            <a:r>
+              <a:rPr lang="ru-RU" sz="1200" b="0" i="0" kern="1200" dirty="0" err="1" smtClean="0">
+                <a:solidFill>
+                  <a:schemeClr val="tx1"/>
+                </a:solidFill>
+                <a:effectLst/>
+                <a:latin typeface="+mn-lt"/>
+                <a:ea typeface="+mn-ea"/>
+                <a:cs typeface="+mn-cs"/>
+              </a:rPr>
+              <a:t>back-projection</a:t>
+            </a:r>
+            <a:r>
+              <a:rPr lang="ru-RU" sz="1200" b="0" i="0" kern="1200" dirty="0" smtClean="0">
+                <a:solidFill>
+                  <a:schemeClr val="tx1"/>
+                </a:solidFill>
+                <a:effectLst/>
+                <a:latin typeface="+mn-lt"/>
+                <a:ea typeface="+mn-ea"/>
+                <a:cs typeface="+mn-cs"/>
+              </a:rPr>
+              <a:t>). Этот процесс учитывает внутреннюю калибровку камеры, включая фокусное расстояние и центр проекции.</a:t>
+            </a:r>
+          </a:p>
+          <a:p>
+            <a:endParaRPr lang="ru-RU" sz="1200" b="0" i="0" kern="1200" dirty="0" smtClean="0">
+              <a:solidFill>
+                <a:schemeClr val="tx1"/>
+              </a:solidFill>
+              <a:effectLst/>
+              <a:latin typeface="+mn-lt"/>
+              <a:ea typeface="+mn-ea"/>
+              <a:cs typeface="+mn-cs"/>
+            </a:endParaRPr>
+          </a:p>
+          <a:p>
+            <a:r>
+              <a:rPr lang="ru-RU" sz="1200" b="1" i="0" kern="1200" dirty="0" smtClean="0">
+                <a:solidFill>
+                  <a:schemeClr val="tx1"/>
+                </a:solidFill>
+                <a:effectLst/>
+                <a:latin typeface="+mn-lt"/>
+                <a:ea typeface="+mn-ea"/>
+                <a:cs typeface="+mn-cs"/>
+              </a:rPr>
+              <a:t>Использование учебных данных с аннотацией глубины</a:t>
+            </a:r>
+          </a:p>
+          <a:p>
+            <a:r>
+              <a:rPr lang="ru-RU" sz="1200" b="0" i="0" kern="1200" dirty="0" smtClean="0">
+                <a:solidFill>
+                  <a:schemeClr val="tx1"/>
+                </a:solidFill>
+                <a:effectLst/>
+                <a:latin typeface="+mn-lt"/>
+                <a:ea typeface="+mn-ea"/>
+                <a:cs typeface="+mn-cs"/>
+              </a:rPr>
+              <a:t>Этот метод предполагает предварительную аннотацию данных значениями глубины. Он имеет множество преимуществ, таких как отсутствие необходимости в дополнительных устройствах, высокая мобильность и возможность работы в реальном времени. Однако его качество напрямую зависит от качества данных для обучения.</a:t>
+            </a:r>
+          </a:p>
+          <a:p>
+            <a:endParaRPr lang="ru-RU" sz="1200" b="0" i="0" kern="1200" dirty="0" smtClean="0">
+              <a:solidFill>
+                <a:schemeClr val="tx1"/>
+              </a:solidFill>
+              <a:effectLst/>
+              <a:latin typeface="+mn-lt"/>
+              <a:ea typeface="+mn-ea"/>
+              <a:cs typeface="+mn-cs"/>
+            </a:endParaRPr>
+          </a:p>
+          <a:p>
+            <a:r>
+              <a:rPr lang="ru-RU" sz="1200" b="1" i="0" kern="1200" dirty="0" smtClean="0">
+                <a:solidFill>
+                  <a:schemeClr val="tx1"/>
+                </a:solidFill>
+                <a:effectLst/>
+                <a:latin typeface="+mn-lt"/>
+                <a:ea typeface="+mn-ea"/>
+                <a:cs typeface="+mn-cs"/>
+              </a:rPr>
+              <a:t>Собственная реализация</a:t>
+            </a:r>
+          </a:p>
+          <a:p>
+            <a:r>
+              <a:rPr lang="ru-RU" sz="1200" b="0" i="0" kern="1200" dirty="0" smtClean="0">
+                <a:solidFill>
+                  <a:schemeClr val="tx1"/>
+                </a:solidFill>
+                <a:effectLst/>
+                <a:latin typeface="+mn-lt"/>
+                <a:ea typeface="+mn-ea"/>
+                <a:cs typeface="+mn-cs"/>
+              </a:rPr>
+              <a:t>Для реализации собственного решения была выбрана модель определения глубины </a:t>
+            </a:r>
+            <a:r>
+              <a:rPr lang="ru-RU" sz="1200" b="0" i="0" kern="1200" dirty="0" err="1" smtClean="0">
+                <a:solidFill>
+                  <a:schemeClr val="tx1"/>
+                </a:solidFill>
+                <a:effectLst/>
+                <a:latin typeface="+mn-lt"/>
+                <a:ea typeface="+mn-ea"/>
+                <a:cs typeface="+mn-cs"/>
+              </a:rPr>
+              <a:t>MiDaS</a:t>
+            </a:r>
+            <a:r>
+              <a:rPr lang="ru-RU" sz="1200" b="0" i="0" kern="1200" dirty="0" smtClean="0">
+                <a:solidFill>
+                  <a:schemeClr val="tx1"/>
+                </a:solidFill>
+                <a:effectLst/>
+                <a:latin typeface="+mn-lt"/>
+                <a:ea typeface="+mn-ea"/>
+                <a:cs typeface="+mn-cs"/>
+              </a:rPr>
+              <a:t> (</a:t>
+            </a:r>
+            <a:r>
+              <a:rPr lang="ru-RU" sz="1200" b="0" i="0" kern="1200" dirty="0" err="1" smtClean="0">
+                <a:solidFill>
+                  <a:schemeClr val="tx1"/>
+                </a:solidFill>
+                <a:effectLst/>
+                <a:latin typeface="+mn-lt"/>
+                <a:ea typeface="+mn-ea"/>
+                <a:cs typeface="+mn-cs"/>
+              </a:rPr>
+              <a:t>Monocular</a:t>
+            </a:r>
+            <a:r>
+              <a:rPr lang="ru-RU" sz="1200" b="0" i="0" kern="1200" dirty="0" smtClean="0">
+                <a:solidFill>
+                  <a:schemeClr val="tx1"/>
+                </a:solidFill>
+                <a:effectLst/>
+                <a:latin typeface="+mn-lt"/>
+                <a:ea typeface="+mn-ea"/>
+                <a:cs typeface="+mn-cs"/>
+              </a:rPr>
+              <a:t> </a:t>
+            </a:r>
+            <a:r>
+              <a:rPr lang="ru-RU" sz="1200" b="0" i="0" kern="1200" dirty="0" err="1" smtClean="0">
+                <a:solidFill>
+                  <a:schemeClr val="tx1"/>
+                </a:solidFill>
+                <a:effectLst/>
+                <a:latin typeface="+mn-lt"/>
+                <a:ea typeface="+mn-ea"/>
+                <a:cs typeface="+mn-cs"/>
+              </a:rPr>
+              <a:t>Depth</a:t>
+            </a:r>
+            <a:r>
+              <a:rPr lang="ru-RU" sz="1200" b="0" i="0" kern="1200" dirty="0" smtClean="0">
+                <a:solidFill>
+                  <a:schemeClr val="tx1"/>
+                </a:solidFill>
+                <a:effectLst/>
+                <a:latin typeface="+mn-lt"/>
+                <a:ea typeface="+mn-ea"/>
+                <a:cs typeface="+mn-cs"/>
+              </a:rPr>
+              <a:t> </a:t>
+            </a:r>
+            <a:r>
+              <a:rPr lang="ru-RU" sz="1200" b="0" i="0" kern="1200" dirty="0" err="1" smtClean="0">
+                <a:solidFill>
+                  <a:schemeClr val="tx1"/>
+                </a:solidFill>
+                <a:effectLst/>
+                <a:latin typeface="+mn-lt"/>
+                <a:ea typeface="+mn-ea"/>
+                <a:cs typeface="+mn-cs"/>
+              </a:rPr>
+              <a:t>Estimation</a:t>
+            </a:r>
+            <a:r>
+              <a:rPr lang="ru-RU" sz="1200" b="0" i="0" kern="1200" dirty="0" smtClean="0">
+                <a:solidFill>
+                  <a:schemeClr val="tx1"/>
+                </a:solidFill>
+                <a:effectLst/>
+                <a:latin typeface="+mn-lt"/>
+                <a:ea typeface="+mn-ea"/>
+                <a:cs typeface="+mn-cs"/>
+              </a:rPr>
+              <a:t> </a:t>
+            </a:r>
+            <a:r>
+              <a:rPr lang="ru-RU" sz="1200" b="0" i="0" kern="1200" dirty="0" err="1" smtClean="0">
+                <a:solidFill>
+                  <a:schemeClr val="tx1"/>
+                </a:solidFill>
+                <a:effectLst/>
+                <a:latin typeface="+mn-lt"/>
+                <a:ea typeface="+mn-ea"/>
+                <a:cs typeface="+mn-cs"/>
+              </a:rPr>
+              <a:t>via</a:t>
+            </a:r>
+            <a:r>
+              <a:rPr lang="ru-RU" sz="1200" b="0" i="0" kern="1200" dirty="0" smtClean="0">
+                <a:solidFill>
+                  <a:schemeClr val="tx1"/>
+                </a:solidFill>
+                <a:effectLst/>
+                <a:latin typeface="+mn-lt"/>
+                <a:ea typeface="+mn-ea"/>
+                <a:cs typeface="+mn-cs"/>
+              </a:rPr>
+              <a:t> </a:t>
+            </a:r>
+            <a:r>
+              <a:rPr lang="ru-RU" sz="1200" b="0" i="0" kern="1200" dirty="0" err="1" smtClean="0">
+                <a:solidFill>
+                  <a:schemeClr val="tx1"/>
+                </a:solidFill>
+                <a:effectLst/>
+                <a:latin typeface="+mn-lt"/>
+                <a:ea typeface="+mn-ea"/>
+                <a:cs typeface="+mn-cs"/>
+              </a:rPr>
+              <a:t>Deep</a:t>
+            </a:r>
+            <a:r>
+              <a:rPr lang="ru-RU" sz="1200" b="0" i="0" kern="1200" dirty="0" smtClean="0">
+                <a:solidFill>
+                  <a:schemeClr val="tx1"/>
+                </a:solidFill>
+                <a:effectLst/>
+                <a:latin typeface="+mn-lt"/>
+                <a:ea typeface="+mn-ea"/>
+                <a:cs typeface="+mn-cs"/>
+              </a:rPr>
+              <a:t> </a:t>
+            </a:r>
+            <a:r>
+              <a:rPr lang="ru-RU" sz="1200" b="0" i="0" kern="1200" dirty="0" err="1" smtClean="0">
+                <a:solidFill>
+                  <a:schemeClr val="tx1"/>
+                </a:solidFill>
+                <a:effectLst/>
+                <a:latin typeface="+mn-lt"/>
+                <a:ea typeface="+mn-ea"/>
+                <a:cs typeface="+mn-cs"/>
+              </a:rPr>
+              <a:t>Learning</a:t>
+            </a:r>
+            <a:r>
+              <a:rPr lang="ru-RU" sz="1200" b="0" i="0" kern="1200" dirty="0" smtClean="0">
+                <a:solidFill>
+                  <a:schemeClr val="tx1"/>
+                </a:solidFill>
+                <a:effectLst/>
+                <a:latin typeface="+mn-lt"/>
+                <a:ea typeface="+mn-ea"/>
+                <a:cs typeface="+mn-cs"/>
+              </a:rPr>
+              <a:t>). </a:t>
+            </a:r>
+            <a:r>
+              <a:rPr lang="ru-RU" sz="1200" b="0" i="0" kern="1200" dirty="0" err="1" smtClean="0">
+                <a:solidFill>
+                  <a:schemeClr val="tx1"/>
+                </a:solidFill>
+                <a:effectLst/>
+                <a:latin typeface="+mn-lt"/>
+                <a:ea typeface="+mn-ea"/>
+                <a:cs typeface="+mn-cs"/>
+              </a:rPr>
+              <a:t>MiDaS</a:t>
+            </a:r>
+            <a:r>
+              <a:rPr lang="ru-RU" sz="1200" b="0" i="0" kern="1200" dirty="0" smtClean="0">
+                <a:solidFill>
+                  <a:schemeClr val="tx1"/>
+                </a:solidFill>
+                <a:effectLst/>
+                <a:latin typeface="+mn-lt"/>
+                <a:ea typeface="+mn-ea"/>
+                <a:cs typeface="+mn-cs"/>
+              </a:rPr>
+              <a:t> обучена на множестве данных, содержащих изображения с разнообразными сценами, что позволяет ей эффективно определять глубину в различных условиях освещения и композиций.</a:t>
+            </a:r>
+          </a:p>
+          <a:p>
+            <a:endParaRPr lang="ru-RU" sz="1200" b="0" i="0" kern="1200" dirty="0" smtClean="0">
+              <a:solidFill>
+                <a:schemeClr val="tx1"/>
+              </a:solidFill>
+              <a:effectLst/>
+              <a:latin typeface="+mn-lt"/>
+              <a:ea typeface="+mn-ea"/>
+              <a:cs typeface="+mn-cs"/>
+            </a:endParaRPr>
+          </a:p>
+          <a:p>
+            <a:r>
+              <a:rPr lang="ru-RU" sz="1200" b="0" i="0" kern="1200" dirty="0" smtClean="0">
+                <a:solidFill>
+                  <a:schemeClr val="tx1"/>
+                </a:solidFill>
+                <a:effectLst/>
+                <a:latin typeface="+mn-lt"/>
+                <a:ea typeface="+mn-ea"/>
+                <a:cs typeface="+mn-cs"/>
+              </a:rPr>
+              <a:t>Принцип работы </a:t>
+            </a:r>
+            <a:r>
+              <a:rPr lang="ru-RU" sz="1200" b="0" i="0" kern="1200" dirty="0" err="1" smtClean="0">
+                <a:solidFill>
+                  <a:schemeClr val="tx1"/>
+                </a:solidFill>
+                <a:effectLst/>
+                <a:latin typeface="+mn-lt"/>
+                <a:ea typeface="+mn-ea"/>
+                <a:cs typeface="+mn-cs"/>
+              </a:rPr>
+              <a:t>MiDaS</a:t>
+            </a:r>
+            <a:r>
+              <a:rPr lang="ru-RU" sz="1200" b="0" i="0" kern="1200" dirty="0" smtClean="0">
+                <a:solidFill>
+                  <a:schemeClr val="tx1"/>
+                </a:solidFill>
+                <a:effectLst/>
+                <a:latin typeface="+mn-lt"/>
+                <a:ea typeface="+mn-ea"/>
+                <a:cs typeface="+mn-cs"/>
+              </a:rPr>
+              <a:t> заключается в использовании </a:t>
+            </a:r>
+            <a:r>
+              <a:rPr lang="ru-RU" sz="1200" b="0" i="0" kern="1200" dirty="0" err="1" smtClean="0">
+                <a:solidFill>
+                  <a:schemeClr val="tx1"/>
+                </a:solidFill>
+                <a:effectLst/>
+                <a:latin typeface="+mn-lt"/>
+                <a:ea typeface="+mn-ea"/>
+                <a:cs typeface="+mn-cs"/>
+              </a:rPr>
+              <a:t>предобученной</a:t>
+            </a:r>
+            <a:r>
+              <a:rPr lang="ru-RU" sz="1200" b="0" i="0" kern="1200" dirty="0" smtClean="0">
+                <a:solidFill>
+                  <a:schemeClr val="tx1"/>
+                </a:solidFill>
+                <a:effectLst/>
+                <a:latin typeface="+mn-lt"/>
+                <a:ea typeface="+mn-ea"/>
+                <a:cs typeface="+mn-cs"/>
+              </a:rPr>
+              <a:t> сети для извлечения признаков из входного изображения и предсказания карты глубины. Каждой ключевой точке на изображении соответствует пиксель на карте глубины, из которого извлекается значение глубины, представляющее расстояние от камеры до объекта.</a:t>
+            </a:r>
+          </a:p>
+          <a:p>
+            <a:endParaRPr lang="ru-RU" sz="1200" b="0" i="0" kern="1200" dirty="0" smtClean="0">
+              <a:solidFill>
+                <a:schemeClr val="tx1"/>
+              </a:solidFill>
+              <a:effectLst/>
+              <a:latin typeface="+mn-lt"/>
+              <a:ea typeface="+mn-ea"/>
+              <a:cs typeface="+mn-cs"/>
+            </a:endParaRPr>
+          </a:p>
+          <a:p>
+            <a:r>
+              <a:rPr lang="ru-RU" sz="1200" b="0" i="0" kern="1200" dirty="0" smtClean="0">
+                <a:solidFill>
+                  <a:schemeClr val="tx1"/>
+                </a:solidFill>
+                <a:effectLst/>
+                <a:latin typeface="+mn-lt"/>
+                <a:ea typeface="+mn-ea"/>
+                <a:cs typeface="+mn-cs"/>
+              </a:rPr>
+              <a:t>Для уменьшения ошибок, вызванных шумами или неточностями карты глубины, применяется процесс коррекции. В процессе вычисляется евклидово расстояние между соседними ключевыми точками, и если оно превышает заданный порог, координаты точек корректируются, чтобы минимизировать визуальные искажения.</a:t>
+            </a:r>
           </a:p>
         </p:txBody>
       </p:sp>
@@ -807,7 +2916,7 @@
           <a:p>
             <a:fld id="{0048289E-2F4B-4BDB-9E3D-307BE649A8BF}" type="slidenum">
               <a:rPr lang="ru-RU" smtClean="0"/>
-              <a:t>8</a:t>
+              <a:t>5</a:t>
             </a:fld>
             <a:endParaRPr lang="ru-RU"/>
           </a:p>
@@ -816,7 +2925,7 @@
     </p:spTree>
     <p:extLst>
       <p:ext uri="{BB962C8B-B14F-4D97-AF65-F5344CB8AC3E}">
-        <p14:creationId xmlns:p14="http://schemas.microsoft.com/office/powerpoint/2010/main" val="3672613696"/>
+        <p14:creationId xmlns:p14="http://schemas.microsoft.com/office/powerpoint/2010/main" val="635343738"/>
       </p:ext>
     </p:extLst>
   </p:cSld>
@@ -870,6 +2979,901 @@
           <a:bodyPr/>
           <a:lstStyle/>
           <a:p>
+            <a:r>
+              <a:rPr lang="ru-RU" sz="1200" b="0" i="0" kern="1200" dirty="0" smtClean="0">
+                <a:solidFill>
+                  <a:schemeClr val="tx1"/>
+                </a:solidFill>
+                <a:effectLst/>
+                <a:latin typeface="+mn-lt"/>
+                <a:ea typeface="+mn-ea"/>
+                <a:cs typeface="+mn-cs"/>
+              </a:rPr>
+              <a:t>Диаграмма последовательности на слайде иллюстрирует процесс работы системы по захвату движения с использованием нейронных сетей. Вот краткое описание шагов, отображенных на диаграмме:</a:t>
+            </a:r>
+          </a:p>
+          <a:p>
+            <a:r>
+              <a:rPr lang="ru-RU" sz="1200" b="1" i="0" kern="1200" dirty="0" smtClean="0">
+                <a:solidFill>
+                  <a:schemeClr val="tx1"/>
+                </a:solidFill>
+                <a:effectLst/>
+                <a:latin typeface="+mn-lt"/>
+                <a:ea typeface="+mn-ea"/>
+                <a:cs typeface="+mn-cs"/>
+              </a:rPr>
+              <a:t>Модуль данных</a:t>
+            </a:r>
+            <a:r>
+              <a:rPr lang="ru-RU" sz="1200" b="0" i="0" kern="1200" dirty="0" smtClean="0">
+                <a:solidFill>
+                  <a:schemeClr val="tx1"/>
+                </a:solidFill>
+                <a:effectLst/>
+                <a:latin typeface="+mn-lt"/>
+                <a:ea typeface="+mn-ea"/>
+                <a:cs typeface="+mn-cs"/>
+              </a:rPr>
+              <a:t>:</a:t>
+            </a:r>
+          </a:p>
+          <a:p>
+            <a:pPr lvl="1"/>
+            <a:r>
+              <a:rPr lang="ru-RU" sz="1200" b="1" i="0" kern="1200" dirty="0" smtClean="0">
+                <a:solidFill>
+                  <a:schemeClr val="tx1"/>
+                </a:solidFill>
+                <a:effectLst/>
+                <a:latin typeface="+mn-lt"/>
+                <a:ea typeface="+mn-ea"/>
+                <a:cs typeface="+mn-cs"/>
+              </a:rPr>
+              <a:t>Загрузка </a:t>
+            </a:r>
+            <a:r>
+              <a:rPr lang="ru-RU" sz="1200" b="1" i="0" kern="1200" dirty="0" err="1" smtClean="0">
+                <a:solidFill>
+                  <a:schemeClr val="tx1"/>
+                </a:solidFill>
+                <a:effectLst/>
+                <a:latin typeface="+mn-lt"/>
+                <a:ea typeface="+mn-ea"/>
+                <a:cs typeface="+mn-cs"/>
+              </a:rPr>
+              <a:t>датасета</a:t>
+            </a:r>
+            <a:r>
+              <a:rPr lang="ru-RU" sz="1200" b="0" i="0" kern="1200" dirty="0" smtClean="0">
+                <a:solidFill>
+                  <a:schemeClr val="tx1"/>
+                </a:solidFill>
+                <a:effectLst/>
+                <a:latin typeface="+mn-lt"/>
+                <a:ea typeface="+mn-ea"/>
+                <a:cs typeface="+mn-cs"/>
+              </a:rPr>
+              <a:t>: Начинается с загрузки набора данных, который будет использоваться для обучения модели.</a:t>
+            </a:r>
+          </a:p>
+          <a:p>
+            <a:pPr lvl="1"/>
+            <a:r>
+              <a:rPr lang="ru-RU" sz="1200" b="1" i="0" kern="1200" dirty="0" smtClean="0">
+                <a:solidFill>
+                  <a:schemeClr val="tx1"/>
+                </a:solidFill>
+                <a:effectLst/>
+                <a:latin typeface="+mn-lt"/>
+                <a:ea typeface="+mn-ea"/>
+                <a:cs typeface="+mn-cs"/>
+              </a:rPr>
+              <a:t>Предобработка данных</a:t>
+            </a:r>
+            <a:r>
+              <a:rPr lang="ru-RU" sz="1200" b="0" i="0" kern="1200" dirty="0" smtClean="0">
+                <a:solidFill>
+                  <a:schemeClr val="tx1"/>
+                </a:solidFill>
+                <a:effectLst/>
+                <a:latin typeface="+mn-lt"/>
+                <a:ea typeface="+mn-ea"/>
+                <a:cs typeface="+mn-cs"/>
+              </a:rPr>
+              <a:t>: Выполняется подготовка данных, например, нормализация или аугментация.</a:t>
+            </a:r>
+          </a:p>
+          <a:p>
+            <a:endParaRPr lang="ru-RU" sz="1200" b="1" i="0" kern="1200" dirty="0" smtClean="0">
+              <a:solidFill>
+                <a:schemeClr val="tx1"/>
+              </a:solidFill>
+              <a:effectLst/>
+              <a:latin typeface="+mn-lt"/>
+              <a:ea typeface="+mn-ea"/>
+              <a:cs typeface="+mn-cs"/>
+            </a:endParaRPr>
+          </a:p>
+          <a:p>
+            <a:r>
+              <a:rPr lang="ru-RU" sz="1200" b="1" i="0" kern="1200" dirty="0" smtClean="0">
+                <a:solidFill>
+                  <a:schemeClr val="tx1"/>
+                </a:solidFill>
+                <a:effectLst/>
+                <a:latin typeface="+mn-lt"/>
+                <a:ea typeface="+mn-ea"/>
+                <a:cs typeface="+mn-cs"/>
+              </a:rPr>
+              <a:t>Цикл обучения</a:t>
+            </a:r>
+            <a:r>
+              <a:rPr lang="ru-RU" sz="1200" b="0" i="0" kern="1200" dirty="0" smtClean="0">
+                <a:solidFill>
+                  <a:schemeClr val="tx1"/>
+                </a:solidFill>
+                <a:effectLst/>
+                <a:latin typeface="+mn-lt"/>
+                <a:ea typeface="+mn-ea"/>
+                <a:cs typeface="+mn-cs"/>
+              </a:rPr>
+              <a:t>:</a:t>
+            </a:r>
+          </a:p>
+          <a:p>
+            <a:pPr lvl="1"/>
+            <a:r>
+              <a:rPr lang="ru-RU" sz="1200" b="0" i="0" kern="1200" dirty="0" smtClean="0">
+                <a:solidFill>
+                  <a:schemeClr val="tx1"/>
+                </a:solidFill>
+                <a:effectLst/>
+                <a:latin typeface="+mn-lt"/>
+                <a:ea typeface="+mn-ea"/>
+                <a:cs typeface="+mn-cs"/>
+              </a:rPr>
+              <a:t>Цикл повторяется до завершения всех эпох обучения.</a:t>
+            </a:r>
+          </a:p>
+          <a:p>
+            <a:pPr lvl="1"/>
+            <a:r>
+              <a:rPr lang="ru-RU" sz="1200" b="1" i="0" kern="1200" dirty="0" smtClean="0">
+                <a:solidFill>
+                  <a:schemeClr val="tx1"/>
+                </a:solidFill>
+                <a:effectLst/>
+                <a:latin typeface="+mn-lt"/>
+                <a:ea typeface="+mn-ea"/>
+                <a:cs typeface="+mn-cs"/>
+              </a:rPr>
+              <a:t>Изображение</a:t>
+            </a:r>
+            <a:r>
+              <a:rPr lang="ru-RU" sz="1200" b="0" i="0" kern="1200" dirty="0" smtClean="0">
+                <a:solidFill>
+                  <a:schemeClr val="tx1"/>
+                </a:solidFill>
+                <a:effectLst/>
+                <a:latin typeface="+mn-lt"/>
+                <a:ea typeface="+mn-ea"/>
+                <a:cs typeface="+mn-cs"/>
+              </a:rPr>
+              <a:t>: Подготовленные данные передаются для дальнейшей обработки.</a:t>
+            </a:r>
+          </a:p>
+          <a:p>
+            <a:endParaRPr lang="ru-RU" sz="1200" b="1" i="0" kern="1200" dirty="0" smtClean="0">
+              <a:solidFill>
+                <a:schemeClr val="tx1"/>
+              </a:solidFill>
+              <a:effectLst/>
+              <a:latin typeface="+mn-lt"/>
+              <a:ea typeface="+mn-ea"/>
+              <a:cs typeface="+mn-cs"/>
+            </a:endParaRPr>
+          </a:p>
+          <a:p>
+            <a:r>
+              <a:rPr lang="ru-RU" sz="1200" b="1" i="0" kern="1200" dirty="0" err="1" smtClean="0">
+                <a:solidFill>
+                  <a:schemeClr val="tx1"/>
+                </a:solidFill>
+                <a:effectLst/>
+                <a:latin typeface="+mn-lt"/>
+                <a:ea typeface="+mn-ea"/>
+                <a:cs typeface="+mn-cs"/>
+              </a:rPr>
+              <a:t>Backbone</a:t>
+            </a:r>
+            <a:r>
+              <a:rPr lang="ru-RU" sz="1200" b="1" i="0" kern="1200" dirty="0" smtClean="0">
+                <a:solidFill>
+                  <a:schemeClr val="tx1"/>
+                </a:solidFill>
+                <a:effectLst/>
+                <a:latin typeface="+mn-lt"/>
+                <a:ea typeface="+mn-ea"/>
+                <a:cs typeface="+mn-cs"/>
+              </a:rPr>
+              <a:t> сеть</a:t>
+            </a:r>
+            <a:r>
+              <a:rPr lang="ru-RU" sz="1200" b="0" i="0" kern="1200" dirty="0" smtClean="0">
+                <a:solidFill>
+                  <a:schemeClr val="tx1"/>
+                </a:solidFill>
+                <a:effectLst/>
+                <a:latin typeface="+mn-lt"/>
+                <a:ea typeface="+mn-ea"/>
+                <a:cs typeface="+mn-cs"/>
+              </a:rPr>
+              <a:t>:</a:t>
+            </a:r>
+          </a:p>
+          <a:p>
+            <a:pPr lvl="1"/>
+            <a:r>
+              <a:rPr lang="ru-RU" sz="1200" b="1" i="0" kern="1200" dirty="0" smtClean="0">
+                <a:solidFill>
+                  <a:schemeClr val="tx1"/>
+                </a:solidFill>
+                <a:effectLst/>
+                <a:latin typeface="+mn-lt"/>
+                <a:ea typeface="+mn-ea"/>
+                <a:cs typeface="+mn-cs"/>
+              </a:rPr>
+              <a:t>Извлечение признаков</a:t>
+            </a:r>
+            <a:r>
+              <a:rPr lang="ru-RU" sz="1200" b="0" i="0" kern="1200" dirty="0" smtClean="0">
+                <a:solidFill>
+                  <a:schemeClr val="tx1"/>
+                </a:solidFill>
+                <a:effectLst/>
+                <a:latin typeface="+mn-lt"/>
+                <a:ea typeface="+mn-ea"/>
+                <a:cs typeface="+mn-cs"/>
+              </a:rPr>
+              <a:t>: Из изображения извлекаются признаки с использованием предварительно обученной </a:t>
+            </a:r>
+            <a:r>
+              <a:rPr lang="ru-RU" sz="1200" b="0" i="0" kern="1200" dirty="0" err="1" smtClean="0">
+                <a:solidFill>
+                  <a:schemeClr val="tx1"/>
+                </a:solidFill>
+                <a:effectLst/>
+                <a:latin typeface="+mn-lt"/>
+                <a:ea typeface="+mn-ea"/>
+                <a:cs typeface="+mn-cs"/>
+              </a:rPr>
+              <a:t>сверточной</a:t>
+            </a:r>
+            <a:r>
+              <a:rPr lang="ru-RU" sz="1200" b="0" i="0" kern="1200" dirty="0" smtClean="0">
+                <a:solidFill>
+                  <a:schemeClr val="tx1"/>
+                </a:solidFill>
+                <a:effectLst/>
+                <a:latin typeface="+mn-lt"/>
+                <a:ea typeface="+mn-ea"/>
+                <a:cs typeface="+mn-cs"/>
+              </a:rPr>
+              <a:t> нейронной сети (например, </a:t>
+            </a:r>
+            <a:r>
+              <a:rPr lang="ru-RU" sz="1200" b="0" i="0" kern="1200" dirty="0" err="1" smtClean="0">
+                <a:solidFill>
+                  <a:schemeClr val="tx1"/>
+                </a:solidFill>
+                <a:effectLst/>
+                <a:latin typeface="+mn-lt"/>
+                <a:ea typeface="+mn-ea"/>
+                <a:cs typeface="+mn-cs"/>
+              </a:rPr>
+              <a:t>ResNet</a:t>
+            </a:r>
+            <a:r>
+              <a:rPr lang="ru-RU" sz="1200" b="0" i="0" kern="1200" dirty="0" smtClean="0">
+                <a:solidFill>
+                  <a:schemeClr val="tx1"/>
+                </a:solidFill>
+                <a:effectLst/>
+                <a:latin typeface="+mn-lt"/>
+                <a:ea typeface="+mn-ea"/>
+                <a:cs typeface="+mn-cs"/>
+              </a:rPr>
+              <a:t>).</a:t>
+            </a:r>
+          </a:p>
+          <a:p>
+            <a:endParaRPr lang="ru-RU" sz="1200" b="1" i="0" kern="1200" dirty="0" smtClean="0">
+              <a:solidFill>
+                <a:schemeClr val="tx1"/>
+              </a:solidFill>
+              <a:effectLst/>
+              <a:latin typeface="+mn-lt"/>
+              <a:ea typeface="+mn-ea"/>
+              <a:cs typeface="+mn-cs"/>
+            </a:endParaRPr>
+          </a:p>
+          <a:p>
+            <a:r>
+              <a:rPr lang="ru-RU" sz="1200" b="1" i="0" kern="1200" dirty="0" smtClean="0">
+                <a:solidFill>
+                  <a:schemeClr val="tx1"/>
+                </a:solidFill>
+                <a:effectLst/>
+                <a:latin typeface="+mn-lt"/>
+                <a:ea typeface="+mn-ea"/>
+                <a:cs typeface="+mn-cs"/>
+              </a:rPr>
+              <a:t>RPN (</a:t>
+            </a:r>
+            <a:r>
+              <a:rPr lang="ru-RU" sz="1200" b="1" i="0" kern="1200" dirty="0" err="1" smtClean="0">
+                <a:solidFill>
+                  <a:schemeClr val="tx1"/>
+                </a:solidFill>
+                <a:effectLst/>
+                <a:latin typeface="+mn-lt"/>
+                <a:ea typeface="+mn-ea"/>
+                <a:cs typeface="+mn-cs"/>
+              </a:rPr>
+              <a:t>Region</a:t>
+            </a:r>
+            <a:r>
+              <a:rPr lang="ru-RU" sz="1200" b="1" i="0" kern="1200" dirty="0" smtClean="0">
+                <a:solidFill>
+                  <a:schemeClr val="tx1"/>
+                </a:solidFill>
+                <a:effectLst/>
+                <a:latin typeface="+mn-lt"/>
+                <a:ea typeface="+mn-ea"/>
+                <a:cs typeface="+mn-cs"/>
+              </a:rPr>
+              <a:t> </a:t>
+            </a:r>
+            <a:r>
+              <a:rPr lang="ru-RU" sz="1200" b="1" i="0" kern="1200" dirty="0" err="1" smtClean="0">
+                <a:solidFill>
+                  <a:schemeClr val="tx1"/>
+                </a:solidFill>
+                <a:effectLst/>
+                <a:latin typeface="+mn-lt"/>
+                <a:ea typeface="+mn-ea"/>
+                <a:cs typeface="+mn-cs"/>
+              </a:rPr>
+              <a:t>Proposal</a:t>
+            </a:r>
+            <a:r>
+              <a:rPr lang="ru-RU" sz="1200" b="1" i="0" kern="1200" dirty="0" smtClean="0">
+                <a:solidFill>
+                  <a:schemeClr val="tx1"/>
+                </a:solidFill>
+                <a:effectLst/>
+                <a:latin typeface="+mn-lt"/>
+                <a:ea typeface="+mn-ea"/>
+                <a:cs typeface="+mn-cs"/>
+              </a:rPr>
+              <a:t> </a:t>
+            </a:r>
+            <a:r>
+              <a:rPr lang="ru-RU" sz="1200" b="1" i="0" kern="1200" dirty="0" err="1" smtClean="0">
+                <a:solidFill>
+                  <a:schemeClr val="tx1"/>
+                </a:solidFill>
+                <a:effectLst/>
+                <a:latin typeface="+mn-lt"/>
+                <a:ea typeface="+mn-ea"/>
+                <a:cs typeface="+mn-cs"/>
+              </a:rPr>
+              <a:t>Network</a:t>
+            </a:r>
+            <a:r>
+              <a:rPr lang="ru-RU" sz="1200" b="1" i="0" kern="1200" dirty="0" smtClean="0">
+                <a:solidFill>
+                  <a:schemeClr val="tx1"/>
+                </a:solidFill>
+                <a:effectLst/>
+                <a:latin typeface="+mn-lt"/>
+                <a:ea typeface="+mn-ea"/>
+                <a:cs typeface="+mn-cs"/>
+              </a:rPr>
+              <a:t>)</a:t>
+            </a:r>
+            <a:r>
+              <a:rPr lang="ru-RU" sz="1200" b="0" i="0" kern="1200" dirty="0" smtClean="0">
+                <a:solidFill>
+                  <a:schemeClr val="tx1"/>
+                </a:solidFill>
+                <a:effectLst/>
+                <a:latin typeface="+mn-lt"/>
+                <a:ea typeface="+mn-ea"/>
+                <a:cs typeface="+mn-cs"/>
+              </a:rPr>
+              <a:t>:</a:t>
+            </a:r>
+          </a:p>
+          <a:p>
+            <a:pPr lvl="1"/>
+            <a:r>
+              <a:rPr lang="ru-RU" sz="1200" b="1" i="0" kern="1200" dirty="0" smtClean="0">
+                <a:solidFill>
+                  <a:schemeClr val="tx1"/>
+                </a:solidFill>
+                <a:effectLst/>
+                <a:latin typeface="+mn-lt"/>
+                <a:ea typeface="+mn-ea"/>
+                <a:cs typeface="+mn-cs"/>
+              </a:rPr>
+              <a:t>Определение регионов интереса</a:t>
+            </a:r>
+            <a:r>
+              <a:rPr lang="ru-RU" sz="1200" b="0" i="0" kern="1200" dirty="0" smtClean="0">
+                <a:solidFill>
+                  <a:schemeClr val="tx1"/>
+                </a:solidFill>
+                <a:effectLst/>
+                <a:latin typeface="+mn-lt"/>
+                <a:ea typeface="+mn-ea"/>
+                <a:cs typeface="+mn-cs"/>
+              </a:rPr>
+              <a:t>: Выделяются области, содержащие потенциальные объекты.</a:t>
+            </a:r>
+          </a:p>
+          <a:p>
+            <a:pPr lvl="1"/>
+            <a:r>
+              <a:rPr lang="ru-RU" sz="1200" b="1" i="0" kern="1200" dirty="0" smtClean="0">
+                <a:solidFill>
+                  <a:schemeClr val="tx1"/>
+                </a:solidFill>
+                <a:effectLst/>
+                <a:latin typeface="+mn-lt"/>
+                <a:ea typeface="+mn-ea"/>
+                <a:cs typeface="+mn-cs"/>
+              </a:rPr>
+              <a:t>Подгонка областей под фиксированный размер</a:t>
+            </a:r>
+            <a:r>
+              <a:rPr lang="ru-RU" sz="1200" b="0" i="0" kern="1200" dirty="0" smtClean="0">
+                <a:solidFill>
+                  <a:schemeClr val="tx1"/>
+                </a:solidFill>
+                <a:effectLst/>
+                <a:latin typeface="+mn-lt"/>
+                <a:ea typeface="+mn-ea"/>
+                <a:cs typeface="+mn-cs"/>
+              </a:rPr>
+              <a:t>: Области интереса преобразуются в фиксированный размер для дальнейшей обработки.</a:t>
+            </a:r>
+          </a:p>
+          <a:p>
+            <a:endParaRPr lang="ru-RU" sz="1200" b="1" i="0" kern="1200" dirty="0" smtClean="0">
+              <a:solidFill>
+                <a:schemeClr val="tx1"/>
+              </a:solidFill>
+              <a:effectLst/>
+              <a:latin typeface="+mn-lt"/>
+              <a:ea typeface="+mn-ea"/>
+              <a:cs typeface="+mn-cs"/>
+            </a:endParaRPr>
+          </a:p>
+          <a:p>
+            <a:r>
+              <a:rPr lang="ru-RU" sz="1200" b="1" i="0" kern="1200" dirty="0" smtClean="0">
+                <a:solidFill>
+                  <a:schemeClr val="tx1"/>
+                </a:solidFill>
+                <a:effectLst/>
+                <a:latin typeface="+mn-lt"/>
+                <a:ea typeface="+mn-ea"/>
+                <a:cs typeface="+mn-cs"/>
+              </a:rPr>
+              <a:t>Модуль предсказания</a:t>
+            </a:r>
+            <a:r>
+              <a:rPr lang="ru-RU" sz="1200" b="0" i="0" kern="1200" dirty="0" smtClean="0">
+                <a:solidFill>
+                  <a:schemeClr val="tx1"/>
+                </a:solidFill>
+                <a:effectLst/>
+                <a:latin typeface="+mn-lt"/>
+                <a:ea typeface="+mn-ea"/>
+                <a:cs typeface="+mn-cs"/>
+              </a:rPr>
+              <a:t>:</a:t>
+            </a:r>
+          </a:p>
+          <a:p>
+            <a:pPr lvl="1"/>
+            <a:r>
+              <a:rPr lang="ru-RU" sz="1200" b="1" i="0" kern="1200" dirty="0" smtClean="0">
+                <a:solidFill>
+                  <a:schemeClr val="tx1"/>
+                </a:solidFill>
+                <a:effectLst/>
+                <a:latin typeface="+mn-lt"/>
+                <a:ea typeface="+mn-ea"/>
+                <a:cs typeface="+mn-cs"/>
+              </a:rPr>
+              <a:t>Оценка вероятности принадлежности к классу через </a:t>
+            </a:r>
+            <a:r>
+              <a:rPr lang="ru-RU" sz="1200" b="1" i="0" kern="1200" dirty="0" err="1" smtClean="0">
+                <a:solidFill>
+                  <a:schemeClr val="tx1"/>
+                </a:solidFill>
+                <a:effectLst/>
+                <a:latin typeface="+mn-lt"/>
+                <a:ea typeface="+mn-ea"/>
+                <a:cs typeface="+mn-cs"/>
+              </a:rPr>
+              <a:t>softmax</a:t>
+            </a:r>
+            <a:r>
+              <a:rPr lang="ru-RU" sz="1200" b="0" i="0" kern="1200" dirty="0" smtClean="0">
+                <a:solidFill>
+                  <a:schemeClr val="tx1"/>
+                </a:solidFill>
+                <a:effectLst/>
+                <a:latin typeface="+mn-lt"/>
+                <a:ea typeface="+mn-ea"/>
+                <a:cs typeface="+mn-cs"/>
+              </a:rPr>
+              <a:t>: Определяется вероятность принадлежности каждой области к одному из классов объектов.</a:t>
+            </a:r>
+          </a:p>
+          <a:p>
+            <a:pPr lvl="1"/>
+            <a:r>
+              <a:rPr lang="ru-RU" sz="1200" b="1" i="0" kern="1200" dirty="0" smtClean="0">
+                <a:solidFill>
+                  <a:schemeClr val="tx1"/>
+                </a:solidFill>
+                <a:effectLst/>
+                <a:latin typeface="+mn-lt"/>
+                <a:ea typeface="+mn-ea"/>
+                <a:cs typeface="+mn-cs"/>
+              </a:rPr>
+              <a:t>Корректировка параметров рамки</a:t>
+            </a:r>
+            <a:r>
+              <a:rPr lang="ru-RU" sz="1200" b="0" i="0" kern="1200" dirty="0" smtClean="0">
+                <a:solidFill>
+                  <a:schemeClr val="tx1"/>
+                </a:solidFill>
+                <a:effectLst/>
+                <a:latin typeface="+mn-lt"/>
+                <a:ea typeface="+mn-ea"/>
+                <a:cs typeface="+mn-cs"/>
+              </a:rPr>
+              <a:t>: Уточняются границы объектов.</a:t>
+            </a:r>
+          </a:p>
+          <a:p>
+            <a:pPr lvl="1"/>
+            <a:r>
+              <a:rPr lang="ru-RU" sz="1200" b="1" i="0" kern="1200" dirty="0" smtClean="0">
+                <a:solidFill>
+                  <a:schemeClr val="tx1"/>
+                </a:solidFill>
+                <a:effectLst/>
+                <a:latin typeface="+mn-lt"/>
+                <a:ea typeface="+mn-ea"/>
+                <a:cs typeface="+mn-cs"/>
+              </a:rPr>
+              <a:t>Предсказание ключевых точек</a:t>
+            </a:r>
+            <a:r>
+              <a:rPr lang="ru-RU" sz="1200" b="0" i="0" kern="1200" dirty="0" smtClean="0">
+                <a:solidFill>
+                  <a:schemeClr val="tx1"/>
+                </a:solidFill>
+                <a:effectLst/>
+                <a:latin typeface="+mn-lt"/>
+                <a:ea typeface="+mn-ea"/>
+                <a:cs typeface="+mn-cs"/>
+              </a:rPr>
+              <a:t>: Выполняется предсказание ключевых точек для объектов.</a:t>
+            </a:r>
+          </a:p>
+          <a:p>
+            <a:endParaRPr lang="ru-RU" sz="1200" b="1" i="0" kern="1200" dirty="0" smtClean="0">
+              <a:solidFill>
+                <a:schemeClr val="tx1"/>
+              </a:solidFill>
+              <a:effectLst/>
+              <a:latin typeface="+mn-lt"/>
+              <a:ea typeface="+mn-ea"/>
+              <a:cs typeface="+mn-cs"/>
+            </a:endParaRPr>
+          </a:p>
+          <a:p>
+            <a:r>
+              <a:rPr lang="ru-RU" sz="1200" b="1" i="0" kern="1200" dirty="0" smtClean="0">
+                <a:solidFill>
+                  <a:schemeClr val="tx1"/>
+                </a:solidFill>
+                <a:effectLst/>
+                <a:latin typeface="+mn-lt"/>
+                <a:ea typeface="+mn-ea"/>
+                <a:cs typeface="+mn-cs"/>
+              </a:rPr>
+              <a:t>Модуль обучения</a:t>
+            </a:r>
+            <a:r>
+              <a:rPr lang="ru-RU" sz="1200" b="0" i="0" kern="1200" dirty="0" smtClean="0">
+                <a:solidFill>
+                  <a:schemeClr val="tx1"/>
+                </a:solidFill>
+                <a:effectLst/>
+                <a:latin typeface="+mn-lt"/>
+                <a:ea typeface="+mn-ea"/>
+                <a:cs typeface="+mn-cs"/>
+              </a:rPr>
+              <a:t>:</a:t>
+            </a:r>
+          </a:p>
+          <a:p>
+            <a:pPr lvl="1"/>
+            <a:r>
+              <a:rPr lang="ru-RU" sz="1200" b="1" i="0" kern="1200" dirty="0" smtClean="0">
+                <a:solidFill>
+                  <a:schemeClr val="tx1"/>
+                </a:solidFill>
+                <a:effectLst/>
+                <a:latin typeface="+mn-lt"/>
+                <a:ea typeface="+mn-ea"/>
+                <a:cs typeface="+mn-cs"/>
+              </a:rPr>
+              <a:t>Вычисление функции потерь</a:t>
+            </a:r>
+            <a:r>
+              <a:rPr lang="ru-RU" sz="1200" b="0" i="0" kern="1200" dirty="0" smtClean="0">
+                <a:solidFill>
+                  <a:schemeClr val="tx1"/>
+                </a:solidFill>
+                <a:effectLst/>
+                <a:latin typeface="+mn-lt"/>
+                <a:ea typeface="+mn-ea"/>
+                <a:cs typeface="+mn-cs"/>
+              </a:rPr>
+              <a:t>: Рассчитывается значение функции потерь на основе предсказанных результатов и истинных меток.</a:t>
+            </a:r>
+          </a:p>
+          <a:p>
+            <a:pPr lvl="1"/>
+            <a:r>
+              <a:rPr lang="ru-RU" sz="1200" b="1" i="0" kern="1200" dirty="0" smtClean="0">
+                <a:solidFill>
+                  <a:schemeClr val="tx1"/>
+                </a:solidFill>
+                <a:effectLst/>
+                <a:latin typeface="+mn-lt"/>
+                <a:ea typeface="+mn-ea"/>
+                <a:cs typeface="+mn-cs"/>
+              </a:rPr>
+              <a:t>Обновление параметров модели</a:t>
+            </a:r>
+            <a:r>
+              <a:rPr lang="ru-RU" sz="1200" b="0" i="0" kern="1200" dirty="0" smtClean="0">
+                <a:solidFill>
+                  <a:schemeClr val="tx1"/>
+                </a:solidFill>
+                <a:effectLst/>
+                <a:latin typeface="+mn-lt"/>
+                <a:ea typeface="+mn-ea"/>
+                <a:cs typeface="+mn-cs"/>
+              </a:rPr>
+              <a:t>: Параметры модели обновляются с использованием оптимизаторов (например, SGD) и расписаний скорости обучения (например, </a:t>
+            </a:r>
+            <a:r>
+              <a:rPr lang="ru-RU" sz="1200" b="0" i="0" kern="1200" dirty="0" err="1" smtClean="0">
+                <a:solidFill>
+                  <a:schemeClr val="tx1"/>
+                </a:solidFill>
+                <a:effectLst/>
+                <a:latin typeface="+mn-lt"/>
+                <a:ea typeface="+mn-ea"/>
+                <a:cs typeface="+mn-cs"/>
+              </a:rPr>
+              <a:t>MultiStepLR</a:t>
+            </a:r>
+            <a:r>
+              <a:rPr lang="ru-RU" sz="1200" b="0" i="0" kern="1200" dirty="0" smtClean="0">
+                <a:solidFill>
+                  <a:schemeClr val="tx1"/>
+                </a:solidFill>
+                <a:effectLst/>
+                <a:latin typeface="+mn-lt"/>
+                <a:ea typeface="+mn-ea"/>
+                <a:cs typeface="+mn-cs"/>
+              </a:rPr>
+              <a:t>).</a:t>
+            </a:r>
+          </a:p>
+          <a:p>
+            <a:endParaRPr lang="ru-RU" sz="1200" b="1" i="0" kern="1200" dirty="0" smtClean="0">
+              <a:solidFill>
+                <a:schemeClr val="tx1"/>
+              </a:solidFill>
+              <a:effectLst/>
+              <a:latin typeface="+mn-lt"/>
+              <a:ea typeface="+mn-ea"/>
+              <a:cs typeface="+mn-cs"/>
+            </a:endParaRPr>
+          </a:p>
+          <a:p>
+            <a:r>
+              <a:rPr lang="ru-RU" sz="1200" b="1" i="0" kern="1200" dirty="0" smtClean="0">
+                <a:solidFill>
+                  <a:schemeClr val="tx1"/>
+                </a:solidFill>
+                <a:effectLst/>
+                <a:latin typeface="+mn-lt"/>
+                <a:ea typeface="+mn-ea"/>
+                <a:cs typeface="+mn-cs"/>
+              </a:rPr>
+              <a:t>Модуль оценки</a:t>
+            </a:r>
+            <a:r>
+              <a:rPr lang="ru-RU" sz="1200" b="0" i="0" kern="1200" dirty="0" smtClean="0">
+                <a:solidFill>
+                  <a:schemeClr val="tx1"/>
+                </a:solidFill>
+                <a:effectLst/>
+                <a:latin typeface="+mn-lt"/>
+                <a:ea typeface="+mn-ea"/>
+                <a:cs typeface="+mn-cs"/>
+              </a:rPr>
+              <a:t>:</a:t>
+            </a:r>
+          </a:p>
+          <a:p>
+            <a:pPr lvl="1"/>
+            <a:r>
+              <a:rPr lang="ru-RU" sz="1200" b="1" i="0" kern="1200" dirty="0" smtClean="0">
+                <a:solidFill>
+                  <a:schemeClr val="tx1"/>
+                </a:solidFill>
+                <a:effectLst/>
+                <a:latin typeface="+mn-lt"/>
+                <a:ea typeface="+mn-ea"/>
+                <a:cs typeface="+mn-cs"/>
+              </a:rPr>
+              <a:t>Оценка на тестовом наборе данных</a:t>
+            </a:r>
+            <a:r>
+              <a:rPr lang="ru-RU" sz="1200" b="0" i="0" kern="1200" dirty="0" smtClean="0">
+                <a:solidFill>
+                  <a:schemeClr val="tx1"/>
+                </a:solidFill>
+                <a:effectLst/>
+                <a:latin typeface="+mn-lt"/>
+                <a:ea typeface="+mn-ea"/>
+                <a:cs typeface="+mn-cs"/>
+              </a:rPr>
+              <a:t>: Модель проверяется на тестовом наборе данных для оценки её производительности.</a:t>
+            </a:r>
+          </a:p>
+          <a:p>
+            <a:pPr lvl="1"/>
+            <a:r>
+              <a:rPr lang="ru-RU" sz="1200" b="1" i="0" kern="1200" dirty="0" smtClean="0">
+                <a:solidFill>
+                  <a:schemeClr val="tx1"/>
+                </a:solidFill>
+                <a:effectLst/>
+                <a:latin typeface="+mn-lt"/>
+                <a:ea typeface="+mn-ea"/>
+                <a:cs typeface="+mn-cs"/>
+              </a:rPr>
+              <a:t>Вычисление метрик</a:t>
+            </a:r>
+            <a:r>
+              <a:rPr lang="ru-RU" sz="1200" b="0" i="0" kern="1200" dirty="0" smtClean="0">
+                <a:solidFill>
+                  <a:schemeClr val="tx1"/>
+                </a:solidFill>
+                <a:effectLst/>
+                <a:latin typeface="+mn-lt"/>
+                <a:ea typeface="+mn-ea"/>
+                <a:cs typeface="+mn-cs"/>
+              </a:rPr>
+              <a:t>: Рассчитываются метрики для оценки точности и качества модели.</a:t>
+            </a:r>
+          </a:p>
+          <a:p>
+            <a:endParaRPr lang="ru-RU" sz="1200" b="1" i="0" kern="1200" dirty="0" smtClean="0">
+              <a:solidFill>
+                <a:schemeClr val="tx1"/>
+              </a:solidFill>
+              <a:effectLst/>
+              <a:latin typeface="+mn-lt"/>
+              <a:ea typeface="+mn-ea"/>
+              <a:cs typeface="+mn-cs"/>
+            </a:endParaRPr>
+          </a:p>
+          <a:p>
+            <a:r>
+              <a:rPr lang="ru-RU" sz="1200" b="1" i="0" kern="1200" dirty="0" smtClean="0">
+                <a:solidFill>
+                  <a:schemeClr val="tx1"/>
+                </a:solidFill>
+                <a:effectLst/>
+                <a:latin typeface="+mn-lt"/>
+                <a:ea typeface="+mn-ea"/>
+                <a:cs typeface="+mn-cs"/>
+              </a:rPr>
+              <a:t>Запись метрик в файл</a:t>
+            </a:r>
+            <a:r>
+              <a:rPr lang="ru-RU" sz="1200" b="0" i="0" kern="1200" dirty="0" smtClean="0">
+                <a:solidFill>
+                  <a:schemeClr val="tx1"/>
+                </a:solidFill>
+                <a:effectLst/>
+                <a:latin typeface="+mn-lt"/>
+                <a:ea typeface="+mn-ea"/>
+                <a:cs typeface="+mn-cs"/>
+              </a:rPr>
+              <a:t>: Результаты экспериментов записываются в файл.</a:t>
+            </a:r>
+          </a:p>
+          <a:p>
+            <a:r>
+              <a:rPr lang="ru-RU" sz="1200" b="1" i="0" kern="1200" dirty="0" smtClean="0">
+                <a:solidFill>
+                  <a:schemeClr val="tx1"/>
+                </a:solidFill>
+                <a:effectLst/>
+                <a:latin typeface="+mn-lt"/>
+                <a:ea typeface="+mn-ea"/>
+                <a:cs typeface="+mn-cs"/>
+              </a:rPr>
+              <a:t>Сохранение </a:t>
+            </a:r>
+            <a:r>
+              <a:rPr lang="ru-RU" sz="1200" b="1" i="0" kern="1200" dirty="0" err="1" smtClean="0">
+                <a:solidFill>
+                  <a:schemeClr val="tx1"/>
+                </a:solidFill>
+                <a:effectLst/>
+                <a:latin typeface="+mn-lt"/>
+                <a:ea typeface="+mn-ea"/>
+                <a:cs typeface="+mn-cs"/>
+              </a:rPr>
+              <a:t>чекпоинта</a:t>
+            </a:r>
+            <a:r>
+              <a:rPr lang="ru-RU" sz="1200" b="1" i="0" kern="1200" dirty="0" smtClean="0">
+                <a:solidFill>
+                  <a:schemeClr val="tx1"/>
+                </a:solidFill>
+                <a:effectLst/>
+                <a:latin typeface="+mn-lt"/>
+                <a:ea typeface="+mn-ea"/>
+                <a:cs typeface="+mn-cs"/>
+              </a:rPr>
+              <a:t> модели в файл</a:t>
+            </a:r>
+            <a:r>
+              <a:rPr lang="ru-RU" sz="1200" b="0" i="0" kern="1200" dirty="0" smtClean="0">
+                <a:solidFill>
+                  <a:schemeClr val="tx1"/>
+                </a:solidFill>
+                <a:effectLst/>
+                <a:latin typeface="+mn-lt"/>
+                <a:ea typeface="+mn-ea"/>
+                <a:cs typeface="+mn-cs"/>
+              </a:rPr>
+              <a:t>: Периодически сохраняется текущее состояние модели.</a:t>
+            </a:r>
+          </a:p>
+          <a:p>
             <a:endParaRPr lang="ru-RU" dirty="0"/>
           </a:p>
         </p:txBody>
@@ -891,6 +3895,1125 @@
           <a:p>
             <a:fld id="{0048289E-2F4B-4BDB-9E3D-307BE649A8BF}" type="slidenum">
               <a:rPr lang="ru-RU" smtClean="0"/>
+              <a:t>6</a:t>
+            </a:fld>
+            <a:endParaRPr lang="ru-RU"/>
+          </a:p>
+        </p:txBody>
+      </p:sp>
+    </p:spTree>
+    <p:extLst>
+      <p:ext uri="{BB962C8B-B14F-4D97-AF65-F5344CB8AC3E}">
+        <p14:creationId xmlns:p14="http://schemas.microsoft.com/office/powerpoint/2010/main" val="76438543"/>
+      </p:ext>
+    </p:extLst>
+  </p:cSld>
+  <p:clrMapOvr>
+    <a:masterClrMapping/>
+  </p:clrMapOvr>
+</p:notes>
+</file>
+
+<file path=ppt/notesSlides/notesSlide6.xml><?xml version="1.0" encoding="utf-8"?>
+<p:notes xmlns:a="http://schemas.openxmlformats.org/drawingml/2006/main" xmlns:r="http://schemas.openxmlformats.org/officeDocument/2006/relationships" xmlns:p="http://schemas.openxmlformats.org/presentationml/2006/main">
+  <p:cSld>
+    <p:spTree>
+      <p:nvGrpSpPr>
+        <p:cNvPr id="1" name=""/>
+        <p:cNvGrpSpPr/>
+        <p:nvPr/>
+      </p:nvGrpSpPr>
+      <p:grpSpPr>
+        <a:xfrm>
+          <a:off x="0" y="0"/>
+          <a:ext cx="0" cy="0"/>
+          <a:chOff x="0" y="0"/>
+          <a:chExt cx="0" cy="0"/>
+        </a:xfrm>
+      </p:grpSpPr>
+      <p:sp>
+        <p:nvSpPr>
+          <p:cNvPr id="2" name="Образ слайда 1"/>
+          <p:cNvSpPr>
+            <a:spLocks noGrp="1" noRot="1" noChangeAspect="1"/>
+          </p:cNvSpPr>
+          <p:nvPr>
+            <p:ph type="sldImg"/>
+          </p:nvPr>
+        </p:nvSpPr>
+        <p:spPr/>
+      </p:sp>
+      <p:sp>
+        <p:nvSpPr>
+          <p:cNvPr id="3" name="Заметки 2"/>
+          <p:cNvSpPr>
+            <a:spLocks noGrp="1"/>
+          </p:cNvSpPr>
+          <p:nvPr>
+            <p:ph type="body" idx="1"/>
+          </p:nvPr>
+        </p:nvSpPr>
+        <p:spPr/>
+        <p:txBody>
+          <a:bodyPr/>
+          <a:lstStyle/>
+          <a:p>
+            <a:r>
+              <a:rPr lang="ru-RU" sz="1200" b="0" i="0" kern="1200" dirty="0" smtClean="0">
+                <a:solidFill>
+                  <a:schemeClr val="tx1"/>
+                </a:solidFill>
+                <a:effectLst/>
+                <a:latin typeface="+mn-lt"/>
+                <a:ea typeface="+mn-ea"/>
+                <a:cs typeface="+mn-cs"/>
+              </a:rPr>
+              <a:t>На данном слайде представлены графики, демонстрирующие ключевые метрики обучения модели, основанной на архитектуре ResNet50. Эти метрики включают изменение средней потери по ключевым точкам и изменения средней точности и средней полноты по мере обучения модели.</a:t>
+            </a:r>
+          </a:p>
+          <a:p>
+            <a:endParaRPr lang="ru-RU" sz="1200" b="1" i="0" kern="1200" dirty="0" smtClean="0">
+              <a:solidFill>
+                <a:schemeClr val="tx1"/>
+              </a:solidFill>
+              <a:effectLst/>
+              <a:latin typeface="+mn-lt"/>
+              <a:ea typeface="+mn-ea"/>
+              <a:cs typeface="+mn-cs"/>
+            </a:endParaRPr>
+          </a:p>
+          <a:p>
+            <a:r>
+              <a:rPr lang="ru-RU" sz="1200" b="1" i="0" kern="1200" dirty="0" smtClean="0">
+                <a:solidFill>
+                  <a:schemeClr val="tx1"/>
+                </a:solidFill>
+                <a:effectLst/>
+                <a:latin typeface="+mn-lt"/>
+                <a:ea typeface="+mn-ea"/>
+                <a:cs typeface="+mn-cs"/>
+              </a:rPr>
+              <a:t>Изменение средней потери по ключевым точкам (рисунок 6)</a:t>
+            </a:r>
+          </a:p>
+          <a:p>
+            <a:r>
+              <a:rPr lang="ru-RU" sz="1200" b="0" i="0" kern="1200" dirty="0" smtClean="0">
+                <a:solidFill>
+                  <a:schemeClr val="tx1"/>
+                </a:solidFill>
+                <a:effectLst/>
+                <a:latin typeface="+mn-lt"/>
+                <a:ea typeface="+mn-ea"/>
+                <a:cs typeface="+mn-cs"/>
+              </a:rPr>
+              <a:t>На графике видно, что средняя потеря по ключевым точкам существенно уменьшается по мере обучения. Это снижение потерь указывает на успешную оптимизацию модели:</a:t>
+            </a:r>
+          </a:p>
+          <a:p>
+            <a:pPr marL="171450" indent="-171450">
+              <a:buFont typeface="Arial" panose="020B0604020202020204" pitchFamily="34" charset="0"/>
+              <a:buChar char="•"/>
+            </a:pPr>
+            <a:r>
+              <a:rPr lang="ru-RU" sz="1200" b="0" i="0" kern="1200" dirty="0" smtClean="0">
+                <a:solidFill>
+                  <a:schemeClr val="tx1"/>
+                </a:solidFill>
+                <a:effectLst/>
+                <a:latin typeface="+mn-lt"/>
+                <a:ea typeface="+mn-ea"/>
+                <a:cs typeface="+mn-cs"/>
+              </a:rPr>
+              <a:t>В начале обучения, с 0 до 4 эпохи, потери снижаются постепенно, что свидетельствует о начальной адаптации модели к данным.</a:t>
+            </a:r>
+          </a:p>
+          <a:p>
+            <a:pPr marL="171450" indent="-171450">
+              <a:buFont typeface="Arial" panose="020B0604020202020204" pitchFamily="34" charset="0"/>
+              <a:buChar char="•"/>
+            </a:pPr>
+            <a:r>
+              <a:rPr lang="ru-RU" sz="1200" b="0" i="0" kern="1200" dirty="0" smtClean="0">
+                <a:solidFill>
+                  <a:schemeClr val="tx1"/>
+                </a:solidFill>
+                <a:effectLst/>
+                <a:latin typeface="+mn-lt"/>
+                <a:ea typeface="+mn-ea"/>
+                <a:cs typeface="+mn-cs"/>
+              </a:rPr>
+              <a:t>На 4-8 эпохах наблюдается стабилизация и более медленное снижение потерь, что указывает на постепенное улучшение предсказаний.</a:t>
+            </a:r>
+          </a:p>
+          <a:p>
+            <a:pPr marL="171450" indent="-171450">
+              <a:buFont typeface="Arial" panose="020B0604020202020204" pitchFamily="34" charset="0"/>
+              <a:buChar char="•"/>
+            </a:pPr>
+            <a:r>
+              <a:rPr lang="ru-RU" sz="1200" b="0" i="0" kern="1200" dirty="0" smtClean="0">
+                <a:solidFill>
+                  <a:schemeClr val="tx1"/>
+                </a:solidFill>
+                <a:effectLst/>
+                <a:latin typeface="+mn-lt"/>
+                <a:ea typeface="+mn-ea"/>
+                <a:cs typeface="+mn-cs"/>
+              </a:rPr>
+              <a:t>На 8 эпохе наблюдается резкое снижение потерь, что может быть связано с изменением скорости обучения или другими </a:t>
+            </a:r>
+            <a:r>
+              <a:rPr lang="ru-RU" sz="1200" b="0" i="0" kern="1200" dirty="0" err="1" smtClean="0">
+                <a:solidFill>
+                  <a:schemeClr val="tx1"/>
+                </a:solidFill>
+                <a:effectLst/>
+                <a:latin typeface="+mn-lt"/>
+                <a:ea typeface="+mn-ea"/>
+                <a:cs typeface="+mn-cs"/>
+              </a:rPr>
+              <a:t>гиперпараметрами</a:t>
+            </a:r>
+            <a:r>
+              <a:rPr lang="ru-RU" sz="1200" b="0" i="0" kern="1200" dirty="0" smtClean="0">
+                <a:solidFill>
+                  <a:schemeClr val="tx1"/>
+                </a:solidFill>
+                <a:effectLst/>
+                <a:latin typeface="+mn-lt"/>
+                <a:ea typeface="+mn-ea"/>
+                <a:cs typeface="+mn-cs"/>
+              </a:rPr>
+              <a:t>.</a:t>
+            </a:r>
+          </a:p>
+          <a:p>
+            <a:pPr marL="171450" indent="-171450">
+              <a:buFont typeface="Arial" panose="020B0604020202020204" pitchFamily="34" charset="0"/>
+              <a:buChar char="•"/>
+            </a:pPr>
+            <a:r>
+              <a:rPr lang="ru-RU" sz="1200" b="0" i="0" kern="1200" dirty="0" smtClean="0">
+                <a:solidFill>
+                  <a:schemeClr val="tx1"/>
+                </a:solidFill>
+                <a:effectLst/>
+                <a:latin typeface="+mn-lt"/>
+                <a:ea typeface="+mn-ea"/>
+                <a:cs typeface="+mn-cs"/>
+              </a:rPr>
+              <a:t>В последних эпохах потери продолжают уменьшаться, хотя и более плавно, указывая на достижение моделью своей оптимальной производительности.</a:t>
+            </a:r>
+          </a:p>
+          <a:p>
+            <a:endParaRPr lang="ru-RU" sz="1200" b="1" i="0" kern="1200" dirty="0" smtClean="0">
+              <a:solidFill>
+                <a:schemeClr val="tx1"/>
+              </a:solidFill>
+              <a:effectLst/>
+              <a:latin typeface="+mn-lt"/>
+              <a:ea typeface="+mn-ea"/>
+              <a:cs typeface="+mn-cs"/>
+            </a:endParaRPr>
+          </a:p>
+          <a:p>
+            <a:r>
+              <a:rPr lang="ru-RU" sz="1200" b="1" i="0" kern="1200" dirty="0" smtClean="0">
+                <a:solidFill>
+                  <a:schemeClr val="tx1"/>
+                </a:solidFill>
+                <a:effectLst/>
+                <a:latin typeface="+mn-lt"/>
+                <a:ea typeface="+mn-ea"/>
+                <a:cs typeface="+mn-cs"/>
+              </a:rPr>
+              <a:t>Изменения средней точности и средней полноты (рисунок 7)</a:t>
+            </a:r>
+          </a:p>
+          <a:p>
+            <a:pPr marL="171450" indent="-171450">
+              <a:buFont typeface="Arial" panose="020B0604020202020204" pitchFamily="34" charset="0"/>
+              <a:buChar char="•"/>
+            </a:pPr>
+            <a:r>
+              <a:rPr lang="ru-RU" sz="1200" b="0" i="0" kern="1200" dirty="0" smtClean="0">
+                <a:solidFill>
+                  <a:schemeClr val="tx1"/>
+                </a:solidFill>
+                <a:effectLst/>
+                <a:latin typeface="+mn-lt"/>
+                <a:ea typeface="+mn-ea"/>
+                <a:cs typeface="+mn-cs"/>
+              </a:rPr>
+              <a:t>График демонстрирует изменения средней точности (AP) и средней полноты (AR) для ключевых точек по мере обучения модели:</a:t>
+            </a:r>
+          </a:p>
+          <a:p>
+            <a:pPr marL="171450" indent="-171450">
+              <a:buFont typeface="Arial" panose="020B0604020202020204" pitchFamily="34" charset="0"/>
+              <a:buChar char="•"/>
+            </a:pPr>
+            <a:r>
+              <a:rPr lang="ru-RU" sz="1200" b="0" i="0" kern="1200" dirty="0" smtClean="0">
+                <a:solidFill>
+                  <a:schemeClr val="tx1"/>
+                </a:solidFill>
+                <a:effectLst/>
+                <a:latin typeface="+mn-lt"/>
+                <a:ea typeface="+mn-ea"/>
+                <a:cs typeface="+mn-cs"/>
+              </a:rPr>
+              <a:t>Начальное значение AP относительно низкое, что может указывать на начальные сложности модели в точной локализации ключевых точек.</a:t>
+            </a:r>
+          </a:p>
+          <a:p>
+            <a:pPr marL="171450" indent="-171450">
+              <a:buFont typeface="Arial" panose="020B0604020202020204" pitchFamily="34" charset="0"/>
+              <a:buChar char="•"/>
+            </a:pPr>
+            <a:r>
+              <a:rPr lang="ru-RU" sz="1200" b="0" i="0" kern="1200" dirty="0" smtClean="0">
+                <a:solidFill>
+                  <a:schemeClr val="tx1"/>
+                </a:solidFill>
+                <a:effectLst/>
+                <a:latin typeface="+mn-lt"/>
+                <a:ea typeface="+mn-ea"/>
+                <a:cs typeface="+mn-cs"/>
+              </a:rPr>
+              <a:t>AR в начале выше, чем AP, что свидетельствует о способности модели находить ключевые точки, но с меньшей точностью.</a:t>
+            </a:r>
+          </a:p>
+          <a:p>
+            <a:pPr marL="171450" indent="-171450">
+              <a:buFont typeface="Arial" panose="020B0604020202020204" pitchFamily="34" charset="0"/>
+              <a:buChar char="•"/>
+            </a:pPr>
+            <a:r>
+              <a:rPr lang="ru-RU" sz="1200" b="0" i="0" kern="1200" dirty="0" smtClean="0">
+                <a:solidFill>
+                  <a:schemeClr val="tx1"/>
+                </a:solidFill>
+                <a:effectLst/>
+                <a:latin typeface="+mn-lt"/>
+                <a:ea typeface="+mn-ea"/>
+                <a:cs typeface="+mn-cs"/>
+              </a:rPr>
+              <a:t>С 6 по 8 эпоху наблюдается значительный рост AP, что коррелирует с резким снижением потерь, показанным на предыдущем графике. Это указывает на улучшение точности модели.</a:t>
+            </a:r>
+          </a:p>
+          <a:p>
+            <a:pPr marL="171450" indent="-171450">
+              <a:buFont typeface="Arial" panose="020B0604020202020204" pitchFamily="34" charset="0"/>
+              <a:buChar char="•"/>
+            </a:pPr>
+            <a:r>
+              <a:rPr lang="ru-RU" sz="1200" b="0" i="0" kern="1200" dirty="0" smtClean="0">
+                <a:solidFill>
+                  <a:schemeClr val="tx1"/>
+                </a:solidFill>
+                <a:effectLst/>
+                <a:latin typeface="+mn-lt"/>
+                <a:ea typeface="+mn-ea"/>
+                <a:cs typeface="+mn-cs"/>
+              </a:rPr>
+              <a:t>Значительное увеличение AR в этот же период подтверждает, что модель становится лучше не только в точности, но и в способности обнаруживать больше релевантных ключевых точек.</a:t>
+            </a:r>
+          </a:p>
+          <a:p>
+            <a:pPr marL="171450" indent="-171450">
+              <a:buFont typeface="Arial" panose="020B0604020202020204" pitchFamily="34" charset="0"/>
+              <a:buChar char="•"/>
+            </a:pPr>
+            <a:r>
+              <a:rPr lang="ru-RU" sz="1200" b="0" i="0" kern="1200" dirty="0" smtClean="0">
+                <a:solidFill>
+                  <a:schemeClr val="tx1"/>
+                </a:solidFill>
+                <a:effectLst/>
+                <a:latin typeface="+mn-lt"/>
+                <a:ea typeface="+mn-ea"/>
+                <a:cs typeface="+mn-cs"/>
+              </a:rPr>
+              <a:t>После 8-й эпохи AP стабилизируется, показывая, что модель достигла порога эффективности. Постоянство AR на высоком уровне свидетельствует о способности модели эффективно обнаруживать ключевые точки.</a:t>
+            </a:r>
+          </a:p>
+          <a:p>
+            <a:endParaRPr lang="ru-RU" sz="1200" b="0" i="0" kern="1200" dirty="0" smtClean="0">
+              <a:solidFill>
+                <a:schemeClr val="tx1"/>
+              </a:solidFill>
+              <a:effectLst/>
+              <a:latin typeface="+mn-lt"/>
+              <a:ea typeface="+mn-ea"/>
+              <a:cs typeface="+mn-cs"/>
+            </a:endParaRPr>
+          </a:p>
+          <a:p>
+            <a:r>
+              <a:rPr lang="ru-RU" sz="1200" b="0" i="0" kern="1200" dirty="0" smtClean="0">
+                <a:solidFill>
+                  <a:schemeClr val="tx1"/>
+                </a:solidFill>
+                <a:effectLst/>
+                <a:latin typeface="+mn-lt"/>
+                <a:ea typeface="+mn-ea"/>
+                <a:cs typeface="+mn-cs"/>
+              </a:rPr>
+              <a:t>Эти графики демонстрируют, что в процессе обучения модель значительно улучшила свои метрики точности и полноты, что подтверждается значительным снижением средней потери и ростом средней точности и полноты. Такие результаты показывают, что оптимизация </a:t>
+            </a:r>
+            <a:r>
+              <a:rPr lang="ru-RU" sz="1200" b="0" i="0" kern="1200" dirty="0" err="1" smtClean="0">
+                <a:solidFill>
+                  <a:schemeClr val="tx1"/>
+                </a:solidFill>
+                <a:effectLst/>
+                <a:latin typeface="+mn-lt"/>
+                <a:ea typeface="+mn-ea"/>
+                <a:cs typeface="+mn-cs"/>
+              </a:rPr>
+              <a:t>гиперпараметров</a:t>
+            </a:r>
+            <a:r>
+              <a:rPr lang="ru-RU" sz="1200" b="0" i="0" kern="1200" dirty="0" smtClean="0">
+                <a:solidFill>
+                  <a:schemeClr val="tx1"/>
+                </a:solidFill>
+                <a:effectLst/>
+                <a:latin typeface="+mn-lt"/>
+                <a:ea typeface="+mn-ea"/>
+                <a:cs typeface="+mn-cs"/>
+              </a:rPr>
+              <a:t>, включая изменение скорости обучения, сыграла ключевую роль в достижении оптимальной производительности модели.</a:t>
+            </a:r>
+          </a:p>
+          <a:p>
+            <a:endParaRPr lang="ru-RU" dirty="0"/>
+          </a:p>
+        </p:txBody>
+      </p:sp>
+      <p:sp>
+        <p:nvSpPr>
+          <p:cNvPr id="4" name="Номер слайда 3"/>
+          <p:cNvSpPr>
+            <a:spLocks noGrp="1"/>
+          </p:cNvSpPr>
+          <p:nvPr>
+            <p:ph type="sldNum" sz="quarter" idx="10"/>
+          </p:nvPr>
+        </p:nvSpPr>
+        <p:spPr/>
+        <p:txBody>
+          <a:bodyPr/>
+          <a:lstStyle/>
+          <a:p>
+            <a:fld id="{0048289E-2F4B-4BDB-9E3D-307BE649A8BF}" type="slidenum">
+              <a:rPr lang="ru-RU" smtClean="0"/>
+              <a:t>7</a:t>
+            </a:fld>
+            <a:endParaRPr lang="ru-RU"/>
+          </a:p>
+        </p:txBody>
+      </p:sp>
+    </p:spTree>
+    <p:extLst>
+      <p:ext uri="{BB962C8B-B14F-4D97-AF65-F5344CB8AC3E}">
+        <p14:creationId xmlns:p14="http://schemas.microsoft.com/office/powerpoint/2010/main" val="1395179876"/>
+      </p:ext>
+    </p:extLst>
+  </p:cSld>
+  <p:clrMapOvr>
+    <a:masterClrMapping/>
+  </p:clrMapOvr>
+</p:notes>
+</file>
+
+<file path=ppt/notesSlides/notesSlide7.xml><?xml version="1.0" encoding="utf-8"?>
+<p:notes xmlns:a="http://schemas.openxmlformats.org/drawingml/2006/main" xmlns:r="http://schemas.openxmlformats.org/officeDocument/2006/relationships" xmlns:p="http://schemas.openxmlformats.org/presentationml/2006/main">
+  <p:cSld>
+    <p:spTree>
+      <p:nvGrpSpPr>
+        <p:cNvPr id="1" name=""/>
+        <p:cNvGrpSpPr/>
+        <p:nvPr/>
+      </p:nvGrpSpPr>
+      <p:grpSpPr>
+        <a:xfrm>
+          <a:off x="0" y="0"/>
+          <a:ext cx="0" cy="0"/>
+          <a:chOff x="0" y="0"/>
+          <a:chExt cx="0" cy="0"/>
+        </a:xfrm>
+      </p:grpSpPr>
+      <p:sp>
+        <p:nvSpPr>
+          <p:cNvPr id="2" name="Образ слайда 1"/>
+          <p:cNvSpPr>
+            <a:spLocks noGrp="1" noRot="1" noChangeAspect="1"/>
+          </p:cNvSpPr>
+          <p:nvPr>
+            <p:ph type="sldImg"/>
+          </p:nvPr>
+        </p:nvSpPr>
+        <p:spPr/>
+      </p:sp>
+      <p:sp>
+        <p:nvSpPr>
+          <p:cNvPr id="3" name="Заметки 2"/>
+          <p:cNvSpPr>
+            <a:spLocks noGrp="1"/>
+          </p:cNvSpPr>
+          <p:nvPr>
+            <p:ph type="body" idx="1"/>
+          </p:nvPr>
+        </p:nvSpPr>
+        <p:spPr/>
+        <p:txBody>
+          <a:bodyPr/>
+          <a:lstStyle/>
+          <a:p>
+            <a:r>
+              <a:rPr lang="ru-RU" sz="1200" b="0" i="0" kern="1200" dirty="0" smtClean="0">
+                <a:solidFill>
+                  <a:schemeClr val="tx1"/>
+                </a:solidFill>
+                <a:effectLst/>
+                <a:latin typeface="+mn-lt"/>
+                <a:ea typeface="+mn-ea"/>
+                <a:cs typeface="+mn-cs"/>
+              </a:rPr>
+              <a:t>На данном слайде представлены результаты экспериментов по генерации двумерных ключевых точек с использованием различных архитектур </a:t>
+            </a:r>
+            <a:r>
+              <a:rPr lang="ru-RU" sz="1200" b="0" i="0" kern="1200" dirty="0" err="1" smtClean="0">
+                <a:solidFill>
+                  <a:schemeClr val="tx1"/>
+                </a:solidFill>
+                <a:effectLst/>
+                <a:latin typeface="+mn-lt"/>
+                <a:ea typeface="+mn-ea"/>
+                <a:cs typeface="+mn-cs"/>
+              </a:rPr>
+              <a:t>backbone</a:t>
+            </a:r>
+            <a:r>
+              <a:rPr lang="ru-RU" sz="1200" b="0" i="0" kern="1200" dirty="0" smtClean="0">
+                <a:solidFill>
+                  <a:schemeClr val="tx1"/>
+                </a:solidFill>
+                <a:effectLst/>
+                <a:latin typeface="+mn-lt"/>
+                <a:ea typeface="+mn-ea"/>
+                <a:cs typeface="+mn-cs"/>
+              </a:rPr>
+              <a:t> сетей, а также визуализация работы модели на изображении.</a:t>
+            </a:r>
+          </a:p>
+          <a:p>
+            <a:endParaRPr lang="ru-RU" sz="1200" b="1" i="0" kern="1200" dirty="0" smtClean="0">
+              <a:solidFill>
+                <a:schemeClr val="tx1"/>
+              </a:solidFill>
+              <a:effectLst/>
+              <a:latin typeface="+mn-lt"/>
+              <a:ea typeface="+mn-ea"/>
+              <a:cs typeface="+mn-cs"/>
+            </a:endParaRPr>
+          </a:p>
+          <a:p>
+            <a:r>
+              <a:rPr lang="ru-RU" sz="1200" b="1" i="0" kern="1200" dirty="0" smtClean="0">
+                <a:solidFill>
+                  <a:schemeClr val="tx1"/>
+                </a:solidFill>
+                <a:effectLst/>
+                <a:latin typeface="+mn-lt"/>
+                <a:ea typeface="+mn-ea"/>
+                <a:cs typeface="+mn-cs"/>
+              </a:rPr>
+              <a:t>Таблица 2</a:t>
+            </a:r>
+            <a:r>
+              <a:rPr lang="ru-RU" sz="1200" b="0" i="0" kern="1200" dirty="0" smtClean="0">
+                <a:solidFill>
+                  <a:schemeClr val="tx1"/>
+                </a:solidFill>
+                <a:effectLst/>
+                <a:latin typeface="+mn-lt"/>
+                <a:ea typeface="+mn-ea"/>
+                <a:cs typeface="+mn-cs"/>
+              </a:rPr>
+              <a:t> демонстрирует метрики точности (AP) и полноты (AR) для моделей с архитектурами ResNet18, ResNet50 и ResNet101, обученных на полном </a:t>
+            </a:r>
+            <a:r>
+              <a:rPr lang="ru-RU" sz="1200" b="0" i="0" kern="1200" dirty="0" err="1" smtClean="0">
+                <a:solidFill>
+                  <a:schemeClr val="tx1"/>
+                </a:solidFill>
+                <a:effectLst/>
+                <a:latin typeface="+mn-lt"/>
+                <a:ea typeface="+mn-ea"/>
+                <a:cs typeface="+mn-cs"/>
+              </a:rPr>
+              <a:t>датасете</a:t>
+            </a:r>
+            <a:r>
+              <a:rPr lang="ru-RU" sz="1200" b="0" i="0" kern="1200" dirty="0" smtClean="0">
+                <a:solidFill>
+                  <a:schemeClr val="tx1"/>
+                </a:solidFill>
+                <a:effectLst/>
+                <a:latin typeface="+mn-lt"/>
+                <a:ea typeface="+mn-ea"/>
+                <a:cs typeface="+mn-cs"/>
+              </a:rPr>
+              <a:t> COCO. Значения AP и AR показаны для двух порогов </a:t>
+            </a:r>
+            <a:r>
+              <a:rPr lang="ru-RU" sz="1200" b="0" i="0" kern="1200" dirty="0" err="1" smtClean="0">
+                <a:solidFill>
+                  <a:schemeClr val="tx1"/>
+                </a:solidFill>
+                <a:effectLst/>
+                <a:latin typeface="+mn-lt"/>
+                <a:ea typeface="+mn-ea"/>
+                <a:cs typeface="+mn-cs"/>
+              </a:rPr>
+              <a:t>IoU</a:t>
+            </a:r>
+            <a:r>
+              <a:rPr lang="ru-RU" sz="1200" b="0" i="0" kern="1200" dirty="0" smtClean="0">
+                <a:solidFill>
+                  <a:schemeClr val="tx1"/>
+                </a:solidFill>
+                <a:effectLst/>
+                <a:latin typeface="+mn-lt"/>
+                <a:ea typeface="+mn-ea"/>
+                <a:cs typeface="+mn-cs"/>
+              </a:rPr>
+              <a:t>: 0,5 и 0,75.</a:t>
+            </a:r>
+          </a:p>
+          <a:p>
+            <a:endParaRPr lang="ru-RU" sz="1200" b="1" i="0" kern="1200" dirty="0" smtClean="0">
+              <a:solidFill>
+                <a:schemeClr val="tx1"/>
+              </a:solidFill>
+              <a:effectLst/>
+              <a:latin typeface="+mn-lt"/>
+              <a:ea typeface="+mn-ea"/>
+              <a:cs typeface="+mn-cs"/>
+            </a:endParaRPr>
+          </a:p>
+          <a:p>
+            <a:r>
+              <a:rPr lang="ru-RU" sz="1200" b="1" i="0" kern="1200" dirty="0" smtClean="0">
+                <a:solidFill>
+                  <a:schemeClr val="tx1"/>
+                </a:solidFill>
+                <a:effectLst/>
+                <a:latin typeface="+mn-lt"/>
+                <a:ea typeface="+mn-ea"/>
+                <a:cs typeface="+mn-cs"/>
+              </a:rPr>
+              <a:t>Результаты метрик:</a:t>
+            </a:r>
+            <a:endParaRPr lang="ru-RU" sz="1200" b="0" i="0" kern="1200" dirty="0" smtClean="0">
+              <a:solidFill>
+                <a:schemeClr val="tx1"/>
+              </a:solidFill>
+              <a:effectLst/>
+              <a:latin typeface="+mn-lt"/>
+              <a:ea typeface="+mn-ea"/>
+              <a:cs typeface="+mn-cs"/>
+            </a:endParaRPr>
+          </a:p>
+          <a:p>
+            <a:r>
+              <a:rPr lang="ru-RU" sz="1200" b="1" i="0" kern="1200" dirty="0" smtClean="0">
+                <a:solidFill>
+                  <a:schemeClr val="tx1"/>
+                </a:solidFill>
+                <a:effectLst/>
+                <a:latin typeface="+mn-lt"/>
+                <a:ea typeface="+mn-ea"/>
+                <a:cs typeface="+mn-cs"/>
+              </a:rPr>
+              <a:t>ResNet18</a:t>
+            </a:r>
+            <a:r>
+              <a:rPr lang="ru-RU" sz="1200" b="0" i="0" kern="1200" dirty="0" smtClean="0">
+                <a:solidFill>
+                  <a:schemeClr val="tx1"/>
+                </a:solidFill>
+                <a:effectLst/>
+                <a:latin typeface="+mn-lt"/>
+                <a:ea typeface="+mn-ea"/>
+                <a:cs typeface="+mn-cs"/>
+              </a:rPr>
+              <a:t> показала наименьшую точность среди всех трех моделей. Это объясняется ее простой архитектурой и небольшим количеством слоев, что ограничивает способность извлекать сложные признаки из изображений.</a:t>
+            </a:r>
+          </a:p>
+          <a:p>
+            <a:r>
+              <a:rPr lang="ru-RU" sz="1200" b="1" i="0" kern="1200" dirty="0" smtClean="0">
+                <a:solidFill>
+                  <a:schemeClr val="tx1"/>
+                </a:solidFill>
+                <a:effectLst/>
+                <a:latin typeface="+mn-lt"/>
+                <a:ea typeface="+mn-ea"/>
+                <a:cs typeface="+mn-cs"/>
+              </a:rPr>
+              <a:t>ResNet50</a:t>
+            </a:r>
+            <a:r>
+              <a:rPr lang="ru-RU" sz="1200" b="0" i="0" kern="1200" dirty="0" smtClean="0">
+                <a:solidFill>
+                  <a:schemeClr val="tx1"/>
+                </a:solidFill>
+                <a:effectLst/>
+                <a:latin typeface="+mn-lt"/>
+                <a:ea typeface="+mn-ea"/>
+                <a:cs typeface="+mn-cs"/>
+              </a:rPr>
+              <a:t> продемонстрировала наилучшие результаты среди всех моделей. Значительное улучшение точности объясняется большей глубиной сети, что позволяет более эффективно извлекать признаки. Эта модель достигла высоких значений как AP_50 и AR_50, так и AP_75 и AR_75, показывая, что она хорошо адаптируется к различным вариациям в данных.</a:t>
+            </a:r>
+          </a:p>
+          <a:p>
+            <a:r>
+              <a:rPr lang="ru-RU" sz="1200" b="1" i="0" kern="1200" dirty="0" smtClean="0">
+                <a:solidFill>
+                  <a:schemeClr val="tx1"/>
+                </a:solidFill>
+                <a:effectLst/>
+                <a:latin typeface="+mn-lt"/>
+                <a:ea typeface="+mn-ea"/>
+                <a:cs typeface="+mn-cs"/>
+              </a:rPr>
+              <a:t>ResNet101</a:t>
+            </a:r>
+            <a:r>
+              <a:rPr lang="ru-RU" sz="1200" b="0" i="0" kern="1200" dirty="0" smtClean="0">
+                <a:solidFill>
+                  <a:schemeClr val="tx1"/>
+                </a:solidFill>
+                <a:effectLst/>
+                <a:latin typeface="+mn-lt"/>
+                <a:ea typeface="+mn-ea"/>
+                <a:cs typeface="+mn-cs"/>
+              </a:rPr>
+              <a:t> показала результаты несколько хуже, чем ResNet50, несмотря на наибольшую глубину. Это может быть связано с переобучением или сложностями в оптимизации такой глубокой сети. Хотя она превзошла ResNet18 по всем метрикам, увеличение числа слоев не всегда приводит к улучшению результатов, если модель становится слишком сложной для обучения.</a:t>
+            </a:r>
+          </a:p>
+          <a:p>
+            <a:endParaRPr lang="ru-RU" sz="1200" b="1" i="0" kern="1200" dirty="0" smtClean="0">
+              <a:solidFill>
+                <a:schemeClr val="tx1"/>
+              </a:solidFill>
+              <a:effectLst/>
+              <a:latin typeface="+mn-lt"/>
+              <a:ea typeface="+mn-ea"/>
+              <a:cs typeface="+mn-cs"/>
+            </a:endParaRPr>
+          </a:p>
+          <a:p>
+            <a:r>
+              <a:rPr lang="ru-RU" sz="1200" b="1" i="0" kern="1200" dirty="0" smtClean="0">
+                <a:solidFill>
+                  <a:schemeClr val="tx1"/>
+                </a:solidFill>
+                <a:effectLst/>
+                <a:latin typeface="+mn-lt"/>
+                <a:ea typeface="+mn-ea"/>
+                <a:cs typeface="+mn-cs"/>
+              </a:rPr>
+              <a:t>Рисунок 8</a:t>
+            </a:r>
+            <a:r>
+              <a:rPr lang="ru-RU" sz="1200" b="0" i="0" kern="1200" dirty="0" smtClean="0">
+                <a:solidFill>
+                  <a:schemeClr val="tx1"/>
+                </a:solidFill>
+                <a:effectLst/>
+                <a:latin typeface="+mn-lt"/>
+                <a:ea typeface="+mn-ea"/>
+                <a:cs typeface="+mn-cs"/>
+              </a:rPr>
+              <a:t> иллюстрирует работу модели для определения двумерных ключевых точек. На изображении показаны четыре человека, для каждого из которых модель определила ключевые точки тела и соединила их линиями для визуализации структуры скелета. Модель достаточно точно определила ключевые точки всех людей, что говорит об успешности эксперимента.</a:t>
+            </a:r>
+          </a:p>
+          <a:p>
+            <a:r>
+              <a:rPr lang="ru-RU" sz="1200" b="0" i="0" kern="1200" dirty="0" smtClean="0">
+                <a:solidFill>
+                  <a:schemeClr val="tx1"/>
+                </a:solidFill>
+                <a:effectLst/>
+                <a:latin typeface="+mn-lt"/>
+                <a:ea typeface="+mn-ea"/>
+                <a:cs typeface="+mn-cs"/>
+              </a:rPr>
+              <a:t>Эти результаты подтверждают, что архитектура ResNet50 является оптимальным выбором для задач генерации двумерных ключевых точек, обеспечивая баланс между точностью и вычислительной эффективностью. В дальнейшем можно провести более детальный анализ ее производительности и рассмотреть дополнительные метрики, полученные в процессе обучения.</a:t>
+            </a:r>
+          </a:p>
+          <a:p>
+            <a:endParaRPr lang="ru-RU" dirty="0"/>
+          </a:p>
+        </p:txBody>
+      </p:sp>
+      <p:sp>
+        <p:nvSpPr>
+          <p:cNvPr id="4" name="Номер слайда 3"/>
+          <p:cNvSpPr>
+            <a:spLocks noGrp="1"/>
+          </p:cNvSpPr>
+          <p:nvPr>
+            <p:ph type="sldNum" sz="quarter" idx="10"/>
+          </p:nvPr>
+        </p:nvSpPr>
+        <p:spPr/>
+        <p:txBody>
+          <a:bodyPr/>
+          <a:lstStyle/>
+          <a:p>
+            <a:fld id="{0048289E-2F4B-4BDB-9E3D-307BE649A8BF}" type="slidenum">
+              <a:rPr lang="ru-RU" smtClean="0"/>
+              <a:t>8</a:t>
+            </a:fld>
+            <a:endParaRPr lang="ru-RU"/>
+          </a:p>
+        </p:txBody>
+      </p:sp>
+    </p:spTree>
+    <p:extLst>
+      <p:ext uri="{BB962C8B-B14F-4D97-AF65-F5344CB8AC3E}">
+        <p14:creationId xmlns:p14="http://schemas.microsoft.com/office/powerpoint/2010/main" val="3672613696"/>
+      </p:ext>
+    </p:extLst>
+  </p:cSld>
+  <p:clrMapOvr>
+    <a:masterClrMapping/>
+  </p:clrMapOvr>
+</p:notes>
+</file>
+
+<file path=ppt/notesSlides/notesSlide8.xml><?xml version="1.0" encoding="utf-8"?>
+<p:notes xmlns:a="http://schemas.openxmlformats.org/drawingml/2006/main" xmlns:r="http://schemas.openxmlformats.org/officeDocument/2006/relationships" xmlns:p="http://schemas.openxmlformats.org/presentationml/2006/main">
+  <p:cSld>
+    <p:spTree>
+      <p:nvGrpSpPr>
+        <p:cNvPr id="1" name=""/>
+        <p:cNvGrpSpPr/>
+        <p:nvPr/>
+      </p:nvGrpSpPr>
+      <p:grpSpPr>
+        <a:xfrm>
+          <a:off x="0" y="0"/>
+          <a:ext cx="0" cy="0"/>
+          <a:chOff x="0" y="0"/>
+          <a:chExt cx="0" cy="0"/>
+        </a:xfrm>
+      </p:grpSpPr>
+      <p:sp>
+        <p:nvSpPr>
+          <p:cNvPr id="2" name="Образ слайда 1"/>
+          <p:cNvSpPr>
+            <a:spLocks noGrp="1" noRot="1" noChangeAspect="1"/>
+          </p:cNvSpPr>
+          <p:nvPr>
+            <p:ph type="sldImg"/>
+          </p:nvPr>
+        </p:nvSpPr>
+        <p:spPr/>
+      </p:sp>
+      <p:sp>
+        <p:nvSpPr>
+          <p:cNvPr id="3" name="Заметки 2"/>
+          <p:cNvSpPr>
+            <a:spLocks noGrp="1"/>
+          </p:cNvSpPr>
+          <p:nvPr>
+            <p:ph type="body" idx="1"/>
+          </p:nvPr>
+        </p:nvSpPr>
+        <p:spPr/>
+        <p:txBody>
+          <a:bodyPr/>
+          <a:lstStyle/>
+          <a:p>
+            <a:r>
+              <a:rPr lang="ru-RU" sz="1200" b="0" i="0" kern="1200" dirty="0" smtClean="0">
+                <a:solidFill>
+                  <a:schemeClr val="tx1"/>
+                </a:solidFill>
+                <a:effectLst/>
+                <a:latin typeface="+mn-lt"/>
+                <a:ea typeface="+mn-ea"/>
+                <a:cs typeface="+mn-cs"/>
+              </a:rPr>
+              <a:t>На данном слайде представлена информация о получении карт глубины и построении трехмерного скелета на основе этих данных.</a:t>
+            </a:r>
+          </a:p>
+          <a:p>
+            <a:endParaRPr lang="ru-RU" sz="1200" b="1" i="0" kern="1200" dirty="0" smtClean="0">
+              <a:solidFill>
+                <a:schemeClr val="tx1"/>
+              </a:solidFill>
+              <a:effectLst/>
+              <a:latin typeface="+mn-lt"/>
+              <a:ea typeface="+mn-ea"/>
+              <a:cs typeface="+mn-cs"/>
+            </a:endParaRPr>
+          </a:p>
+          <a:p>
+            <a:r>
+              <a:rPr lang="ru-RU" sz="1200" b="1" i="0" kern="1200" dirty="0" smtClean="0">
+                <a:solidFill>
+                  <a:schemeClr val="tx1"/>
+                </a:solidFill>
+                <a:effectLst/>
+                <a:latin typeface="+mn-lt"/>
+                <a:ea typeface="+mn-ea"/>
+                <a:cs typeface="+mn-cs"/>
+              </a:rPr>
+              <a:t>Рисунок 9</a:t>
+            </a:r>
+            <a:r>
+              <a:rPr lang="ru-RU" sz="1200" b="0" i="0" kern="1200" dirty="0" smtClean="0">
+                <a:solidFill>
+                  <a:schemeClr val="tx1"/>
+                </a:solidFill>
+                <a:effectLst/>
+                <a:latin typeface="+mn-lt"/>
+                <a:ea typeface="+mn-ea"/>
+                <a:cs typeface="+mn-cs"/>
+              </a:rPr>
+              <a:t> демонстрирует карту глубины, полученную с помощью модели </a:t>
+            </a:r>
+            <a:r>
+              <a:rPr lang="ru-RU" sz="1200" b="0" i="0" kern="1200" dirty="0" err="1" smtClean="0">
+                <a:solidFill>
+                  <a:schemeClr val="tx1"/>
+                </a:solidFill>
+                <a:effectLst/>
+                <a:latin typeface="+mn-lt"/>
+                <a:ea typeface="+mn-ea"/>
+                <a:cs typeface="+mn-cs"/>
+              </a:rPr>
+              <a:t>MiDaS</a:t>
+            </a:r>
+            <a:r>
+              <a:rPr lang="ru-RU" sz="1200" b="0" i="0" kern="1200" dirty="0" smtClean="0">
+                <a:solidFill>
+                  <a:schemeClr val="tx1"/>
+                </a:solidFill>
+                <a:effectLst/>
+                <a:latin typeface="+mn-lt"/>
+                <a:ea typeface="+mn-ea"/>
+                <a:cs typeface="+mn-cs"/>
+              </a:rPr>
+              <a:t>. Карта глубины является визуализацией, где более темные области обозначают большую глубину (более удаленные от камеры), а светлые области находятся ближе к камере. Эта карта глубины, генерируемая моделью глубокого обучения, показывает некоторую размытую и нечеткую визуализацию, что указывает на неточности в определении точного расстояния до различных частей тела человека. Причины могут включать ограничения самой модели </a:t>
+            </a:r>
+            <a:r>
+              <a:rPr lang="ru-RU" sz="1200" b="0" i="0" kern="1200" dirty="0" err="1" smtClean="0">
+                <a:solidFill>
+                  <a:schemeClr val="tx1"/>
+                </a:solidFill>
+                <a:effectLst/>
+                <a:latin typeface="+mn-lt"/>
+                <a:ea typeface="+mn-ea"/>
+                <a:cs typeface="+mn-cs"/>
+              </a:rPr>
+              <a:t>MiDaS</a:t>
+            </a:r>
+            <a:r>
+              <a:rPr lang="ru-RU" sz="1200" b="0" i="0" kern="1200" dirty="0" smtClean="0">
+                <a:solidFill>
+                  <a:schemeClr val="tx1"/>
+                </a:solidFill>
+                <a:effectLst/>
+                <a:latin typeface="+mn-lt"/>
+                <a:ea typeface="+mn-ea"/>
+                <a:cs typeface="+mn-cs"/>
+              </a:rPr>
+              <a:t>, такие как недостаточное количество обучающих данных или сложность интерпретации сцен с однородными или сложными текстурами.</a:t>
+            </a:r>
+          </a:p>
+          <a:p>
+            <a:endParaRPr lang="ru-RU" sz="1200" b="1" i="0" kern="1200" dirty="0" smtClean="0">
+              <a:solidFill>
+                <a:schemeClr val="tx1"/>
+              </a:solidFill>
+              <a:effectLst/>
+              <a:latin typeface="+mn-lt"/>
+              <a:ea typeface="+mn-ea"/>
+              <a:cs typeface="+mn-cs"/>
+            </a:endParaRPr>
+          </a:p>
+          <a:p>
+            <a:r>
+              <a:rPr lang="ru-RU" sz="1200" b="1" i="0" kern="1200" dirty="0" smtClean="0">
+                <a:solidFill>
+                  <a:schemeClr val="tx1"/>
+                </a:solidFill>
+                <a:effectLst/>
+                <a:latin typeface="+mn-lt"/>
+                <a:ea typeface="+mn-ea"/>
+                <a:cs typeface="+mn-cs"/>
+              </a:rPr>
+              <a:t>Рисунок 10</a:t>
+            </a:r>
+            <a:r>
+              <a:rPr lang="ru-RU" sz="1200" b="0" i="0" kern="1200" dirty="0" smtClean="0">
+                <a:solidFill>
+                  <a:schemeClr val="tx1"/>
+                </a:solidFill>
+                <a:effectLst/>
+                <a:latin typeface="+mn-lt"/>
+                <a:ea typeface="+mn-ea"/>
+                <a:cs typeface="+mn-cs"/>
+              </a:rPr>
+              <a:t> представляет трехмерный скелет, созданный на основе карты глубины и определения ключевых точек. Скелет визуализирован с помощью линий, соединяющих ключевые точки, определенные алгоритмом. Общая картина трехмерного скелета достаточно правдоподобна и соответствует позе на исходном изображении. Однако, как упоминалось ранее, нечеткость карты глубины может привести к ошибкам в точном определении пространственных положений ключевых точек. Это может повлиять на общую точность системы построения 3D модели скелета. Ошибки в данных о глубине и в определении ключевых точек могут быть усугублены при их комбинировании. Например, если ключевая точка неправильно помечена на изображении или если глубина этой точки рассчитана неверно, это приведет к созданию неправильной 3D модели.</a:t>
+            </a:r>
+          </a:p>
+          <a:p>
+            <a:endParaRPr lang="ru-RU" sz="1200" b="1" i="0" kern="1200" dirty="0" smtClean="0">
+              <a:solidFill>
+                <a:schemeClr val="tx1"/>
+              </a:solidFill>
+              <a:effectLst/>
+              <a:latin typeface="+mn-lt"/>
+              <a:ea typeface="+mn-ea"/>
+              <a:cs typeface="+mn-cs"/>
+            </a:endParaRPr>
+          </a:p>
+          <a:p>
+            <a:r>
+              <a:rPr lang="ru-RU" sz="1200" b="1" i="0" kern="1200" dirty="0" smtClean="0">
+                <a:solidFill>
+                  <a:schemeClr val="tx1"/>
+                </a:solidFill>
+                <a:effectLst/>
+                <a:latin typeface="+mn-lt"/>
+                <a:ea typeface="+mn-ea"/>
+                <a:cs typeface="+mn-cs"/>
+              </a:rPr>
+              <a:t>Выводы:</a:t>
+            </a:r>
+            <a:endParaRPr lang="ru-RU" sz="1200" b="0" i="0" kern="1200" dirty="0" smtClean="0">
+              <a:solidFill>
+                <a:schemeClr val="tx1"/>
+              </a:solidFill>
+              <a:effectLst/>
+              <a:latin typeface="+mn-lt"/>
+              <a:ea typeface="+mn-ea"/>
+              <a:cs typeface="+mn-cs"/>
+            </a:endParaRPr>
+          </a:p>
+          <a:p>
+            <a:r>
+              <a:rPr lang="ru-RU" sz="1200" b="0" i="0" kern="1200" dirty="0" smtClean="0">
+                <a:solidFill>
+                  <a:schemeClr val="tx1"/>
+                </a:solidFill>
+                <a:effectLst/>
+                <a:latin typeface="+mn-lt"/>
+                <a:ea typeface="+mn-ea"/>
+                <a:cs typeface="+mn-cs"/>
+              </a:rPr>
+              <a:t>Точность каждой части системы критически важна для достижения общего успеха.</a:t>
+            </a:r>
+          </a:p>
+          <a:p>
+            <a:r>
+              <a:rPr lang="ru-RU" sz="1200" b="0" i="0" kern="1200" dirty="0" smtClean="0">
+                <a:solidFill>
+                  <a:schemeClr val="tx1"/>
+                </a:solidFill>
+                <a:effectLst/>
+                <a:latin typeface="+mn-lt"/>
+                <a:ea typeface="+mn-ea"/>
+                <a:cs typeface="+mn-cs"/>
+              </a:rPr>
+              <a:t>Модель для определения 2D ключевых точек демонстрирует хорошие результаты, но генерация карты глубины требует дальнейшей доработки.</a:t>
+            </a:r>
+          </a:p>
+          <a:p>
+            <a:r>
+              <a:rPr lang="ru-RU" sz="1200" b="0" i="0" kern="1200" dirty="0" smtClean="0">
+                <a:solidFill>
+                  <a:schemeClr val="tx1"/>
+                </a:solidFill>
+                <a:effectLst/>
+                <a:latin typeface="+mn-lt"/>
+                <a:ea typeface="+mn-ea"/>
+                <a:cs typeface="+mn-cs"/>
+              </a:rPr>
+              <a:t>Использование модели </a:t>
+            </a:r>
+            <a:r>
+              <a:rPr lang="ru-RU" sz="1200" b="0" i="0" kern="1200" dirty="0" err="1" smtClean="0">
+                <a:solidFill>
+                  <a:schemeClr val="tx1"/>
+                </a:solidFill>
+                <a:effectLst/>
+                <a:latin typeface="+mn-lt"/>
+                <a:ea typeface="+mn-ea"/>
+                <a:cs typeface="+mn-cs"/>
+              </a:rPr>
+              <a:t>MiDaS</a:t>
+            </a:r>
+            <a:r>
+              <a:rPr lang="ru-RU" sz="1200" b="0" i="0" kern="1200" dirty="0" smtClean="0">
+                <a:solidFill>
+                  <a:schemeClr val="tx1"/>
+                </a:solidFill>
+                <a:effectLst/>
+                <a:latin typeface="+mn-lt"/>
+                <a:ea typeface="+mn-ea"/>
+                <a:cs typeface="+mn-cs"/>
+              </a:rPr>
+              <a:t> служило вспомогательным инструментом в данном исследовании. Основное внимание было уделено другим аспектам системы.</a:t>
+            </a:r>
+          </a:p>
+          <a:p>
+            <a:r>
+              <a:rPr lang="ru-RU" sz="1200" b="0" i="0" kern="1200" dirty="0" smtClean="0">
+                <a:solidFill>
+                  <a:schemeClr val="tx1"/>
+                </a:solidFill>
+                <a:effectLst/>
+                <a:latin typeface="+mn-lt"/>
+                <a:ea typeface="+mn-ea"/>
+                <a:cs typeface="+mn-cs"/>
+              </a:rPr>
+              <a:t>Проблемы с точностью карты глубины подчеркивают необходимость дальнейших исследований и улучшений, чтобы достичь высокой точности в создании трехмерных моделей на основе полученных данных.</a:t>
+            </a:r>
+          </a:p>
+          <a:p>
+            <a:endParaRPr lang="ru-RU" dirty="0"/>
+          </a:p>
+        </p:txBody>
+      </p:sp>
+      <p:sp>
+        <p:nvSpPr>
+          <p:cNvPr id="4" name="Номер слайда 3"/>
+          <p:cNvSpPr>
+            <a:spLocks noGrp="1"/>
+          </p:cNvSpPr>
+          <p:nvPr>
+            <p:ph type="sldNum" sz="quarter" idx="10"/>
+          </p:nvPr>
+        </p:nvSpPr>
+        <p:spPr/>
+        <p:txBody>
+          <a:bodyPr/>
+          <a:lstStyle/>
+          <a:p>
+            <a:fld id="{0048289E-2F4B-4BDB-9E3D-307BE649A8BF}" type="slidenum">
+              <a:rPr lang="ru-RU" smtClean="0"/>
               <a:t>9</a:t>
             </a:fld>
             <a:endParaRPr lang="ru-RU"/>
@@ -901,6 +5024,433 @@
     <p:extLst>
       <p:ext uri="{BB962C8B-B14F-4D97-AF65-F5344CB8AC3E}">
         <p14:creationId xmlns:p14="http://schemas.microsoft.com/office/powerpoint/2010/main" val="2053489812"/>
+      </p:ext>
+    </p:extLst>
+  </p:cSld>
+  <p:clrMapOvr>
+    <a:masterClrMapping/>
+  </p:clrMapOvr>
+</p:notes>
+</file>
+
+<file path=ppt/notesSlides/notesSlide9.xml><?xml version="1.0" encoding="utf-8"?>
+<p:notes xmlns:a="http://schemas.openxmlformats.org/drawingml/2006/main" xmlns:r="http://schemas.openxmlformats.org/officeDocument/2006/relationships" xmlns:p="http://schemas.openxmlformats.org/presentationml/2006/main">
+  <p:cSld>
+    <p:spTree>
+      <p:nvGrpSpPr>
+        <p:cNvPr id="1" name=""/>
+        <p:cNvGrpSpPr/>
+        <p:nvPr/>
+      </p:nvGrpSpPr>
+      <p:grpSpPr>
+        <a:xfrm>
+          <a:off x="0" y="0"/>
+          <a:ext cx="0" cy="0"/>
+          <a:chOff x="0" y="0"/>
+          <a:chExt cx="0" cy="0"/>
+        </a:xfrm>
+      </p:grpSpPr>
+      <p:sp>
+        <p:nvSpPr>
+          <p:cNvPr id="2" name="Образ слайда 1"/>
+          <p:cNvSpPr>
+            <a:spLocks noGrp="1" noRot="1" noChangeAspect="1"/>
+          </p:cNvSpPr>
+          <p:nvPr>
+            <p:ph type="sldImg"/>
+          </p:nvPr>
+        </p:nvSpPr>
+        <p:spPr/>
+      </p:sp>
+      <mc:AlternateContent xmlns:mc="http://schemas.openxmlformats.org/markup-compatibility/2006">
+        <mc:Choice xmlns:a14="http://schemas.microsoft.com/office/drawing/2010/main" Requires="a14">
+          <p:sp>
+            <p:nvSpPr>
+              <p:cNvPr id="3" name="Заметки 2"/>
+              <p:cNvSpPr>
+                <a:spLocks noGrp="1"/>
+              </p:cNvSpPr>
+              <p:nvPr>
+                <p:ph type="body" idx="1"/>
+              </p:nvPr>
+            </p:nvSpPr>
+            <p:spPr/>
+            <p:txBody>
+              <a:bodyPr/>
+              <a:lstStyle/>
+              <a:p>
+                <a:r>
+                  <a:rPr lang="ru-RU" dirty="0" smtClean="0"/>
+                  <a:t>Эксперименты с архитектурами ResNet18, ResNet50 и ResNet101 показали, что ResNet50 продемонстрировала наилучшие результаты, достигая </a:t>
+                </a:r>
+                <a14:m>
+                  <m:oMath xmlns:m="http://schemas.openxmlformats.org/officeDocument/2006/math">
+                    <m:r>
+                      <a:rPr lang="en-US">
+                        <a:latin typeface="Cambria Math" panose="02040503050406030204" pitchFamily="18" charset="0"/>
+                      </a:rPr>
+                      <m:t>𝐴</m:t>
+                    </m:r>
+                    <m:sSub>
+                      <m:sSubPr>
+                        <m:ctrlPr>
+                          <a:rPr lang="ru-RU" i="1">
+                            <a:latin typeface="Cambria Math" panose="02040503050406030204" pitchFamily="18" charset="0"/>
+                          </a:rPr>
+                        </m:ctrlPr>
+                      </m:sSubPr>
+                      <m:e>
+                        <m:r>
+                          <a:rPr lang="en-US">
+                            <a:latin typeface="Cambria Math" panose="02040503050406030204" pitchFamily="18" charset="0"/>
+                          </a:rPr>
+                          <m:t>𝑃</m:t>
+                        </m:r>
+                      </m:e>
+                      <m:sub>
+                        <m:r>
+                          <a:rPr lang="en-US">
+                            <a:latin typeface="Cambria Math" panose="02040503050406030204" pitchFamily="18" charset="0"/>
+                          </a:rPr>
+                          <m:t>50</m:t>
+                        </m:r>
+                      </m:sub>
+                    </m:sSub>
+                  </m:oMath>
+                </a14:m>
+                <a:r>
+                  <a:rPr lang="ru-RU" dirty="0"/>
+                  <a:t>=85,5, </a:t>
+                </a:r>
+                <a14:m>
+                  <m:oMath xmlns:m="http://schemas.openxmlformats.org/officeDocument/2006/math">
+                    <m:r>
+                      <a:rPr lang="en-US">
+                        <a:latin typeface="Cambria Math" panose="02040503050406030204" pitchFamily="18" charset="0"/>
+                      </a:rPr>
+                      <m:t>𝐴</m:t>
+                    </m:r>
+                    <m:sSub>
+                      <m:sSubPr>
+                        <m:ctrlPr>
+                          <a:rPr lang="ru-RU" i="1">
+                            <a:latin typeface="Cambria Math" panose="02040503050406030204" pitchFamily="18" charset="0"/>
+                          </a:rPr>
+                        </m:ctrlPr>
+                      </m:sSubPr>
+                      <m:e>
+                        <m:r>
+                          <a:rPr lang="en-US">
+                            <a:latin typeface="Cambria Math" panose="02040503050406030204" pitchFamily="18" charset="0"/>
+                          </a:rPr>
+                          <m:t>𝑃</m:t>
+                        </m:r>
+                      </m:e>
+                      <m:sub>
+                        <m:r>
+                          <a:rPr lang="en-US">
+                            <a:latin typeface="Cambria Math" panose="02040503050406030204" pitchFamily="18" charset="0"/>
+                          </a:rPr>
+                          <m:t>75</m:t>
+                        </m:r>
+                      </m:sub>
+                    </m:sSub>
+                  </m:oMath>
+                </a14:m>
+                <a:r>
+                  <a:rPr lang="ru-RU" dirty="0"/>
+                  <a:t>=69,7, </a:t>
+                </a:r>
+                <a14:m>
+                  <m:oMath xmlns:m="http://schemas.openxmlformats.org/officeDocument/2006/math">
+                    <m:r>
+                      <a:rPr lang="en-US">
+                        <a:latin typeface="Cambria Math" panose="02040503050406030204" pitchFamily="18" charset="0"/>
+                      </a:rPr>
+                      <m:t>𝐴</m:t>
+                    </m:r>
+                    <m:sSub>
+                      <m:sSubPr>
+                        <m:ctrlPr>
+                          <a:rPr lang="ru-RU" i="1">
+                            <a:latin typeface="Cambria Math" panose="02040503050406030204" pitchFamily="18" charset="0"/>
+                          </a:rPr>
+                        </m:ctrlPr>
+                      </m:sSubPr>
+                      <m:e>
+                        <m:r>
+                          <a:rPr lang="en-US">
+                            <a:latin typeface="Cambria Math" panose="02040503050406030204" pitchFamily="18" charset="0"/>
+                          </a:rPr>
+                          <m:t>𝑅</m:t>
+                        </m:r>
+                      </m:e>
+                      <m:sub>
+                        <m:r>
+                          <a:rPr lang="en-US">
+                            <a:latin typeface="Cambria Math" panose="02040503050406030204" pitchFamily="18" charset="0"/>
+                          </a:rPr>
+                          <m:t>50</m:t>
+                        </m:r>
+                      </m:sub>
+                    </m:sSub>
+                  </m:oMath>
+                </a14:m>
+                <a:r>
+                  <a:rPr lang="ru-RU" dirty="0" smtClean="0"/>
+                  <a:t>=</a:t>
+                </a:r>
+                <a:r>
+                  <a:rPr lang="ru-RU" dirty="0"/>
+                  <a:t>90,5, </a:t>
+                </a:r>
+                <a14:m>
+                  <m:oMath xmlns:m="http://schemas.openxmlformats.org/officeDocument/2006/math">
+                    <m:r>
+                      <a:rPr lang="en-US">
+                        <a:latin typeface="Cambria Math" panose="02040503050406030204" pitchFamily="18" charset="0"/>
+                      </a:rPr>
+                      <m:t>𝐴</m:t>
+                    </m:r>
+                    <m:sSub>
+                      <m:sSubPr>
+                        <m:ctrlPr>
+                          <a:rPr lang="ru-RU" i="1">
+                            <a:latin typeface="Cambria Math" panose="02040503050406030204" pitchFamily="18" charset="0"/>
+                          </a:rPr>
+                        </m:ctrlPr>
+                      </m:sSubPr>
+                      <m:e>
+                        <m:r>
+                          <a:rPr lang="en-US">
+                            <a:latin typeface="Cambria Math" panose="02040503050406030204" pitchFamily="18" charset="0"/>
+                          </a:rPr>
+                          <m:t>𝑅</m:t>
+                        </m:r>
+                      </m:e>
+                      <m:sub>
+                        <m:r>
+                          <a:rPr lang="en-US">
+                            <a:latin typeface="Cambria Math" panose="02040503050406030204" pitchFamily="18" charset="0"/>
+                          </a:rPr>
+                          <m:t>75</m:t>
+                        </m:r>
+                      </m:sub>
+                    </m:sSub>
+                  </m:oMath>
+                </a14:m>
+                <a:r>
+                  <a:rPr lang="ru-RU" dirty="0"/>
+                  <a:t>=76,0. Эти результаты подтверждают, что ResNet50 обеспечивает оптимальный баланс между точностью и вычислительной эффективностью, что делает её предпочтительной для реальных приложений</a:t>
+                </a:r>
+                <a:r>
+                  <a:rPr lang="ru-RU" dirty="0" smtClean="0"/>
+                  <a:t>.</a:t>
+                </a:r>
+              </a:p>
+              <a:p>
+                <a:endParaRPr lang="ru-RU" dirty="0"/>
+              </a:p>
+              <a:p>
+                <a:r>
+                  <a:rPr lang="ru-RU" dirty="0"/>
+                  <a:t>Перспективы развития включают улучшение алгоритмов для изображений с низким разрешением, разработку новых методов обучения моделей, адаптируемых к различным условиям освещения и фона, и минимизацию времени обработки данных в реальном времени. Использование рекуррентных нейронных сетей (RNN) для анализа временных последовательностей движения также может значительно улучшить способность системы распознавать и интерпретировать сложные последовательности движений.</a:t>
+                </a:r>
+              </a:p>
+              <a:p>
+                <a:endParaRPr lang="ru-RU" dirty="0"/>
+              </a:p>
+              <a:p>
+                <a:r>
+                  <a:rPr lang="ru-RU" dirty="0"/>
+                  <a:t>Для дальнейшего улучшения системы целесообразно обогатить </a:t>
+                </a:r>
+                <a:r>
+                  <a:rPr lang="ru-RU" dirty="0" err="1"/>
+                  <a:t>датасет</a:t>
+                </a:r>
+                <a:r>
+                  <a:rPr lang="ru-RU" dirty="0"/>
+                  <a:t> COCO данными о глубине, что облегчит задачу построения 3D скелета и повысит общую точность модели.</a:t>
+                </a:r>
+              </a:p>
+            </p:txBody>
+          </p:sp>
+        </mc:Choice>
+        <mc:Fallback>
+          <p:sp>
+            <p:nvSpPr>
+              <p:cNvPr id="3" name="Заметки 2"/>
+              <p:cNvSpPr>
+                <a:spLocks noGrp="1"/>
+              </p:cNvSpPr>
+              <p:nvPr>
+                <p:ph type="body" idx="1"/>
+              </p:nvPr>
+            </p:nvSpPr>
+            <p:spPr/>
+            <p:txBody>
+              <a:bodyPr/>
+              <a:lstStyle/>
+              <a:p>
+                <a:r>
+                  <a:rPr lang="ru-RU" dirty="0" smtClean="0"/>
+                  <a:t>Эксперименты с архитектурами ResNet18, ResNet50 и ResNet101 показали, что ResNet50 продемонстрировала наилучшие результаты, достигая </a:t>
+                </a:r>
+                <a:r>
+                  <a:rPr lang="en-US" i="0">
+                    <a:latin typeface="Cambria Math" panose="02040503050406030204" pitchFamily="18" charset="0"/>
+                  </a:rPr>
+                  <a:t>𝐴𝑃</a:t>
+                </a:r>
+                <a:r>
+                  <a:rPr lang="ru-RU" i="0">
+                    <a:latin typeface="Cambria Math" panose="02040503050406030204" pitchFamily="18" charset="0"/>
+                  </a:rPr>
+                  <a:t>_</a:t>
+                </a:r>
+                <a:r>
+                  <a:rPr lang="en-US" i="0">
+                    <a:latin typeface="Cambria Math" panose="02040503050406030204" pitchFamily="18" charset="0"/>
+                  </a:rPr>
+                  <a:t>50</a:t>
+                </a:r>
+                <a:r>
+                  <a:rPr lang="ru-RU" dirty="0"/>
+                  <a:t>=85,5, </a:t>
+                </a:r>
+                <a:r>
+                  <a:rPr lang="en-US" i="0">
+                    <a:latin typeface="Cambria Math" panose="02040503050406030204" pitchFamily="18" charset="0"/>
+                  </a:rPr>
+                  <a:t>𝐴𝑃</a:t>
+                </a:r>
+                <a:r>
+                  <a:rPr lang="ru-RU" i="0">
+                    <a:latin typeface="Cambria Math" panose="02040503050406030204" pitchFamily="18" charset="0"/>
+                  </a:rPr>
+                  <a:t>_</a:t>
+                </a:r>
+                <a:r>
+                  <a:rPr lang="en-US" i="0">
+                    <a:latin typeface="Cambria Math" panose="02040503050406030204" pitchFamily="18" charset="0"/>
+                  </a:rPr>
+                  <a:t>75</a:t>
+                </a:r>
+                <a:r>
+                  <a:rPr lang="ru-RU" dirty="0"/>
+                  <a:t>=69,7, </a:t>
+                </a:r>
+                <a:r>
+                  <a:rPr lang="en-US" i="0">
+                    <a:latin typeface="Cambria Math" panose="02040503050406030204" pitchFamily="18" charset="0"/>
+                  </a:rPr>
+                  <a:t>𝐴𝑅</a:t>
+                </a:r>
+                <a:r>
+                  <a:rPr lang="ru-RU" i="0">
+                    <a:latin typeface="Cambria Math" panose="02040503050406030204" pitchFamily="18" charset="0"/>
+                  </a:rPr>
+                  <a:t>_</a:t>
+                </a:r>
+                <a:r>
+                  <a:rPr lang="en-US" i="0">
+                    <a:latin typeface="Cambria Math" panose="02040503050406030204" pitchFamily="18" charset="0"/>
+                  </a:rPr>
+                  <a:t>50</a:t>
+                </a:r>
+                <a:r>
+                  <a:rPr lang="ru-RU" dirty="0" smtClean="0"/>
+                  <a:t>=</a:t>
+                </a:r>
+                <a:r>
+                  <a:rPr lang="ru-RU" dirty="0"/>
+                  <a:t>90,5, </a:t>
+                </a:r>
+                <a:r>
+                  <a:rPr lang="en-US" i="0">
+                    <a:latin typeface="Cambria Math" panose="02040503050406030204" pitchFamily="18" charset="0"/>
+                  </a:rPr>
+                  <a:t>𝐴𝑅</a:t>
+                </a:r>
+                <a:r>
+                  <a:rPr lang="ru-RU" i="0">
+                    <a:latin typeface="Cambria Math" panose="02040503050406030204" pitchFamily="18" charset="0"/>
+                  </a:rPr>
+                  <a:t>_</a:t>
+                </a:r>
+                <a:r>
+                  <a:rPr lang="en-US" i="0">
+                    <a:latin typeface="Cambria Math" panose="02040503050406030204" pitchFamily="18" charset="0"/>
+                  </a:rPr>
+                  <a:t>75</a:t>
+                </a:r>
+                <a:r>
+                  <a:rPr lang="ru-RU" dirty="0"/>
+                  <a:t>=76,0. Эти результаты подтверждают, что ResNet50 обеспечивает оптимальный баланс между точностью и вычислительной эффективностью, что делает её предпочтительной для реальных приложений</a:t>
+                </a:r>
+                <a:r>
+                  <a:rPr lang="ru-RU" dirty="0" smtClean="0"/>
+                  <a:t>.</a:t>
+                </a:r>
+              </a:p>
+              <a:p>
+                <a:endParaRPr lang="ru-RU" dirty="0"/>
+              </a:p>
+              <a:p>
+                <a:r>
+                  <a:rPr lang="ru-RU" dirty="0"/>
+                  <a:t>Перспективы развития включают улучшение алгоритмов для изображений с низким разрешением, разработку новых методов обучения моделей, адаптируемых к различным условиям освещения и фона, и минимизацию времени обработки данных в реальном времени. Использование рекуррентных нейронных сетей (RNN) для анализа временных последовательностей движения также может значительно улучшить способность системы распознавать и интерпретировать сложные последовательности движений.</a:t>
+                </a:r>
+              </a:p>
+              <a:p>
+                <a:endParaRPr lang="ru-RU" dirty="0"/>
+              </a:p>
+              <a:p>
+                <a:r>
+                  <a:rPr lang="ru-RU" dirty="0"/>
+                  <a:t>Для дальнейшего улучшения системы целесообразно обогатить </a:t>
+                </a:r>
+                <a:r>
+                  <a:rPr lang="ru-RU" dirty="0" err="1"/>
+                  <a:t>датасет</a:t>
+                </a:r>
+                <a:r>
+                  <a:rPr lang="ru-RU" dirty="0"/>
+                  <a:t> COCO данными о глубине, что облегчит задачу построения 3D скелета и повысит общую точность модели.</a:t>
+                </a:r>
+              </a:p>
+            </p:txBody>
+          </p:sp>
+        </mc:Fallback>
+      </mc:AlternateContent>
+      <p:sp>
+        <p:nvSpPr>
+          <p:cNvPr id="4" name="Номер слайда 3"/>
+          <p:cNvSpPr>
+            <a:spLocks noGrp="1"/>
+          </p:cNvSpPr>
+          <p:nvPr>
+            <p:ph type="sldNum" sz="quarter" idx="10"/>
+          </p:nvPr>
+        </p:nvSpPr>
+        <p:spPr/>
+        <p:txBody>
+          <a:bodyPr/>
+          <a:lstStyle/>
+          <a:p>
+            <a:fld id="{0048289E-2F4B-4BDB-9E3D-307BE649A8BF}" type="slidenum">
+              <a:rPr lang="ru-RU" smtClean="0"/>
+              <a:t>10</a:t>
+            </a:fld>
+            <a:endParaRPr lang="ru-RU"/>
+          </a:p>
+        </p:txBody>
+      </p:sp>
+    </p:spTree>
+    <p:extLst>
+      <p:ext uri="{BB962C8B-B14F-4D97-AF65-F5344CB8AC3E}">
+        <p14:creationId xmlns:p14="http://schemas.microsoft.com/office/powerpoint/2010/main" val="1279281922"/>
       </p:ext>
     </p:extLst>
   </p:cSld>
@@ -4001,6 +8551,410 @@
   <p:cSld>
     <p:bg>
       <p:bgPr>
+        <a:blipFill dpi="0" rotWithShape="1">
+          <a:blip r:embed="rId3">
+            <a:lum/>
+          </a:blip>
+          <a:srcRect/>
+          <a:stretch>
+            <a:fillRect/>
+          </a:stretch>
+        </a:blipFill>
+        <a:effectLst/>
+      </p:bgPr>
+    </p:bg>
+    <p:spTree>
+      <p:nvGrpSpPr>
+        <p:cNvPr id="1" name=""/>
+        <p:cNvGrpSpPr/>
+        <p:nvPr/>
+      </p:nvGrpSpPr>
+      <p:grpSpPr>
+        <a:xfrm>
+          <a:off x="0" y="0"/>
+          <a:ext cx="0" cy="0"/>
+          <a:chOff x="0" y="0"/>
+          <a:chExt cx="0" cy="0"/>
+        </a:xfrm>
+      </p:grpSpPr>
+      <p:sp>
+        <p:nvSpPr>
+          <p:cNvPr id="3" name="TextBox 2"/>
+          <p:cNvSpPr txBox="1"/>
+          <p:nvPr/>
+        </p:nvSpPr>
+        <p:spPr>
+          <a:xfrm>
+            <a:off x="1818745" y="301532"/>
+            <a:ext cx="9291208" cy="369332"/>
+          </a:xfrm>
+          <a:prstGeom prst="rect">
+            <a:avLst/>
+          </a:prstGeom>
+          <a:noFill/>
+        </p:spPr>
+        <p:txBody>
+          <a:bodyPr wrap="square" rtlCol="0" anchor="ctr" anchorCtr="1">
+            <a:spAutoFit/>
+          </a:bodyPr>
+          <a:lstStyle/>
+          <a:p>
+            <a:pPr algn="ctr"/>
+            <a:r>
+              <a:rPr lang="ru-RU" dirty="0" smtClean="0">
+                <a:solidFill>
+                  <a:schemeClr val="bg1"/>
+                </a:solidFill>
+                <a:latin typeface="Elektra Text Pro" panose="02000503030000020004" pitchFamily="50" charset="-52"/>
+              </a:rPr>
+              <a:t>Заключение</a:t>
+            </a:r>
+            <a:endParaRPr lang="ru-RU" dirty="0">
+              <a:solidFill>
+                <a:schemeClr val="bg1"/>
+              </a:solidFill>
+              <a:latin typeface="Elektra Text Pro" panose="02000503030000020004" pitchFamily="50" charset="-52"/>
+            </a:endParaRPr>
+          </a:p>
+        </p:txBody>
+      </p:sp>
+      <mc:AlternateContent xmlns:mc="http://schemas.openxmlformats.org/markup-compatibility/2006">
+        <mc:Choice xmlns:a14="http://schemas.microsoft.com/office/drawing/2010/main" Requires="a14">
+          <p:sp>
+            <p:nvSpPr>
+              <p:cNvPr id="11" name="TextBox 10"/>
+              <p:cNvSpPr txBox="1"/>
+              <p:nvPr/>
+            </p:nvSpPr>
+            <p:spPr>
+              <a:xfrm>
+                <a:off x="609600" y="1418755"/>
+                <a:ext cx="10951068" cy="3693319"/>
+              </a:xfrm>
+              <a:prstGeom prst="rect">
+                <a:avLst/>
+              </a:prstGeom>
+              <a:noFill/>
+            </p:spPr>
+            <p:txBody>
+              <a:bodyPr wrap="square" rtlCol="0">
+                <a:spAutoFit/>
+              </a:bodyPr>
+              <a:lstStyle/>
+              <a:p>
+                <a:r>
+                  <a:rPr lang="ru-RU" dirty="0" smtClean="0"/>
+                  <a:t>Эксперименты с архитектурами ResNet18, ResNet50 и ResNet101 показали, что ResNet50 продемонстрировала наилучшие результаты, достигая </a:t>
+                </a:r>
+                <a14:m>
+                  <m:oMath xmlns:m="http://schemas.openxmlformats.org/officeDocument/2006/math">
+                    <m:r>
+                      <a:rPr lang="en-US">
+                        <a:latin typeface="Cambria Math" panose="02040503050406030204" pitchFamily="18" charset="0"/>
+                      </a:rPr>
+                      <m:t>𝐴</m:t>
+                    </m:r>
+                    <m:sSub>
+                      <m:sSubPr>
+                        <m:ctrlPr>
+                          <a:rPr lang="ru-RU" i="1">
+                            <a:latin typeface="Cambria Math" panose="02040503050406030204" pitchFamily="18" charset="0"/>
+                          </a:rPr>
+                        </m:ctrlPr>
+                      </m:sSubPr>
+                      <m:e>
+                        <m:r>
+                          <a:rPr lang="en-US">
+                            <a:latin typeface="Cambria Math" panose="02040503050406030204" pitchFamily="18" charset="0"/>
+                          </a:rPr>
+                          <m:t>𝑃</m:t>
+                        </m:r>
+                      </m:e>
+                      <m:sub>
+                        <m:r>
+                          <a:rPr lang="en-US">
+                            <a:latin typeface="Cambria Math" panose="02040503050406030204" pitchFamily="18" charset="0"/>
+                          </a:rPr>
+                          <m:t>50</m:t>
+                        </m:r>
+                      </m:sub>
+                    </m:sSub>
+                  </m:oMath>
+                </a14:m>
+                <a:r>
+                  <a:rPr lang="ru-RU" dirty="0"/>
+                  <a:t>=85,5, </a:t>
+                </a:r>
+                <a14:m>
+                  <m:oMath xmlns:m="http://schemas.openxmlformats.org/officeDocument/2006/math">
+                    <m:r>
+                      <a:rPr lang="en-US">
+                        <a:latin typeface="Cambria Math" panose="02040503050406030204" pitchFamily="18" charset="0"/>
+                      </a:rPr>
+                      <m:t>𝐴</m:t>
+                    </m:r>
+                    <m:sSub>
+                      <m:sSubPr>
+                        <m:ctrlPr>
+                          <a:rPr lang="ru-RU" i="1">
+                            <a:latin typeface="Cambria Math" panose="02040503050406030204" pitchFamily="18" charset="0"/>
+                          </a:rPr>
+                        </m:ctrlPr>
+                      </m:sSubPr>
+                      <m:e>
+                        <m:r>
+                          <a:rPr lang="en-US">
+                            <a:latin typeface="Cambria Math" panose="02040503050406030204" pitchFamily="18" charset="0"/>
+                          </a:rPr>
+                          <m:t>𝑃</m:t>
+                        </m:r>
+                      </m:e>
+                      <m:sub>
+                        <m:r>
+                          <a:rPr lang="en-US">
+                            <a:latin typeface="Cambria Math" panose="02040503050406030204" pitchFamily="18" charset="0"/>
+                          </a:rPr>
+                          <m:t>75</m:t>
+                        </m:r>
+                      </m:sub>
+                    </m:sSub>
+                  </m:oMath>
+                </a14:m>
+                <a:r>
+                  <a:rPr lang="ru-RU" dirty="0"/>
+                  <a:t>=69,7, </a:t>
+                </a:r>
+                <a14:m>
+                  <m:oMath xmlns:m="http://schemas.openxmlformats.org/officeDocument/2006/math">
+                    <m:r>
+                      <a:rPr lang="en-US">
+                        <a:latin typeface="Cambria Math" panose="02040503050406030204" pitchFamily="18" charset="0"/>
+                      </a:rPr>
+                      <m:t>𝐴</m:t>
+                    </m:r>
+                    <m:sSub>
+                      <m:sSubPr>
+                        <m:ctrlPr>
+                          <a:rPr lang="ru-RU" i="1">
+                            <a:latin typeface="Cambria Math" panose="02040503050406030204" pitchFamily="18" charset="0"/>
+                          </a:rPr>
+                        </m:ctrlPr>
+                      </m:sSubPr>
+                      <m:e>
+                        <m:r>
+                          <a:rPr lang="en-US">
+                            <a:latin typeface="Cambria Math" panose="02040503050406030204" pitchFamily="18" charset="0"/>
+                          </a:rPr>
+                          <m:t>𝑅</m:t>
+                        </m:r>
+                      </m:e>
+                      <m:sub>
+                        <m:r>
+                          <a:rPr lang="en-US">
+                            <a:latin typeface="Cambria Math" panose="02040503050406030204" pitchFamily="18" charset="0"/>
+                          </a:rPr>
+                          <m:t>50</m:t>
+                        </m:r>
+                      </m:sub>
+                    </m:sSub>
+                  </m:oMath>
+                </a14:m>
+                <a:r>
+                  <a:rPr lang="ru-RU" dirty="0" smtClean="0"/>
+                  <a:t>=</a:t>
+                </a:r>
+                <a:r>
+                  <a:rPr lang="ru-RU" dirty="0"/>
+                  <a:t>90,5, </a:t>
+                </a:r>
+                <a14:m>
+                  <m:oMath xmlns:m="http://schemas.openxmlformats.org/officeDocument/2006/math">
+                    <m:r>
+                      <a:rPr lang="en-US">
+                        <a:latin typeface="Cambria Math" panose="02040503050406030204" pitchFamily="18" charset="0"/>
+                      </a:rPr>
+                      <m:t>𝐴</m:t>
+                    </m:r>
+                    <m:sSub>
+                      <m:sSubPr>
+                        <m:ctrlPr>
+                          <a:rPr lang="ru-RU" i="1">
+                            <a:latin typeface="Cambria Math" panose="02040503050406030204" pitchFamily="18" charset="0"/>
+                          </a:rPr>
+                        </m:ctrlPr>
+                      </m:sSubPr>
+                      <m:e>
+                        <m:r>
+                          <a:rPr lang="en-US">
+                            <a:latin typeface="Cambria Math" panose="02040503050406030204" pitchFamily="18" charset="0"/>
+                          </a:rPr>
+                          <m:t>𝑅</m:t>
+                        </m:r>
+                      </m:e>
+                      <m:sub>
+                        <m:r>
+                          <a:rPr lang="en-US">
+                            <a:latin typeface="Cambria Math" panose="02040503050406030204" pitchFamily="18" charset="0"/>
+                          </a:rPr>
+                          <m:t>75</m:t>
+                        </m:r>
+                      </m:sub>
+                    </m:sSub>
+                  </m:oMath>
+                </a14:m>
+                <a:r>
+                  <a:rPr lang="ru-RU" dirty="0"/>
+                  <a:t>=76,0. Эти результаты подтверждают, что ResNet50 обеспечивает оптимальный баланс между точностью и вычислительной эффективностью, что делает её предпочтительной для реальных приложений</a:t>
+                </a:r>
+                <a:r>
+                  <a:rPr lang="ru-RU" dirty="0" smtClean="0"/>
+                  <a:t>.</a:t>
+                </a:r>
+              </a:p>
+              <a:p>
+                <a:endParaRPr lang="ru-RU" dirty="0"/>
+              </a:p>
+              <a:p>
+                <a:r>
+                  <a:rPr lang="ru-RU" dirty="0"/>
+                  <a:t>Перспективы развития включают улучшение алгоритмов для изображений с низким разрешением, разработку новых методов обучения моделей, адаптируемых к различным условиям освещения и фона, и минимизацию времени обработки данных в реальном времени. Использование рекуррентных нейронных сетей (RNN) для анализа временных последовательностей движения также может значительно улучшить способность системы распознавать и интерпретировать сложные последовательности движений.</a:t>
+                </a:r>
+              </a:p>
+              <a:p>
+                <a:endParaRPr lang="ru-RU" dirty="0"/>
+              </a:p>
+              <a:p>
+                <a:r>
+                  <a:rPr lang="ru-RU" dirty="0"/>
+                  <a:t>Для дальнейшего улучшения системы целесообразно обогатить </a:t>
+                </a:r>
+                <a:r>
+                  <a:rPr lang="ru-RU" dirty="0" err="1"/>
+                  <a:t>датасет</a:t>
+                </a:r>
+                <a:r>
+                  <a:rPr lang="ru-RU" dirty="0"/>
+                  <a:t> COCO данными о глубине, что облегчит задачу построения 3D скелета и повысит общую точность модели.</a:t>
+                </a:r>
+                <a:endParaRPr lang="ru-RU" dirty="0"/>
+              </a:p>
+            </p:txBody>
+          </p:sp>
+        </mc:Choice>
+        <mc:Fallback>
+          <p:sp>
+            <p:nvSpPr>
+              <p:cNvPr id="11" name="TextBox 10"/>
+              <p:cNvSpPr txBox="1">
+                <a:spLocks noRot="1" noChangeAspect="1" noMove="1" noResize="1" noEditPoints="1" noAdjustHandles="1" noChangeArrowheads="1" noChangeShapeType="1" noTextEdit="1"/>
+              </p:cNvSpPr>
+              <p:nvPr/>
+            </p:nvSpPr>
+            <p:spPr>
+              <a:xfrm>
+                <a:off x="609600" y="1418755"/>
+                <a:ext cx="10951068" cy="3693319"/>
+              </a:xfrm>
+              <a:prstGeom prst="rect">
+                <a:avLst/>
+              </a:prstGeom>
+              <a:blipFill>
+                <a:blip r:embed="rId4"/>
+                <a:stretch>
+                  <a:fillRect l="-445" t="-990" r="-780" b="-1650"/>
+                </a:stretch>
+              </a:blipFill>
+            </p:spPr>
+            <p:txBody>
+              <a:bodyPr/>
+              <a:lstStyle/>
+              <a:p>
+                <a:r>
+                  <a:rPr lang="ru-RU">
+                    <a:noFill/>
+                  </a:rPr>
+                  <a:t> </a:t>
+                </a:r>
+              </a:p>
+            </p:txBody>
+          </p:sp>
+        </mc:Fallback>
+      </mc:AlternateContent>
+      <p:sp>
+        <p:nvSpPr>
+          <p:cNvPr id="8" name="TextBox 7"/>
+          <p:cNvSpPr txBox="1"/>
+          <p:nvPr/>
+        </p:nvSpPr>
+        <p:spPr>
+          <a:xfrm>
+            <a:off x="11143419" y="6289958"/>
+            <a:ext cx="417249" cy="430887"/>
+          </a:xfrm>
+          <a:prstGeom prst="rect">
+            <a:avLst/>
+          </a:prstGeom>
+          <a:noFill/>
+        </p:spPr>
+        <p:txBody>
+          <a:bodyPr wrap="square" rtlCol="0">
+            <a:spAutoFit/>
+          </a:bodyPr>
+          <a:lstStyle/>
+          <a:p>
+            <a:pPr algn="ctr"/>
+            <a:r>
+              <a:rPr lang="ru-RU" sz="1100" dirty="0">
+                <a:solidFill>
+                  <a:schemeClr val="bg1"/>
+                </a:solidFill>
+                <a:latin typeface="Elektra Medium Pro" panose="02000803000000020004" pitchFamily="50" charset="-52"/>
+              </a:rPr>
+              <a:t>9</a:t>
+            </a:r>
+            <a:r>
+              <a:rPr lang="en-US" sz="1100" dirty="0" smtClean="0">
+                <a:solidFill>
+                  <a:schemeClr val="bg1"/>
+                </a:solidFill>
+                <a:latin typeface="Elektra Medium Pro" panose="02000803000000020004" pitchFamily="50" charset="-52"/>
+              </a:rPr>
+              <a:t> / 10</a:t>
+            </a:r>
+            <a:endParaRPr lang="ru-RU" sz="1100" dirty="0">
+              <a:solidFill>
+                <a:schemeClr val="bg1"/>
+              </a:solidFill>
+              <a:latin typeface="Elektra Medium Pro" panose="02000803000000020004" pitchFamily="50" charset="-52"/>
+            </a:endParaRPr>
+          </a:p>
+        </p:txBody>
+      </p:sp>
+    </p:spTree>
+    <p:extLst>
+      <p:ext uri="{BB962C8B-B14F-4D97-AF65-F5344CB8AC3E}">
+        <p14:creationId xmlns:p14="http://schemas.microsoft.com/office/powerpoint/2010/main" val="1976770625"/>
+      </p:ext>
+    </p:extLst>
+  </p:cSld>
+  <p:clrMapOvr>
+    <a:masterClrMapping/>
+  </p:clrMapOvr>
+  <p:timing>
+    <p:tnLst>
+      <p:par>
+        <p:cTn id="1" dur="indefinite" restart="never" nodeType="tmRoot"/>
+      </p:par>
+    </p:tnLst>
+  </p:timing>
+</p:sld>
+</file>
+
+<file path=ppt/slides/slide11.xml><?xml version="1.0" encoding="utf-8"?>
+<p:sld xmlns:a="http://schemas.openxmlformats.org/drawingml/2006/main" xmlns:r="http://schemas.openxmlformats.org/officeDocument/2006/relationships" xmlns:p="http://schemas.openxmlformats.org/presentationml/2006/main">
+  <p:cSld>
+    <p:bg>
+      <p:bgPr>
         <a:solidFill>
           <a:schemeClr val="bg1"/>
         </a:solidFill>
@@ -4416,7 +9370,7 @@
     <p:bg>
       <p:bgPr>
         <a:blipFill dpi="0" rotWithShape="1">
-          <a:blip r:embed="rId2">
+          <a:blip r:embed="rId3">
             <a:lum/>
           </a:blip>
           <a:srcRect/>
@@ -4490,7 +9444,7 @@
         </p:nvSpPr>
         <p:spPr>
           <a:xfrm>
-            <a:off x="926663" y="5237825"/>
+            <a:off x="926663" y="5344357"/>
             <a:ext cx="5434877" cy="307777"/>
           </a:xfrm>
           <a:prstGeom prst="rect">
@@ -4532,7 +9486,7 @@
           <p:nvPr/>
         </p:nvPicPr>
         <p:blipFill>
-          <a:blip r:embed="rId3" cstate="print">
+          <a:blip r:embed="rId4" cstate="print">
             <a:extLst>
               <a:ext uri="{28A0092B-C50C-407E-A947-70E740481C1C}">
                 <a14:useLocalDpi xmlns:a14="http://schemas.microsoft.com/office/drawing/2010/main" val="0"/>
@@ -4546,7 +9500,7 @@
         </p:blipFill>
         <p:spPr bwMode="auto">
           <a:xfrm>
-            <a:off x="929266" y="1615736"/>
+            <a:off x="929266" y="1722268"/>
             <a:ext cx="5434877" cy="3622089"/>
           </a:xfrm>
           <a:prstGeom prst="rect">
@@ -4560,8 +9514,8 @@
           </a:ln>
         </p:spPr>
       </p:pic>
-      <mc:AlternateContent xmlns:mc="http://schemas.openxmlformats.org/markup-compatibility/2006" xmlns:a14="http://schemas.microsoft.com/office/drawing/2010/main">
-        <mc:Choice Requires="a14">
+      <mc:AlternateContent xmlns:mc="http://schemas.openxmlformats.org/markup-compatibility/2006">
+        <mc:Choice xmlns:a14="http://schemas.microsoft.com/office/drawing/2010/main" Requires="a14">
           <p:sp>
             <p:nvSpPr>
               <p:cNvPr id="10" name="TextBox 9"/>
@@ -4570,8 +9524,8 @@
             </p:nvSpPr>
             <p:spPr>
               <a:xfrm>
-                <a:off x="6514801" y="1995619"/>
-                <a:ext cx="5064260" cy="3139321"/>
+                <a:off x="6744983" y="1132655"/>
+                <a:ext cx="5064260" cy="4801314"/>
               </a:xfrm>
               <a:prstGeom prst="rect">
                 <a:avLst/>
@@ -4848,13 +9802,43 @@
                 </a:r>
                 <a:r>
                   <a:rPr lang="ru-RU" dirty="0"/>
-                  <a:t>вероятность правильного определения этих координат, основываясь на обучающем наборе данных, содержащем аннотированные изображения.</a:t>
+                  <a:t>вероятность правильного определения этих координат, основываясь на обучающем наборе данных, содержащем аннотированные изображения</a:t>
                 </a:r>
+                <a:r>
+                  <a:rPr lang="ru-RU" dirty="0" smtClean="0"/>
+                  <a:t>.</a:t>
+                </a:r>
+              </a:p>
+              <a:p>
+                <a:endParaRPr lang="ru-RU" dirty="0"/>
+              </a:p>
+              <a:p>
+                <a:r>
+                  <a:rPr lang="ru-RU" dirty="0"/>
+                  <a:t>Процесс обучения модели заключается в минимизации функции </a:t>
+                </a:r>
+                <a:r>
+                  <a:rPr lang="ru-RU" dirty="0" smtClean="0"/>
+                  <a:t>потерь</a:t>
+                </a:r>
+                <a:r>
+                  <a:rPr lang="ru-RU" dirty="0"/>
+                  <a:t>, которая оценивает разницу между предсказанными алгоритмом </a:t>
+                </a:r>
+                <a:r>
+                  <a:rPr lang="ru-RU" dirty="0" smtClean="0"/>
+                  <a:t>координатами </a:t>
+                </a:r>
+                <a:r>
+                  <a:rPr lang="ru-RU" dirty="0"/>
+                  <a:t>и истинными координатами точек на обучающих данных. </a:t>
+                </a:r>
+                <a:endParaRPr lang="ru-RU" dirty="0"/>
               </a:p>
             </p:txBody>
           </p:sp>
         </mc:Choice>
-        <mc:Fallback xmlns="">
+        <mc:Fallback>
           <p:sp>
             <p:nvSpPr>
               <p:cNvPr id="10" name="TextBox 9"/>
@@ -4865,16 +9849,16 @@
             </p:nvSpPr>
             <p:spPr>
               <a:xfrm>
-                <a:off x="6514801" y="1995619"/>
-                <a:ext cx="5064260" cy="3139321"/>
+                <a:off x="6744983" y="1132655"/>
+                <a:ext cx="5064260" cy="4801314"/>
               </a:xfrm>
               <a:prstGeom prst="rect">
                 <a:avLst/>
               </a:prstGeom>
               <a:blipFill>
-                <a:blip r:embed="rId4"/>
+                <a:blip r:embed="rId5"/>
                 <a:stretch>
-                  <a:fillRect l="-1084" t="-971" b="-2136"/>
+                  <a:fillRect l="-963" t="-762" b="-1144"/>
                 </a:stretch>
               </a:blipFill>
             </p:spPr>
@@ -4969,7 +9953,7 @@
     <p:bg>
       <p:bgPr>
         <a:blipFill dpi="0" rotWithShape="1">
-          <a:blip r:embed="rId2">
+          <a:blip r:embed="rId3">
             <a:lum/>
           </a:blip>
           <a:srcRect/>
@@ -5052,7 +10036,7 @@
         </p:nvSpPr>
         <p:spPr>
           <a:xfrm>
-            <a:off x="1501142" y="4908749"/>
+            <a:off x="1456754" y="4606909"/>
             <a:ext cx="3925705" cy="307777"/>
           </a:xfrm>
           <a:prstGeom prst="rect">
@@ -5094,7 +10078,7 @@
           <p:nvPr/>
         </p:nvPicPr>
         <p:blipFill>
-          <a:blip r:embed="rId3" cstate="print">
+          <a:blip r:embed="rId4" cstate="print">
             <a:extLst>
               <a:ext uri="{28A0092B-C50C-407E-A947-70E740481C1C}">
                 <a14:useLocalDpi xmlns:a14="http://schemas.microsoft.com/office/drawing/2010/main" val="0"/>
@@ -5108,7 +10092,7 @@
         </p:blipFill>
         <p:spPr bwMode="auto">
           <a:xfrm>
-            <a:off x="743949" y="1995619"/>
+            <a:off x="699561" y="1693779"/>
             <a:ext cx="5440093" cy="2913131"/>
           </a:xfrm>
           <a:prstGeom prst="rect">
@@ -5122,8 +10106,8 @@
           </a:ln>
         </p:spPr>
       </p:pic>
-      <mc:AlternateContent xmlns:mc="http://schemas.openxmlformats.org/markup-compatibility/2006" xmlns:a14="http://schemas.microsoft.com/office/drawing/2010/main">
-        <mc:Choice Requires="a14">
+      <mc:AlternateContent xmlns:mc="http://schemas.openxmlformats.org/markup-compatibility/2006">
+        <mc:Choice xmlns:a14="http://schemas.microsoft.com/office/drawing/2010/main" Requires="a14">
           <p:graphicFrame>
             <p:nvGraphicFramePr>
               <p:cNvPr id="2" name="Таблица 1"/>
@@ -5133,13 +10117,13 @@
               <p:nvPr>
                 <p:extLst>
                   <p:ext uri="{D42A27DB-BD31-4B8C-83A1-F6EECF244321}">
-                    <p14:modId xmlns:p14="http://schemas.microsoft.com/office/powerpoint/2010/main" val="199345353"/>
+                    <p14:modId xmlns:p14="http://schemas.microsoft.com/office/powerpoint/2010/main" val="734131114"/>
                   </p:ext>
                 </p:extLst>
               </p:nvPr>
             </p:nvGraphicFramePr>
             <p:xfrm>
-              <a:off x="6551721" y="1995620"/>
+              <a:off x="6507333" y="1693780"/>
               <a:ext cx="5131292" cy="2913129"/>
             </p:xfrm>
             <a:graphic>
@@ -5523,12 +10507,12 @@
                             </a:spcAft>
                           </a:pPr>
                           <a:r>
-                            <a:rPr lang="en-US" sz="1200">
+                            <a:rPr lang="en-US" sz="1200" dirty="0">
                               <a:effectLst/>
                             </a:rPr>
                             <a:t>ResNet-50</a:t>
                           </a:r>
-                          <a:endParaRPr lang="ru-RU" sz="1200">
+                          <a:endParaRPr lang="ru-RU" sz="1200" dirty="0">
                             <a:effectLst/>
                             <a:latin typeface="Times New Roman" panose="02020603050405020304" pitchFamily="18" charset="0"/>
                             <a:ea typeface="Times New Roman" panose="02020603050405020304" pitchFamily="18" charset="0"/>
@@ -5680,12 +10664,12 @@
                             </a:spcAft>
                           </a:pPr>
                           <a:r>
-                            <a:rPr lang="en-US" sz="1200">
+                            <a:rPr lang="en-US" sz="1200" dirty="0">
                               <a:effectLst/>
                             </a:rPr>
                             <a:t>Res2Net-50</a:t>
                           </a:r>
-                          <a:endParaRPr lang="ru-RU" sz="1200">
+                          <a:endParaRPr lang="ru-RU" sz="1200" dirty="0">
                             <a:effectLst/>
                             <a:latin typeface="Times New Roman" panose="02020603050405020304" pitchFamily="18" charset="0"/>
                             <a:ea typeface="Times New Roman" panose="02020603050405020304" pitchFamily="18" charset="0"/>
@@ -5705,12 +10689,12 @@
                             </a:spcAft>
                           </a:pPr>
                           <a:r>
-                            <a:rPr lang="en-US" sz="1200">
+                            <a:rPr lang="en-US" sz="1200" dirty="0">
                               <a:effectLst/>
                             </a:rPr>
                             <a:t>71,5</a:t>
                           </a:r>
-                          <a:endParaRPr lang="ru-RU" sz="1200">
+                          <a:endParaRPr lang="ru-RU" sz="1200" dirty="0">
                             <a:effectLst/>
                             <a:latin typeface="Times New Roman" panose="02020603050405020304" pitchFamily="18" charset="0"/>
                             <a:ea typeface="Times New Roman" panose="02020603050405020304" pitchFamily="18" charset="0"/>
@@ -5730,12 +10714,12 @@
                             </a:spcAft>
                           </a:pPr>
                           <a:r>
-                            <a:rPr lang="en-US" sz="1200">
+                            <a:rPr lang="en-US" sz="1200" dirty="0">
                               <a:effectLst/>
                             </a:rPr>
                             <a:t>89,0</a:t>
                           </a:r>
-                          <a:endParaRPr lang="ru-RU" sz="1200">
+                          <a:endParaRPr lang="ru-RU" sz="1200" dirty="0">
                             <a:effectLst/>
                             <a:latin typeface="Times New Roman" panose="02020603050405020304" pitchFamily="18" charset="0"/>
                             <a:ea typeface="Times New Roman" panose="02020603050405020304" pitchFamily="18" charset="0"/>
@@ -5887,12 +10871,12 @@
                             </a:spcAft>
                           </a:pPr>
                           <a:r>
-                            <a:rPr lang="en-US" sz="1200">
+                            <a:rPr lang="en-US" sz="1200" dirty="0">
                               <a:effectLst/>
                             </a:rPr>
                             <a:t>89,3</a:t>
                           </a:r>
-                          <a:endParaRPr lang="ru-RU" sz="1200">
+                          <a:endParaRPr lang="ru-RU" sz="1200" dirty="0">
                             <a:effectLst/>
                             <a:latin typeface="Times New Roman" panose="02020603050405020304" pitchFamily="18" charset="0"/>
                             <a:ea typeface="Times New Roman" panose="02020603050405020304" pitchFamily="18" charset="0"/>
@@ -5912,12 +10896,12 @@
                             </a:spcAft>
                           </a:pPr>
                           <a:r>
-                            <a:rPr lang="en-US" sz="1200">
+                            <a:rPr lang="en-US" sz="1200" dirty="0">
                               <a:effectLst/>
                             </a:rPr>
                             <a:t>79,3</a:t>
                           </a:r>
-                          <a:endParaRPr lang="ru-RU" sz="1200">
+                          <a:endParaRPr lang="ru-RU" sz="1200" dirty="0">
                             <a:effectLst/>
                             <a:latin typeface="Times New Roman" panose="02020603050405020304" pitchFamily="18" charset="0"/>
                             <a:ea typeface="Times New Roman" panose="02020603050405020304" pitchFamily="18" charset="0"/>
@@ -6069,12 +11053,12 @@
                             </a:spcAft>
                           </a:pPr>
                           <a:r>
-                            <a:rPr lang="en-US" sz="1200">
+                            <a:rPr lang="en-US" sz="1200" dirty="0">
                               <a:effectLst/>
                             </a:rPr>
                             <a:t>79,8</a:t>
                           </a:r>
-                          <a:endParaRPr lang="ru-RU" sz="1200">
+                          <a:endParaRPr lang="ru-RU" sz="1200" dirty="0">
                             <a:effectLst/>
                             <a:latin typeface="Times New Roman" panose="02020603050405020304" pitchFamily="18" charset="0"/>
                             <a:ea typeface="Times New Roman" panose="02020603050405020304" pitchFamily="18" charset="0"/>
@@ -6251,12 +11235,12 @@
                             </a:spcAft>
                           </a:pPr>
                           <a:r>
-                            <a:rPr lang="en-US" sz="1200">
+                            <a:rPr lang="en-US" sz="1200" dirty="0">
                               <a:effectLst/>
                             </a:rPr>
                             <a:t>58,5</a:t>
                           </a:r>
-                          <a:endParaRPr lang="ru-RU" sz="1200">
+                          <a:endParaRPr lang="ru-RU" sz="1200" dirty="0">
                             <a:effectLst/>
                             <a:latin typeface="Times New Roman" panose="02020603050405020304" pitchFamily="18" charset="0"/>
                             <a:ea typeface="Times New Roman" panose="02020603050405020304" pitchFamily="18" charset="0"/>
@@ -6408,12 +11392,12 @@
                             </a:spcAft>
                           </a:pPr>
                           <a:r>
-                            <a:rPr lang="en-US" sz="1200">
+                            <a:rPr lang="en-US" sz="1200" dirty="0">
                               <a:effectLst/>
                             </a:rPr>
                             <a:t>69,5</a:t>
                           </a:r>
-                          <a:endParaRPr lang="ru-RU" sz="1200">
+                          <a:endParaRPr lang="ru-RU" sz="1200" dirty="0">
                             <a:effectLst/>
                             <a:latin typeface="Times New Roman" panose="02020603050405020304" pitchFamily="18" charset="0"/>
                             <a:ea typeface="Times New Roman" panose="02020603050405020304" pitchFamily="18" charset="0"/>
@@ -6458,7 +11442,7 @@
             </a:graphic>
           </p:graphicFrame>
         </mc:Choice>
-        <mc:Fallback xmlns="">
+        <mc:Fallback>
           <p:graphicFrame>
             <p:nvGraphicFramePr>
               <p:cNvPr id="2" name="Таблица 1"/>
@@ -6468,13 +11452,13 @@
               <p:nvPr>
                 <p:extLst>
                   <p:ext uri="{D42A27DB-BD31-4B8C-83A1-F6EECF244321}">
-                    <p14:modId xmlns:p14="http://schemas.microsoft.com/office/powerpoint/2010/main" val="199345353"/>
+                    <p14:modId xmlns:p14="http://schemas.microsoft.com/office/powerpoint/2010/main" val="734131114"/>
                   </p:ext>
                 </p:extLst>
               </p:nvPr>
             </p:nvGraphicFramePr>
             <p:xfrm>
-              <a:off x="6551721" y="1995620"/>
+              <a:off x="6507333" y="1693780"/>
               <a:ext cx="5131292" cy="2913129"/>
             </p:xfrm>
             <a:graphic>
@@ -6563,7 +11547,7 @@
                       </a:txBody>
                       <a:tcPr marL="68580" marR="68580" marT="0" marB="0" anchor="ctr">
                         <a:blipFill>
-                          <a:blip r:embed="rId4"/>
+                          <a:blip r:embed="rId5"/>
                           <a:stretch>
                             <a:fillRect l="-248148" t="-1429" r="-698765" b="-587143"/>
                           </a:stretch>
@@ -6580,7 +11564,7 @@
                       </a:txBody>
                       <a:tcPr marL="68580" marR="68580" marT="0" marB="0" anchor="ctr">
                         <a:blipFill>
-                          <a:blip r:embed="rId4"/>
+                          <a:blip r:embed="rId5"/>
                           <a:stretch>
                             <a:fillRect l="-200000" t="-1429" r="-301418" b="-587143"/>
                           </a:stretch>
@@ -6597,7 +11581,7 @@
                       </a:txBody>
                       <a:tcPr marL="68580" marR="68580" marT="0" marB="0" anchor="ctr">
                         <a:blipFill>
-                          <a:blip r:embed="rId4"/>
+                          <a:blip r:embed="rId5"/>
                           <a:stretch>
                             <a:fillRect l="-302143" t="-1429" r="-203571" b="-587143"/>
                           </a:stretch>
@@ -6614,7 +11598,7 @@
                       </a:txBody>
                       <a:tcPr marL="68580" marR="68580" marT="0" marB="0" anchor="ctr">
                         <a:blipFill>
-                          <a:blip r:embed="rId4"/>
+                          <a:blip r:embed="rId5"/>
                           <a:stretch>
                             <a:fillRect l="-399291" t="-1429" r="-102128" b="-587143"/>
                           </a:stretch>
@@ -6631,7 +11615,7 @@
                       </a:txBody>
                       <a:tcPr marL="68580" marR="68580" marT="0" marB="0" anchor="ctr">
                         <a:blipFill>
-                          <a:blip r:embed="rId4"/>
+                          <a:blip r:embed="rId5"/>
                           <a:stretch>
                             <a:fillRect l="-502857" t="-1429" r="-2857" b="-587143"/>
                           </a:stretch>
@@ -6656,12 +11640,12 @@
                             </a:spcAft>
                           </a:pPr>
                           <a:r>
-                            <a:rPr lang="en-US" sz="1200">
+                            <a:rPr lang="en-US" sz="1200" dirty="0">
                               <a:effectLst/>
                             </a:rPr>
                             <a:t>ResNet-50</a:t>
                           </a:r>
-                          <a:endParaRPr lang="ru-RU" sz="1200">
+                          <a:endParaRPr lang="ru-RU" sz="1200" dirty="0">
                             <a:effectLst/>
                             <a:latin typeface="Times New Roman" panose="02020603050405020304" pitchFamily="18" charset="0"/>
                             <a:ea typeface="Times New Roman" panose="02020603050405020304" pitchFamily="18" charset="0"/>
@@ -6813,12 +11797,12 @@
                             </a:spcAft>
                           </a:pPr>
                           <a:r>
-                            <a:rPr lang="en-US" sz="1200">
+                            <a:rPr lang="en-US" sz="1200" dirty="0">
                               <a:effectLst/>
                             </a:rPr>
                             <a:t>Res2Net-50</a:t>
                           </a:r>
-                          <a:endParaRPr lang="ru-RU" sz="1200">
+                          <a:endParaRPr lang="ru-RU" sz="1200" dirty="0">
                             <a:effectLst/>
                             <a:latin typeface="Times New Roman" panose="02020603050405020304" pitchFamily="18" charset="0"/>
                             <a:ea typeface="Times New Roman" panose="02020603050405020304" pitchFamily="18" charset="0"/>
@@ -6838,12 +11822,12 @@
                             </a:spcAft>
                           </a:pPr>
                           <a:r>
-                            <a:rPr lang="en-US" sz="1200">
+                            <a:rPr lang="en-US" sz="1200" dirty="0">
                               <a:effectLst/>
                             </a:rPr>
                             <a:t>71,5</a:t>
                           </a:r>
-                          <a:endParaRPr lang="ru-RU" sz="1200">
+                          <a:endParaRPr lang="ru-RU" sz="1200" dirty="0">
                             <a:effectLst/>
                             <a:latin typeface="Times New Roman" panose="02020603050405020304" pitchFamily="18" charset="0"/>
                             <a:ea typeface="Times New Roman" panose="02020603050405020304" pitchFamily="18" charset="0"/>
@@ -6863,12 +11847,12 @@
                             </a:spcAft>
                           </a:pPr>
                           <a:r>
-                            <a:rPr lang="en-US" sz="1200">
+                            <a:rPr lang="en-US" sz="1200" dirty="0">
                               <a:effectLst/>
                             </a:rPr>
                             <a:t>89,0</a:t>
                           </a:r>
-                          <a:endParaRPr lang="ru-RU" sz="1200">
+                          <a:endParaRPr lang="ru-RU" sz="1200" dirty="0">
                             <a:effectLst/>
                             <a:latin typeface="Times New Roman" panose="02020603050405020304" pitchFamily="18" charset="0"/>
                             <a:ea typeface="Times New Roman" panose="02020603050405020304" pitchFamily="18" charset="0"/>
@@ -7020,12 +12004,12 @@
                             </a:spcAft>
                           </a:pPr>
                           <a:r>
-                            <a:rPr lang="en-US" sz="1200">
+                            <a:rPr lang="en-US" sz="1200" dirty="0">
                               <a:effectLst/>
                             </a:rPr>
                             <a:t>89,3</a:t>
                           </a:r>
-                          <a:endParaRPr lang="ru-RU" sz="1200">
+                          <a:endParaRPr lang="ru-RU" sz="1200" dirty="0">
                             <a:effectLst/>
                             <a:latin typeface="Times New Roman" panose="02020603050405020304" pitchFamily="18" charset="0"/>
                             <a:ea typeface="Times New Roman" panose="02020603050405020304" pitchFamily="18" charset="0"/>
@@ -7045,12 +12029,12 @@
                             </a:spcAft>
                           </a:pPr>
                           <a:r>
-                            <a:rPr lang="en-US" sz="1200">
+                            <a:rPr lang="en-US" sz="1200" dirty="0">
                               <a:effectLst/>
                             </a:rPr>
                             <a:t>79,3</a:t>
                           </a:r>
-                          <a:endParaRPr lang="ru-RU" sz="1200">
+                          <a:endParaRPr lang="ru-RU" sz="1200" dirty="0">
                             <a:effectLst/>
                             <a:latin typeface="Times New Roman" panose="02020603050405020304" pitchFamily="18" charset="0"/>
                             <a:ea typeface="Times New Roman" panose="02020603050405020304" pitchFamily="18" charset="0"/>
@@ -7202,12 +12186,12 @@
                             </a:spcAft>
                           </a:pPr>
                           <a:r>
-                            <a:rPr lang="en-US" sz="1200">
+                            <a:rPr lang="en-US" sz="1200" dirty="0">
                               <a:effectLst/>
                             </a:rPr>
                             <a:t>79,8</a:t>
                           </a:r>
-                          <a:endParaRPr lang="ru-RU" sz="1200">
+                          <a:endParaRPr lang="ru-RU" sz="1200" dirty="0">
                             <a:effectLst/>
                             <a:latin typeface="Times New Roman" panose="02020603050405020304" pitchFamily="18" charset="0"/>
                             <a:ea typeface="Times New Roman" panose="02020603050405020304" pitchFamily="18" charset="0"/>
@@ -7384,12 +12368,12 @@
                             </a:spcAft>
                           </a:pPr>
                           <a:r>
-                            <a:rPr lang="en-US" sz="1200">
+                            <a:rPr lang="en-US" sz="1200" dirty="0">
                               <a:effectLst/>
                             </a:rPr>
                             <a:t>58,5</a:t>
                           </a:r>
-                          <a:endParaRPr lang="ru-RU" sz="1200">
+                          <a:endParaRPr lang="ru-RU" sz="1200" dirty="0">
                             <a:effectLst/>
                             <a:latin typeface="Times New Roman" panose="02020603050405020304" pitchFamily="18" charset="0"/>
                             <a:ea typeface="Times New Roman" panose="02020603050405020304" pitchFamily="18" charset="0"/>
@@ -7541,12 +12525,12 @@
                             </a:spcAft>
                           </a:pPr>
                           <a:r>
-                            <a:rPr lang="en-US" sz="1200">
+                            <a:rPr lang="en-US" sz="1200" dirty="0">
                               <a:effectLst/>
                             </a:rPr>
                             <a:t>69,5</a:t>
                           </a:r>
-                          <a:endParaRPr lang="ru-RU" sz="1200">
+                          <a:endParaRPr lang="ru-RU" sz="1200" dirty="0">
                             <a:effectLst/>
                             <a:latin typeface="Times New Roman" panose="02020603050405020304" pitchFamily="18" charset="0"/>
                             <a:ea typeface="Times New Roman" panose="02020603050405020304" pitchFamily="18" charset="0"/>
@@ -7600,7 +12584,7 @@
         </p:nvSpPr>
         <p:spPr>
           <a:xfrm>
-            <a:off x="6551722" y="4908749"/>
+            <a:off x="6507334" y="4606909"/>
             <a:ext cx="5131292" cy="523220"/>
           </a:xfrm>
           <a:prstGeom prst="rect">
@@ -7706,7 +12690,7 @@
     <p:bg>
       <p:bgPr>
         <a:blipFill dpi="0" rotWithShape="1">
-          <a:blip r:embed="rId2">
+          <a:blip r:embed="rId3">
             <a:lum/>
           </a:blip>
           <a:srcRect/>
@@ -7861,7 +12845,7 @@
           <p:nvPr/>
         </p:nvPicPr>
         <p:blipFill>
-          <a:blip r:embed="rId3"/>
+          <a:blip r:embed="rId4"/>
           <a:stretch>
             <a:fillRect/>
           </a:stretch>
@@ -7888,7 +12872,7 @@
           <p:nvPr/>
         </p:nvPicPr>
         <p:blipFill>
-          <a:blip r:embed="rId4" cstate="print">
+          <a:blip r:embed="rId5" cstate="print">
             <a:extLst>
               <a:ext uri="{28A0092B-C50C-407E-A947-70E740481C1C}">
                 <a14:useLocalDpi xmlns:a14="http://schemas.microsoft.com/office/drawing/2010/main" val="0"/>
@@ -7938,6 +12922,7 @@
           </a:bodyPr>
           <a:lstStyle/>
           <a:p>
+            <a:pPr algn="ctr"/>
             <a:r>
               <a:rPr lang="ru-RU" sz="1600" dirty="0" smtClean="0"/>
               <a:t>Рисунок 3 – Карта глубины</a:t>
@@ -7976,6 +12961,7 @@
           </a:bodyPr>
           <a:lstStyle/>
           <a:p>
+            <a:pPr algn="ctr"/>
             <a:r>
               <a:rPr lang="ru-RU" sz="1600" dirty="0" smtClean="0"/>
               <a:t>Рисунок 4 </a:t>
@@ -8843,7 +13829,7 @@
                               </m:oMath>
                             </m:oMathPara>
                           </a14:m>
-                          <a:endParaRPr lang="ru-RU" sz="1400">
+                          <a:endParaRPr lang="ru-RU" sz="1400" dirty="0">
                             <a:effectLst/>
                             <a:latin typeface="Times New Roman" panose="02020603050405020304" pitchFamily="18" charset="0"/>
                             <a:ea typeface="Times New Roman" panose="02020603050405020304" pitchFamily="18" charset="0"/>
@@ -8906,7 +13892,7 @@
                               </m:oMath>
                             </m:oMathPara>
                           </a14:m>
-                          <a:endParaRPr lang="ru-RU" sz="1400">
+                          <a:endParaRPr lang="ru-RU" sz="1400" dirty="0">
                             <a:effectLst/>
                             <a:latin typeface="Times New Roman" panose="02020603050405020304" pitchFamily="18" charset="0"/>
                             <a:ea typeface="Times New Roman" panose="02020603050405020304" pitchFamily="18" charset="0"/>
@@ -8969,7 +13955,7 @@
                               </m:oMath>
                             </m:oMathPara>
                           </a14:m>
-                          <a:endParaRPr lang="ru-RU" sz="1400">
+                          <a:endParaRPr lang="ru-RU" sz="1400" dirty="0">
                             <a:effectLst/>
                             <a:latin typeface="Times New Roman" panose="02020603050405020304" pitchFamily="18" charset="0"/>
                             <a:ea typeface="Times New Roman" panose="02020603050405020304" pitchFamily="18" charset="0"/>
@@ -9032,7 +14018,7 @@
                               </m:oMath>
                             </m:oMathPara>
                           </a14:m>
-                          <a:endParaRPr lang="ru-RU" sz="1400">
+                          <a:endParaRPr lang="ru-RU" sz="1400" dirty="0">
                             <a:effectLst/>
                             <a:latin typeface="Times New Roman" panose="02020603050405020304" pitchFamily="18" charset="0"/>
                             <a:ea typeface="Times New Roman" panose="02020603050405020304" pitchFamily="18" charset="0"/>

--- a/ВКРБ_Сорока Александр_Презентация.pptx
+++ b/ВКРБ_Сорока Александр_Презентация.pptx
@@ -702,8 +702,8 @@
         </p:nvSpPr>
         <p:spPr/>
       </p:sp>
-      <mc:AlternateContent xmlns:mc="http://schemas.openxmlformats.org/markup-compatibility/2006">
-        <mc:Choice xmlns:a14="http://schemas.microsoft.com/office/drawing/2010/main" Requires="a14">
+      <mc:AlternateContent xmlns:mc="http://schemas.openxmlformats.org/markup-compatibility/2006" xmlns:a14="http://schemas.microsoft.com/office/drawing/2010/main">
+        <mc:Choice Requires="a14">
           <p:sp>
             <p:nvSpPr>
               <p:cNvPr id="3" name="Заметки 2"/>
@@ -1021,7 +1021,7 @@
             </p:txBody>
           </p:sp>
         </mc:Choice>
-        <mc:Fallback>
+        <mc:Fallback xmlns="">
           <p:sp>
             <p:nvSpPr>
               <p:cNvPr id="3" name="Заметки 2"/>
@@ -5062,8 +5062,8 @@
         </p:nvSpPr>
         <p:spPr/>
       </p:sp>
-      <mc:AlternateContent xmlns:mc="http://schemas.openxmlformats.org/markup-compatibility/2006">
-        <mc:Choice xmlns:a14="http://schemas.microsoft.com/office/drawing/2010/main" Requires="a14">
+      <mc:AlternateContent xmlns:mc="http://schemas.openxmlformats.org/markup-compatibility/2006" xmlns:a14="http://schemas.microsoft.com/office/drawing/2010/main">
+        <mc:Choice Requires="a14">
           <p:sp>
             <p:nvSpPr>
               <p:cNvPr id="3" name="Заметки 2"/>
@@ -5277,7 +5277,7 @@
             </p:txBody>
           </p:sp>
         </mc:Choice>
-        <mc:Fallback>
+        <mc:Fallback xmlns="">
           <p:sp>
             <p:nvSpPr>
               <p:cNvPr id="3" name="Заметки 2"/>
@@ -8618,8 +8618,8 @@
           </a:p>
         </p:txBody>
       </p:sp>
-      <mc:AlternateContent xmlns:mc="http://schemas.openxmlformats.org/markup-compatibility/2006">
-        <mc:Choice xmlns:a14="http://schemas.microsoft.com/office/drawing/2010/main" Requires="a14">
+      <mc:AlternateContent xmlns:mc="http://schemas.openxmlformats.org/markup-compatibility/2006" xmlns:a14="http://schemas.microsoft.com/office/drawing/2010/main">
+        <mc:Choice Requires="a14">
           <p:sp>
             <p:nvSpPr>
               <p:cNvPr id="11" name="TextBox 10"/>
@@ -8836,12 +8836,11 @@
                   <a:rPr lang="ru-RU" dirty="0"/>
                   <a:t> COCO данными о глубине, что облегчит задачу построения 3D скелета и повысит общую точность модели.</a:t>
                 </a:r>
-                <a:endParaRPr lang="ru-RU" dirty="0"/>
               </a:p>
             </p:txBody>
           </p:sp>
         </mc:Choice>
-        <mc:Fallback>
+        <mc:Fallback xmlns="">
           <p:sp>
             <p:nvSpPr>
               <p:cNvPr id="11" name="TextBox 10"/>
@@ -8888,8 +8887,8 @@
         </p:nvSpPr>
         <p:spPr>
           <a:xfrm>
-            <a:off x="11143419" y="6289958"/>
-            <a:ext cx="417249" cy="430887"/>
+            <a:off x="11143419" y="6307843"/>
+            <a:ext cx="417249" cy="415498"/>
           </a:xfrm>
           <a:prstGeom prst="rect">
             <a:avLst/>
@@ -8904,24 +8903,33 @@
           <a:p>
             <a:pPr algn="ctr"/>
             <a:r>
-              <a:rPr lang="ru-RU" sz="1100" dirty="0">
+              <a:rPr lang="ru-RU" sz="1050" dirty="0" smtClean="0">
                 <a:solidFill>
                   <a:schemeClr val="bg1"/>
                 </a:solidFill>
                 <a:latin typeface="Elektra Medium Pro" panose="02000803000000020004" pitchFamily="50" charset="-52"/>
               </a:rPr>
-              <a:t>9</a:t>
-            </a:r>
-            <a:r>
-              <a:rPr lang="en-US" sz="1100" dirty="0" smtClean="0">
+              <a:t>10</a:t>
+            </a:r>
+            <a:r>
+              <a:rPr lang="en-US" sz="1050" dirty="0" smtClean="0">
                 <a:solidFill>
                   <a:schemeClr val="bg1"/>
                 </a:solidFill>
                 <a:latin typeface="Elektra Medium Pro" panose="02000803000000020004" pitchFamily="50" charset="-52"/>
               </a:rPr>
-              <a:t> / 10</a:t>
-            </a:r>
-            <a:endParaRPr lang="ru-RU" sz="1100" dirty="0">
+              <a:t> </a:t>
+            </a:r>
+            <a:r>
+              <a:rPr lang="en-US" sz="1050" dirty="0" smtClean="0">
+                <a:solidFill>
+                  <a:schemeClr val="bg1"/>
+                </a:solidFill>
+                <a:latin typeface="Elektra Medium Pro" panose="02000803000000020004" pitchFamily="50" charset="-52"/>
+              </a:rPr>
+              <a:t>/ 10</a:t>
+            </a:r>
+            <a:endParaRPr lang="ru-RU" sz="1050" dirty="0">
               <a:solidFill>
                 <a:schemeClr val="bg1"/>
               </a:solidFill>
@@ -9514,8 +9522,8 @@
           </a:ln>
         </p:spPr>
       </p:pic>
-      <mc:AlternateContent xmlns:mc="http://schemas.openxmlformats.org/markup-compatibility/2006">
-        <mc:Choice xmlns:a14="http://schemas.microsoft.com/office/drawing/2010/main" Requires="a14">
+      <mc:AlternateContent xmlns:mc="http://schemas.openxmlformats.org/markup-compatibility/2006" xmlns:a14="http://schemas.microsoft.com/office/drawing/2010/main">
+        <mc:Choice Requires="a14">
           <p:sp>
             <p:nvSpPr>
               <p:cNvPr id="10" name="TextBox 9"/>
@@ -9833,12 +9841,11 @@
                   <a:rPr lang="ru-RU" dirty="0"/>
                   <a:t>и истинными координатами точек на обучающих данных. </a:t>
                 </a:r>
-                <a:endParaRPr lang="ru-RU" dirty="0"/>
               </a:p>
             </p:txBody>
           </p:sp>
         </mc:Choice>
-        <mc:Fallback>
+        <mc:Fallback xmlns="">
           <p:sp>
             <p:nvSpPr>
               <p:cNvPr id="10" name="TextBox 9"/>
@@ -10106,8 +10113,8 @@
           </a:ln>
         </p:spPr>
       </p:pic>
-      <mc:AlternateContent xmlns:mc="http://schemas.openxmlformats.org/markup-compatibility/2006">
-        <mc:Choice xmlns:a14="http://schemas.microsoft.com/office/drawing/2010/main" Requires="a14">
+      <mc:AlternateContent xmlns:mc="http://schemas.openxmlformats.org/markup-compatibility/2006" xmlns:a14="http://schemas.microsoft.com/office/drawing/2010/main">
+        <mc:Choice Requires="a14">
           <p:graphicFrame>
             <p:nvGraphicFramePr>
               <p:cNvPr id="2" name="Таблица 1"/>
@@ -11442,7 +11449,7 @@
             </a:graphic>
           </p:graphicFrame>
         </mc:Choice>
-        <mc:Fallback>
+        <mc:Fallback xmlns="">
           <p:graphicFrame>
             <p:nvGraphicFramePr>
               <p:cNvPr id="2" name="Таблица 1"/>
